--- a/docs/diagrams/LogicComponentSequenceDiagram.pptx
+++ b/docs/diagrams/LogicComponentSequenceDiagram.pptx
@@ -107,6 +107,22 @@
       </a:defRPr>
     </a:lvl9pPr>
   </p:defaultTextStyle>
+  <p:extLst>
+    <p:ext uri="{EFAFB233-063F-42B5-8137-9DF3F51BA10A}">
+      <p15:sldGuideLst xmlns:p15="http://schemas.microsoft.com/office/powerpoint/2012/main">
+        <p15:guide id="1" orient="horz" pos="1488">
+          <p15:clr>
+            <a:srgbClr val="A4A3A4"/>
+          </p15:clr>
+        </p15:guide>
+        <p15:guide id="2" pos="2880">
+          <p15:clr>
+            <a:srgbClr val="A4A3A4"/>
+          </p15:clr>
+        </p15:guide>
+      </p15:sldGuideLst>
+    </p:ext>
+  </p:extLst>
 </p:presentation>
 </file>
 
@@ -192,7 +208,7 @@
           <a:p>
             <a:fld id="{F5CC4B3F-88C1-4FFA-B1B6-F41C21DC6924}" type="datetimeFigureOut">
               <a:rPr lang="en-US" smtClean="0"/>
-              <a:t>10/16/2016</a:t>
+              <a:t>2/2/2017</a:t>
             </a:fld>
             <a:endParaRPr lang="en-US"/>
           </a:p>
@@ -641,7 +657,7 @@
           <a:p>
             <a:fld id="{78C97017-6FC3-485B-9764-EAC9E56C1D49}" type="datetimeFigureOut">
               <a:rPr lang="en-US" smtClean="0"/>
-              <a:t>10/16/2016</a:t>
+              <a:t>2/2/2017</a:t>
             </a:fld>
             <a:endParaRPr lang="en-US"/>
           </a:p>
@@ -811,7 +827,7 @@
           <a:p>
             <a:fld id="{78C97017-6FC3-485B-9764-EAC9E56C1D49}" type="datetimeFigureOut">
               <a:rPr lang="en-US" smtClean="0"/>
-              <a:t>10/16/2016</a:t>
+              <a:t>2/2/2017</a:t>
             </a:fld>
             <a:endParaRPr lang="en-US"/>
           </a:p>
@@ -991,7 +1007,7 @@
           <a:p>
             <a:fld id="{78C97017-6FC3-485B-9764-EAC9E56C1D49}" type="datetimeFigureOut">
               <a:rPr lang="en-US" smtClean="0"/>
-              <a:t>10/16/2016</a:t>
+              <a:t>2/2/2017</a:t>
             </a:fld>
             <a:endParaRPr lang="en-US"/>
           </a:p>
@@ -1161,7 +1177,7 @@
           <a:p>
             <a:fld id="{78C97017-6FC3-485B-9764-EAC9E56C1D49}" type="datetimeFigureOut">
               <a:rPr lang="en-US" smtClean="0"/>
-              <a:t>10/16/2016</a:t>
+              <a:t>2/2/2017</a:t>
             </a:fld>
             <a:endParaRPr lang="en-US"/>
           </a:p>
@@ -1407,7 +1423,7 @@
           <a:p>
             <a:fld id="{78C97017-6FC3-485B-9764-EAC9E56C1D49}" type="datetimeFigureOut">
               <a:rPr lang="en-US" smtClean="0"/>
-              <a:t>10/16/2016</a:t>
+              <a:t>2/2/2017</a:t>
             </a:fld>
             <a:endParaRPr lang="en-US"/>
           </a:p>
@@ -1695,7 +1711,7 @@
           <a:p>
             <a:fld id="{78C97017-6FC3-485B-9764-EAC9E56C1D49}" type="datetimeFigureOut">
               <a:rPr lang="en-US" smtClean="0"/>
-              <a:t>10/16/2016</a:t>
+              <a:t>2/2/2017</a:t>
             </a:fld>
             <a:endParaRPr lang="en-US"/>
           </a:p>
@@ -2117,7 +2133,7 @@
           <a:p>
             <a:fld id="{78C97017-6FC3-485B-9764-EAC9E56C1D49}" type="datetimeFigureOut">
               <a:rPr lang="en-US" smtClean="0"/>
-              <a:t>10/16/2016</a:t>
+              <a:t>2/2/2017</a:t>
             </a:fld>
             <a:endParaRPr lang="en-US"/>
           </a:p>
@@ -2235,7 +2251,7 @@
           <a:p>
             <a:fld id="{78C97017-6FC3-485B-9764-EAC9E56C1D49}" type="datetimeFigureOut">
               <a:rPr lang="en-US" smtClean="0"/>
-              <a:t>10/16/2016</a:t>
+              <a:t>2/2/2017</a:t>
             </a:fld>
             <a:endParaRPr lang="en-US"/>
           </a:p>
@@ -2330,7 +2346,7 @@
           <a:p>
             <a:fld id="{78C97017-6FC3-485B-9764-EAC9E56C1D49}" type="datetimeFigureOut">
               <a:rPr lang="en-US" smtClean="0"/>
-              <a:t>10/16/2016</a:t>
+              <a:t>2/2/2017</a:t>
             </a:fld>
             <a:endParaRPr lang="en-US"/>
           </a:p>
@@ -2607,7 +2623,7 @@
           <a:p>
             <a:fld id="{78C97017-6FC3-485B-9764-EAC9E56C1D49}" type="datetimeFigureOut">
               <a:rPr lang="en-US" smtClean="0"/>
-              <a:t>10/16/2016</a:t>
+              <a:t>2/2/2017</a:t>
             </a:fld>
             <a:endParaRPr lang="en-US"/>
           </a:p>
@@ -2860,7 +2876,7 @@
           <a:p>
             <a:fld id="{78C97017-6FC3-485B-9764-EAC9E56C1D49}" type="datetimeFigureOut">
               <a:rPr lang="en-US" smtClean="0"/>
-              <a:t>10/16/2016</a:t>
+              <a:t>2/2/2017</a:t>
             </a:fld>
             <a:endParaRPr lang="en-US"/>
           </a:p>
@@ -3073,7 +3089,7 @@
           <a:p>
             <a:fld id="{78C97017-6FC3-485B-9764-EAC9E56C1D49}" type="datetimeFigureOut">
               <a:rPr lang="en-US" smtClean="0"/>
-              <a:t>10/16/2016</a:t>
+              <a:t>2/2/2017</a:t>
             </a:fld>
             <a:endParaRPr lang="en-US"/>
           </a:p>
@@ -3457,7 +3473,7 @@
         <p:spPr>
           <a:xfrm>
             <a:off x="685800" y="1981200"/>
-            <a:ext cx="7086600" cy="4000286"/>
+            <a:ext cx="7252956" cy="4000286"/>
           </a:xfrm>
           <a:prstGeom prst="roundRect">
             <a:avLst>
@@ -3517,7 +3533,7 @@
         </p:nvSpPr>
         <p:spPr>
           <a:xfrm>
-            <a:off x="1007063" y="2296546"/>
+            <a:off x="845045" y="2296546"/>
             <a:ext cx="1455629" cy="346760"/>
           </a:xfrm>
           <a:prstGeom prst="rect">
@@ -3584,7 +3600,7 @@
         </p:nvCxnSpPr>
         <p:spPr>
           <a:xfrm>
-            <a:off x="1734877" y="2660217"/>
+            <a:off x="1572859" y="2660217"/>
             <a:ext cx="0" cy="2597583"/>
           </a:xfrm>
           <a:prstGeom prst="line">
@@ -3621,7 +3637,7 @@
         </p:nvSpPr>
         <p:spPr>
           <a:xfrm>
-            <a:off x="1662869" y="3010911"/>
+            <a:off x="1500851" y="3010911"/>
             <a:ext cx="152400" cy="2780287"/>
           </a:xfrm>
           <a:prstGeom prst="rect">
@@ -3668,7 +3684,7 @@
         </p:nvSpPr>
         <p:spPr>
           <a:xfrm>
-            <a:off x="3411783" y="2300233"/>
+            <a:off x="2809782" y="2300233"/>
             <a:ext cx="1093635" cy="346760"/>
           </a:xfrm>
           <a:prstGeom prst="rect">
@@ -3727,8 +3743,8 @@
         </p:nvCxnSpPr>
         <p:spPr>
           <a:xfrm>
-            <a:off x="3958600" y="2663904"/>
-            <a:ext cx="0" cy="1587652"/>
+            <a:off x="3356599" y="2663904"/>
+            <a:ext cx="0" cy="1695374"/>
           </a:xfrm>
           <a:prstGeom prst="line">
             <a:avLst/>
@@ -3764,8 +3780,8 @@
         </p:nvSpPr>
         <p:spPr>
           <a:xfrm>
-            <a:off x="3886592" y="3122097"/>
-            <a:ext cx="144016" cy="832525"/>
+            <a:off x="3284590" y="3122096"/>
+            <a:ext cx="174929" cy="1129459"/>
           </a:xfrm>
           <a:prstGeom prst="rect">
             <a:avLst/>
@@ -3815,7 +3831,7 @@
         </p:nvSpPr>
         <p:spPr>
           <a:xfrm>
-            <a:off x="4953000" y="2996259"/>
+            <a:off x="6221565" y="3312740"/>
             <a:ext cx="1093635" cy="461538"/>
           </a:xfrm>
           <a:prstGeom prst="rect">
@@ -3892,13 +3908,16 @@
       <p:cxnSp>
         <p:nvCxnSpPr>
           <p:cNvPr id="20" name="Straight Connector 19"/>
-          <p:cNvCxnSpPr/>
+          <p:cNvCxnSpPr>
+            <a:stCxn id="21" idx="0"/>
+            <a:endCxn id="65" idx="2"/>
+          </p:cNvCxnSpPr>
           <p:nvPr/>
         </p:nvCxnSpPr>
         <p:spPr>
-          <a:xfrm>
-            <a:off x="5499817" y="3417319"/>
-            <a:ext cx="0" cy="2450081"/>
+          <a:xfrm flipH="1">
+            <a:off x="6768113" y="3774278"/>
+            <a:ext cx="4461" cy="1712122"/>
           </a:xfrm>
           <a:prstGeom prst="line">
             <a:avLst/>
@@ -3934,7 +3953,7 @@
         </p:nvSpPr>
         <p:spPr>
           <a:xfrm>
-            <a:off x="5427809" y="3457797"/>
+            <a:off x="6696374" y="3774278"/>
             <a:ext cx="152400" cy="276003"/>
           </a:xfrm>
           <a:prstGeom prst="rect">
@@ -3981,7 +4000,7 @@
         </p:nvCxnSpPr>
         <p:spPr>
           <a:xfrm>
-            <a:off x="543018" y="3014599"/>
+            <a:off x="381000" y="3014599"/>
             <a:ext cx="1119851" cy="0"/>
           </a:xfrm>
           <a:prstGeom prst="straightConnector1">
@@ -4016,9 +4035,9 @@
           <p:nvPr/>
         </p:nvCxnSpPr>
         <p:spPr>
-          <a:xfrm>
-            <a:off x="1815269" y="3122098"/>
-            <a:ext cx="2071323" cy="0"/>
+          <a:xfrm flipV="1">
+            <a:off x="1653251" y="3122097"/>
+            <a:ext cx="1596514" cy="1"/>
           </a:xfrm>
           <a:prstGeom prst="straightConnector1">
             <a:avLst/>
@@ -4053,7 +4072,7 @@
         </p:nvSpPr>
         <p:spPr>
           <a:xfrm>
-            <a:off x="152400" y="2743200"/>
+            <a:off x="0" y="2743200"/>
             <a:ext cx="1424846" cy="215444"/>
           </a:xfrm>
           <a:prstGeom prst="rect">
@@ -4087,14 +4106,12 @@
       <p:cxnSp>
         <p:nvCxnSpPr>
           <p:cNvPr id="28" name="Straight Arrow Connector 27"/>
-          <p:cNvCxnSpPr>
-            <a:endCxn id="19" idx="1"/>
-          </p:cNvCxnSpPr>
+          <p:cNvCxnSpPr/>
           <p:nvPr/>
         </p:nvCxnSpPr>
         <p:spPr>
           <a:xfrm flipV="1">
-            <a:off x="4030608" y="3227028"/>
+            <a:off x="5248182" y="3543509"/>
             <a:ext cx="922392" cy="1"/>
           </a:xfrm>
           <a:prstGeom prst="straightConnector1">
@@ -4130,7 +4147,7 @@
         </p:nvSpPr>
         <p:spPr>
           <a:xfrm>
-            <a:off x="4419600" y="4251556"/>
+            <a:off x="4257582" y="4251556"/>
             <a:ext cx="855809" cy="215444"/>
           </a:xfrm>
           <a:prstGeom prst="rect">
@@ -4170,8 +4187,8 @@
         </p:nvCxnSpPr>
         <p:spPr>
           <a:xfrm>
-            <a:off x="4030608" y="3733800"/>
-            <a:ext cx="1406215" cy="0"/>
+            <a:off x="5257800" y="4050281"/>
+            <a:ext cx="1492974" cy="0"/>
           </a:xfrm>
           <a:prstGeom prst="straightConnector1">
             <a:avLst/>
@@ -4207,9 +4224,9 @@
           <p:nvPr/>
         </p:nvCxnSpPr>
         <p:spPr>
-          <a:xfrm>
-            <a:off x="1815269" y="3954622"/>
-            <a:ext cx="2058118" cy="0"/>
+          <a:xfrm flipV="1">
+            <a:off x="1670186" y="4243231"/>
+            <a:ext cx="1596514" cy="5378"/>
           </a:xfrm>
           <a:prstGeom prst="straightConnector1">
             <a:avLst/>
@@ -4246,7 +4263,7 @@
         </p:nvCxnSpPr>
         <p:spPr>
           <a:xfrm>
-            <a:off x="466818" y="5791200"/>
+            <a:off x="304800" y="5791200"/>
             <a:ext cx="1196051" cy="0"/>
           </a:xfrm>
           <a:prstGeom prst="straightConnector1">
@@ -4284,7 +4301,7 @@
         </p:nvSpPr>
         <p:spPr>
           <a:xfrm>
-            <a:off x="7938756" y="2317144"/>
+            <a:off x="8265896" y="2362200"/>
             <a:ext cx="1030504" cy="346760"/>
           </a:xfrm>
           <a:prstGeom prst="rect">
@@ -4349,8 +4366,8 @@
         </p:nvCxnSpPr>
         <p:spPr>
           <a:xfrm>
-            <a:off x="1815269" y="4495317"/>
-            <a:ext cx="3612540" cy="0"/>
+            <a:off x="1653251" y="4495317"/>
+            <a:ext cx="5043123" cy="0"/>
           </a:xfrm>
           <a:prstGeom prst="straightConnector1">
             <a:avLst/>
@@ -4385,8 +4402,8 @@
         </p:nvSpPr>
         <p:spPr>
           <a:xfrm>
-            <a:off x="5427809" y="4495317"/>
-            <a:ext cx="152400" cy="1191256"/>
+            <a:off x="6687452" y="4467000"/>
+            <a:ext cx="161322" cy="1019400"/>
           </a:xfrm>
           <a:prstGeom prst="rect">
             <a:avLst/>
@@ -4432,7 +4449,7 @@
         </p:nvCxnSpPr>
         <p:spPr>
           <a:xfrm>
-            <a:off x="8454008" y="2655802"/>
+            <a:off x="8781148" y="2700858"/>
             <a:ext cx="0" cy="2830598"/>
           </a:xfrm>
           <a:prstGeom prst="line">
@@ -4472,8 +4489,8 @@
         </p:nvSpPr>
         <p:spPr>
           <a:xfrm>
-            <a:off x="8382000" y="4524597"/>
-            <a:ext cx="152400" cy="276003"/>
+            <a:off x="8686800" y="4524597"/>
+            <a:ext cx="152400" cy="199803"/>
           </a:xfrm>
           <a:prstGeom prst="rect">
             <a:avLst/>
@@ -4529,8 +4546,8 @@
         </p:nvCxnSpPr>
         <p:spPr>
           <a:xfrm>
-            <a:off x="5580209" y="4542759"/>
-            <a:ext cx="2787374" cy="0"/>
+            <a:off x="6850663" y="4524597"/>
+            <a:ext cx="1836137" cy="0"/>
           </a:xfrm>
           <a:prstGeom prst="straightConnector1">
             <a:avLst/>
@@ -4564,9 +4581,9 @@
           <p:nvPr/>
         </p:nvCxnSpPr>
         <p:spPr>
-          <a:xfrm>
-            <a:off x="5580209" y="4800600"/>
-            <a:ext cx="2873799" cy="0"/>
+          <a:xfrm flipV="1">
+            <a:off x="6848774" y="4714650"/>
+            <a:ext cx="1838026" cy="9750"/>
           </a:xfrm>
           <a:prstGeom prst="straightConnector1">
             <a:avLst/>
@@ -4606,8 +4623,8 @@
         </p:nvCxnSpPr>
         <p:spPr>
           <a:xfrm>
-            <a:off x="1815269" y="5661173"/>
-            <a:ext cx="3651369" cy="0"/>
+            <a:off x="1653251" y="5486400"/>
+            <a:ext cx="5052349" cy="0"/>
           </a:xfrm>
           <a:prstGeom prst="straightConnector1">
             <a:avLst/>
@@ -4644,7 +4661,7 @@
         </p:nvSpPr>
         <p:spPr>
           <a:xfrm>
-            <a:off x="6858000" y="4278848"/>
+            <a:off x="6984957" y="4508956"/>
             <a:ext cx="1424846" cy="215444"/>
           </a:xfrm>
           <a:prstGeom prst="rect">
@@ -4701,8 +4718,8 @@
         </p:nvSpPr>
         <p:spPr>
           <a:xfrm>
-            <a:off x="4191000" y="2996259"/>
-            <a:ext cx="640023" cy="215444"/>
+            <a:off x="3419382" y="2895600"/>
+            <a:ext cx="767033" cy="215444"/>
           </a:xfrm>
           <a:prstGeom prst="rect">
             <a:avLst/>
@@ -4727,8 +4744,12 @@
           </a:lstStyle>
           <a:p>
             <a:r>
+              <a:rPr lang="en-US" dirty="0"/>
+              <a:t>p</a:t>
+            </a:r>
+            <a:r>
               <a:rPr lang="en-US" dirty="0" smtClean="0"/>
-              <a:t>create()</a:t>
+              <a:t>arse(“1”)</a:t>
             </a:r>
             <a:endParaRPr lang="en-US" dirty="0"/>
           </a:p>
@@ -4742,7 +4763,7 @@
         </p:nvSpPr>
         <p:spPr>
           <a:xfrm>
-            <a:off x="2131905" y="2850922"/>
+            <a:off x="1742982" y="2850922"/>
             <a:ext cx="1424846" cy="215444"/>
           </a:xfrm>
           <a:prstGeom prst="rect">
@@ -4783,7 +4804,7 @@
         </p:nvSpPr>
         <p:spPr>
           <a:xfrm>
-            <a:off x="3101175" y="5430096"/>
+            <a:off x="4340137" y="5255323"/>
             <a:ext cx="621216" cy="215444"/>
           </a:xfrm>
           <a:prstGeom prst="rect">
@@ -4824,7 +4845,7 @@
         </p:nvSpPr>
         <p:spPr>
           <a:xfrm>
-            <a:off x="762001" y="5538488"/>
+            <a:off x="599983" y="5538488"/>
             <a:ext cx="762000" cy="215444"/>
           </a:xfrm>
           <a:prstGeom prst="rect">
@@ -4865,8 +4886,8 @@
         </p:nvSpPr>
         <p:spPr>
           <a:xfrm>
-            <a:off x="6029646" y="4953000"/>
-            <a:ext cx="1666554" cy="461538"/>
+            <a:off x="7020246" y="4777286"/>
+            <a:ext cx="1590354" cy="461538"/>
           </a:xfrm>
           <a:prstGeom prst="rect">
             <a:avLst/>
@@ -4901,27 +4922,20 @@
           <a:p>
             <a:pPr algn="ctr"/>
             <a:r>
+              <a:rPr lang="en-US" sz="1600" dirty="0" err="1" smtClean="0">
+                <a:solidFill>
+                  <a:schemeClr val="bg1"/>
+                </a:solidFill>
+              </a:rPr>
+              <a:t>result:Command</a:t>
+            </a:r>
+            <a:r>
               <a:rPr lang="en-US" sz="1600" dirty="0" smtClean="0">
                 <a:solidFill>
                   <a:schemeClr val="bg1"/>
                 </a:solidFill>
               </a:rPr>
-              <a:t>result:</a:t>
-            </a:r>
-            <a:br>
-              <a:rPr lang="en-US" sz="1600" dirty="0" smtClean="0">
-                <a:solidFill>
-                  <a:schemeClr val="bg1"/>
-                </a:solidFill>
-              </a:rPr>
-            </a:br>
-            <a:r>
-              <a:rPr lang="en-US" sz="1600" dirty="0" err="1" smtClean="0">
-                <a:solidFill>
-                  <a:schemeClr val="bg1"/>
-                </a:solidFill>
-              </a:rPr>
-              <a:t>CommandResult</a:t>
+              <a:t> Result</a:t>
             </a:r>
             <a:endParaRPr lang="en-SG" sz="1600" dirty="0">
               <a:solidFill>
@@ -4939,7 +4953,7 @@
         </p:nvSpPr>
         <p:spPr>
           <a:xfrm>
-            <a:off x="6786723" y="5414538"/>
+            <a:off x="7777323" y="5238824"/>
             <a:ext cx="152400" cy="171376"/>
           </a:xfrm>
           <a:prstGeom prst="rect">
@@ -4980,14 +4994,14 @@
       </p:sp>
       <p:cxnSp>
         <p:nvCxnSpPr>
-          <p:cNvPr id="87" name="Straight Arrow Connector 86"/>
+          <p:cNvPr id="90" name="Straight Arrow Connector 89"/>
           <p:cNvCxnSpPr/>
           <p:nvPr/>
         </p:nvCxnSpPr>
         <p:spPr>
           <a:xfrm>
-            <a:off x="5580209" y="5165675"/>
-            <a:ext cx="447975" cy="0"/>
+            <a:off x="6858000" y="5410200"/>
+            <a:ext cx="966624" cy="0"/>
           </a:xfrm>
           <a:prstGeom prst="straightConnector1">
             <a:avLst/>
@@ -4996,7 +5010,337 @@
             <a:solidFill>
               <a:srgbClr val="0070C0"/>
             </a:solidFill>
-            <a:tailEnd type="arrow"/>
+            <a:prstDash val="sysDash"/>
+            <a:headEnd type="arrow" w="med" len="med"/>
+            <a:tailEnd type="none" w="med" len="med"/>
+          </a:ln>
+        </p:spPr>
+        <p:style>
+          <a:lnRef idx="1">
+            <a:schemeClr val="accent1"/>
+          </a:lnRef>
+          <a:fillRef idx="0">
+            <a:schemeClr val="accent1"/>
+          </a:fillRef>
+          <a:effectRef idx="0">
+            <a:schemeClr val="accent1"/>
+          </a:effectRef>
+          <a:fontRef idx="minor">
+            <a:schemeClr val="tx1"/>
+          </a:fontRef>
+        </p:style>
+      </p:cxnSp>
+      <p:sp>
+        <p:nvSpPr>
+          <p:cNvPr id="93" name="TextBox 92"/>
+          <p:cNvSpPr txBox="1"/>
+          <p:nvPr/>
+        </p:nvSpPr>
+        <p:spPr>
+          <a:xfrm>
+            <a:off x="2673845" y="4027787"/>
+            <a:ext cx="220343" cy="215444"/>
+          </a:xfrm>
+          <a:prstGeom prst="rect">
+            <a:avLst/>
+          </a:prstGeom>
+          <a:noFill/>
+        </p:spPr>
+        <p:txBody>
+          <a:bodyPr wrap="square" lIns="0" tIns="0" rIns="0" bIns="0" rtlCol="0">
+            <a:spAutoFit/>
+          </a:bodyPr>
+          <a:lstStyle>
+            <a:defPPr>
+              <a:defRPr lang="en-US"/>
+            </a:defPPr>
+            <a:lvl1pPr algn="r">
+              <a:defRPr sz="1400">
+                <a:solidFill>
+                  <a:srgbClr val="0070C0"/>
+                </a:solidFill>
+              </a:defRPr>
+            </a:lvl1pPr>
+          </a:lstStyle>
+          <a:p>
+            <a:r>
+              <a:rPr lang="en-US" dirty="0" smtClean="0"/>
+              <a:t>d</a:t>
+            </a:r>
+            <a:endParaRPr lang="en-US" dirty="0"/>
+          </a:p>
+        </p:txBody>
+      </p:sp>
+      <p:sp>
+        <p:nvSpPr>
+          <p:cNvPr id="40" name="Rectangle 62"/>
+          <p:cNvSpPr/>
+          <p:nvPr/>
+        </p:nvSpPr>
+        <p:spPr>
+          <a:xfrm>
+            <a:off x="4231981" y="2929839"/>
+            <a:ext cx="1778201" cy="432035"/>
+          </a:xfrm>
+          <a:prstGeom prst="rect">
+            <a:avLst/>
+          </a:prstGeom>
+          <a:solidFill>
+            <a:srgbClr val="0070C0"/>
+          </a:solidFill>
+          <a:ln w="19050">
+            <a:solidFill>
+              <a:srgbClr val="0070C0"/>
+            </a:solidFill>
+          </a:ln>
+          <a:effectLst/>
+        </p:spPr>
+        <p:style>
+          <a:lnRef idx="1">
+            <a:schemeClr val="accent2"/>
+          </a:lnRef>
+          <a:fillRef idx="2">
+            <a:schemeClr val="accent2"/>
+          </a:fillRef>
+          <a:effectRef idx="1">
+            <a:schemeClr val="accent2"/>
+          </a:effectRef>
+          <a:fontRef idx="minor">
+            <a:schemeClr val="dk1"/>
+          </a:fontRef>
+        </p:style>
+        <p:txBody>
+          <a:bodyPr rtlCol="0" anchor="ctr"/>
+          <a:lstStyle/>
+          <a:p>
+            <a:pPr algn="ctr"/>
+            <a:r>
+              <a:rPr lang="en-US" sz="1600" dirty="0" smtClean="0">
+                <a:solidFill>
+                  <a:schemeClr val="bg1"/>
+                </a:solidFill>
+              </a:rPr>
+              <a:t>:</a:t>
+            </a:r>
+            <a:r>
+              <a:rPr lang="en-US" sz="1600" dirty="0" err="1" smtClean="0">
+                <a:solidFill>
+                  <a:schemeClr val="bg1"/>
+                </a:solidFill>
+              </a:rPr>
+              <a:t>DeleteCommand</a:t>
+            </a:r>
+            <a:endParaRPr lang="en-US" sz="1600" dirty="0" smtClean="0">
+              <a:solidFill>
+                <a:schemeClr val="bg1"/>
+              </a:solidFill>
+            </a:endParaRPr>
+          </a:p>
+          <a:p>
+            <a:pPr algn="ctr"/>
+            <a:r>
+              <a:rPr lang="en-US" sz="1600" dirty="0" smtClean="0">
+                <a:solidFill>
+                  <a:schemeClr val="bg1"/>
+                </a:solidFill>
+              </a:rPr>
+              <a:t>Parser</a:t>
+            </a:r>
+            <a:endParaRPr lang="en-SG" sz="1600" dirty="0">
+              <a:solidFill>
+                <a:schemeClr val="bg1"/>
+              </a:solidFill>
+            </a:endParaRPr>
+          </a:p>
+        </p:txBody>
+      </p:sp>
+      <p:cxnSp>
+        <p:nvCxnSpPr>
+          <p:cNvPr id="8" name="Straight Arrow Connector 7"/>
+          <p:cNvCxnSpPr/>
+          <p:nvPr/>
+        </p:nvCxnSpPr>
+        <p:spPr>
+          <a:xfrm>
+            <a:off x="3436990" y="3137840"/>
+            <a:ext cx="794991" cy="0"/>
+          </a:xfrm>
+          <a:prstGeom prst="straightConnector1">
+            <a:avLst/>
+          </a:prstGeom>
+          <a:ln w="19050">
+            <a:tailEnd type="triangle"/>
+          </a:ln>
+        </p:spPr>
+        <p:style>
+          <a:lnRef idx="1">
+            <a:schemeClr val="accent1"/>
+          </a:lnRef>
+          <a:fillRef idx="0">
+            <a:schemeClr val="accent1"/>
+          </a:fillRef>
+          <a:effectRef idx="0">
+            <a:schemeClr val="accent1"/>
+          </a:effectRef>
+          <a:fontRef idx="minor">
+            <a:schemeClr val="tx1"/>
+          </a:fontRef>
+        </p:style>
+      </p:cxnSp>
+      <p:sp>
+        <p:nvSpPr>
+          <p:cNvPr id="45" name="Rectangle 44"/>
+          <p:cNvSpPr/>
+          <p:nvPr/>
+        </p:nvSpPr>
+        <p:spPr>
+          <a:xfrm>
+            <a:off x="5059947" y="3352800"/>
+            <a:ext cx="205843" cy="190709"/>
+          </a:xfrm>
+          <a:prstGeom prst="rect">
+            <a:avLst/>
+          </a:prstGeom>
+          <a:solidFill>
+            <a:srgbClr val="0070C0"/>
+          </a:solidFill>
+          <a:ln>
+            <a:solidFill>
+              <a:srgbClr val="0070C0"/>
+            </a:solidFill>
+          </a:ln>
+          <a:effectLst/>
+        </p:spPr>
+        <p:style>
+          <a:lnRef idx="1">
+            <a:schemeClr val="accent3"/>
+          </a:lnRef>
+          <a:fillRef idx="2">
+            <a:schemeClr val="accent3"/>
+          </a:fillRef>
+          <a:effectRef idx="1">
+            <a:schemeClr val="accent3"/>
+          </a:effectRef>
+          <a:fontRef idx="minor">
+            <a:schemeClr val="dk1"/>
+          </a:fontRef>
+        </p:style>
+        <p:txBody>
+          <a:bodyPr rtlCol="0" anchor="ctr"/>
+          <a:lstStyle/>
+          <a:p>
+            <a:pPr algn="ctr"/>
+            <a:endParaRPr lang="en-SG" sz="1400"/>
+          </a:p>
+        </p:txBody>
+      </p:sp>
+      <p:cxnSp>
+        <p:nvCxnSpPr>
+          <p:cNvPr id="46" name="Straight Connector 45"/>
+          <p:cNvCxnSpPr>
+            <a:stCxn id="45" idx="0"/>
+          </p:cNvCxnSpPr>
+          <p:nvPr/>
+        </p:nvCxnSpPr>
+        <p:spPr>
+          <a:xfrm>
+            <a:off x="5162869" y="3352800"/>
+            <a:ext cx="0" cy="697481"/>
+          </a:xfrm>
+          <a:prstGeom prst="line">
+            <a:avLst/>
+          </a:prstGeom>
+          <a:ln w="19050">
+            <a:solidFill>
+              <a:srgbClr val="0070C0"/>
+            </a:solidFill>
+            <a:prstDash val="sysDash"/>
+          </a:ln>
+          <a:effectLst/>
+        </p:spPr>
+        <p:style>
+          <a:lnRef idx="1">
+            <a:schemeClr val="accent1"/>
+          </a:lnRef>
+          <a:fillRef idx="2">
+            <a:schemeClr val="accent1"/>
+          </a:fillRef>
+          <a:effectRef idx="1">
+            <a:schemeClr val="accent1"/>
+          </a:effectRef>
+          <a:fontRef idx="minor">
+            <a:schemeClr val="dk1"/>
+          </a:fontRef>
+        </p:style>
+      </p:cxnSp>
+      <p:sp>
+        <p:nvSpPr>
+          <p:cNvPr id="49" name="Rectangle 48"/>
+          <p:cNvSpPr/>
+          <p:nvPr/>
+        </p:nvSpPr>
+        <p:spPr>
+          <a:xfrm>
+            <a:off x="5059947" y="4000291"/>
+            <a:ext cx="205843" cy="190709"/>
+          </a:xfrm>
+          <a:prstGeom prst="rect">
+            <a:avLst/>
+          </a:prstGeom>
+          <a:solidFill>
+            <a:srgbClr val="0070C0"/>
+          </a:solidFill>
+          <a:ln>
+            <a:solidFill>
+              <a:srgbClr val="0070C0"/>
+            </a:solidFill>
+          </a:ln>
+          <a:effectLst/>
+        </p:spPr>
+        <p:style>
+          <a:lnRef idx="1">
+            <a:schemeClr val="accent3"/>
+          </a:lnRef>
+          <a:fillRef idx="2">
+            <a:schemeClr val="accent3"/>
+          </a:fillRef>
+          <a:effectRef idx="1">
+            <a:schemeClr val="accent3"/>
+          </a:effectRef>
+          <a:fontRef idx="minor">
+            <a:schemeClr val="dk1"/>
+          </a:fontRef>
+        </p:style>
+        <p:txBody>
+          <a:bodyPr rtlCol="0" anchor="ctr"/>
+          <a:lstStyle/>
+          <a:p>
+            <a:pPr algn="ctr"/>
+            <a:endParaRPr lang="en-SG" sz="1400"/>
+          </a:p>
+        </p:txBody>
+      </p:sp>
+      <p:cxnSp>
+        <p:nvCxnSpPr>
+          <p:cNvPr id="51" name="Straight Arrow Connector 50"/>
+          <p:cNvCxnSpPr/>
+          <p:nvPr/>
+        </p:nvCxnSpPr>
+        <p:spPr>
+          <a:xfrm>
+            <a:off x="3499382" y="4185073"/>
+            <a:ext cx="1667219" cy="0"/>
+          </a:xfrm>
+          <a:prstGeom prst="straightConnector1">
+            <a:avLst/>
+          </a:prstGeom>
+          <a:ln w="19050">
+            <a:solidFill>
+              <a:srgbClr val="0070C0"/>
+            </a:solidFill>
+            <a:prstDash val="sysDash"/>
+            <a:headEnd type="arrow" w="med" len="med"/>
+            <a:tailEnd type="none" w="med" len="med"/>
           </a:ln>
         </p:spPr>
         <p:style>
@@ -5016,25 +5360,20 @@
       </p:cxnSp>
       <p:cxnSp>
         <p:nvCxnSpPr>
-          <p:cNvPr id="90" name="Straight Arrow Connector 89"/>
+          <p:cNvPr id="13" name="Straight Arrow Connector 12"/>
           <p:cNvCxnSpPr/>
           <p:nvPr/>
         </p:nvCxnSpPr>
         <p:spPr>
           <a:xfrm>
-            <a:off x="5580209" y="5585914"/>
-            <a:ext cx="1253815" cy="0"/>
+            <a:off x="6858000" y="5029200"/>
+            <a:ext cx="126957" cy="0"/>
           </a:xfrm>
           <a:prstGeom prst="straightConnector1">
             <a:avLst/>
           </a:prstGeom>
-          <a:ln w="19050">
-            <a:solidFill>
-              <a:srgbClr val="0070C0"/>
-            </a:solidFill>
-            <a:prstDash val="sysDash"/>
-            <a:headEnd type="arrow" w="med" len="med"/>
-            <a:tailEnd type="none" w="med" len="med"/>
+          <a:ln>
+            <a:tailEnd type="triangle"/>
           </a:ln>
         </p:spPr>
         <p:style>
@@ -5052,47 +5391,6 @@
           </a:fontRef>
         </p:style>
       </p:cxnSp>
-      <p:sp>
-        <p:nvSpPr>
-          <p:cNvPr id="93" name="TextBox 92"/>
-          <p:cNvSpPr txBox="1"/>
-          <p:nvPr/>
-        </p:nvSpPr>
-        <p:spPr>
-          <a:xfrm>
-            <a:off x="2818928" y="3733800"/>
-            <a:ext cx="220343" cy="215444"/>
-          </a:xfrm>
-          <a:prstGeom prst="rect">
-            <a:avLst/>
-          </a:prstGeom>
-          <a:noFill/>
-        </p:spPr>
-        <p:txBody>
-          <a:bodyPr wrap="square" lIns="0" tIns="0" rIns="0" bIns="0" rtlCol="0">
-            <a:spAutoFit/>
-          </a:bodyPr>
-          <a:lstStyle>
-            <a:defPPr>
-              <a:defRPr lang="en-US"/>
-            </a:defPPr>
-            <a:lvl1pPr algn="r">
-              <a:defRPr sz="1400">
-                <a:solidFill>
-                  <a:srgbClr val="0070C0"/>
-                </a:solidFill>
-              </a:defRPr>
-            </a:lvl1pPr>
-          </a:lstStyle>
-          <a:p>
-            <a:r>
-              <a:rPr lang="en-US" dirty="0" smtClean="0"/>
-              <a:t>d</a:t>
-            </a:r>
-            <a:endParaRPr lang="en-US" dirty="0"/>
-          </a:p>
-        </p:txBody>
-      </p:sp>
     </p:spTree>
     <p:extLst>
       <p:ext uri="{BB962C8B-B14F-4D97-AF65-F5344CB8AC3E}">

--- a/docs/diagrams/LogicComponentSequenceDiagram.pptx
+++ b/docs/diagrams/LogicComponentSequenceDiagram.pptx
@@ -4111,7 +4111,7 @@
         </p:nvCxnSpPr>
         <p:spPr>
           <a:xfrm flipV="1">
-            <a:off x="5248182" y="3543509"/>
+            <a:off x="5257218" y="3703214"/>
             <a:ext cx="922392" cy="1"/>
           </a:xfrm>
           <a:prstGeom prst="straightConnector1">
@@ -4661,7 +4661,7 @@
         </p:nvSpPr>
         <p:spPr>
           <a:xfrm>
-            <a:off x="6984957" y="4508956"/>
+            <a:off x="6984957" y="4267200"/>
             <a:ext cx="1424846" cy="215444"/>
           </a:xfrm>
           <a:prstGeom prst="rect">
@@ -4718,8 +4718,8 @@
         </p:nvSpPr>
         <p:spPr>
           <a:xfrm>
-            <a:off x="3419382" y="2895600"/>
-            <a:ext cx="767033" cy="215444"/>
+            <a:off x="3847551" y="3472934"/>
+            <a:ext cx="767033" cy="184666"/>
           </a:xfrm>
           <a:prstGeom prst="rect">
             <a:avLst/>
@@ -4744,14 +4744,14 @@
           </a:lstStyle>
           <a:p>
             <a:r>
-              <a:rPr lang="en-US" dirty="0"/>
+              <a:rPr lang="en-US" sz="1200" dirty="0"/>
               <a:t>p</a:t>
             </a:r>
             <a:r>
-              <a:rPr lang="en-US" dirty="0" smtClean="0"/>
+              <a:rPr lang="en-US" sz="1200" dirty="0" smtClean="0"/>
               <a:t>arse(“1”)</a:t>
             </a:r>
-            <a:endParaRPr lang="en-US" dirty="0"/>
+            <a:endParaRPr lang="en-US" sz="1200" dirty="0"/>
           </a:p>
         </p:txBody>
       </p:sp>
@@ -5162,8 +5162,8 @@
         </p:nvCxnSpPr>
         <p:spPr>
           <a:xfrm>
-            <a:off x="3436990" y="3137840"/>
-            <a:ext cx="794991" cy="0"/>
+            <a:off x="3462591" y="3657600"/>
+            <a:ext cx="1597356" cy="1"/>
           </a:xfrm>
           <a:prstGeom prst="straightConnector1">
             <a:avLst/>
@@ -5196,7 +5196,7 @@
         <p:spPr>
           <a:xfrm>
             <a:off x="5059947" y="3352800"/>
-            <a:ext cx="205843" cy="190709"/>
+            <a:ext cx="205843" cy="123165"/>
           </a:xfrm>
           <a:prstGeom prst="rect">
             <a:avLst/>
@@ -5245,7 +5245,7 @@
         <p:spPr>
           <a:xfrm>
             <a:off x="5162869" y="3352800"/>
-            <a:ext cx="0" cy="697481"/>
+            <a:ext cx="0" cy="990600"/>
           </a:xfrm>
           <a:prstGeom prst="line">
             <a:avLst/>
@@ -5281,8 +5281,8 @@
         </p:nvSpPr>
         <p:spPr>
           <a:xfrm>
-            <a:off x="5059947" y="4000291"/>
-            <a:ext cx="205843" cy="190709"/>
+            <a:off x="5059947" y="3657601"/>
+            <a:ext cx="205843" cy="533400"/>
           </a:xfrm>
           <a:prstGeom prst="rect">
             <a:avLst/>
@@ -5367,13 +5367,87 @@
         <p:spPr>
           <a:xfrm>
             <a:off x="6858000" y="5029200"/>
-            <a:ext cx="126957" cy="0"/>
+            <a:ext cx="162246" cy="0"/>
           </a:xfrm>
           <a:prstGeom prst="straightConnector1">
             <a:avLst/>
           </a:prstGeom>
           <a:ln>
             <a:tailEnd type="triangle"/>
+          </a:ln>
+        </p:spPr>
+        <p:style>
+          <a:lnRef idx="1">
+            <a:schemeClr val="accent1"/>
+          </a:lnRef>
+          <a:fillRef idx="0">
+            <a:schemeClr val="accent1"/>
+          </a:fillRef>
+          <a:effectRef idx="0">
+            <a:schemeClr val="accent1"/>
+          </a:effectRef>
+          <a:fontRef idx="minor">
+            <a:schemeClr val="tx1"/>
+          </a:fontRef>
+        </p:style>
+      </p:cxnSp>
+      <p:cxnSp>
+        <p:nvCxnSpPr>
+          <p:cNvPr id="50" name="Straight Arrow Connector 49"/>
+          <p:cNvCxnSpPr/>
+          <p:nvPr/>
+        </p:nvCxnSpPr>
+        <p:spPr>
+          <a:xfrm>
+            <a:off x="3412425" y="3173004"/>
+            <a:ext cx="819556" cy="1"/>
+          </a:xfrm>
+          <a:prstGeom prst="straightConnector1">
+            <a:avLst/>
+          </a:prstGeom>
+          <a:ln w="19050">
+            <a:solidFill>
+              <a:srgbClr val="0070C0"/>
+            </a:solidFill>
+            <a:tailEnd type="arrow"/>
+          </a:ln>
+        </p:spPr>
+        <p:style>
+          <a:lnRef idx="1">
+            <a:schemeClr val="accent1"/>
+          </a:lnRef>
+          <a:fillRef idx="0">
+            <a:schemeClr val="accent1"/>
+          </a:fillRef>
+          <a:effectRef idx="0">
+            <a:schemeClr val="accent1"/>
+          </a:effectRef>
+          <a:fontRef idx="minor">
+            <a:schemeClr val="tx1"/>
+          </a:fontRef>
+        </p:style>
+      </p:cxnSp>
+      <p:cxnSp>
+        <p:nvCxnSpPr>
+          <p:cNvPr id="52" name="Straight Arrow Connector 51"/>
+          <p:cNvCxnSpPr/>
+          <p:nvPr/>
+        </p:nvCxnSpPr>
+        <p:spPr>
+          <a:xfrm>
+            <a:off x="3459519" y="3475965"/>
+            <a:ext cx="1600428" cy="0"/>
+          </a:xfrm>
+          <a:prstGeom prst="straightConnector1">
+            <a:avLst/>
+          </a:prstGeom>
+          <a:ln w="19050">
+            <a:solidFill>
+              <a:srgbClr val="0070C0"/>
+            </a:solidFill>
+            <a:prstDash val="sysDash"/>
+            <a:headEnd type="arrow" w="med" len="med"/>
+            <a:tailEnd type="none" w="med" len="med"/>
           </a:ln>
         </p:spPr>
         <p:style>

--- a/docs/diagrams/LogicComponentSequenceDiagram.pptx
+++ b/docs/diagrams/LogicComponentSequenceDiagram.pptx
@@ -208,7 +208,7 @@
           <a:p>
             <a:fld id="{F5CC4B3F-88C1-4FFA-B1B6-F41C21DC6924}" type="datetimeFigureOut">
               <a:rPr lang="en-US" smtClean="0"/>
-              <a:t>2/1/2017</a:t>
+              <a:t>2/2/2017</a:t>
             </a:fld>
             <a:endParaRPr lang="en-US"/>
           </a:p>
@@ -657,7 +657,7 @@
           <a:p>
             <a:fld id="{78C97017-6FC3-485B-9764-EAC9E56C1D49}" type="datetimeFigureOut">
               <a:rPr lang="en-US" smtClean="0"/>
-              <a:t>2/1/2017</a:t>
+              <a:t>2/2/2017</a:t>
             </a:fld>
             <a:endParaRPr lang="en-US"/>
           </a:p>
@@ -827,7 +827,7 @@
           <a:p>
             <a:fld id="{78C97017-6FC3-485B-9764-EAC9E56C1D49}" type="datetimeFigureOut">
               <a:rPr lang="en-US" smtClean="0"/>
-              <a:t>2/1/2017</a:t>
+              <a:t>2/2/2017</a:t>
             </a:fld>
             <a:endParaRPr lang="en-US"/>
           </a:p>
@@ -1007,7 +1007,7 @@
           <a:p>
             <a:fld id="{78C97017-6FC3-485B-9764-EAC9E56C1D49}" type="datetimeFigureOut">
               <a:rPr lang="en-US" smtClean="0"/>
-              <a:t>2/1/2017</a:t>
+              <a:t>2/2/2017</a:t>
             </a:fld>
             <a:endParaRPr lang="en-US"/>
           </a:p>
@@ -1177,7 +1177,7 @@
           <a:p>
             <a:fld id="{78C97017-6FC3-485B-9764-EAC9E56C1D49}" type="datetimeFigureOut">
               <a:rPr lang="en-US" smtClean="0"/>
-              <a:t>2/1/2017</a:t>
+              <a:t>2/2/2017</a:t>
             </a:fld>
             <a:endParaRPr lang="en-US"/>
           </a:p>
@@ -1423,7 +1423,7 @@
           <a:p>
             <a:fld id="{78C97017-6FC3-485B-9764-EAC9E56C1D49}" type="datetimeFigureOut">
               <a:rPr lang="en-US" smtClean="0"/>
-              <a:t>2/1/2017</a:t>
+              <a:t>2/2/2017</a:t>
             </a:fld>
             <a:endParaRPr lang="en-US"/>
           </a:p>
@@ -1711,7 +1711,7 @@
           <a:p>
             <a:fld id="{78C97017-6FC3-485B-9764-EAC9E56C1D49}" type="datetimeFigureOut">
               <a:rPr lang="en-US" smtClean="0"/>
-              <a:t>2/1/2017</a:t>
+              <a:t>2/2/2017</a:t>
             </a:fld>
             <a:endParaRPr lang="en-US"/>
           </a:p>
@@ -2133,7 +2133,7 @@
           <a:p>
             <a:fld id="{78C97017-6FC3-485B-9764-EAC9E56C1D49}" type="datetimeFigureOut">
               <a:rPr lang="en-US" smtClean="0"/>
-              <a:t>2/1/2017</a:t>
+              <a:t>2/2/2017</a:t>
             </a:fld>
             <a:endParaRPr lang="en-US"/>
           </a:p>
@@ -2251,7 +2251,7 @@
           <a:p>
             <a:fld id="{78C97017-6FC3-485B-9764-EAC9E56C1D49}" type="datetimeFigureOut">
               <a:rPr lang="en-US" smtClean="0"/>
-              <a:t>2/1/2017</a:t>
+              <a:t>2/2/2017</a:t>
             </a:fld>
             <a:endParaRPr lang="en-US"/>
           </a:p>
@@ -2346,7 +2346,7 @@
           <a:p>
             <a:fld id="{78C97017-6FC3-485B-9764-EAC9E56C1D49}" type="datetimeFigureOut">
               <a:rPr lang="en-US" smtClean="0"/>
-              <a:t>2/1/2017</a:t>
+              <a:t>2/2/2017</a:t>
             </a:fld>
             <a:endParaRPr lang="en-US"/>
           </a:p>
@@ -2623,7 +2623,7 @@
           <a:p>
             <a:fld id="{78C97017-6FC3-485B-9764-EAC9E56C1D49}" type="datetimeFigureOut">
               <a:rPr lang="en-US" smtClean="0"/>
-              <a:t>2/1/2017</a:t>
+              <a:t>2/2/2017</a:t>
             </a:fld>
             <a:endParaRPr lang="en-US"/>
           </a:p>
@@ -2876,7 +2876,7 @@
           <a:p>
             <a:fld id="{78C97017-6FC3-485B-9764-EAC9E56C1D49}" type="datetimeFigureOut">
               <a:rPr lang="en-US" smtClean="0"/>
-              <a:t>2/1/2017</a:t>
+              <a:t>2/2/2017</a:t>
             </a:fld>
             <a:endParaRPr lang="en-US"/>
           </a:p>
@@ -3089,7 +3089,7 @@
           <a:p>
             <a:fld id="{78C97017-6FC3-485B-9764-EAC9E56C1D49}" type="datetimeFigureOut">
               <a:rPr lang="en-US" smtClean="0"/>
-              <a:t>2/1/2017</a:t>
+              <a:t>2/2/2017</a:t>
             </a:fld>
             <a:endParaRPr lang="en-US"/>
           </a:p>
@@ -3780,8 +3780,8 @@
         </p:nvSpPr>
         <p:spPr>
           <a:xfrm>
-            <a:off x="3284590" y="3122097"/>
-            <a:ext cx="174929" cy="1062976"/>
+            <a:off x="3284590" y="3122096"/>
+            <a:ext cx="174929" cy="1129459"/>
           </a:xfrm>
           <a:prstGeom prst="rect">
             <a:avLst/>
@@ -4225,7 +4225,7 @@
         </p:nvCxnSpPr>
         <p:spPr>
           <a:xfrm flipV="1">
-            <a:off x="1653251" y="3949244"/>
+            <a:off x="1670186" y="4243231"/>
             <a:ext cx="1596514" cy="5378"/>
           </a:xfrm>
           <a:prstGeom prst="straightConnector1">
@@ -5038,7 +5038,7 @@
         </p:nvSpPr>
         <p:spPr>
           <a:xfrm>
-            <a:off x="2656910" y="3733800"/>
+            <a:off x="2673845" y="4027787"/>
             <a:ext cx="220343" cy="215444"/>
           </a:xfrm>
           <a:prstGeom prst="rect">
@@ -5341,6 +5341,39 @@
             <a:prstDash val="sysDash"/>
             <a:headEnd type="arrow" w="med" len="med"/>
             <a:tailEnd type="none" w="med" len="med"/>
+          </a:ln>
+        </p:spPr>
+        <p:style>
+          <a:lnRef idx="1">
+            <a:schemeClr val="accent1"/>
+          </a:lnRef>
+          <a:fillRef idx="0">
+            <a:schemeClr val="accent1"/>
+          </a:fillRef>
+          <a:effectRef idx="0">
+            <a:schemeClr val="accent1"/>
+          </a:effectRef>
+          <a:fontRef idx="minor">
+            <a:schemeClr val="tx1"/>
+          </a:fontRef>
+        </p:style>
+      </p:cxnSp>
+      <p:cxnSp>
+        <p:nvCxnSpPr>
+          <p:cNvPr id="13" name="Straight Arrow Connector 12"/>
+          <p:cNvCxnSpPr/>
+          <p:nvPr/>
+        </p:nvCxnSpPr>
+        <p:spPr>
+          <a:xfrm>
+            <a:off x="6858000" y="5029200"/>
+            <a:ext cx="126957" cy="0"/>
+          </a:xfrm>
+          <a:prstGeom prst="straightConnector1">
+            <a:avLst/>
+          </a:prstGeom>
+          <a:ln>
+            <a:tailEnd type="triangle"/>
           </a:ln>
         </p:spPr>
         <p:style>

--- a/docs/diagrams/LogicComponentSequenceDiagram.pptx
+++ b/docs/diagrams/LogicComponentSequenceDiagram.pptx
@@ -208,7 +208,7 @@
           <a:p>
             <a:fld id="{F5CC4B3F-88C1-4FFA-B1B6-F41C21DC6924}" type="datetimeFigureOut">
               <a:rPr lang="en-US" smtClean="0"/>
-              <a:t>2/2/2017</a:t>
+              <a:t>2/5/2017</a:t>
             </a:fld>
             <a:endParaRPr lang="en-US"/>
           </a:p>
@@ -657,7 +657,7 @@
           <a:p>
             <a:fld id="{78C97017-6FC3-485B-9764-EAC9E56C1D49}" type="datetimeFigureOut">
               <a:rPr lang="en-US" smtClean="0"/>
-              <a:t>2/2/2017</a:t>
+              <a:t>2/5/2017</a:t>
             </a:fld>
             <a:endParaRPr lang="en-US"/>
           </a:p>
@@ -827,7 +827,7 @@
           <a:p>
             <a:fld id="{78C97017-6FC3-485B-9764-EAC9E56C1D49}" type="datetimeFigureOut">
               <a:rPr lang="en-US" smtClean="0"/>
-              <a:t>2/2/2017</a:t>
+              <a:t>2/5/2017</a:t>
             </a:fld>
             <a:endParaRPr lang="en-US"/>
           </a:p>
@@ -1007,7 +1007,7 @@
           <a:p>
             <a:fld id="{78C97017-6FC3-485B-9764-EAC9E56C1D49}" type="datetimeFigureOut">
               <a:rPr lang="en-US" smtClean="0"/>
-              <a:t>2/2/2017</a:t>
+              <a:t>2/5/2017</a:t>
             </a:fld>
             <a:endParaRPr lang="en-US"/>
           </a:p>
@@ -1177,7 +1177,7 @@
           <a:p>
             <a:fld id="{78C97017-6FC3-485B-9764-EAC9E56C1D49}" type="datetimeFigureOut">
               <a:rPr lang="en-US" smtClean="0"/>
-              <a:t>2/2/2017</a:t>
+              <a:t>2/5/2017</a:t>
             </a:fld>
             <a:endParaRPr lang="en-US"/>
           </a:p>
@@ -1423,7 +1423,7 @@
           <a:p>
             <a:fld id="{78C97017-6FC3-485B-9764-EAC9E56C1D49}" type="datetimeFigureOut">
               <a:rPr lang="en-US" smtClean="0"/>
-              <a:t>2/2/2017</a:t>
+              <a:t>2/5/2017</a:t>
             </a:fld>
             <a:endParaRPr lang="en-US"/>
           </a:p>
@@ -1711,7 +1711,7 @@
           <a:p>
             <a:fld id="{78C97017-6FC3-485B-9764-EAC9E56C1D49}" type="datetimeFigureOut">
               <a:rPr lang="en-US" smtClean="0"/>
-              <a:t>2/2/2017</a:t>
+              <a:t>2/5/2017</a:t>
             </a:fld>
             <a:endParaRPr lang="en-US"/>
           </a:p>
@@ -2133,7 +2133,7 @@
           <a:p>
             <a:fld id="{78C97017-6FC3-485B-9764-EAC9E56C1D49}" type="datetimeFigureOut">
               <a:rPr lang="en-US" smtClean="0"/>
-              <a:t>2/2/2017</a:t>
+              <a:t>2/5/2017</a:t>
             </a:fld>
             <a:endParaRPr lang="en-US"/>
           </a:p>
@@ -2251,7 +2251,7 @@
           <a:p>
             <a:fld id="{78C97017-6FC3-485B-9764-EAC9E56C1D49}" type="datetimeFigureOut">
               <a:rPr lang="en-US" smtClean="0"/>
-              <a:t>2/2/2017</a:t>
+              <a:t>2/5/2017</a:t>
             </a:fld>
             <a:endParaRPr lang="en-US"/>
           </a:p>
@@ -2346,7 +2346,7 @@
           <a:p>
             <a:fld id="{78C97017-6FC3-485B-9764-EAC9E56C1D49}" type="datetimeFigureOut">
               <a:rPr lang="en-US" smtClean="0"/>
-              <a:t>2/2/2017</a:t>
+              <a:t>2/5/2017</a:t>
             </a:fld>
             <a:endParaRPr lang="en-US"/>
           </a:p>
@@ -2623,7 +2623,7 @@
           <a:p>
             <a:fld id="{78C97017-6FC3-485B-9764-EAC9E56C1D49}" type="datetimeFigureOut">
               <a:rPr lang="en-US" smtClean="0"/>
-              <a:t>2/2/2017</a:t>
+              <a:t>2/5/2017</a:t>
             </a:fld>
             <a:endParaRPr lang="en-US"/>
           </a:p>
@@ -2876,7 +2876,7 @@
           <a:p>
             <a:fld id="{78C97017-6FC3-485B-9764-EAC9E56C1D49}" type="datetimeFigureOut">
               <a:rPr lang="en-US" smtClean="0"/>
-              <a:t>2/2/2017</a:t>
+              <a:t>2/5/2017</a:t>
             </a:fld>
             <a:endParaRPr lang="en-US"/>
           </a:p>
@@ -3089,7 +3089,7 @@
           <a:p>
             <a:fld id="{78C97017-6FC3-485B-9764-EAC9E56C1D49}" type="datetimeFigureOut">
               <a:rPr lang="en-US" smtClean="0"/>
-              <a:t>2/2/2017</a:t>
+              <a:t>2/5/2017</a:t>
             </a:fld>
             <a:endParaRPr lang="en-US"/>
           </a:p>
@@ -4718,7 +4718,7 @@
         </p:nvSpPr>
         <p:spPr>
           <a:xfrm>
-            <a:off x="3847551" y="3472934"/>
+            <a:off x="3847551" y="3657600"/>
             <a:ext cx="767033" cy="184666"/>
           </a:xfrm>
           <a:prstGeom prst="rect">

--- a/docs/diagrams/LogicComponentSequenceDiagram.pptx
+++ b/docs/diagrams/LogicComponentSequenceDiagram.pptx
@@ -208,7 +208,7 @@
           <a:p>
             <a:fld id="{F5CC4B3F-88C1-4FFA-B1B6-F41C21DC6924}" type="datetimeFigureOut">
               <a:rPr lang="en-US" smtClean="0"/>
-              <a:t>2/5/2017</a:t>
+              <a:t>2/6/2017</a:t>
             </a:fld>
             <a:endParaRPr lang="en-US"/>
           </a:p>
@@ -657,7 +657,7 @@
           <a:p>
             <a:fld id="{78C97017-6FC3-485B-9764-EAC9E56C1D49}" type="datetimeFigureOut">
               <a:rPr lang="en-US" smtClean="0"/>
-              <a:t>2/5/2017</a:t>
+              <a:t>2/6/2017</a:t>
             </a:fld>
             <a:endParaRPr lang="en-US"/>
           </a:p>
@@ -827,7 +827,7 @@
           <a:p>
             <a:fld id="{78C97017-6FC3-485B-9764-EAC9E56C1D49}" type="datetimeFigureOut">
               <a:rPr lang="en-US" smtClean="0"/>
-              <a:t>2/5/2017</a:t>
+              <a:t>2/6/2017</a:t>
             </a:fld>
             <a:endParaRPr lang="en-US"/>
           </a:p>
@@ -1007,7 +1007,7 @@
           <a:p>
             <a:fld id="{78C97017-6FC3-485B-9764-EAC9E56C1D49}" type="datetimeFigureOut">
               <a:rPr lang="en-US" smtClean="0"/>
-              <a:t>2/5/2017</a:t>
+              <a:t>2/6/2017</a:t>
             </a:fld>
             <a:endParaRPr lang="en-US"/>
           </a:p>
@@ -1177,7 +1177,7 @@
           <a:p>
             <a:fld id="{78C97017-6FC3-485B-9764-EAC9E56C1D49}" type="datetimeFigureOut">
               <a:rPr lang="en-US" smtClean="0"/>
-              <a:t>2/5/2017</a:t>
+              <a:t>2/6/2017</a:t>
             </a:fld>
             <a:endParaRPr lang="en-US"/>
           </a:p>
@@ -1423,7 +1423,7 @@
           <a:p>
             <a:fld id="{78C97017-6FC3-485B-9764-EAC9E56C1D49}" type="datetimeFigureOut">
               <a:rPr lang="en-US" smtClean="0"/>
-              <a:t>2/5/2017</a:t>
+              <a:t>2/6/2017</a:t>
             </a:fld>
             <a:endParaRPr lang="en-US"/>
           </a:p>
@@ -1711,7 +1711,7 @@
           <a:p>
             <a:fld id="{78C97017-6FC3-485B-9764-EAC9E56C1D49}" type="datetimeFigureOut">
               <a:rPr lang="en-US" smtClean="0"/>
-              <a:t>2/5/2017</a:t>
+              <a:t>2/6/2017</a:t>
             </a:fld>
             <a:endParaRPr lang="en-US"/>
           </a:p>
@@ -2133,7 +2133,7 @@
           <a:p>
             <a:fld id="{78C97017-6FC3-485B-9764-EAC9E56C1D49}" type="datetimeFigureOut">
               <a:rPr lang="en-US" smtClean="0"/>
-              <a:t>2/5/2017</a:t>
+              <a:t>2/6/2017</a:t>
             </a:fld>
             <a:endParaRPr lang="en-US"/>
           </a:p>
@@ -2251,7 +2251,7 @@
           <a:p>
             <a:fld id="{78C97017-6FC3-485B-9764-EAC9E56C1D49}" type="datetimeFigureOut">
               <a:rPr lang="en-US" smtClean="0"/>
-              <a:t>2/5/2017</a:t>
+              <a:t>2/6/2017</a:t>
             </a:fld>
             <a:endParaRPr lang="en-US"/>
           </a:p>
@@ -2346,7 +2346,7 @@
           <a:p>
             <a:fld id="{78C97017-6FC3-485B-9764-EAC9E56C1D49}" type="datetimeFigureOut">
               <a:rPr lang="en-US" smtClean="0"/>
-              <a:t>2/5/2017</a:t>
+              <a:t>2/6/2017</a:t>
             </a:fld>
             <a:endParaRPr lang="en-US"/>
           </a:p>
@@ -2623,7 +2623,7 @@
           <a:p>
             <a:fld id="{78C97017-6FC3-485B-9764-EAC9E56C1D49}" type="datetimeFigureOut">
               <a:rPr lang="en-US" smtClean="0"/>
-              <a:t>2/5/2017</a:t>
+              <a:t>2/6/2017</a:t>
             </a:fld>
             <a:endParaRPr lang="en-US"/>
           </a:p>
@@ -2876,7 +2876,7 @@
           <a:p>
             <a:fld id="{78C97017-6FC3-485B-9764-EAC9E56C1D49}" type="datetimeFigureOut">
               <a:rPr lang="en-US" smtClean="0"/>
-              <a:t>2/5/2017</a:t>
+              <a:t>2/6/2017</a:t>
             </a:fld>
             <a:endParaRPr lang="en-US"/>
           </a:p>
@@ -3089,7 +3089,7 @@
           <a:p>
             <a:fld id="{78C97017-6FC3-485B-9764-EAC9E56C1D49}" type="datetimeFigureOut">
               <a:rPr lang="en-US" smtClean="0"/>
-              <a:t>2/5/2017</a:t>
+              <a:t>2/6/2017</a:t>
             </a:fld>
             <a:endParaRPr lang="en-US"/>
           </a:p>
@@ -3910,14 +3910,13 @@
           <p:cNvPr id="20" name="Straight Connector 19"/>
           <p:cNvCxnSpPr>
             <a:stCxn id="21" idx="0"/>
-            <a:endCxn id="65" idx="2"/>
           </p:cNvCxnSpPr>
           <p:nvPr/>
         </p:nvCxnSpPr>
         <p:spPr>
-          <a:xfrm flipH="1">
-            <a:off x="6768113" y="3774278"/>
-            <a:ext cx="4461" cy="1712122"/>
+          <a:xfrm>
+            <a:off x="6772574" y="3774278"/>
+            <a:ext cx="0" cy="1940722"/>
           </a:xfrm>
           <a:prstGeom prst="line">
             <a:avLst/>
@@ -5169,7 +5168,8 @@
             <a:avLst/>
           </a:prstGeom>
           <a:ln w="19050">
-            <a:tailEnd type="triangle"/>
+            <a:headEnd type="none" w="med" len="med"/>
+            <a:tailEnd type="arrow" w="med" len="med"/>
           </a:ln>
         </p:spPr>
         <p:style>
@@ -5372,8 +5372,9 @@
           <a:prstGeom prst="straightConnector1">
             <a:avLst/>
           </a:prstGeom>
-          <a:ln>
-            <a:tailEnd type="triangle"/>
+          <a:ln w="19050">
+            <a:headEnd type="none" w="med" len="med"/>
+            <a:tailEnd type="arrow" w="med" len="med"/>
           </a:ln>
         </p:spPr>
         <p:style>
@@ -5465,6 +5466,44 @@
           </a:fontRef>
         </p:style>
       </p:cxnSp>
+      <p:sp>
+        <p:nvSpPr>
+          <p:cNvPr id="4" name="TextBox 3"/>
+          <p:cNvSpPr txBox="1"/>
+          <p:nvPr/>
+        </p:nvSpPr>
+        <p:spPr>
+          <a:xfrm>
+            <a:off x="5033665" y="4199590"/>
+            <a:ext cx="258404" cy="261610"/>
+          </a:xfrm>
+          <a:prstGeom prst="rect">
+            <a:avLst/>
+          </a:prstGeom>
+          <a:noFill/>
+        </p:spPr>
+        <p:txBody>
+          <a:bodyPr wrap="none" rtlCol="0">
+            <a:spAutoFit/>
+          </a:bodyPr>
+          <a:lstStyle/>
+          <a:p>
+            <a:r>
+              <a:rPr lang="en-SG" sz="1100" dirty="0" smtClean="0">
+                <a:solidFill>
+                  <a:srgbClr val="002060"/>
+                </a:solidFill>
+              </a:rPr>
+              <a:t>X</a:t>
+            </a:r>
+            <a:endParaRPr lang="en-SG" sz="1100" dirty="0">
+              <a:solidFill>
+                <a:srgbClr val="002060"/>
+              </a:solidFill>
+            </a:endParaRPr>
+          </a:p>
+        </p:txBody>
+      </p:sp>
     </p:spTree>
     <p:extLst>
       <p:ext uri="{BB962C8B-B14F-4D97-AF65-F5344CB8AC3E}">

--- a/docs/diagrams/LogicComponentSequenceDiagram.pptx
+++ b/docs/diagrams/LogicComponentSequenceDiagram.pptx
@@ -107,6 +107,22 @@
       </a:defRPr>
     </a:lvl9pPr>
   </p:defaultTextStyle>
+  <p:extLst>
+    <p:ext uri="{EFAFB233-063F-42B5-8137-9DF3F51BA10A}">
+      <p15:sldGuideLst xmlns:p15="http://schemas.microsoft.com/office/powerpoint/2012/main">
+        <p15:guide id="1" orient="horz" pos="1488">
+          <p15:clr>
+            <a:srgbClr val="A4A3A4"/>
+          </p15:clr>
+        </p15:guide>
+        <p15:guide id="2" pos="2880">
+          <p15:clr>
+            <a:srgbClr val="A4A3A4"/>
+          </p15:clr>
+        </p15:guide>
+      </p15:sldGuideLst>
+    </p:ext>
+  </p:extLst>
 </p:presentation>
 </file>
 
@@ -192,7 +208,7 @@
           <a:p>
             <a:fld id="{F5CC4B3F-88C1-4FFA-B1B6-F41C21DC6924}" type="datetimeFigureOut">
               <a:rPr lang="en-US" smtClean="0"/>
-              <a:t>10/16/2016</a:t>
+              <a:t>2/1/2017</a:t>
             </a:fld>
             <a:endParaRPr lang="en-US"/>
           </a:p>
@@ -641,7 +657,7 @@
           <a:p>
             <a:fld id="{78C97017-6FC3-485B-9764-EAC9E56C1D49}" type="datetimeFigureOut">
               <a:rPr lang="en-US" smtClean="0"/>
-              <a:t>10/16/2016</a:t>
+              <a:t>2/1/2017</a:t>
             </a:fld>
             <a:endParaRPr lang="en-US"/>
           </a:p>
@@ -811,7 +827,7 @@
           <a:p>
             <a:fld id="{78C97017-6FC3-485B-9764-EAC9E56C1D49}" type="datetimeFigureOut">
               <a:rPr lang="en-US" smtClean="0"/>
-              <a:t>10/16/2016</a:t>
+              <a:t>2/1/2017</a:t>
             </a:fld>
             <a:endParaRPr lang="en-US"/>
           </a:p>
@@ -991,7 +1007,7 @@
           <a:p>
             <a:fld id="{78C97017-6FC3-485B-9764-EAC9E56C1D49}" type="datetimeFigureOut">
               <a:rPr lang="en-US" smtClean="0"/>
-              <a:t>10/16/2016</a:t>
+              <a:t>2/1/2017</a:t>
             </a:fld>
             <a:endParaRPr lang="en-US"/>
           </a:p>
@@ -1161,7 +1177,7 @@
           <a:p>
             <a:fld id="{78C97017-6FC3-485B-9764-EAC9E56C1D49}" type="datetimeFigureOut">
               <a:rPr lang="en-US" smtClean="0"/>
-              <a:t>10/16/2016</a:t>
+              <a:t>2/1/2017</a:t>
             </a:fld>
             <a:endParaRPr lang="en-US"/>
           </a:p>
@@ -1407,7 +1423,7 @@
           <a:p>
             <a:fld id="{78C97017-6FC3-485B-9764-EAC9E56C1D49}" type="datetimeFigureOut">
               <a:rPr lang="en-US" smtClean="0"/>
-              <a:t>10/16/2016</a:t>
+              <a:t>2/1/2017</a:t>
             </a:fld>
             <a:endParaRPr lang="en-US"/>
           </a:p>
@@ -1695,7 +1711,7 @@
           <a:p>
             <a:fld id="{78C97017-6FC3-485B-9764-EAC9E56C1D49}" type="datetimeFigureOut">
               <a:rPr lang="en-US" smtClean="0"/>
-              <a:t>10/16/2016</a:t>
+              <a:t>2/1/2017</a:t>
             </a:fld>
             <a:endParaRPr lang="en-US"/>
           </a:p>
@@ -2117,7 +2133,7 @@
           <a:p>
             <a:fld id="{78C97017-6FC3-485B-9764-EAC9E56C1D49}" type="datetimeFigureOut">
               <a:rPr lang="en-US" smtClean="0"/>
-              <a:t>10/16/2016</a:t>
+              <a:t>2/1/2017</a:t>
             </a:fld>
             <a:endParaRPr lang="en-US"/>
           </a:p>
@@ -2235,7 +2251,7 @@
           <a:p>
             <a:fld id="{78C97017-6FC3-485B-9764-EAC9E56C1D49}" type="datetimeFigureOut">
               <a:rPr lang="en-US" smtClean="0"/>
-              <a:t>10/16/2016</a:t>
+              <a:t>2/1/2017</a:t>
             </a:fld>
             <a:endParaRPr lang="en-US"/>
           </a:p>
@@ -2330,7 +2346,7 @@
           <a:p>
             <a:fld id="{78C97017-6FC3-485B-9764-EAC9E56C1D49}" type="datetimeFigureOut">
               <a:rPr lang="en-US" smtClean="0"/>
-              <a:t>10/16/2016</a:t>
+              <a:t>2/1/2017</a:t>
             </a:fld>
             <a:endParaRPr lang="en-US"/>
           </a:p>
@@ -2607,7 +2623,7 @@
           <a:p>
             <a:fld id="{78C97017-6FC3-485B-9764-EAC9E56C1D49}" type="datetimeFigureOut">
               <a:rPr lang="en-US" smtClean="0"/>
-              <a:t>10/16/2016</a:t>
+              <a:t>2/1/2017</a:t>
             </a:fld>
             <a:endParaRPr lang="en-US"/>
           </a:p>
@@ -2860,7 +2876,7 @@
           <a:p>
             <a:fld id="{78C97017-6FC3-485B-9764-EAC9E56C1D49}" type="datetimeFigureOut">
               <a:rPr lang="en-US" smtClean="0"/>
-              <a:t>10/16/2016</a:t>
+              <a:t>2/1/2017</a:t>
             </a:fld>
             <a:endParaRPr lang="en-US"/>
           </a:p>
@@ -3073,7 +3089,7 @@
           <a:p>
             <a:fld id="{78C97017-6FC3-485B-9764-EAC9E56C1D49}" type="datetimeFigureOut">
               <a:rPr lang="en-US" smtClean="0"/>
-              <a:t>10/16/2016</a:t>
+              <a:t>2/1/2017</a:t>
             </a:fld>
             <a:endParaRPr lang="en-US"/>
           </a:p>
@@ -3457,7 +3473,7 @@
         <p:spPr>
           <a:xfrm>
             <a:off x="685800" y="1981200"/>
-            <a:ext cx="7086600" cy="4000286"/>
+            <a:ext cx="7252956" cy="4000286"/>
           </a:xfrm>
           <a:prstGeom prst="roundRect">
             <a:avLst>
@@ -3517,7 +3533,7 @@
         </p:nvSpPr>
         <p:spPr>
           <a:xfrm>
-            <a:off x="1007063" y="2296546"/>
+            <a:off x="845045" y="2296546"/>
             <a:ext cx="1455629" cy="346760"/>
           </a:xfrm>
           <a:prstGeom prst="rect">
@@ -3584,7 +3600,7 @@
         </p:nvCxnSpPr>
         <p:spPr>
           <a:xfrm>
-            <a:off x="1734877" y="2660217"/>
+            <a:off x="1572859" y="2660217"/>
             <a:ext cx="0" cy="2597583"/>
           </a:xfrm>
           <a:prstGeom prst="line">
@@ -3621,7 +3637,7 @@
         </p:nvSpPr>
         <p:spPr>
           <a:xfrm>
-            <a:off x="1662869" y="3010911"/>
+            <a:off x="1500851" y="3010911"/>
             <a:ext cx="152400" cy="2780287"/>
           </a:xfrm>
           <a:prstGeom prst="rect">
@@ -3668,7 +3684,7 @@
         </p:nvSpPr>
         <p:spPr>
           <a:xfrm>
-            <a:off x="3411783" y="2300233"/>
+            <a:off x="2809782" y="2300233"/>
             <a:ext cx="1093635" cy="346760"/>
           </a:xfrm>
           <a:prstGeom prst="rect">
@@ -3727,8 +3743,8 @@
         </p:nvCxnSpPr>
         <p:spPr>
           <a:xfrm>
-            <a:off x="3958600" y="2663904"/>
-            <a:ext cx="0" cy="1587652"/>
+            <a:off x="3356599" y="2663904"/>
+            <a:ext cx="0" cy="1695374"/>
           </a:xfrm>
           <a:prstGeom prst="line">
             <a:avLst/>
@@ -3764,8 +3780,8 @@
         </p:nvSpPr>
         <p:spPr>
           <a:xfrm>
-            <a:off x="3886592" y="3122097"/>
-            <a:ext cx="144016" cy="832525"/>
+            <a:off x="3284590" y="3122097"/>
+            <a:ext cx="174929" cy="1062976"/>
           </a:xfrm>
           <a:prstGeom prst="rect">
             <a:avLst/>
@@ -3815,7 +3831,7 @@
         </p:nvSpPr>
         <p:spPr>
           <a:xfrm>
-            <a:off x="4953000" y="2996259"/>
+            <a:off x="6221565" y="3312740"/>
             <a:ext cx="1093635" cy="461538"/>
           </a:xfrm>
           <a:prstGeom prst="rect">
@@ -3892,13 +3908,16 @@
       <p:cxnSp>
         <p:nvCxnSpPr>
           <p:cNvPr id="20" name="Straight Connector 19"/>
-          <p:cNvCxnSpPr/>
+          <p:cNvCxnSpPr>
+            <a:stCxn id="21" idx="0"/>
+            <a:endCxn id="65" idx="2"/>
+          </p:cNvCxnSpPr>
           <p:nvPr/>
         </p:nvCxnSpPr>
         <p:spPr>
-          <a:xfrm>
-            <a:off x="5499817" y="3417319"/>
-            <a:ext cx="0" cy="2450081"/>
+          <a:xfrm flipH="1">
+            <a:off x="6768113" y="3774278"/>
+            <a:ext cx="4461" cy="1712122"/>
           </a:xfrm>
           <a:prstGeom prst="line">
             <a:avLst/>
@@ -3934,7 +3953,7 @@
         </p:nvSpPr>
         <p:spPr>
           <a:xfrm>
-            <a:off x="5427809" y="3457797"/>
+            <a:off x="6696374" y="3774278"/>
             <a:ext cx="152400" cy="276003"/>
           </a:xfrm>
           <a:prstGeom prst="rect">
@@ -3981,7 +4000,7 @@
         </p:nvCxnSpPr>
         <p:spPr>
           <a:xfrm>
-            <a:off x="543018" y="3014599"/>
+            <a:off x="381000" y="3014599"/>
             <a:ext cx="1119851" cy="0"/>
           </a:xfrm>
           <a:prstGeom prst="straightConnector1">
@@ -4016,9 +4035,9 @@
           <p:nvPr/>
         </p:nvCxnSpPr>
         <p:spPr>
-          <a:xfrm>
-            <a:off x="1815269" y="3122098"/>
-            <a:ext cx="2071323" cy="0"/>
+          <a:xfrm flipV="1">
+            <a:off x="1653251" y="3122097"/>
+            <a:ext cx="1596514" cy="1"/>
           </a:xfrm>
           <a:prstGeom prst="straightConnector1">
             <a:avLst/>
@@ -4053,7 +4072,7 @@
         </p:nvSpPr>
         <p:spPr>
           <a:xfrm>
-            <a:off x="152400" y="2743200"/>
+            <a:off x="0" y="2743200"/>
             <a:ext cx="1424846" cy="215444"/>
           </a:xfrm>
           <a:prstGeom prst="rect">
@@ -4087,14 +4106,12 @@
       <p:cxnSp>
         <p:nvCxnSpPr>
           <p:cNvPr id="28" name="Straight Arrow Connector 27"/>
-          <p:cNvCxnSpPr>
-            <a:endCxn id="19" idx="1"/>
-          </p:cNvCxnSpPr>
+          <p:cNvCxnSpPr/>
           <p:nvPr/>
         </p:nvCxnSpPr>
         <p:spPr>
           <a:xfrm flipV="1">
-            <a:off x="4030608" y="3227028"/>
+            <a:off x="5248182" y="3543509"/>
             <a:ext cx="922392" cy="1"/>
           </a:xfrm>
           <a:prstGeom prst="straightConnector1">
@@ -4130,7 +4147,7 @@
         </p:nvSpPr>
         <p:spPr>
           <a:xfrm>
-            <a:off x="4419600" y="4251556"/>
+            <a:off x="4257582" y="4251556"/>
             <a:ext cx="855809" cy="215444"/>
           </a:xfrm>
           <a:prstGeom prst="rect">
@@ -4170,8 +4187,8 @@
         </p:nvCxnSpPr>
         <p:spPr>
           <a:xfrm>
-            <a:off x="4030608" y="3733800"/>
-            <a:ext cx="1406215" cy="0"/>
+            <a:off x="5257800" y="4050281"/>
+            <a:ext cx="1492974" cy="0"/>
           </a:xfrm>
           <a:prstGeom prst="straightConnector1">
             <a:avLst/>
@@ -4207,9 +4224,9 @@
           <p:nvPr/>
         </p:nvCxnSpPr>
         <p:spPr>
-          <a:xfrm>
-            <a:off x="1815269" y="3954622"/>
-            <a:ext cx="2058118" cy="0"/>
+          <a:xfrm flipV="1">
+            <a:off x="1653251" y="3949244"/>
+            <a:ext cx="1596514" cy="5378"/>
           </a:xfrm>
           <a:prstGeom prst="straightConnector1">
             <a:avLst/>
@@ -4246,7 +4263,7 @@
         </p:nvCxnSpPr>
         <p:spPr>
           <a:xfrm>
-            <a:off x="466818" y="5791200"/>
+            <a:off x="304800" y="5791200"/>
             <a:ext cx="1196051" cy="0"/>
           </a:xfrm>
           <a:prstGeom prst="straightConnector1">
@@ -4284,7 +4301,7 @@
         </p:nvSpPr>
         <p:spPr>
           <a:xfrm>
-            <a:off x="7938756" y="2317144"/>
+            <a:off x="8265896" y="2362200"/>
             <a:ext cx="1030504" cy="346760"/>
           </a:xfrm>
           <a:prstGeom prst="rect">
@@ -4349,8 +4366,8 @@
         </p:nvCxnSpPr>
         <p:spPr>
           <a:xfrm>
-            <a:off x="1815269" y="4495317"/>
-            <a:ext cx="3612540" cy="0"/>
+            <a:off x="1653251" y="4495317"/>
+            <a:ext cx="5043123" cy="0"/>
           </a:xfrm>
           <a:prstGeom prst="straightConnector1">
             <a:avLst/>
@@ -4385,8 +4402,8 @@
         </p:nvSpPr>
         <p:spPr>
           <a:xfrm>
-            <a:off x="5427809" y="4495317"/>
-            <a:ext cx="152400" cy="1191256"/>
+            <a:off x="6687452" y="4467000"/>
+            <a:ext cx="161322" cy="1019400"/>
           </a:xfrm>
           <a:prstGeom prst="rect">
             <a:avLst/>
@@ -4432,7 +4449,7 @@
         </p:nvCxnSpPr>
         <p:spPr>
           <a:xfrm>
-            <a:off x="8454008" y="2655802"/>
+            <a:off x="8781148" y="2700858"/>
             <a:ext cx="0" cy="2830598"/>
           </a:xfrm>
           <a:prstGeom prst="line">
@@ -4472,8 +4489,8 @@
         </p:nvSpPr>
         <p:spPr>
           <a:xfrm>
-            <a:off x="8382000" y="4524597"/>
-            <a:ext cx="152400" cy="276003"/>
+            <a:off x="8686800" y="4524597"/>
+            <a:ext cx="152400" cy="199803"/>
           </a:xfrm>
           <a:prstGeom prst="rect">
             <a:avLst/>
@@ -4529,8 +4546,8 @@
         </p:nvCxnSpPr>
         <p:spPr>
           <a:xfrm>
-            <a:off x="5580209" y="4542759"/>
-            <a:ext cx="2787374" cy="0"/>
+            <a:off x="6850663" y="4524597"/>
+            <a:ext cx="1836137" cy="0"/>
           </a:xfrm>
           <a:prstGeom prst="straightConnector1">
             <a:avLst/>
@@ -4564,9 +4581,9 @@
           <p:nvPr/>
         </p:nvCxnSpPr>
         <p:spPr>
-          <a:xfrm>
-            <a:off x="5580209" y="4800600"/>
-            <a:ext cx="2873799" cy="0"/>
+          <a:xfrm flipV="1">
+            <a:off x="6848774" y="4714650"/>
+            <a:ext cx="1838026" cy="9750"/>
           </a:xfrm>
           <a:prstGeom prst="straightConnector1">
             <a:avLst/>
@@ -4606,8 +4623,8 @@
         </p:nvCxnSpPr>
         <p:spPr>
           <a:xfrm>
-            <a:off x="1815269" y="5661173"/>
-            <a:ext cx="3651369" cy="0"/>
+            <a:off x="1653251" y="5486400"/>
+            <a:ext cx="5052349" cy="0"/>
           </a:xfrm>
           <a:prstGeom prst="straightConnector1">
             <a:avLst/>
@@ -4644,7 +4661,7 @@
         </p:nvSpPr>
         <p:spPr>
           <a:xfrm>
-            <a:off x="6858000" y="4278848"/>
+            <a:off x="6984957" y="4508956"/>
             <a:ext cx="1424846" cy="215444"/>
           </a:xfrm>
           <a:prstGeom prst="rect">
@@ -4701,8 +4718,8 @@
         </p:nvSpPr>
         <p:spPr>
           <a:xfrm>
-            <a:off x="4191000" y="2996259"/>
-            <a:ext cx="640023" cy="215444"/>
+            <a:off x="3419382" y="2895600"/>
+            <a:ext cx="767033" cy="215444"/>
           </a:xfrm>
           <a:prstGeom prst="rect">
             <a:avLst/>
@@ -4727,8 +4744,12 @@
           </a:lstStyle>
           <a:p>
             <a:r>
+              <a:rPr lang="en-US" dirty="0"/>
+              <a:t>p</a:t>
+            </a:r>
+            <a:r>
               <a:rPr lang="en-US" dirty="0" smtClean="0"/>
-              <a:t>create()</a:t>
+              <a:t>arse(“1”)</a:t>
             </a:r>
             <a:endParaRPr lang="en-US" dirty="0"/>
           </a:p>
@@ -4742,7 +4763,7 @@
         </p:nvSpPr>
         <p:spPr>
           <a:xfrm>
-            <a:off x="2131905" y="2850922"/>
+            <a:off x="1742982" y="2850922"/>
             <a:ext cx="1424846" cy="215444"/>
           </a:xfrm>
           <a:prstGeom prst="rect">
@@ -4783,7 +4804,7 @@
         </p:nvSpPr>
         <p:spPr>
           <a:xfrm>
-            <a:off x="3101175" y="5430096"/>
+            <a:off x="4340137" y="5255323"/>
             <a:ext cx="621216" cy="215444"/>
           </a:xfrm>
           <a:prstGeom prst="rect">
@@ -4824,7 +4845,7 @@
         </p:nvSpPr>
         <p:spPr>
           <a:xfrm>
-            <a:off x="762001" y="5538488"/>
+            <a:off x="599983" y="5538488"/>
             <a:ext cx="762000" cy="215444"/>
           </a:xfrm>
           <a:prstGeom prst="rect">
@@ -4865,8 +4886,8 @@
         </p:nvSpPr>
         <p:spPr>
           <a:xfrm>
-            <a:off x="6029646" y="4953000"/>
-            <a:ext cx="1666554" cy="461538"/>
+            <a:off x="7020246" y="4777286"/>
+            <a:ext cx="1590354" cy="461538"/>
           </a:xfrm>
           <a:prstGeom prst="rect">
             <a:avLst/>
@@ -4901,27 +4922,20 @@
           <a:p>
             <a:pPr algn="ctr"/>
             <a:r>
+              <a:rPr lang="en-US" sz="1600" dirty="0" err="1" smtClean="0">
+                <a:solidFill>
+                  <a:schemeClr val="bg1"/>
+                </a:solidFill>
+              </a:rPr>
+              <a:t>result:Command</a:t>
+            </a:r>
+            <a:r>
               <a:rPr lang="en-US" sz="1600" dirty="0" smtClean="0">
                 <a:solidFill>
                   <a:schemeClr val="bg1"/>
                 </a:solidFill>
               </a:rPr>
-              <a:t>result:</a:t>
-            </a:r>
-            <a:br>
-              <a:rPr lang="en-US" sz="1600" dirty="0" smtClean="0">
-                <a:solidFill>
-                  <a:schemeClr val="bg1"/>
-                </a:solidFill>
-              </a:rPr>
-            </a:br>
-            <a:r>
-              <a:rPr lang="en-US" sz="1600" dirty="0" err="1" smtClean="0">
-                <a:solidFill>
-                  <a:schemeClr val="bg1"/>
-                </a:solidFill>
-              </a:rPr>
-              <a:t>CommandResult</a:t>
+              <a:t> Result</a:t>
             </a:r>
             <a:endParaRPr lang="en-SG" sz="1600" dirty="0">
               <a:solidFill>
@@ -4939,7 +4953,7 @@
         </p:nvSpPr>
         <p:spPr>
           <a:xfrm>
-            <a:off x="6786723" y="5414538"/>
+            <a:off x="7777323" y="5238824"/>
             <a:ext cx="152400" cy="171376"/>
           </a:xfrm>
           <a:prstGeom prst="rect">
@@ -4980,14 +4994,14 @@
       </p:sp>
       <p:cxnSp>
         <p:nvCxnSpPr>
-          <p:cNvPr id="87" name="Straight Arrow Connector 86"/>
+          <p:cNvPr id="90" name="Straight Arrow Connector 89"/>
           <p:cNvCxnSpPr/>
           <p:nvPr/>
         </p:nvCxnSpPr>
         <p:spPr>
           <a:xfrm>
-            <a:off x="5580209" y="5165675"/>
-            <a:ext cx="447975" cy="0"/>
+            <a:off x="6858000" y="5410200"/>
+            <a:ext cx="966624" cy="0"/>
           </a:xfrm>
           <a:prstGeom prst="straightConnector1">
             <a:avLst/>
@@ -4996,7 +5010,9 @@
             <a:solidFill>
               <a:srgbClr val="0070C0"/>
             </a:solidFill>
-            <a:tailEnd type="arrow"/>
+            <a:prstDash val="sysDash"/>
+            <a:headEnd type="arrow" w="med" len="med"/>
+            <a:tailEnd type="none" w="med" len="med"/>
           </a:ln>
         </p:spPr>
         <p:style>
@@ -5014,27 +5030,146 @@
           </a:fontRef>
         </p:style>
       </p:cxnSp>
+      <p:sp>
+        <p:nvSpPr>
+          <p:cNvPr id="93" name="TextBox 92"/>
+          <p:cNvSpPr txBox="1"/>
+          <p:nvPr/>
+        </p:nvSpPr>
+        <p:spPr>
+          <a:xfrm>
+            <a:off x="2656910" y="3733800"/>
+            <a:ext cx="220343" cy="215444"/>
+          </a:xfrm>
+          <a:prstGeom prst="rect">
+            <a:avLst/>
+          </a:prstGeom>
+          <a:noFill/>
+        </p:spPr>
+        <p:txBody>
+          <a:bodyPr wrap="square" lIns="0" tIns="0" rIns="0" bIns="0" rtlCol="0">
+            <a:spAutoFit/>
+          </a:bodyPr>
+          <a:lstStyle>
+            <a:defPPr>
+              <a:defRPr lang="en-US"/>
+            </a:defPPr>
+            <a:lvl1pPr algn="r">
+              <a:defRPr sz="1400">
+                <a:solidFill>
+                  <a:srgbClr val="0070C0"/>
+                </a:solidFill>
+              </a:defRPr>
+            </a:lvl1pPr>
+          </a:lstStyle>
+          <a:p>
+            <a:r>
+              <a:rPr lang="en-US" dirty="0" smtClean="0"/>
+              <a:t>d</a:t>
+            </a:r>
+            <a:endParaRPr lang="en-US" dirty="0"/>
+          </a:p>
+        </p:txBody>
+      </p:sp>
+      <p:sp>
+        <p:nvSpPr>
+          <p:cNvPr id="40" name="Rectangle 62"/>
+          <p:cNvSpPr/>
+          <p:nvPr/>
+        </p:nvSpPr>
+        <p:spPr>
+          <a:xfrm>
+            <a:off x="4231981" y="2929839"/>
+            <a:ext cx="1778201" cy="432035"/>
+          </a:xfrm>
+          <a:prstGeom prst="rect">
+            <a:avLst/>
+          </a:prstGeom>
+          <a:solidFill>
+            <a:srgbClr val="0070C0"/>
+          </a:solidFill>
+          <a:ln w="19050">
+            <a:solidFill>
+              <a:srgbClr val="0070C0"/>
+            </a:solidFill>
+          </a:ln>
+          <a:effectLst/>
+        </p:spPr>
+        <p:style>
+          <a:lnRef idx="1">
+            <a:schemeClr val="accent2"/>
+          </a:lnRef>
+          <a:fillRef idx="2">
+            <a:schemeClr val="accent2"/>
+          </a:fillRef>
+          <a:effectRef idx="1">
+            <a:schemeClr val="accent2"/>
+          </a:effectRef>
+          <a:fontRef idx="minor">
+            <a:schemeClr val="dk1"/>
+          </a:fontRef>
+        </p:style>
+        <p:txBody>
+          <a:bodyPr rtlCol="0" anchor="ctr"/>
+          <a:lstStyle/>
+          <a:p>
+            <a:pPr algn="ctr"/>
+            <a:r>
+              <a:rPr lang="en-US" sz="1600" dirty="0" smtClean="0">
+                <a:solidFill>
+                  <a:schemeClr val="bg1"/>
+                </a:solidFill>
+              </a:rPr>
+              <a:t>:</a:t>
+            </a:r>
+            <a:r>
+              <a:rPr lang="en-US" sz="1600" dirty="0" err="1" smtClean="0">
+                <a:solidFill>
+                  <a:schemeClr val="bg1"/>
+                </a:solidFill>
+              </a:rPr>
+              <a:t>DeleteCommand</a:t>
+            </a:r>
+            <a:endParaRPr lang="en-US" sz="1600" dirty="0" smtClean="0">
+              <a:solidFill>
+                <a:schemeClr val="bg1"/>
+              </a:solidFill>
+            </a:endParaRPr>
+          </a:p>
+          <a:p>
+            <a:pPr algn="ctr"/>
+            <a:r>
+              <a:rPr lang="en-US" sz="1600" dirty="0" smtClean="0">
+                <a:solidFill>
+                  <a:schemeClr val="bg1"/>
+                </a:solidFill>
+              </a:rPr>
+              <a:t>Parser</a:t>
+            </a:r>
+            <a:endParaRPr lang="en-SG" sz="1600" dirty="0">
+              <a:solidFill>
+                <a:schemeClr val="bg1"/>
+              </a:solidFill>
+            </a:endParaRPr>
+          </a:p>
+        </p:txBody>
+      </p:sp>
       <p:cxnSp>
         <p:nvCxnSpPr>
-          <p:cNvPr id="90" name="Straight Arrow Connector 89"/>
+          <p:cNvPr id="8" name="Straight Arrow Connector 7"/>
           <p:cNvCxnSpPr/>
           <p:nvPr/>
         </p:nvCxnSpPr>
         <p:spPr>
           <a:xfrm>
-            <a:off x="5580209" y="5585914"/>
-            <a:ext cx="1253815" cy="0"/>
+            <a:off x="3436990" y="3137840"/>
+            <a:ext cx="794991" cy="0"/>
           </a:xfrm>
           <a:prstGeom prst="straightConnector1">
             <a:avLst/>
           </a:prstGeom>
           <a:ln w="19050">
-            <a:solidFill>
-              <a:srgbClr val="0070C0"/>
-            </a:solidFill>
-            <a:prstDash val="sysDash"/>
-            <a:headEnd type="arrow" w="med" len="med"/>
-            <a:tailEnd type="none" w="med" len="med"/>
+            <a:tailEnd type="triangle"/>
           </a:ln>
         </p:spPr>
         <p:style>
@@ -5054,45 +5189,175 @@
       </p:cxnSp>
       <p:sp>
         <p:nvSpPr>
-          <p:cNvPr id="93" name="TextBox 92"/>
-          <p:cNvSpPr txBox="1"/>
+          <p:cNvPr id="45" name="Rectangle 44"/>
+          <p:cNvSpPr/>
           <p:nvPr/>
         </p:nvSpPr>
         <p:spPr>
           <a:xfrm>
-            <a:off x="2818928" y="3733800"/>
-            <a:ext cx="220343" cy="215444"/>
+            <a:off x="5059947" y="3352800"/>
+            <a:ext cx="205843" cy="190709"/>
           </a:xfrm>
           <a:prstGeom prst="rect">
             <a:avLst/>
           </a:prstGeom>
-          <a:noFill/>
-        </p:spPr>
-        <p:txBody>
-          <a:bodyPr wrap="square" lIns="0" tIns="0" rIns="0" bIns="0" rtlCol="0">
-            <a:spAutoFit/>
-          </a:bodyPr>
-          <a:lstStyle>
-            <a:defPPr>
-              <a:defRPr lang="en-US"/>
-            </a:defPPr>
-            <a:lvl1pPr algn="r">
-              <a:defRPr sz="1400">
-                <a:solidFill>
-                  <a:srgbClr val="0070C0"/>
-                </a:solidFill>
-              </a:defRPr>
-            </a:lvl1pPr>
-          </a:lstStyle>
-          <a:p>
-            <a:r>
-              <a:rPr lang="en-US" dirty="0" smtClean="0"/>
-              <a:t>d</a:t>
-            </a:r>
-            <a:endParaRPr lang="en-US" dirty="0"/>
-          </a:p>
-        </p:txBody>
-      </p:sp>
+          <a:solidFill>
+            <a:srgbClr val="0070C0"/>
+          </a:solidFill>
+          <a:ln>
+            <a:solidFill>
+              <a:srgbClr val="0070C0"/>
+            </a:solidFill>
+          </a:ln>
+          <a:effectLst/>
+        </p:spPr>
+        <p:style>
+          <a:lnRef idx="1">
+            <a:schemeClr val="accent3"/>
+          </a:lnRef>
+          <a:fillRef idx="2">
+            <a:schemeClr val="accent3"/>
+          </a:fillRef>
+          <a:effectRef idx="1">
+            <a:schemeClr val="accent3"/>
+          </a:effectRef>
+          <a:fontRef idx="minor">
+            <a:schemeClr val="dk1"/>
+          </a:fontRef>
+        </p:style>
+        <p:txBody>
+          <a:bodyPr rtlCol="0" anchor="ctr"/>
+          <a:lstStyle/>
+          <a:p>
+            <a:pPr algn="ctr"/>
+            <a:endParaRPr lang="en-SG" sz="1400"/>
+          </a:p>
+        </p:txBody>
+      </p:sp>
+      <p:cxnSp>
+        <p:nvCxnSpPr>
+          <p:cNvPr id="46" name="Straight Connector 45"/>
+          <p:cNvCxnSpPr>
+            <a:stCxn id="45" idx="0"/>
+          </p:cNvCxnSpPr>
+          <p:nvPr/>
+        </p:nvCxnSpPr>
+        <p:spPr>
+          <a:xfrm>
+            <a:off x="5162869" y="3352800"/>
+            <a:ext cx="0" cy="697481"/>
+          </a:xfrm>
+          <a:prstGeom prst="line">
+            <a:avLst/>
+          </a:prstGeom>
+          <a:ln w="19050">
+            <a:solidFill>
+              <a:srgbClr val="0070C0"/>
+            </a:solidFill>
+            <a:prstDash val="sysDash"/>
+          </a:ln>
+          <a:effectLst/>
+        </p:spPr>
+        <p:style>
+          <a:lnRef idx="1">
+            <a:schemeClr val="accent1"/>
+          </a:lnRef>
+          <a:fillRef idx="2">
+            <a:schemeClr val="accent1"/>
+          </a:fillRef>
+          <a:effectRef idx="1">
+            <a:schemeClr val="accent1"/>
+          </a:effectRef>
+          <a:fontRef idx="minor">
+            <a:schemeClr val="dk1"/>
+          </a:fontRef>
+        </p:style>
+      </p:cxnSp>
+      <p:sp>
+        <p:nvSpPr>
+          <p:cNvPr id="49" name="Rectangle 48"/>
+          <p:cNvSpPr/>
+          <p:nvPr/>
+        </p:nvSpPr>
+        <p:spPr>
+          <a:xfrm>
+            <a:off x="5059947" y="4000291"/>
+            <a:ext cx="205843" cy="190709"/>
+          </a:xfrm>
+          <a:prstGeom prst="rect">
+            <a:avLst/>
+          </a:prstGeom>
+          <a:solidFill>
+            <a:srgbClr val="0070C0"/>
+          </a:solidFill>
+          <a:ln>
+            <a:solidFill>
+              <a:srgbClr val="0070C0"/>
+            </a:solidFill>
+          </a:ln>
+          <a:effectLst/>
+        </p:spPr>
+        <p:style>
+          <a:lnRef idx="1">
+            <a:schemeClr val="accent3"/>
+          </a:lnRef>
+          <a:fillRef idx="2">
+            <a:schemeClr val="accent3"/>
+          </a:fillRef>
+          <a:effectRef idx="1">
+            <a:schemeClr val="accent3"/>
+          </a:effectRef>
+          <a:fontRef idx="minor">
+            <a:schemeClr val="dk1"/>
+          </a:fontRef>
+        </p:style>
+        <p:txBody>
+          <a:bodyPr rtlCol="0" anchor="ctr"/>
+          <a:lstStyle/>
+          <a:p>
+            <a:pPr algn="ctr"/>
+            <a:endParaRPr lang="en-SG" sz="1400"/>
+          </a:p>
+        </p:txBody>
+      </p:sp>
+      <p:cxnSp>
+        <p:nvCxnSpPr>
+          <p:cNvPr id="51" name="Straight Arrow Connector 50"/>
+          <p:cNvCxnSpPr/>
+          <p:nvPr/>
+        </p:nvCxnSpPr>
+        <p:spPr>
+          <a:xfrm>
+            <a:off x="3499382" y="4185073"/>
+            <a:ext cx="1667219" cy="0"/>
+          </a:xfrm>
+          <a:prstGeom prst="straightConnector1">
+            <a:avLst/>
+          </a:prstGeom>
+          <a:ln w="19050">
+            <a:solidFill>
+              <a:srgbClr val="0070C0"/>
+            </a:solidFill>
+            <a:prstDash val="sysDash"/>
+            <a:headEnd type="arrow" w="med" len="med"/>
+            <a:tailEnd type="none" w="med" len="med"/>
+          </a:ln>
+        </p:spPr>
+        <p:style>
+          <a:lnRef idx="1">
+            <a:schemeClr val="accent1"/>
+          </a:lnRef>
+          <a:fillRef idx="0">
+            <a:schemeClr val="accent1"/>
+          </a:fillRef>
+          <a:effectRef idx="0">
+            <a:schemeClr val="accent1"/>
+          </a:effectRef>
+          <a:fontRef idx="minor">
+            <a:schemeClr val="tx1"/>
+          </a:fontRef>
+        </p:style>
+      </p:cxnSp>
     </p:spTree>
     <p:extLst>
       <p:ext uri="{BB962C8B-B14F-4D97-AF65-F5344CB8AC3E}">

--- a/docs/diagrams/LogicComponentSequenceDiagram.pptx
+++ b/docs/diagrams/LogicComponentSequenceDiagram.pptx
@@ -107,6 +107,22 @@
       </a:defRPr>
     </a:lvl9pPr>
   </p:defaultTextStyle>
+  <p:extLst>
+    <p:ext uri="{EFAFB233-063F-42B5-8137-9DF3F51BA10A}">
+      <p15:sldGuideLst xmlns:p15="http://schemas.microsoft.com/office/powerpoint/2012/main">
+        <p15:guide id="1" orient="horz" pos="1488">
+          <p15:clr>
+            <a:srgbClr val="A4A3A4"/>
+          </p15:clr>
+        </p15:guide>
+        <p15:guide id="2" pos="2880">
+          <p15:clr>
+            <a:srgbClr val="A4A3A4"/>
+          </p15:clr>
+        </p15:guide>
+      </p15:sldGuideLst>
+    </p:ext>
+  </p:extLst>
 </p:presentation>
 </file>
 
@@ -192,7 +208,7 @@
           <a:p>
             <a:fld id="{F5CC4B3F-88C1-4FFA-B1B6-F41C21DC6924}" type="datetimeFigureOut">
               <a:rPr lang="en-US" smtClean="0"/>
-              <a:t>10/16/2016</a:t>
+              <a:t>2/6/2017</a:t>
             </a:fld>
             <a:endParaRPr lang="en-US"/>
           </a:p>
@@ -641,7 +657,7 @@
           <a:p>
             <a:fld id="{78C97017-6FC3-485B-9764-EAC9E56C1D49}" type="datetimeFigureOut">
               <a:rPr lang="en-US" smtClean="0"/>
-              <a:t>10/16/2016</a:t>
+              <a:t>2/6/2017</a:t>
             </a:fld>
             <a:endParaRPr lang="en-US"/>
           </a:p>
@@ -811,7 +827,7 @@
           <a:p>
             <a:fld id="{78C97017-6FC3-485B-9764-EAC9E56C1D49}" type="datetimeFigureOut">
               <a:rPr lang="en-US" smtClean="0"/>
-              <a:t>10/16/2016</a:t>
+              <a:t>2/6/2017</a:t>
             </a:fld>
             <a:endParaRPr lang="en-US"/>
           </a:p>
@@ -991,7 +1007,7 @@
           <a:p>
             <a:fld id="{78C97017-6FC3-485B-9764-EAC9E56C1D49}" type="datetimeFigureOut">
               <a:rPr lang="en-US" smtClean="0"/>
-              <a:t>10/16/2016</a:t>
+              <a:t>2/6/2017</a:t>
             </a:fld>
             <a:endParaRPr lang="en-US"/>
           </a:p>
@@ -1161,7 +1177,7 @@
           <a:p>
             <a:fld id="{78C97017-6FC3-485B-9764-EAC9E56C1D49}" type="datetimeFigureOut">
               <a:rPr lang="en-US" smtClean="0"/>
-              <a:t>10/16/2016</a:t>
+              <a:t>2/6/2017</a:t>
             </a:fld>
             <a:endParaRPr lang="en-US"/>
           </a:p>
@@ -1407,7 +1423,7 @@
           <a:p>
             <a:fld id="{78C97017-6FC3-485B-9764-EAC9E56C1D49}" type="datetimeFigureOut">
               <a:rPr lang="en-US" smtClean="0"/>
-              <a:t>10/16/2016</a:t>
+              <a:t>2/6/2017</a:t>
             </a:fld>
             <a:endParaRPr lang="en-US"/>
           </a:p>
@@ -1695,7 +1711,7 @@
           <a:p>
             <a:fld id="{78C97017-6FC3-485B-9764-EAC9E56C1D49}" type="datetimeFigureOut">
               <a:rPr lang="en-US" smtClean="0"/>
-              <a:t>10/16/2016</a:t>
+              <a:t>2/6/2017</a:t>
             </a:fld>
             <a:endParaRPr lang="en-US"/>
           </a:p>
@@ -2117,7 +2133,7 @@
           <a:p>
             <a:fld id="{78C97017-6FC3-485B-9764-EAC9E56C1D49}" type="datetimeFigureOut">
               <a:rPr lang="en-US" smtClean="0"/>
-              <a:t>10/16/2016</a:t>
+              <a:t>2/6/2017</a:t>
             </a:fld>
             <a:endParaRPr lang="en-US"/>
           </a:p>
@@ -2235,7 +2251,7 @@
           <a:p>
             <a:fld id="{78C97017-6FC3-485B-9764-EAC9E56C1D49}" type="datetimeFigureOut">
               <a:rPr lang="en-US" smtClean="0"/>
-              <a:t>10/16/2016</a:t>
+              <a:t>2/6/2017</a:t>
             </a:fld>
             <a:endParaRPr lang="en-US"/>
           </a:p>
@@ -2330,7 +2346,7 @@
           <a:p>
             <a:fld id="{78C97017-6FC3-485B-9764-EAC9E56C1D49}" type="datetimeFigureOut">
               <a:rPr lang="en-US" smtClean="0"/>
-              <a:t>10/16/2016</a:t>
+              <a:t>2/6/2017</a:t>
             </a:fld>
             <a:endParaRPr lang="en-US"/>
           </a:p>
@@ -2607,7 +2623,7 @@
           <a:p>
             <a:fld id="{78C97017-6FC3-485B-9764-EAC9E56C1D49}" type="datetimeFigureOut">
               <a:rPr lang="en-US" smtClean="0"/>
-              <a:t>10/16/2016</a:t>
+              <a:t>2/6/2017</a:t>
             </a:fld>
             <a:endParaRPr lang="en-US"/>
           </a:p>
@@ -2860,7 +2876,7 @@
           <a:p>
             <a:fld id="{78C97017-6FC3-485B-9764-EAC9E56C1D49}" type="datetimeFigureOut">
               <a:rPr lang="en-US" smtClean="0"/>
-              <a:t>10/16/2016</a:t>
+              <a:t>2/6/2017</a:t>
             </a:fld>
             <a:endParaRPr lang="en-US"/>
           </a:p>
@@ -3073,7 +3089,7 @@
           <a:p>
             <a:fld id="{78C97017-6FC3-485B-9764-EAC9E56C1D49}" type="datetimeFigureOut">
               <a:rPr lang="en-US" smtClean="0"/>
-              <a:t>10/16/2016</a:t>
+              <a:t>2/6/2017</a:t>
             </a:fld>
             <a:endParaRPr lang="en-US"/>
           </a:p>
@@ -3457,7 +3473,7 @@
         <p:spPr>
           <a:xfrm>
             <a:off x="685800" y="1981200"/>
-            <a:ext cx="7086600" cy="4000286"/>
+            <a:ext cx="7252956" cy="4000286"/>
           </a:xfrm>
           <a:prstGeom prst="roundRect">
             <a:avLst>
@@ -3517,7 +3533,7 @@
         </p:nvSpPr>
         <p:spPr>
           <a:xfrm>
-            <a:off x="1007063" y="2296546"/>
+            <a:off x="845045" y="2296546"/>
             <a:ext cx="1455629" cy="346760"/>
           </a:xfrm>
           <a:prstGeom prst="rect">
@@ -3584,7 +3600,7 @@
         </p:nvCxnSpPr>
         <p:spPr>
           <a:xfrm>
-            <a:off x="1734877" y="2660217"/>
+            <a:off x="1572859" y="2660217"/>
             <a:ext cx="0" cy="2597583"/>
           </a:xfrm>
           <a:prstGeom prst="line">
@@ -3621,7 +3637,7 @@
         </p:nvSpPr>
         <p:spPr>
           <a:xfrm>
-            <a:off x="1662869" y="3010911"/>
+            <a:off x="1500851" y="3010911"/>
             <a:ext cx="152400" cy="2780287"/>
           </a:xfrm>
           <a:prstGeom prst="rect">
@@ -3668,7 +3684,7 @@
         </p:nvSpPr>
         <p:spPr>
           <a:xfrm>
-            <a:off x="3411783" y="2300233"/>
+            <a:off x="2809782" y="2300233"/>
             <a:ext cx="1093635" cy="346760"/>
           </a:xfrm>
           <a:prstGeom prst="rect">
@@ -3727,8 +3743,8 @@
         </p:nvCxnSpPr>
         <p:spPr>
           <a:xfrm>
-            <a:off x="3958600" y="2663904"/>
-            <a:ext cx="0" cy="1587652"/>
+            <a:off x="3356599" y="2663904"/>
+            <a:ext cx="0" cy="1695374"/>
           </a:xfrm>
           <a:prstGeom prst="line">
             <a:avLst/>
@@ -3764,8 +3780,8 @@
         </p:nvSpPr>
         <p:spPr>
           <a:xfrm>
-            <a:off x="3886592" y="3122097"/>
-            <a:ext cx="144016" cy="832525"/>
+            <a:off x="3284590" y="3122096"/>
+            <a:ext cx="174929" cy="1129459"/>
           </a:xfrm>
           <a:prstGeom prst="rect">
             <a:avLst/>
@@ -3815,7 +3831,7 @@
         </p:nvSpPr>
         <p:spPr>
           <a:xfrm>
-            <a:off x="4953000" y="2996259"/>
+            <a:off x="6221565" y="3312740"/>
             <a:ext cx="1093635" cy="461538"/>
           </a:xfrm>
           <a:prstGeom prst="rect">
@@ -3892,13 +3908,15 @@
       <p:cxnSp>
         <p:nvCxnSpPr>
           <p:cNvPr id="20" name="Straight Connector 19"/>
-          <p:cNvCxnSpPr/>
+          <p:cNvCxnSpPr>
+            <a:stCxn id="21" idx="0"/>
+          </p:cNvCxnSpPr>
           <p:nvPr/>
         </p:nvCxnSpPr>
         <p:spPr>
           <a:xfrm>
-            <a:off x="5499817" y="3417319"/>
-            <a:ext cx="0" cy="2450081"/>
+            <a:off x="6772574" y="3774278"/>
+            <a:ext cx="0" cy="1940722"/>
           </a:xfrm>
           <a:prstGeom prst="line">
             <a:avLst/>
@@ -3934,7 +3952,7 @@
         </p:nvSpPr>
         <p:spPr>
           <a:xfrm>
-            <a:off x="5427809" y="3457797"/>
+            <a:off x="6696374" y="3774278"/>
             <a:ext cx="152400" cy="276003"/>
           </a:xfrm>
           <a:prstGeom prst="rect">
@@ -3981,7 +3999,7 @@
         </p:nvCxnSpPr>
         <p:spPr>
           <a:xfrm>
-            <a:off x="543018" y="3014599"/>
+            <a:off x="381000" y="3014599"/>
             <a:ext cx="1119851" cy="0"/>
           </a:xfrm>
           <a:prstGeom prst="straightConnector1">
@@ -4016,9 +4034,9 @@
           <p:nvPr/>
         </p:nvCxnSpPr>
         <p:spPr>
-          <a:xfrm>
-            <a:off x="1815269" y="3122098"/>
-            <a:ext cx="2071323" cy="0"/>
+          <a:xfrm flipV="1">
+            <a:off x="1653251" y="3122097"/>
+            <a:ext cx="1596514" cy="1"/>
           </a:xfrm>
           <a:prstGeom prst="straightConnector1">
             <a:avLst/>
@@ -4053,7 +4071,7 @@
         </p:nvSpPr>
         <p:spPr>
           <a:xfrm>
-            <a:off x="152400" y="2743200"/>
+            <a:off x="0" y="2743200"/>
             <a:ext cx="1424846" cy="215444"/>
           </a:xfrm>
           <a:prstGeom prst="rect">
@@ -4087,14 +4105,12 @@
       <p:cxnSp>
         <p:nvCxnSpPr>
           <p:cNvPr id="28" name="Straight Arrow Connector 27"/>
-          <p:cNvCxnSpPr>
-            <a:endCxn id="19" idx="1"/>
-          </p:cNvCxnSpPr>
+          <p:cNvCxnSpPr/>
           <p:nvPr/>
         </p:nvCxnSpPr>
         <p:spPr>
           <a:xfrm flipV="1">
-            <a:off x="4030608" y="3227028"/>
+            <a:off x="5257218" y="3703214"/>
             <a:ext cx="922392" cy="1"/>
           </a:xfrm>
           <a:prstGeom prst="straightConnector1">
@@ -4130,7 +4146,7 @@
         </p:nvSpPr>
         <p:spPr>
           <a:xfrm>
-            <a:off x="4419600" y="4251556"/>
+            <a:off x="4257582" y="4251556"/>
             <a:ext cx="855809" cy="215444"/>
           </a:xfrm>
           <a:prstGeom prst="rect">
@@ -4170,8 +4186,8 @@
         </p:nvCxnSpPr>
         <p:spPr>
           <a:xfrm>
-            <a:off x="4030608" y="3733800"/>
-            <a:ext cx="1406215" cy="0"/>
+            <a:off x="5257800" y="4050281"/>
+            <a:ext cx="1492974" cy="0"/>
           </a:xfrm>
           <a:prstGeom prst="straightConnector1">
             <a:avLst/>
@@ -4207,9 +4223,9 @@
           <p:nvPr/>
         </p:nvCxnSpPr>
         <p:spPr>
-          <a:xfrm>
-            <a:off x="1815269" y="3954622"/>
-            <a:ext cx="2058118" cy="0"/>
+          <a:xfrm flipV="1">
+            <a:off x="1670186" y="4243231"/>
+            <a:ext cx="1596514" cy="5378"/>
           </a:xfrm>
           <a:prstGeom prst="straightConnector1">
             <a:avLst/>
@@ -4246,7 +4262,7 @@
         </p:nvCxnSpPr>
         <p:spPr>
           <a:xfrm>
-            <a:off x="466818" y="5791200"/>
+            <a:off x="304800" y="5791200"/>
             <a:ext cx="1196051" cy="0"/>
           </a:xfrm>
           <a:prstGeom prst="straightConnector1">
@@ -4284,7 +4300,7 @@
         </p:nvSpPr>
         <p:spPr>
           <a:xfrm>
-            <a:off x="7938756" y="2317144"/>
+            <a:off x="8265896" y="2362200"/>
             <a:ext cx="1030504" cy="346760"/>
           </a:xfrm>
           <a:prstGeom prst="rect">
@@ -4349,8 +4365,8 @@
         </p:nvCxnSpPr>
         <p:spPr>
           <a:xfrm>
-            <a:off x="1815269" y="4495317"/>
-            <a:ext cx="3612540" cy="0"/>
+            <a:off x="1653251" y="4495317"/>
+            <a:ext cx="5043123" cy="0"/>
           </a:xfrm>
           <a:prstGeom prst="straightConnector1">
             <a:avLst/>
@@ -4385,8 +4401,8 @@
         </p:nvSpPr>
         <p:spPr>
           <a:xfrm>
-            <a:off x="5427809" y="4495317"/>
-            <a:ext cx="152400" cy="1191256"/>
+            <a:off x="6687452" y="4467000"/>
+            <a:ext cx="161322" cy="1019400"/>
           </a:xfrm>
           <a:prstGeom prst="rect">
             <a:avLst/>
@@ -4432,7 +4448,7 @@
         </p:nvCxnSpPr>
         <p:spPr>
           <a:xfrm>
-            <a:off x="8454008" y="2655802"/>
+            <a:off x="8781148" y="2700858"/>
             <a:ext cx="0" cy="2830598"/>
           </a:xfrm>
           <a:prstGeom prst="line">
@@ -4472,8 +4488,8 @@
         </p:nvSpPr>
         <p:spPr>
           <a:xfrm>
-            <a:off x="8382000" y="4524597"/>
-            <a:ext cx="152400" cy="276003"/>
+            <a:off x="8686800" y="4524597"/>
+            <a:ext cx="152400" cy="199803"/>
           </a:xfrm>
           <a:prstGeom prst="rect">
             <a:avLst/>
@@ -4529,8 +4545,8 @@
         </p:nvCxnSpPr>
         <p:spPr>
           <a:xfrm>
-            <a:off x="5580209" y="4542759"/>
-            <a:ext cx="2787374" cy="0"/>
+            <a:off x="6850663" y="4524597"/>
+            <a:ext cx="1836137" cy="0"/>
           </a:xfrm>
           <a:prstGeom prst="straightConnector1">
             <a:avLst/>
@@ -4564,9 +4580,9 @@
           <p:nvPr/>
         </p:nvCxnSpPr>
         <p:spPr>
-          <a:xfrm>
-            <a:off x="5580209" y="4800600"/>
-            <a:ext cx="2873799" cy="0"/>
+          <a:xfrm flipV="1">
+            <a:off x="6848774" y="4714650"/>
+            <a:ext cx="1838026" cy="9750"/>
           </a:xfrm>
           <a:prstGeom prst="straightConnector1">
             <a:avLst/>
@@ -4606,8 +4622,8 @@
         </p:nvCxnSpPr>
         <p:spPr>
           <a:xfrm>
-            <a:off x="1815269" y="5661173"/>
-            <a:ext cx="3651369" cy="0"/>
+            <a:off x="1653251" y="5486400"/>
+            <a:ext cx="5052349" cy="0"/>
           </a:xfrm>
           <a:prstGeom prst="straightConnector1">
             <a:avLst/>
@@ -4644,7 +4660,7 @@
         </p:nvSpPr>
         <p:spPr>
           <a:xfrm>
-            <a:off x="6858000" y="4278848"/>
+            <a:off x="6984957" y="4267200"/>
             <a:ext cx="1424846" cy="215444"/>
           </a:xfrm>
           <a:prstGeom prst="rect">
@@ -4701,8 +4717,8 @@
         </p:nvSpPr>
         <p:spPr>
           <a:xfrm>
-            <a:off x="4191000" y="2996259"/>
-            <a:ext cx="640023" cy="215444"/>
+            <a:off x="3847551" y="3657600"/>
+            <a:ext cx="767033" cy="184666"/>
           </a:xfrm>
           <a:prstGeom prst="rect">
             <a:avLst/>
@@ -4727,10 +4743,14 @@
           </a:lstStyle>
           <a:p>
             <a:r>
-              <a:rPr lang="en-US" dirty="0" smtClean="0"/>
-              <a:t>create()</a:t>
-            </a:r>
-            <a:endParaRPr lang="en-US" dirty="0"/>
+              <a:rPr lang="en-US" sz="1200" dirty="0"/>
+              <a:t>p</a:t>
+            </a:r>
+            <a:r>
+              <a:rPr lang="en-US" sz="1200" dirty="0" smtClean="0"/>
+              <a:t>arse(“1”)</a:t>
+            </a:r>
+            <a:endParaRPr lang="en-US" sz="1200" dirty="0"/>
           </a:p>
         </p:txBody>
       </p:sp>
@@ -4742,7 +4762,7 @@
         </p:nvSpPr>
         <p:spPr>
           <a:xfrm>
-            <a:off x="2131905" y="2850922"/>
+            <a:off x="1742982" y="2850922"/>
             <a:ext cx="1424846" cy="215444"/>
           </a:xfrm>
           <a:prstGeom prst="rect">
@@ -4783,7 +4803,7 @@
         </p:nvSpPr>
         <p:spPr>
           <a:xfrm>
-            <a:off x="3101175" y="5430096"/>
+            <a:off x="4340137" y="5255323"/>
             <a:ext cx="621216" cy="215444"/>
           </a:xfrm>
           <a:prstGeom prst="rect">
@@ -4824,7 +4844,7 @@
         </p:nvSpPr>
         <p:spPr>
           <a:xfrm>
-            <a:off x="762001" y="5538488"/>
+            <a:off x="599983" y="5538488"/>
             <a:ext cx="762000" cy="215444"/>
           </a:xfrm>
           <a:prstGeom prst="rect">
@@ -4865,8 +4885,8 @@
         </p:nvSpPr>
         <p:spPr>
           <a:xfrm>
-            <a:off x="6029646" y="4953000"/>
-            <a:ext cx="1666554" cy="461538"/>
+            <a:off x="7020246" y="4777286"/>
+            <a:ext cx="1590354" cy="461538"/>
           </a:xfrm>
           <a:prstGeom prst="rect">
             <a:avLst/>
@@ -4901,27 +4921,20 @@
           <a:p>
             <a:pPr algn="ctr"/>
             <a:r>
+              <a:rPr lang="en-US" sz="1600" dirty="0" err="1" smtClean="0">
+                <a:solidFill>
+                  <a:schemeClr val="bg1"/>
+                </a:solidFill>
+              </a:rPr>
+              <a:t>result:Command</a:t>
+            </a:r>
+            <a:r>
               <a:rPr lang="en-US" sz="1600" dirty="0" smtClean="0">
                 <a:solidFill>
                   <a:schemeClr val="bg1"/>
                 </a:solidFill>
               </a:rPr>
-              <a:t>result:</a:t>
-            </a:r>
-            <a:br>
-              <a:rPr lang="en-US" sz="1600" dirty="0" smtClean="0">
-                <a:solidFill>
-                  <a:schemeClr val="bg1"/>
-                </a:solidFill>
-              </a:rPr>
-            </a:br>
-            <a:r>
-              <a:rPr lang="en-US" sz="1600" dirty="0" err="1" smtClean="0">
-                <a:solidFill>
-                  <a:schemeClr val="bg1"/>
-                </a:solidFill>
-              </a:rPr>
-              <a:t>CommandResult</a:t>
+              <a:t> Result</a:t>
             </a:r>
             <a:endParaRPr lang="en-SG" sz="1600" dirty="0">
               <a:solidFill>
@@ -4939,7 +4952,7 @@
         </p:nvSpPr>
         <p:spPr>
           <a:xfrm>
-            <a:off x="6786723" y="5414538"/>
+            <a:off x="7777323" y="5238824"/>
             <a:ext cx="152400" cy="171376"/>
           </a:xfrm>
           <a:prstGeom prst="rect">
@@ -4980,50 +4993,14 @@
       </p:sp>
       <p:cxnSp>
         <p:nvCxnSpPr>
-          <p:cNvPr id="87" name="Straight Arrow Connector 86"/>
-          <p:cNvCxnSpPr/>
-          <p:nvPr/>
-        </p:nvCxnSpPr>
-        <p:spPr>
-          <a:xfrm>
-            <a:off x="5580209" y="5165675"/>
-            <a:ext cx="447975" cy="0"/>
-          </a:xfrm>
-          <a:prstGeom prst="straightConnector1">
-            <a:avLst/>
-          </a:prstGeom>
-          <a:ln w="19050">
-            <a:solidFill>
-              <a:srgbClr val="0070C0"/>
-            </a:solidFill>
-            <a:tailEnd type="arrow"/>
-          </a:ln>
-        </p:spPr>
-        <p:style>
-          <a:lnRef idx="1">
-            <a:schemeClr val="accent1"/>
-          </a:lnRef>
-          <a:fillRef idx="0">
-            <a:schemeClr val="accent1"/>
-          </a:fillRef>
-          <a:effectRef idx="0">
-            <a:schemeClr val="accent1"/>
-          </a:effectRef>
-          <a:fontRef idx="minor">
-            <a:schemeClr val="tx1"/>
-          </a:fontRef>
-        </p:style>
-      </p:cxnSp>
-      <p:cxnSp>
-        <p:nvCxnSpPr>
           <p:cNvPr id="90" name="Straight Arrow Connector 89"/>
           <p:cNvCxnSpPr/>
           <p:nvPr/>
         </p:nvCxnSpPr>
         <p:spPr>
           <a:xfrm>
-            <a:off x="5580209" y="5585914"/>
-            <a:ext cx="1253815" cy="0"/>
+            <a:off x="6858000" y="5410200"/>
+            <a:ext cx="966624" cy="0"/>
           </a:xfrm>
           <a:prstGeom prst="straightConnector1">
             <a:avLst/>
@@ -5060,7 +5037,7 @@
         </p:nvSpPr>
         <p:spPr>
           <a:xfrm>
-            <a:off x="2818928" y="3733800"/>
+            <a:off x="2673845" y="4027787"/>
             <a:ext cx="220343" cy="215444"/>
           </a:xfrm>
           <a:prstGeom prst="rect">
@@ -5090,6 +5067,440 @@
               <a:t>d</a:t>
             </a:r>
             <a:endParaRPr lang="en-US" dirty="0"/>
+          </a:p>
+        </p:txBody>
+      </p:sp>
+      <p:sp>
+        <p:nvSpPr>
+          <p:cNvPr id="40" name="Rectangle 62"/>
+          <p:cNvSpPr/>
+          <p:nvPr/>
+        </p:nvSpPr>
+        <p:spPr>
+          <a:xfrm>
+            <a:off x="4231981" y="2929839"/>
+            <a:ext cx="1778201" cy="432035"/>
+          </a:xfrm>
+          <a:prstGeom prst="rect">
+            <a:avLst/>
+          </a:prstGeom>
+          <a:solidFill>
+            <a:srgbClr val="0070C0"/>
+          </a:solidFill>
+          <a:ln w="19050">
+            <a:solidFill>
+              <a:srgbClr val="0070C0"/>
+            </a:solidFill>
+          </a:ln>
+          <a:effectLst/>
+        </p:spPr>
+        <p:style>
+          <a:lnRef idx="1">
+            <a:schemeClr val="accent2"/>
+          </a:lnRef>
+          <a:fillRef idx="2">
+            <a:schemeClr val="accent2"/>
+          </a:fillRef>
+          <a:effectRef idx="1">
+            <a:schemeClr val="accent2"/>
+          </a:effectRef>
+          <a:fontRef idx="minor">
+            <a:schemeClr val="dk1"/>
+          </a:fontRef>
+        </p:style>
+        <p:txBody>
+          <a:bodyPr rtlCol="0" anchor="ctr"/>
+          <a:lstStyle/>
+          <a:p>
+            <a:pPr algn="ctr"/>
+            <a:r>
+              <a:rPr lang="en-US" sz="1600" dirty="0" smtClean="0">
+                <a:solidFill>
+                  <a:schemeClr val="bg1"/>
+                </a:solidFill>
+              </a:rPr>
+              <a:t>:</a:t>
+            </a:r>
+            <a:r>
+              <a:rPr lang="en-US" sz="1600" dirty="0" err="1" smtClean="0">
+                <a:solidFill>
+                  <a:schemeClr val="bg1"/>
+                </a:solidFill>
+              </a:rPr>
+              <a:t>DeleteCommand</a:t>
+            </a:r>
+            <a:endParaRPr lang="en-US" sz="1600" dirty="0" smtClean="0">
+              <a:solidFill>
+                <a:schemeClr val="bg1"/>
+              </a:solidFill>
+            </a:endParaRPr>
+          </a:p>
+          <a:p>
+            <a:pPr algn="ctr"/>
+            <a:r>
+              <a:rPr lang="en-US" sz="1600" dirty="0" smtClean="0">
+                <a:solidFill>
+                  <a:schemeClr val="bg1"/>
+                </a:solidFill>
+              </a:rPr>
+              <a:t>Parser</a:t>
+            </a:r>
+            <a:endParaRPr lang="en-SG" sz="1600" dirty="0">
+              <a:solidFill>
+                <a:schemeClr val="bg1"/>
+              </a:solidFill>
+            </a:endParaRPr>
+          </a:p>
+        </p:txBody>
+      </p:sp>
+      <p:cxnSp>
+        <p:nvCxnSpPr>
+          <p:cNvPr id="8" name="Straight Arrow Connector 7"/>
+          <p:cNvCxnSpPr/>
+          <p:nvPr/>
+        </p:nvCxnSpPr>
+        <p:spPr>
+          <a:xfrm>
+            <a:off x="3462591" y="3657600"/>
+            <a:ext cx="1597356" cy="1"/>
+          </a:xfrm>
+          <a:prstGeom prst="straightConnector1">
+            <a:avLst/>
+          </a:prstGeom>
+          <a:ln w="19050">
+            <a:headEnd type="none" w="med" len="med"/>
+            <a:tailEnd type="arrow" w="med" len="med"/>
+          </a:ln>
+        </p:spPr>
+        <p:style>
+          <a:lnRef idx="1">
+            <a:schemeClr val="accent1"/>
+          </a:lnRef>
+          <a:fillRef idx="0">
+            <a:schemeClr val="accent1"/>
+          </a:fillRef>
+          <a:effectRef idx="0">
+            <a:schemeClr val="accent1"/>
+          </a:effectRef>
+          <a:fontRef idx="minor">
+            <a:schemeClr val="tx1"/>
+          </a:fontRef>
+        </p:style>
+      </p:cxnSp>
+      <p:sp>
+        <p:nvSpPr>
+          <p:cNvPr id="45" name="Rectangle 44"/>
+          <p:cNvSpPr/>
+          <p:nvPr/>
+        </p:nvSpPr>
+        <p:spPr>
+          <a:xfrm>
+            <a:off x="5059947" y="3352800"/>
+            <a:ext cx="205843" cy="123165"/>
+          </a:xfrm>
+          <a:prstGeom prst="rect">
+            <a:avLst/>
+          </a:prstGeom>
+          <a:solidFill>
+            <a:srgbClr val="0070C0"/>
+          </a:solidFill>
+          <a:ln>
+            <a:solidFill>
+              <a:srgbClr val="0070C0"/>
+            </a:solidFill>
+          </a:ln>
+          <a:effectLst/>
+        </p:spPr>
+        <p:style>
+          <a:lnRef idx="1">
+            <a:schemeClr val="accent3"/>
+          </a:lnRef>
+          <a:fillRef idx="2">
+            <a:schemeClr val="accent3"/>
+          </a:fillRef>
+          <a:effectRef idx="1">
+            <a:schemeClr val="accent3"/>
+          </a:effectRef>
+          <a:fontRef idx="minor">
+            <a:schemeClr val="dk1"/>
+          </a:fontRef>
+        </p:style>
+        <p:txBody>
+          <a:bodyPr rtlCol="0" anchor="ctr"/>
+          <a:lstStyle/>
+          <a:p>
+            <a:pPr algn="ctr"/>
+            <a:endParaRPr lang="en-SG" sz="1400"/>
+          </a:p>
+        </p:txBody>
+      </p:sp>
+      <p:cxnSp>
+        <p:nvCxnSpPr>
+          <p:cNvPr id="46" name="Straight Connector 45"/>
+          <p:cNvCxnSpPr>
+            <a:stCxn id="45" idx="0"/>
+          </p:cNvCxnSpPr>
+          <p:nvPr/>
+        </p:nvCxnSpPr>
+        <p:spPr>
+          <a:xfrm>
+            <a:off x="5162869" y="3352800"/>
+            <a:ext cx="0" cy="990600"/>
+          </a:xfrm>
+          <a:prstGeom prst="line">
+            <a:avLst/>
+          </a:prstGeom>
+          <a:ln w="19050">
+            <a:solidFill>
+              <a:srgbClr val="0070C0"/>
+            </a:solidFill>
+            <a:prstDash val="sysDash"/>
+          </a:ln>
+          <a:effectLst/>
+        </p:spPr>
+        <p:style>
+          <a:lnRef idx="1">
+            <a:schemeClr val="accent1"/>
+          </a:lnRef>
+          <a:fillRef idx="2">
+            <a:schemeClr val="accent1"/>
+          </a:fillRef>
+          <a:effectRef idx="1">
+            <a:schemeClr val="accent1"/>
+          </a:effectRef>
+          <a:fontRef idx="minor">
+            <a:schemeClr val="dk1"/>
+          </a:fontRef>
+        </p:style>
+      </p:cxnSp>
+      <p:sp>
+        <p:nvSpPr>
+          <p:cNvPr id="49" name="Rectangle 48"/>
+          <p:cNvSpPr/>
+          <p:nvPr/>
+        </p:nvSpPr>
+        <p:spPr>
+          <a:xfrm>
+            <a:off x="5059947" y="3657601"/>
+            <a:ext cx="205843" cy="533400"/>
+          </a:xfrm>
+          <a:prstGeom prst="rect">
+            <a:avLst/>
+          </a:prstGeom>
+          <a:solidFill>
+            <a:srgbClr val="0070C0"/>
+          </a:solidFill>
+          <a:ln>
+            <a:solidFill>
+              <a:srgbClr val="0070C0"/>
+            </a:solidFill>
+          </a:ln>
+          <a:effectLst/>
+        </p:spPr>
+        <p:style>
+          <a:lnRef idx="1">
+            <a:schemeClr val="accent3"/>
+          </a:lnRef>
+          <a:fillRef idx="2">
+            <a:schemeClr val="accent3"/>
+          </a:fillRef>
+          <a:effectRef idx="1">
+            <a:schemeClr val="accent3"/>
+          </a:effectRef>
+          <a:fontRef idx="minor">
+            <a:schemeClr val="dk1"/>
+          </a:fontRef>
+        </p:style>
+        <p:txBody>
+          <a:bodyPr rtlCol="0" anchor="ctr"/>
+          <a:lstStyle/>
+          <a:p>
+            <a:pPr algn="ctr"/>
+            <a:endParaRPr lang="en-SG" sz="1400"/>
+          </a:p>
+        </p:txBody>
+      </p:sp>
+      <p:cxnSp>
+        <p:nvCxnSpPr>
+          <p:cNvPr id="51" name="Straight Arrow Connector 50"/>
+          <p:cNvCxnSpPr/>
+          <p:nvPr/>
+        </p:nvCxnSpPr>
+        <p:spPr>
+          <a:xfrm>
+            <a:off x="3499382" y="4185073"/>
+            <a:ext cx="1667219" cy="0"/>
+          </a:xfrm>
+          <a:prstGeom prst="straightConnector1">
+            <a:avLst/>
+          </a:prstGeom>
+          <a:ln w="19050">
+            <a:solidFill>
+              <a:srgbClr val="0070C0"/>
+            </a:solidFill>
+            <a:prstDash val="sysDash"/>
+            <a:headEnd type="arrow" w="med" len="med"/>
+            <a:tailEnd type="none" w="med" len="med"/>
+          </a:ln>
+        </p:spPr>
+        <p:style>
+          <a:lnRef idx="1">
+            <a:schemeClr val="accent1"/>
+          </a:lnRef>
+          <a:fillRef idx="0">
+            <a:schemeClr val="accent1"/>
+          </a:fillRef>
+          <a:effectRef idx="0">
+            <a:schemeClr val="accent1"/>
+          </a:effectRef>
+          <a:fontRef idx="minor">
+            <a:schemeClr val="tx1"/>
+          </a:fontRef>
+        </p:style>
+      </p:cxnSp>
+      <p:cxnSp>
+        <p:nvCxnSpPr>
+          <p:cNvPr id="13" name="Straight Arrow Connector 12"/>
+          <p:cNvCxnSpPr/>
+          <p:nvPr/>
+        </p:nvCxnSpPr>
+        <p:spPr>
+          <a:xfrm>
+            <a:off x="6858000" y="5029200"/>
+            <a:ext cx="162246" cy="0"/>
+          </a:xfrm>
+          <a:prstGeom prst="straightConnector1">
+            <a:avLst/>
+          </a:prstGeom>
+          <a:ln w="19050">
+            <a:headEnd type="none" w="med" len="med"/>
+            <a:tailEnd type="arrow" w="med" len="med"/>
+          </a:ln>
+        </p:spPr>
+        <p:style>
+          <a:lnRef idx="1">
+            <a:schemeClr val="accent1"/>
+          </a:lnRef>
+          <a:fillRef idx="0">
+            <a:schemeClr val="accent1"/>
+          </a:fillRef>
+          <a:effectRef idx="0">
+            <a:schemeClr val="accent1"/>
+          </a:effectRef>
+          <a:fontRef idx="minor">
+            <a:schemeClr val="tx1"/>
+          </a:fontRef>
+        </p:style>
+      </p:cxnSp>
+      <p:cxnSp>
+        <p:nvCxnSpPr>
+          <p:cNvPr id="50" name="Straight Arrow Connector 49"/>
+          <p:cNvCxnSpPr/>
+          <p:nvPr/>
+        </p:nvCxnSpPr>
+        <p:spPr>
+          <a:xfrm>
+            <a:off x="3412425" y="3173004"/>
+            <a:ext cx="819556" cy="1"/>
+          </a:xfrm>
+          <a:prstGeom prst="straightConnector1">
+            <a:avLst/>
+          </a:prstGeom>
+          <a:ln w="19050">
+            <a:solidFill>
+              <a:srgbClr val="0070C0"/>
+            </a:solidFill>
+            <a:tailEnd type="arrow"/>
+          </a:ln>
+        </p:spPr>
+        <p:style>
+          <a:lnRef idx="1">
+            <a:schemeClr val="accent1"/>
+          </a:lnRef>
+          <a:fillRef idx="0">
+            <a:schemeClr val="accent1"/>
+          </a:fillRef>
+          <a:effectRef idx="0">
+            <a:schemeClr val="accent1"/>
+          </a:effectRef>
+          <a:fontRef idx="minor">
+            <a:schemeClr val="tx1"/>
+          </a:fontRef>
+        </p:style>
+      </p:cxnSp>
+      <p:cxnSp>
+        <p:nvCxnSpPr>
+          <p:cNvPr id="52" name="Straight Arrow Connector 51"/>
+          <p:cNvCxnSpPr/>
+          <p:nvPr/>
+        </p:nvCxnSpPr>
+        <p:spPr>
+          <a:xfrm>
+            <a:off x="3459519" y="3475965"/>
+            <a:ext cx="1600428" cy="0"/>
+          </a:xfrm>
+          <a:prstGeom prst="straightConnector1">
+            <a:avLst/>
+          </a:prstGeom>
+          <a:ln w="19050">
+            <a:solidFill>
+              <a:srgbClr val="0070C0"/>
+            </a:solidFill>
+            <a:prstDash val="sysDash"/>
+            <a:headEnd type="arrow" w="med" len="med"/>
+            <a:tailEnd type="none" w="med" len="med"/>
+          </a:ln>
+        </p:spPr>
+        <p:style>
+          <a:lnRef idx="1">
+            <a:schemeClr val="accent1"/>
+          </a:lnRef>
+          <a:fillRef idx="0">
+            <a:schemeClr val="accent1"/>
+          </a:fillRef>
+          <a:effectRef idx="0">
+            <a:schemeClr val="accent1"/>
+          </a:effectRef>
+          <a:fontRef idx="minor">
+            <a:schemeClr val="tx1"/>
+          </a:fontRef>
+        </p:style>
+      </p:cxnSp>
+      <p:sp>
+        <p:nvSpPr>
+          <p:cNvPr id="4" name="TextBox 3"/>
+          <p:cNvSpPr txBox="1"/>
+          <p:nvPr/>
+        </p:nvSpPr>
+        <p:spPr>
+          <a:xfrm>
+            <a:off x="5033665" y="4199590"/>
+            <a:ext cx="258404" cy="261610"/>
+          </a:xfrm>
+          <a:prstGeom prst="rect">
+            <a:avLst/>
+          </a:prstGeom>
+          <a:noFill/>
+        </p:spPr>
+        <p:txBody>
+          <a:bodyPr wrap="none" rtlCol="0">
+            <a:spAutoFit/>
+          </a:bodyPr>
+          <a:lstStyle/>
+          <a:p>
+            <a:r>
+              <a:rPr lang="en-SG" sz="1100" dirty="0" smtClean="0">
+                <a:solidFill>
+                  <a:srgbClr val="002060"/>
+                </a:solidFill>
+              </a:rPr>
+              <a:t>X</a:t>
+            </a:r>
+            <a:endParaRPr lang="en-SG" sz="1100" dirty="0">
+              <a:solidFill>
+                <a:srgbClr val="002060"/>
+              </a:solidFill>
+            </a:endParaRPr>
           </a:p>
         </p:txBody>
       </p:sp>

--- a/docs/diagrams/LogicComponentSequenceDiagram.pptx
+++ b/docs/diagrams/LogicComponentSequenceDiagram.pptx
@@ -107,6 +107,22 @@
       </a:defRPr>
     </a:lvl9pPr>
   </p:defaultTextStyle>
+  <p:extLst>
+    <p:ext uri="{EFAFB233-063F-42B5-8137-9DF3F51BA10A}">
+      <p15:sldGuideLst xmlns:p15="http://schemas.microsoft.com/office/powerpoint/2012/main">
+        <p15:guide id="1" orient="horz" pos="1488">
+          <p15:clr>
+            <a:srgbClr val="A4A3A4"/>
+          </p15:clr>
+        </p15:guide>
+        <p15:guide id="2" pos="2880">
+          <p15:clr>
+            <a:srgbClr val="A4A3A4"/>
+          </p15:clr>
+        </p15:guide>
+      </p15:sldGuideLst>
+    </p:ext>
+  </p:extLst>
 </p:presentation>
 </file>
 
@@ -192,7 +208,7 @@
           <a:p>
             <a:fld id="{F5CC4B3F-88C1-4FFA-B1B6-F41C21DC6924}" type="datetimeFigureOut">
               <a:rPr lang="en-US" smtClean="0"/>
-              <a:t>10/16/2016</a:t>
+              <a:t>2/2/2017</a:t>
             </a:fld>
             <a:endParaRPr lang="en-US"/>
           </a:p>
@@ -641,7 +657,7 @@
           <a:p>
             <a:fld id="{78C97017-6FC3-485B-9764-EAC9E56C1D49}" type="datetimeFigureOut">
               <a:rPr lang="en-US" smtClean="0"/>
-              <a:t>10/16/2016</a:t>
+              <a:t>2/2/2017</a:t>
             </a:fld>
             <a:endParaRPr lang="en-US"/>
           </a:p>
@@ -811,7 +827,7 @@
           <a:p>
             <a:fld id="{78C97017-6FC3-485B-9764-EAC9E56C1D49}" type="datetimeFigureOut">
               <a:rPr lang="en-US" smtClean="0"/>
-              <a:t>10/16/2016</a:t>
+              <a:t>2/2/2017</a:t>
             </a:fld>
             <a:endParaRPr lang="en-US"/>
           </a:p>
@@ -991,7 +1007,7 @@
           <a:p>
             <a:fld id="{78C97017-6FC3-485B-9764-EAC9E56C1D49}" type="datetimeFigureOut">
               <a:rPr lang="en-US" smtClean="0"/>
-              <a:t>10/16/2016</a:t>
+              <a:t>2/2/2017</a:t>
             </a:fld>
             <a:endParaRPr lang="en-US"/>
           </a:p>
@@ -1161,7 +1177,7 @@
           <a:p>
             <a:fld id="{78C97017-6FC3-485B-9764-EAC9E56C1D49}" type="datetimeFigureOut">
               <a:rPr lang="en-US" smtClean="0"/>
-              <a:t>10/16/2016</a:t>
+              <a:t>2/2/2017</a:t>
             </a:fld>
             <a:endParaRPr lang="en-US"/>
           </a:p>
@@ -1407,7 +1423,7 @@
           <a:p>
             <a:fld id="{78C97017-6FC3-485B-9764-EAC9E56C1D49}" type="datetimeFigureOut">
               <a:rPr lang="en-US" smtClean="0"/>
-              <a:t>10/16/2016</a:t>
+              <a:t>2/2/2017</a:t>
             </a:fld>
             <a:endParaRPr lang="en-US"/>
           </a:p>
@@ -1695,7 +1711,7 @@
           <a:p>
             <a:fld id="{78C97017-6FC3-485B-9764-EAC9E56C1D49}" type="datetimeFigureOut">
               <a:rPr lang="en-US" smtClean="0"/>
-              <a:t>10/16/2016</a:t>
+              <a:t>2/2/2017</a:t>
             </a:fld>
             <a:endParaRPr lang="en-US"/>
           </a:p>
@@ -2117,7 +2133,7 @@
           <a:p>
             <a:fld id="{78C97017-6FC3-485B-9764-EAC9E56C1D49}" type="datetimeFigureOut">
               <a:rPr lang="en-US" smtClean="0"/>
-              <a:t>10/16/2016</a:t>
+              <a:t>2/2/2017</a:t>
             </a:fld>
             <a:endParaRPr lang="en-US"/>
           </a:p>
@@ -2235,7 +2251,7 @@
           <a:p>
             <a:fld id="{78C97017-6FC3-485B-9764-EAC9E56C1D49}" type="datetimeFigureOut">
               <a:rPr lang="en-US" smtClean="0"/>
-              <a:t>10/16/2016</a:t>
+              <a:t>2/2/2017</a:t>
             </a:fld>
             <a:endParaRPr lang="en-US"/>
           </a:p>
@@ -2330,7 +2346,7 @@
           <a:p>
             <a:fld id="{78C97017-6FC3-485B-9764-EAC9E56C1D49}" type="datetimeFigureOut">
               <a:rPr lang="en-US" smtClean="0"/>
-              <a:t>10/16/2016</a:t>
+              <a:t>2/2/2017</a:t>
             </a:fld>
             <a:endParaRPr lang="en-US"/>
           </a:p>
@@ -2607,7 +2623,7 @@
           <a:p>
             <a:fld id="{78C97017-6FC3-485B-9764-EAC9E56C1D49}" type="datetimeFigureOut">
               <a:rPr lang="en-US" smtClean="0"/>
-              <a:t>10/16/2016</a:t>
+              <a:t>2/2/2017</a:t>
             </a:fld>
             <a:endParaRPr lang="en-US"/>
           </a:p>
@@ -2860,7 +2876,7 @@
           <a:p>
             <a:fld id="{78C97017-6FC3-485B-9764-EAC9E56C1D49}" type="datetimeFigureOut">
               <a:rPr lang="en-US" smtClean="0"/>
-              <a:t>10/16/2016</a:t>
+              <a:t>2/2/2017</a:t>
             </a:fld>
             <a:endParaRPr lang="en-US"/>
           </a:p>
@@ -3073,7 +3089,7 @@
           <a:p>
             <a:fld id="{78C97017-6FC3-485B-9764-EAC9E56C1D49}" type="datetimeFigureOut">
               <a:rPr lang="en-US" smtClean="0"/>
-              <a:t>10/16/2016</a:t>
+              <a:t>2/2/2017</a:t>
             </a:fld>
             <a:endParaRPr lang="en-US"/>
           </a:p>
@@ -3457,7 +3473,7 @@
         <p:spPr>
           <a:xfrm>
             <a:off x="685800" y="1981200"/>
-            <a:ext cx="7086600" cy="4000286"/>
+            <a:ext cx="7252956" cy="4000286"/>
           </a:xfrm>
           <a:prstGeom prst="roundRect">
             <a:avLst>
@@ -3517,7 +3533,7 @@
         </p:nvSpPr>
         <p:spPr>
           <a:xfrm>
-            <a:off x="1007063" y="2296546"/>
+            <a:off x="845045" y="2296546"/>
             <a:ext cx="1455629" cy="346760"/>
           </a:xfrm>
           <a:prstGeom prst="rect">
@@ -3584,7 +3600,7 @@
         </p:nvCxnSpPr>
         <p:spPr>
           <a:xfrm>
-            <a:off x="1734877" y="2660217"/>
+            <a:off x="1572859" y="2660217"/>
             <a:ext cx="0" cy="2597583"/>
           </a:xfrm>
           <a:prstGeom prst="line">
@@ -3621,7 +3637,7 @@
         </p:nvSpPr>
         <p:spPr>
           <a:xfrm>
-            <a:off x="1662869" y="3010911"/>
+            <a:off x="1500851" y="3010911"/>
             <a:ext cx="152400" cy="2780287"/>
           </a:xfrm>
           <a:prstGeom prst="rect">
@@ -3668,7 +3684,7 @@
         </p:nvSpPr>
         <p:spPr>
           <a:xfrm>
-            <a:off x="3411783" y="2300233"/>
+            <a:off x="2809782" y="2300233"/>
             <a:ext cx="1093635" cy="346760"/>
           </a:xfrm>
           <a:prstGeom prst="rect">
@@ -3727,8 +3743,8 @@
         </p:nvCxnSpPr>
         <p:spPr>
           <a:xfrm>
-            <a:off x="3958600" y="2663904"/>
-            <a:ext cx="0" cy="1587652"/>
+            <a:off x="3356599" y="2663904"/>
+            <a:ext cx="0" cy="1695374"/>
           </a:xfrm>
           <a:prstGeom prst="line">
             <a:avLst/>
@@ -3764,8 +3780,8 @@
         </p:nvSpPr>
         <p:spPr>
           <a:xfrm>
-            <a:off x="3886592" y="3122097"/>
-            <a:ext cx="144016" cy="832525"/>
+            <a:off x="3284590" y="3122096"/>
+            <a:ext cx="174929" cy="1129459"/>
           </a:xfrm>
           <a:prstGeom prst="rect">
             <a:avLst/>
@@ -3815,7 +3831,7 @@
         </p:nvSpPr>
         <p:spPr>
           <a:xfrm>
-            <a:off x="4953000" y="2996259"/>
+            <a:off x="6221565" y="3312740"/>
             <a:ext cx="1093635" cy="461538"/>
           </a:xfrm>
           <a:prstGeom prst="rect">
@@ -3892,13 +3908,16 @@
       <p:cxnSp>
         <p:nvCxnSpPr>
           <p:cNvPr id="20" name="Straight Connector 19"/>
-          <p:cNvCxnSpPr/>
+          <p:cNvCxnSpPr>
+            <a:stCxn id="21" idx="0"/>
+            <a:endCxn id="65" idx="2"/>
+          </p:cNvCxnSpPr>
           <p:nvPr/>
         </p:nvCxnSpPr>
         <p:spPr>
-          <a:xfrm>
-            <a:off x="5499817" y="3417319"/>
-            <a:ext cx="0" cy="2450081"/>
+          <a:xfrm flipH="1">
+            <a:off x="6768113" y="3774278"/>
+            <a:ext cx="4461" cy="1712122"/>
           </a:xfrm>
           <a:prstGeom prst="line">
             <a:avLst/>
@@ -3934,7 +3953,7 @@
         </p:nvSpPr>
         <p:spPr>
           <a:xfrm>
-            <a:off x="5427809" y="3457797"/>
+            <a:off x="6696374" y="3774278"/>
             <a:ext cx="152400" cy="276003"/>
           </a:xfrm>
           <a:prstGeom prst="rect">
@@ -3981,7 +4000,7 @@
         </p:nvCxnSpPr>
         <p:spPr>
           <a:xfrm>
-            <a:off x="543018" y="3014599"/>
+            <a:off x="381000" y="3014599"/>
             <a:ext cx="1119851" cy="0"/>
           </a:xfrm>
           <a:prstGeom prst="straightConnector1">
@@ -4016,9 +4035,9 @@
           <p:nvPr/>
         </p:nvCxnSpPr>
         <p:spPr>
-          <a:xfrm>
-            <a:off x="1815269" y="3122098"/>
-            <a:ext cx="2071323" cy="0"/>
+          <a:xfrm flipV="1">
+            <a:off x="1653251" y="3122097"/>
+            <a:ext cx="1596514" cy="1"/>
           </a:xfrm>
           <a:prstGeom prst="straightConnector1">
             <a:avLst/>
@@ -4053,7 +4072,7 @@
         </p:nvSpPr>
         <p:spPr>
           <a:xfrm>
-            <a:off x="152400" y="2743200"/>
+            <a:off x="0" y="2743200"/>
             <a:ext cx="1424846" cy="215444"/>
           </a:xfrm>
           <a:prstGeom prst="rect">
@@ -4087,14 +4106,12 @@
       <p:cxnSp>
         <p:nvCxnSpPr>
           <p:cNvPr id="28" name="Straight Arrow Connector 27"/>
-          <p:cNvCxnSpPr>
-            <a:endCxn id="19" idx="1"/>
-          </p:cNvCxnSpPr>
+          <p:cNvCxnSpPr/>
           <p:nvPr/>
         </p:nvCxnSpPr>
         <p:spPr>
           <a:xfrm flipV="1">
-            <a:off x="4030608" y="3227028"/>
+            <a:off x="5257218" y="3703214"/>
             <a:ext cx="922392" cy="1"/>
           </a:xfrm>
           <a:prstGeom prst="straightConnector1">
@@ -4130,7 +4147,7 @@
         </p:nvSpPr>
         <p:spPr>
           <a:xfrm>
-            <a:off x="4419600" y="4251556"/>
+            <a:off x="4257582" y="4251556"/>
             <a:ext cx="855809" cy="215444"/>
           </a:xfrm>
           <a:prstGeom prst="rect">
@@ -4170,8 +4187,8 @@
         </p:nvCxnSpPr>
         <p:spPr>
           <a:xfrm>
-            <a:off x="4030608" y="3733800"/>
-            <a:ext cx="1406215" cy="0"/>
+            <a:off x="5257800" y="4050281"/>
+            <a:ext cx="1492974" cy="0"/>
           </a:xfrm>
           <a:prstGeom prst="straightConnector1">
             <a:avLst/>
@@ -4207,9 +4224,9 @@
           <p:nvPr/>
         </p:nvCxnSpPr>
         <p:spPr>
-          <a:xfrm>
-            <a:off x="1815269" y="3954622"/>
-            <a:ext cx="2058118" cy="0"/>
+          <a:xfrm flipV="1">
+            <a:off x="1670186" y="4243231"/>
+            <a:ext cx="1596514" cy="5378"/>
           </a:xfrm>
           <a:prstGeom prst="straightConnector1">
             <a:avLst/>
@@ -4246,7 +4263,7 @@
         </p:nvCxnSpPr>
         <p:spPr>
           <a:xfrm>
-            <a:off x="466818" y="5791200"/>
+            <a:off x="304800" y="5791200"/>
             <a:ext cx="1196051" cy="0"/>
           </a:xfrm>
           <a:prstGeom prst="straightConnector1">
@@ -4284,7 +4301,7 @@
         </p:nvSpPr>
         <p:spPr>
           <a:xfrm>
-            <a:off x="7938756" y="2317144"/>
+            <a:off x="8265896" y="2362200"/>
             <a:ext cx="1030504" cy="346760"/>
           </a:xfrm>
           <a:prstGeom prst="rect">
@@ -4349,8 +4366,8 @@
         </p:nvCxnSpPr>
         <p:spPr>
           <a:xfrm>
-            <a:off x="1815269" y="4495317"/>
-            <a:ext cx="3612540" cy="0"/>
+            <a:off x="1653251" y="4495317"/>
+            <a:ext cx="5043123" cy="0"/>
           </a:xfrm>
           <a:prstGeom prst="straightConnector1">
             <a:avLst/>
@@ -4385,8 +4402,8 @@
         </p:nvSpPr>
         <p:spPr>
           <a:xfrm>
-            <a:off x="5427809" y="4495317"/>
-            <a:ext cx="152400" cy="1191256"/>
+            <a:off x="6687452" y="4467000"/>
+            <a:ext cx="161322" cy="1019400"/>
           </a:xfrm>
           <a:prstGeom prst="rect">
             <a:avLst/>
@@ -4432,7 +4449,7 @@
         </p:nvCxnSpPr>
         <p:spPr>
           <a:xfrm>
-            <a:off x="8454008" y="2655802"/>
+            <a:off x="8781148" y="2700858"/>
             <a:ext cx="0" cy="2830598"/>
           </a:xfrm>
           <a:prstGeom prst="line">
@@ -4472,8 +4489,8 @@
         </p:nvSpPr>
         <p:spPr>
           <a:xfrm>
-            <a:off x="8382000" y="4524597"/>
-            <a:ext cx="152400" cy="276003"/>
+            <a:off x="8686800" y="4524597"/>
+            <a:ext cx="152400" cy="199803"/>
           </a:xfrm>
           <a:prstGeom prst="rect">
             <a:avLst/>
@@ -4529,8 +4546,8 @@
         </p:nvCxnSpPr>
         <p:spPr>
           <a:xfrm>
-            <a:off x="5580209" y="4542759"/>
-            <a:ext cx="2787374" cy="0"/>
+            <a:off x="6850663" y="4524597"/>
+            <a:ext cx="1836137" cy="0"/>
           </a:xfrm>
           <a:prstGeom prst="straightConnector1">
             <a:avLst/>
@@ -4564,9 +4581,9 @@
           <p:nvPr/>
         </p:nvCxnSpPr>
         <p:spPr>
-          <a:xfrm>
-            <a:off x="5580209" y="4800600"/>
-            <a:ext cx="2873799" cy="0"/>
+          <a:xfrm flipV="1">
+            <a:off x="6848774" y="4714650"/>
+            <a:ext cx="1838026" cy="9750"/>
           </a:xfrm>
           <a:prstGeom prst="straightConnector1">
             <a:avLst/>
@@ -4606,8 +4623,8 @@
         </p:nvCxnSpPr>
         <p:spPr>
           <a:xfrm>
-            <a:off x="1815269" y="5661173"/>
-            <a:ext cx="3651369" cy="0"/>
+            <a:off x="1653251" y="5486400"/>
+            <a:ext cx="5052349" cy="0"/>
           </a:xfrm>
           <a:prstGeom prst="straightConnector1">
             <a:avLst/>
@@ -4644,7 +4661,7 @@
         </p:nvSpPr>
         <p:spPr>
           <a:xfrm>
-            <a:off x="6858000" y="4278848"/>
+            <a:off x="6984957" y="4267200"/>
             <a:ext cx="1424846" cy="215444"/>
           </a:xfrm>
           <a:prstGeom prst="rect">
@@ -4701,8 +4718,8 @@
         </p:nvSpPr>
         <p:spPr>
           <a:xfrm>
-            <a:off x="4191000" y="2996259"/>
-            <a:ext cx="640023" cy="215444"/>
+            <a:off x="3847551" y="3472934"/>
+            <a:ext cx="767033" cy="184666"/>
           </a:xfrm>
           <a:prstGeom prst="rect">
             <a:avLst/>
@@ -4727,10 +4744,14 @@
           </a:lstStyle>
           <a:p>
             <a:r>
-              <a:rPr lang="en-US" dirty="0" smtClean="0"/>
-              <a:t>create()</a:t>
-            </a:r>
-            <a:endParaRPr lang="en-US" dirty="0"/>
+              <a:rPr lang="en-US" sz="1200" dirty="0"/>
+              <a:t>p</a:t>
+            </a:r>
+            <a:r>
+              <a:rPr lang="en-US" sz="1200" dirty="0" smtClean="0"/>
+              <a:t>arse(“1”)</a:t>
+            </a:r>
+            <a:endParaRPr lang="en-US" sz="1200" dirty="0"/>
           </a:p>
         </p:txBody>
       </p:sp>
@@ -4742,7 +4763,7 @@
         </p:nvSpPr>
         <p:spPr>
           <a:xfrm>
-            <a:off x="2131905" y="2850922"/>
+            <a:off x="1742982" y="2850922"/>
             <a:ext cx="1424846" cy="215444"/>
           </a:xfrm>
           <a:prstGeom prst="rect">
@@ -4783,7 +4804,7 @@
         </p:nvSpPr>
         <p:spPr>
           <a:xfrm>
-            <a:off x="3101175" y="5430096"/>
+            <a:off x="4340137" y="5255323"/>
             <a:ext cx="621216" cy="215444"/>
           </a:xfrm>
           <a:prstGeom prst="rect">
@@ -4824,7 +4845,7 @@
         </p:nvSpPr>
         <p:spPr>
           <a:xfrm>
-            <a:off x="762001" y="5538488"/>
+            <a:off x="599983" y="5538488"/>
             <a:ext cx="762000" cy="215444"/>
           </a:xfrm>
           <a:prstGeom prst="rect">
@@ -4865,8 +4886,8 @@
         </p:nvSpPr>
         <p:spPr>
           <a:xfrm>
-            <a:off x="6029646" y="4953000"/>
-            <a:ext cx="1666554" cy="461538"/>
+            <a:off x="7020246" y="4777286"/>
+            <a:ext cx="1590354" cy="461538"/>
           </a:xfrm>
           <a:prstGeom prst="rect">
             <a:avLst/>
@@ -4901,27 +4922,20 @@
           <a:p>
             <a:pPr algn="ctr"/>
             <a:r>
+              <a:rPr lang="en-US" sz="1600" dirty="0" err="1" smtClean="0">
+                <a:solidFill>
+                  <a:schemeClr val="bg1"/>
+                </a:solidFill>
+              </a:rPr>
+              <a:t>result:Command</a:t>
+            </a:r>
+            <a:r>
               <a:rPr lang="en-US" sz="1600" dirty="0" smtClean="0">
                 <a:solidFill>
                   <a:schemeClr val="bg1"/>
                 </a:solidFill>
               </a:rPr>
-              <a:t>result:</a:t>
-            </a:r>
-            <a:br>
-              <a:rPr lang="en-US" sz="1600" dirty="0" smtClean="0">
-                <a:solidFill>
-                  <a:schemeClr val="bg1"/>
-                </a:solidFill>
-              </a:rPr>
-            </a:br>
-            <a:r>
-              <a:rPr lang="en-US" sz="1600" dirty="0" err="1" smtClean="0">
-                <a:solidFill>
-                  <a:schemeClr val="bg1"/>
-                </a:solidFill>
-              </a:rPr>
-              <a:t>CommandResult</a:t>
+              <a:t> Result</a:t>
             </a:r>
             <a:endParaRPr lang="en-SG" sz="1600" dirty="0">
               <a:solidFill>
@@ -4939,7 +4953,7 @@
         </p:nvSpPr>
         <p:spPr>
           <a:xfrm>
-            <a:off x="6786723" y="5414538"/>
+            <a:off x="7777323" y="5238824"/>
             <a:ext cx="152400" cy="171376"/>
           </a:xfrm>
           <a:prstGeom prst="rect">
@@ -4980,50 +4994,14 @@
       </p:sp>
       <p:cxnSp>
         <p:nvCxnSpPr>
-          <p:cNvPr id="87" name="Straight Arrow Connector 86"/>
-          <p:cNvCxnSpPr/>
-          <p:nvPr/>
-        </p:nvCxnSpPr>
-        <p:spPr>
-          <a:xfrm>
-            <a:off x="5580209" y="5165675"/>
-            <a:ext cx="447975" cy="0"/>
-          </a:xfrm>
-          <a:prstGeom prst="straightConnector1">
-            <a:avLst/>
-          </a:prstGeom>
-          <a:ln w="19050">
-            <a:solidFill>
-              <a:srgbClr val="0070C0"/>
-            </a:solidFill>
-            <a:tailEnd type="arrow"/>
-          </a:ln>
-        </p:spPr>
-        <p:style>
-          <a:lnRef idx="1">
-            <a:schemeClr val="accent1"/>
-          </a:lnRef>
-          <a:fillRef idx="0">
-            <a:schemeClr val="accent1"/>
-          </a:fillRef>
-          <a:effectRef idx="0">
-            <a:schemeClr val="accent1"/>
-          </a:effectRef>
-          <a:fontRef idx="minor">
-            <a:schemeClr val="tx1"/>
-          </a:fontRef>
-        </p:style>
-      </p:cxnSp>
-      <p:cxnSp>
-        <p:nvCxnSpPr>
           <p:cNvPr id="90" name="Straight Arrow Connector 89"/>
           <p:cNvCxnSpPr/>
           <p:nvPr/>
         </p:nvCxnSpPr>
         <p:spPr>
           <a:xfrm>
-            <a:off x="5580209" y="5585914"/>
-            <a:ext cx="1253815" cy="0"/>
+            <a:off x="6858000" y="5410200"/>
+            <a:ext cx="966624" cy="0"/>
           </a:xfrm>
           <a:prstGeom prst="straightConnector1">
             <a:avLst/>
@@ -5060,7 +5038,7 @@
         </p:nvSpPr>
         <p:spPr>
           <a:xfrm>
-            <a:off x="2818928" y="3733800"/>
+            <a:off x="2673845" y="4027787"/>
             <a:ext cx="220343" cy="215444"/>
           </a:xfrm>
           <a:prstGeom prst="rect">
@@ -5093,6 +5071,400 @@
           </a:p>
         </p:txBody>
       </p:sp>
+      <p:sp>
+        <p:nvSpPr>
+          <p:cNvPr id="40" name="Rectangle 62"/>
+          <p:cNvSpPr/>
+          <p:nvPr/>
+        </p:nvSpPr>
+        <p:spPr>
+          <a:xfrm>
+            <a:off x="4231981" y="2929839"/>
+            <a:ext cx="1778201" cy="432035"/>
+          </a:xfrm>
+          <a:prstGeom prst="rect">
+            <a:avLst/>
+          </a:prstGeom>
+          <a:solidFill>
+            <a:srgbClr val="0070C0"/>
+          </a:solidFill>
+          <a:ln w="19050">
+            <a:solidFill>
+              <a:srgbClr val="0070C0"/>
+            </a:solidFill>
+          </a:ln>
+          <a:effectLst/>
+        </p:spPr>
+        <p:style>
+          <a:lnRef idx="1">
+            <a:schemeClr val="accent2"/>
+          </a:lnRef>
+          <a:fillRef idx="2">
+            <a:schemeClr val="accent2"/>
+          </a:fillRef>
+          <a:effectRef idx="1">
+            <a:schemeClr val="accent2"/>
+          </a:effectRef>
+          <a:fontRef idx="minor">
+            <a:schemeClr val="dk1"/>
+          </a:fontRef>
+        </p:style>
+        <p:txBody>
+          <a:bodyPr rtlCol="0" anchor="ctr"/>
+          <a:lstStyle/>
+          <a:p>
+            <a:pPr algn="ctr"/>
+            <a:r>
+              <a:rPr lang="en-US" sz="1600" dirty="0" smtClean="0">
+                <a:solidFill>
+                  <a:schemeClr val="bg1"/>
+                </a:solidFill>
+              </a:rPr>
+              <a:t>:</a:t>
+            </a:r>
+            <a:r>
+              <a:rPr lang="en-US" sz="1600" dirty="0" err="1" smtClean="0">
+                <a:solidFill>
+                  <a:schemeClr val="bg1"/>
+                </a:solidFill>
+              </a:rPr>
+              <a:t>DeleteCommand</a:t>
+            </a:r>
+            <a:endParaRPr lang="en-US" sz="1600" dirty="0" smtClean="0">
+              <a:solidFill>
+                <a:schemeClr val="bg1"/>
+              </a:solidFill>
+            </a:endParaRPr>
+          </a:p>
+          <a:p>
+            <a:pPr algn="ctr"/>
+            <a:r>
+              <a:rPr lang="en-US" sz="1600" dirty="0" smtClean="0">
+                <a:solidFill>
+                  <a:schemeClr val="bg1"/>
+                </a:solidFill>
+              </a:rPr>
+              <a:t>Parser</a:t>
+            </a:r>
+            <a:endParaRPr lang="en-SG" sz="1600" dirty="0">
+              <a:solidFill>
+                <a:schemeClr val="bg1"/>
+              </a:solidFill>
+            </a:endParaRPr>
+          </a:p>
+        </p:txBody>
+      </p:sp>
+      <p:cxnSp>
+        <p:nvCxnSpPr>
+          <p:cNvPr id="8" name="Straight Arrow Connector 7"/>
+          <p:cNvCxnSpPr/>
+          <p:nvPr/>
+        </p:nvCxnSpPr>
+        <p:spPr>
+          <a:xfrm>
+            <a:off x="3462591" y="3657600"/>
+            <a:ext cx="1597356" cy="1"/>
+          </a:xfrm>
+          <a:prstGeom prst="straightConnector1">
+            <a:avLst/>
+          </a:prstGeom>
+          <a:ln w="19050">
+            <a:tailEnd type="triangle"/>
+          </a:ln>
+        </p:spPr>
+        <p:style>
+          <a:lnRef idx="1">
+            <a:schemeClr val="accent1"/>
+          </a:lnRef>
+          <a:fillRef idx="0">
+            <a:schemeClr val="accent1"/>
+          </a:fillRef>
+          <a:effectRef idx="0">
+            <a:schemeClr val="accent1"/>
+          </a:effectRef>
+          <a:fontRef idx="minor">
+            <a:schemeClr val="tx1"/>
+          </a:fontRef>
+        </p:style>
+      </p:cxnSp>
+      <p:sp>
+        <p:nvSpPr>
+          <p:cNvPr id="45" name="Rectangle 44"/>
+          <p:cNvSpPr/>
+          <p:nvPr/>
+        </p:nvSpPr>
+        <p:spPr>
+          <a:xfrm>
+            <a:off x="5059947" y="3352800"/>
+            <a:ext cx="205843" cy="123165"/>
+          </a:xfrm>
+          <a:prstGeom prst="rect">
+            <a:avLst/>
+          </a:prstGeom>
+          <a:solidFill>
+            <a:srgbClr val="0070C0"/>
+          </a:solidFill>
+          <a:ln>
+            <a:solidFill>
+              <a:srgbClr val="0070C0"/>
+            </a:solidFill>
+          </a:ln>
+          <a:effectLst/>
+        </p:spPr>
+        <p:style>
+          <a:lnRef idx="1">
+            <a:schemeClr val="accent3"/>
+          </a:lnRef>
+          <a:fillRef idx="2">
+            <a:schemeClr val="accent3"/>
+          </a:fillRef>
+          <a:effectRef idx="1">
+            <a:schemeClr val="accent3"/>
+          </a:effectRef>
+          <a:fontRef idx="minor">
+            <a:schemeClr val="dk1"/>
+          </a:fontRef>
+        </p:style>
+        <p:txBody>
+          <a:bodyPr rtlCol="0" anchor="ctr"/>
+          <a:lstStyle/>
+          <a:p>
+            <a:pPr algn="ctr"/>
+            <a:endParaRPr lang="en-SG" sz="1400"/>
+          </a:p>
+        </p:txBody>
+      </p:sp>
+      <p:cxnSp>
+        <p:nvCxnSpPr>
+          <p:cNvPr id="46" name="Straight Connector 45"/>
+          <p:cNvCxnSpPr>
+            <a:stCxn id="45" idx="0"/>
+          </p:cNvCxnSpPr>
+          <p:nvPr/>
+        </p:nvCxnSpPr>
+        <p:spPr>
+          <a:xfrm>
+            <a:off x="5162869" y="3352800"/>
+            <a:ext cx="0" cy="990600"/>
+          </a:xfrm>
+          <a:prstGeom prst="line">
+            <a:avLst/>
+          </a:prstGeom>
+          <a:ln w="19050">
+            <a:solidFill>
+              <a:srgbClr val="0070C0"/>
+            </a:solidFill>
+            <a:prstDash val="sysDash"/>
+          </a:ln>
+          <a:effectLst/>
+        </p:spPr>
+        <p:style>
+          <a:lnRef idx="1">
+            <a:schemeClr val="accent1"/>
+          </a:lnRef>
+          <a:fillRef idx="2">
+            <a:schemeClr val="accent1"/>
+          </a:fillRef>
+          <a:effectRef idx="1">
+            <a:schemeClr val="accent1"/>
+          </a:effectRef>
+          <a:fontRef idx="minor">
+            <a:schemeClr val="dk1"/>
+          </a:fontRef>
+        </p:style>
+      </p:cxnSp>
+      <p:sp>
+        <p:nvSpPr>
+          <p:cNvPr id="49" name="Rectangle 48"/>
+          <p:cNvSpPr/>
+          <p:nvPr/>
+        </p:nvSpPr>
+        <p:spPr>
+          <a:xfrm>
+            <a:off x="5059947" y="3657601"/>
+            <a:ext cx="205843" cy="533400"/>
+          </a:xfrm>
+          <a:prstGeom prst="rect">
+            <a:avLst/>
+          </a:prstGeom>
+          <a:solidFill>
+            <a:srgbClr val="0070C0"/>
+          </a:solidFill>
+          <a:ln>
+            <a:solidFill>
+              <a:srgbClr val="0070C0"/>
+            </a:solidFill>
+          </a:ln>
+          <a:effectLst/>
+        </p:spPr>
+        <p:style>
+          <a:lnRef idx="1">
+            <a:schemeClr val="accent3"/>
+          </a:lnRef>
+          <a:fillRef idx="2">
+            <a:schemeClr val="accent3"/>
+          </a:fillRef>
+          <a:effectRef idx="1">
+            <a:schemeClr val="accent3"/>
+          </a:effectRef>
+          <a:fontRef idx="minor">
+            <a:schemeClr val="dk1"/>
+          </a:fontRef>
+        </p:style>
+        <p:txBody>
+          <a:bodyPr rtlCol="0" anchor="ctr"/>
+          <a:lstStyle/>
+          <a:p>
+            <a:pPr algn="ctr"/>
+            <a:endParaRPr lang="en-SG" sz="1400"/>
+          </a:p>
+        </p:txBody>
+      </p:sp>
+      <p:cxnSp>
+        <p:nvCxnSpPr>
+          <p:cNvPr id="51" name="Straight Arrow Connector 50"/>
+          <p:cNvCxnSpPr/>
+          <p:nvPr/>
+        </p:nvCxnSpPr>
+        <p:spPr>
+          <a:xfrm>
+            <a:off x="3499382" y="4185073"/>
+            <a:ext cx="1667219" cy="0"/>
+          </a:xfrm>
+          <a:prstGeom prst="straightConnector1">
+            <a:avLst/>
+          </a:prstGeom>
+          <a:ln w="19050">
+            <a:solidFill>
+              <a:srgbClr val="0070C0"/>
+            </a:solidFill>
+            <a:prstDash val="sysDash"/>
+            <a:headEnd type="arrow" w="med" len="med"/>
+            <a:tailEnd type="none" w="med" len="med"/>
+          </a:ln>
+        </p:spPr>
+        <p:style>
+          <a:lnRef idx="1">
+            <a:schemeClr val="accent1"/>
+          </a:lnRef>
+          <a:fillRef idx="0">
+            <a:schemeClr val="accent1"/>
+          </a:fillRef>
+          <a:effectRef idx="0">
+            <a:schemeClr val="accent1"/>
+          </a:effectRef>
+          <a:fontRef idx="minor">
+            <a:schemeClr val="tx1"/>
+          </a:fontRef>
+        </p:style>
+      </p:cxnSp>
+      <p:cxnSp>
+        <p:nvCxnSpPr>
+          <p:cNvPr id="13" name="Straight Arrow Connector 12"/>
+          <p:cNvCxnSpPr/>
+          <p:nvPr/>
+        </p:nvCxnSpPr>
+        <p:spPr>
+          <a:xfrm>
+            <a:off x="6858000" y="5029200"/>
+            <a:ext cx="162246" cy="0"/>
+          </a:xfrm>
+          <a:prstGeom prst="straightConnector1">
+            <a:avLst/>
+          </a:prstGeom>
+          <a:ln>
+            <a:tailEnd type="triangle"/>
+          </a:ln>
+        </p:spPr>
+        <p:style>
+          <a:lnRef idx="1">
+            <a:schemeClr val="accent1"/>
+          </a:lnRef>
+          <a:fillRef idx="0">
+            <a:schemeClr val="accent1"/>
+          </a:fillRef>
+          <a:effectRef idx="0">
+            <a:schemeClr val="accent1"/>
+          </a:effectRef>
+          <a:fontRef idx="minor">
+            <a:schemeClr val="tx1"/>
+          </a:fontRef>
+        </p:style>
+      </p:cxnSp>
+      <p:cxnSp>
+        <p:nvCxnSpPr>
+          <p:cNvPr id="50" name="Straight Arrow Connector 49"/>
+          <p:cNvCxnSpPr/>
+          <p:nvPr/>
+        </p:nvCxnSpPr>
+        <p:spPr>
+          <a:xfrm>
+            <a:off x="3412425" y="3173004"/>
+            <a:ext cx="819556" cy="1"/>
+          </a:xfrm>
+          <a:prstGeom prst="straightConnector1">
+            <a:avLst/>
+          </a:prstGeom>
+          <a:ln w="19050">
+            <a:solidFill>
+              <a:srgbClr val="0070C0"/>
+            </a:solidFill>
+            <a:tailEnd type="arrow"/>
+          </a:ln>
+        </p:spPr>
+        <p:style>
+          <a:lnRef idx="1">
+            <a:schemeClr val="accent1"/>
+          </a:lnRef>
+          <a:fillRef idx="0">
+            <a:schemeClr val="accent1"/>
+          </a:fillRef>
+          <a:effectRef idx="0">
+            <a:schemeClr val="accent1"/>
+          </a:effectRef>
+          <a:fontRef idx="minor">
+            <a:schemeClr val="tx1"/>
+          </a:fontRef>
+        </p:style>
+      </p:cxnSp>
+      <p:cxnSp>
+        <p:nvCxnSpPr>
+          <p:cNvPr id="52" name="Straight Arrow Connector 51"/>
+          <p:cNvCxnSpPr/>
+          <p:nvPr/>
+        </p:nvCxnSpPr>
+        <p:spPr>
+          <a:xfrm>
+            <a:off x="3459519" y="3475965"/>
+            <a:ext cx="1600428" cy="0"/>
+          </a:xfrm>
+          <a:prstGeom prst="straightConnector1">
+            <a:avLst/>
+          </a:prstGeom>
+          <a:ln w="19050">
+            <a:solidFill>
+              <a:srgbClr val="0070C0"/>
+            </a:solidFill>
+            <a:prstDash val="sysDash"/>
+            <a:headEnd type="arrow" w="med" len="med"/>
+            <a:tailEnd type="none" w="med" len="med"/>
+          </a:ln>
+        </p:spPr>
+        <p:style>
+          <a:lnRef idx="1">
+            <a:schemeClr val="accent1"/>
+          </a:lnRef>
+          <a:fillRef idx="0">
+            <a:schemeClr val="accent1"/>
+          </a:fillRef>
+          <a:effectRef idx="0">
+            <a:schemeClr val="accent1"/>
+          </a:effectRef>
+          <a:fontRef idx="minor">
+            <a:schemeClr val="tx1"/>
+          </a:fontRef>
+        </p:style>
+      </p:cxnSp>
     </p:spTree>
     <p:extLst>
       <p:ext uri="{BB962C8B-B14F-4D97-AF65-F5344CB8AC3E}">

--- a/docs/diagrams/LogicComponentSequenceDiagram.pptx
+++ b/docs/diagrams/LogicComponentSequenceDiagram.pptx
@@ -107,6 +107,22 @@
       </a:defRPr>
     </a:lvl9pPr>
   </p:defaultTextStyle>
+  <p:extLst>
+    <p:ext uri="{EFAFB233-063F-42B5-8137-9DF3F51BA10A}">
+      <p15:sldGuideLst xmlns:p15="http://schemas.microsoft.com/office/powerpoint/2012/main">
+        <p15:guide id="1" orient="horz" pos="1488">
+          <p15:clr>
+            <a:srgbClr val="A4A3A4"/>
+          </p15:clr>
+        </p15:guide>
+        <p15:guide id="2" pos="2880">
+          <p15:clr>
+            <a:srgbClr val="A4A3A4"/>
+          </p15:clr>
+        </p15:guide>
+      </p15:sldGuideLst>
+    </p:ext>
+  </p:extLst>
 </p:presentation>
 </file>
 
@@ -192,7 +208,7 @@
           <a:p>
             <a:fld id="{F5CC4B3F-88C1-4FFA-B1B6-F41C21DC6924}" type="datetimeFigureOut">
               <a:rPr lang="en-US" smtClean="0"/>
-              <a:t>10/16/2016</a:t>
+              <a:t>2/5/2017</a:t>
             </a:fld>
             <a:endParaRPr lang="en-US"/>
           </a:p>
@@ -641,7 +657,7 @@
           <a:p>
             <a:fld id="{78C97017-6FC3-485B-9764-EAC9E56C1D49}" type="datetimeFigureOut">
               <a:rPr lang="en-US" smtClean="0"/>
-              <a:t>10/16/2016</a:t>
+              <a:t>2/5/2017</a:t>
             </a:fld>
             <a:endParaRPr lang="en-US"/>
           </a:p>
@@ -811,7 +827,7 @@
           <a:p>
             <a:fld id="{78C97017-6FC3-485B-9764-EAC9E56C1D49}" type="datetimeFigureOut">
               <a:rPr lang="en-US" smtClean="0"/>
-              <a:t>10/16/2016</a:t>
+              <a:t>2/5/2017</a:t>
             </a:fld>
             <a:endParaRPr lang="en-US"/>
           </a:p>
@@ -991,7 +1007,7 @@
           <a:p>
             <a:fld id="{78C97017-6FC3-485B-9764-EAC9E56C1D49}" type="datetimeFigureOut">
               <a:rPr lang="en-US" smtClean="0"/>
-              <a:t>10/16/2016</a:t>
+              <a:t>2/5/2017</a:t>
             </a:fld>
             <a:endParaRPr lang="en-US"/>
           </a:p>
@@ -1161,7 +1177,7 @@
           <a:p>
             <a:fld id="{78C97017-6FC3-485B-9764-EAC9E56C1D49}" type="datetimeFigureOut">
               <a:rPr lang="en-US" smtClean="0"/>
-              <a:t>10/16/2016</a:t>
+              <a:t>2/5/2017</a:t>
             </a:fld>
             <a:endParaRPr lang="en-US"/>
           </a:p>
@@ -1407,7 +1423,7 @@
           <a:p>
             <a:fld id="{78C97017-6FC3-485B-9764-EAC9E56C1D49}" type="datetimeFigureOut">
               <a:rPr lang="en-US" smtClean="0"/>
-              <a:t>10/16/2016</a:t>
+              <a:t>2/5/2017</a:t>
             </a:fld>
             <a:endParaRPr lang="en-US"/>
           </a:p>
@@ -1695,7 +1711,7 @@
           <a:p>
             <a:fld id="{78C97017-6FC3-485B-9764-EAC9E56C1D49}" type="datetimeFigureOut">
               <a:rPr lang="en-US" smtClean="0"/>
-              <a:t>10/16/2016</a:t>
+              <a:t>2/5/2017</a:t>
             </a:fld>
             <a:endParaRPr lang="en-US"/>
           </a:p>
@@ -2117,7 +2133,7 @@
           <a:p>
             <a:fld id="{78C97017-6FC3-485B-9764-EAC9E56C1D49}" type="datetimeFigureOut">
               <a:rPr lang="en-US" smtClean="0"/>
-              <a:t>10/16/2016</a:t>
+              <a:t>2/5/2017</a:t>
             </a:fld>
             <a:endParaRPr lang="en-US"/>
           </a:p>
@@ -2235,7 +2251,7 @@
           <a:p>
             <a:fld id="{78C97017-6FC3-485B-9764-EAC9E56C1D49}" type="datetimeFigureOut">
               <a:rPr lang="en-US" smtClean="0"/>
-              <a:t>10/16/2016</a:t>
+              <a:t>2/5/2017</a:t>
             </a:fld>
             <a:endParaRPr lang="en-US"/>
           </a:p>
@@ -2330,7 +2346,7 @@
           <a:p>
             <a:fld id="{78C97017-6FC3-485B-9764-EAC9E56C1D49}" type="datetimeFigureOut">
               <a:rPr lang="en-US" smtClean="0"/>
-              <a:t>10/16/2016</a:t>
+              <a:t>2/5/2017</a:t>
             </a:fld>
             <a:endParaRPr lang="en-US"/>
           </a:p>
@@ -2607,7 +2623,7 @@
           <a:p>
             <a:fld id="{78C97017-6FC3-485B-9764-EAC9E56C1D49}" type="datetimeFigureOut">
               <a:rPr lang="en-US" smtClean="0"/>
-              <a:t>10/16/2016</a:t>
+              <a:t>2/5/2017</a:t>
             </a:fld>
             <a:endParaRPr lang="en-US"/>
           </a:p>
@@ -2860,7 +2876,7 @@
           <a:p>
             <a:fld id="{78C97017-6FC3-485B-9764-EAC9E56C1D49}" type="datetimeFigureOut">
               <a:rPr lang="en-US" smtClean="0"/>
-              <a:t>10/16/2016</a:t>
+              <a:t>2/5/2017</a:t>
             </a:fld>
             <a:endParaRPr lang="en-US"/>
           </a:p>
@@ -3073,7 +3089,7 @@
           <a:p>
             <a:fld id="{78C97017-6FC3-485B-9764-EAC9E56C1D49}" type="datetimeFigureOut">
               <a:rPr lang="en-US" smtClean="0"/>
-              <a:t>10/16/2016</a:t>
+              <a:t>2/5/2017</a:t>
             </a:fld>
             <a:endParaRPr lang="en-US"/>
           </a:p>
@@ -3457,7 +3473,7 @@
         <p:spPr>
           <a:xfrm>
             <a:off x="685800" y="1981200"/>
-            <a:ext cx="7086600" cy="4000286"/>
+            <a:ext cx="7252956" cy="4000286"/>
           </a:xfrm>
           <a:prstGeom prst="roundRect">
             <a:avLst>
@@ -3517,7 +3533,7 @@
         </p:nvSpPr>
         <p:spPr>
           <a:xfrm>
-            <a:off x="1007063" y="2296546"/>
+            <a:off x="845045" y="2296546"/>
             <a:ext cx="1455629" cy="346760"/>
           </a:xfrm>
           <a:prstGeom prst="rect">
@@ -3584,7 +3600,7 @@
         </p:nvCxnSpPr>
         <p:spPr>
           <a:xfrm>
-            <a:off x="1734877" y="2660217"/>
+            <a:off x="1572859" y="2660217"/>
             <a:ext cx="0" cy="2597583"/>
           </a:xfrm>
           <a:prstGeom prst="line">
@@ -3621,7 +3637,7 @@
         </p:nvSpPr>
         <p:spPr>
           <a:xfrm>
-            <a:off x="1662869" y="3010911"/>
+            <a:off x="1500851" y="3010911"/>
             <a:ext cx="152400" cy="2780287"/>
           </a:xfrm>
           <a:prstGeom prst="rect">
@@ -3668,7 +3684,7 @@
         </p:nvSpPr>
         <p:spPr>
           <a:xfrm>
-            <a:off x="3411783" y="2300233"/>
+            <a:off x="2809782" y="2300233"/>
             <a:ext cx="1093635" cy="346760"/>
           </a:xfrm>
           <a:prstGeom prst="rect">
@@ -3727,8 +3743,8 @@
         </p:nvCxnSpPr>
         <p:spPr>
           <a:xfrm>
-            <a:off x="3958600" y="2663904"/>
-            <a:ext cx="0" cy="1587652"/>
+            <a:off x="3356599" y="2663904"/>
+            <a:ext cx="0" cy="1695374"/>
           </a:xfrm>
           <a:prstGeom prst="line">
             <a:avLst/>
@@ -3764,8 +3780,8 @@
         </p:nvSpPr>
         <p:spPr>
           <a:xfrm>
-            <a:off x="3886592" y="3122097"/>
-            <a:ext cx="144016" cy="832525"/>
+            <a:off x="3284590" y="3122096"/>
+            <a:ext cx="174929" cy="1129459"/>
           </a:xfrm>
           <a:prstGeom prst="rect">
             <a:avLst/>
@@ -3815,7 +3831,7 @@
         </p:nvSpPr>
         <p:spPr>
           <a:xfrm>
-            <a:off x="4953000" y="2996259"/>
+            <a:off x="6221565" y="3312740"/>
             <a:ext cx="1093635" cy="461538"/>
           </a:xfrm>
           <a:prstGeom prst="rect">
@@ -3892,13 +3908,16 @@
       <p:cxnSp>
         <p:nvCxnSpPr>
           <p:cNvPr id="20" name="Straight Connector 19"/>
-          <p:cNvCxnSpPr/>
+          <p:cNvCxnSpPr>
+            <a:stCxn id="21" idx="0"/>
+            <a:endCxn id="65" idx="2"/>
+          </p:cNvCxnSpPr>
           <p:nvPr/>
         </p:nvCxnSpPr>
         <p:spPr>
-          <a:xfrm>
-            <a:off x="5499817" y="3417319"/>
-            <a:ext cx="0" cy="2450081"/>
+          <a:xfrm flipH="1">
+            <a:off x="6768113" y="3774278"/>
+            <a:ext cx="4461" cy="1712122"/>
           </a:xfrm>
           <a:prstGeom prst="line">
             <a:avLst/>
@@ -3934,7 +3953,7 @@
         </p:nvSpPr>
         <p:spPr>
           <a:xfrm>
-            <a:off x="5427809" y="3457797"/>
+            <a:off x="6696374" y="3774278"/>
             <a:ext cx="152400" cy="276003"/>
           </a:xfrm>
           <a:prstGeom prst="rect">
@@ -3981,7 +4000,7 @@
         </p:nvCxnSpPr>
         <p:spPr>
           <a:xfrm>
-            <a:off x="543018" y="3014599"/>
+            <a:off x="381000" y="3014599"/>
             <a:ext cx="1119851" cy="0"/>
           </a:xfrm>
           <a:prstGeom prst="straightConnector1">
@@ -4016,9 +4035,9 @@
           <p:nvPr/>
         </p:nvCxnSpPr>
         <p:spPr>
-          <a:xfrm>
-            <a:off x="1815269" y="3122098"/>
-            <a:ext cx="2071323" cy="0"/>
+          <a:xfrm flipV="1">
+            <a:off x="1653251" y="3122097"/>
+            <a:ext cx="1596514" cy="1"/>
           </a:xfrm>
           <a:prstGeom prst="straightConnector1">
             <a:avLst/>
@@ -4053,7 +4072,7 @@
         </p:nvSpPr>
         <p:spPr>
           <a:xfrm>
-            <a:off x="152400" y="2743200"/>
+            <a:off x="0" y="2743200"/>
             <a:ext cx="1424846" cy="215444"/>
           </a:xfrm>
           <a:prstGeom prst="rect">
@@ -4087,14 +4106,12 @@
       <p:cxnSp>
         <p:nvCxnSpPr>
           <p:cNvPr id="28" name="Straight Arrow Connector 27"/>
-          <p:cNvCxnSpPr>
-            <a:endCxn id="19" idx="1"/>
-          </p:cNvCxnSpPr>
+          <p:cNvCxnSpPr/>
           <p:nvPr/>
         </p:nvCxnSpPr>
         <p:spPr>
           <a:xfrm flipV="1">
-            <a:off x="4030608" y="3227028"/>
+            <a:off x="5257218" y="3703214"/>
             <a:ext cx="922392" cy="1"/>
           </a:xfrm>
           <a:prstGeom prst="straightConnector1">
@@ -4130,7 +4147,7 @@
         </p:nvSpPr>
         <p:spPr>
           <a:xfrm>
-            <a:off x="4419600" y="4251556"/>
+            <a:off x="4257582" y="4251556"/>
             <a:ext cx="855809" cy="215444"/>
           </a:xfrm>
           <a:prstGeom prst="rect">
@@ -4170,8 +4187,8 @@
         </p:nvCxnSpPr>
         <p:spPr>
           <a:xfrm>
-            <a:off x="4030608" y="3733800"/>
-            <a:ext cx="1406215" cy="0"/>
+            <a:off x="5257800" y="4050281"/>
+            <a:ext cx="1492974" cy="0"/>
           </a:xfrm>
           <a:prstGeom prst="straightConnector1">
             <a:avLst/>
@@ -4207,9 +4224,9 @@
           <p:nvPr/>
         </p:nvCxnSpPr>
         <p:spPr>
-          <a:xfrm>
-            <a:off x="1815269" y="3954622"/>
-            <a:ext cx="2058118" cy="0"/>
+          <a:xfrm flipV="1">
+            <a:off x="1670186" y="4243231"/>
+            <a:ext cx="1596514" cy="5378"/>
           </a:xfrm>
           <a:prstGeom prst="straightConnector1">
             <a:avLst/>
@@ -4246,7 +4263,7 @@
         </p:nvCxnSpPr>
         <p:spPr>
           <a:xfrm>
-            <a:off x="466818" y="5791200"/>
+            <a:off x="304800" y="5791200"/>
             <a:ext cx="1196051" cy="0"/>
           </a:xfrm>
           <a:prstGeom prst="straightConnector1">
@@ -4284,7 +4301,7 @@
         </p:nvSpPr>
         <p:spPr>
           <a:xfrm>
-            <a:off x="7938756" y="2317144"/>
+            <a:off x="8265896" y="2362200"/>
             <a:ext cx="1030504" cy="346760"/>
           </a:xfrm>
           <a:prstGeom prst="rect">
@@ -4349,8 +4366,8 @@
         </p:nvCxnSpPr>
         <p:spPr>
           <a:xfrm>
-            <a:off x="1815269" y="4495317"/>
-            <a:ext cx="3612540" cy="0"/>
+            <a:off x="1653251" y="4495317"/>
+            <a:ext cx="5043123" cy="0"/>
           </a:xfrm>
           <a:prstGeom prst="straightConnector1">
             <a:avLst/>
@@ -4385,8 +4402,8 @@
         </p:nvSpPr>
         <p:spPr>
           <a:xfrm>
-            <a:off x="5427809" y="4495317"/>
-            <a:ext cx="152400" cy="1191256"/>
+            <a:off x="6687452" y="4467000"/>
+            <a:ext cx="161322" cy="1019400"/>
           </a:xfrm>
           <a:prstGeom prst="rect">
             <a:avLst/>
@@ -4432,7 +4449,7 @@
         </p:nvCxnSpPr>
         <p:spPr>
           <a:xfrm>
-            <a:off x="8454008" y="2655802"/>
+            <a:off x="8781148" y="2700858"/>
             <a:ext cx="0" cy="2830598"/>
           </a:xfrm>
           <a:prstGeom prst="line">
@@ -4472,8 +4489,8 @@
         </p:nvSpPr>
         <p:spPr>
           <a:xfrm>
-            <a:off x="8382000" y="4524597"/>
-            <a:ext cx="152400" cy="276003"/>
+            <a:off x="8686800" y="4524597"/>
+            <a:ext cx="152400" cy="199803"/>
           </a:xfrm>
           <a:prstGeom prst="rect">
             <a:avLst/>
@@ -4529,8 +4546,8 @@
         </p:nvCxnSpPr>
         <p:spPr>
           <a:xfrm>
-            <a:off x="5580209" y="4542759"/>
-            <a:ext cx="2787374" cy="0"/>
+            <a:off x="6850663" y="4524597"/>
+            <a:ext cx="1836137" cy="0"/>
           </a:xfrm>
           <a:prstGeom prst="straightConnector1">
             <a:avLst/>
@@ -4564,9 +4581,9 @@
           <p:nvPr/>
         </p:nvCxnSpPr>
         <p:spPr>
-          <a:xfrm>
-            <a:off x="5580209" y="4800600"/>
-            <a:ext cx="2873799" cy="0"/>
+          <a:xfrm flipV="1">
+            <a:off x="6848774" y="4714650"/>
+            <a:ext cx="1838026" cy="9750"/>
           </a:xfrm>
           <a:prstGeom prst="straightConnector1">
             <a:avLst/>
@@ -4606,8 +4623,8 @@
         </p:nvCxnSpPr>
         <p:spPr>
           <a:xfrm>
-            <a:off x="1815269" y="5661173"/>
-            <a:ext cx="3651369" cy="0"/>
+            <a:off x="1653251" y="5486400"/>
+            <a:ext cx="5052349" cy="0"/>
           </a:xfrm>
           <a:prstGeom prst="straightConnector1">
             <a:avLst/>
@@ -4644,7 +4661,7 @@
         </p:nvSpPr>
         <p:spPr>
           <a:xfrm>
-            <a:off x="6858000" y="4278848"/>
+            <a:off x="6984957" y="4267200"/>
             <a:ext cx="1424846" cy="215444"/>
           </a:xfrm>
           <a:prstGeom prst="rect">
@@ -4701,8 +4718,8 @@
         </p:nvSpPr>
         <p:spPr>
           <a:xfrm>
-            <a:off x="4191000" y="2996259"/>
-            <a:ext cx="640023" cy="215444"/>
+            <a:off x="3847551" y="3657600"/>
+            <a:ext cx="767033" cy="184666"/>
           </a:xfrm>
           <a:prstGeom prst="rect">
             <a:avLst/>
@@ -4727,10 +4744,14 @@
           </a:lstStyle>
           <a:p>
             <a:r>
-              <a:rPr lang="en-US" dirty="0" smtClean="0"/>
-              <a:t>create()</a:t>
-            </a:r>
-            <a:endParaRPr lang="en-US" dirty="0"/>
+              <a:rPr lang="en-US" sz="1200" dirty="0"/>
+              <a:t>p</a:t>
+            </a:r>
+            <a:r>
+              <a:rPr lang="en-US" sz="1200" dirty="0" smtClean="0"/>
+              <a:t>arse(“1”)</a:t>
+            </a:r>
+            <a:endParaRPr lang="en-US" sz="1200" dirty="0"/>
           </a:p>
         </p:txBody>
       </p:sp>
@@ -4742,7 +4763,7 @@
         </p:nvSpPr>
         <p:spPr>
           <a:xfrm>
-            <a:off x="2131905" y="2850922"/>
+            <a:off x="1742982" y="2850922"/>
             <a:ext cx="1424846" cy="215444"/>
           </a:xfrm>
           <a:prstGeom prst="rect">
@@ -4783,7 +4804,7 @@
         </p:nvSpPr>
         <p:spPr>
           <a:xfrm>
-            <a:off x="3101175" y="5430096"/>
+            <a:off x="4340137" y="5255323"/>
             <a:ext cx="621216" cy="215444"/>
           </a:xfrm>
           <a:prstGeom prst="rect">
@@ -4824,7 +4845,7 @@
         </p:nvSpPr>
         <p:spPr>
           <a:xfrm>
-            <a:off x="762001" y="5538488"/>
+            <a:off x="599983" y="5538488"/>
             <a:ext cx="762000" cy="215444"/>
           </a:xfrm>
           <a:prstGeom prst="rect">
@@ -4865,8 +4886,8 @@
         </p:nvSpPr>
         <p:spPr>
           <a:xfrm>
-            <a:off x="6029646" y="4953000"/>
-            <a:ext cx="1666554" cy="461538"/>
+            <a:off x="7020246" y="4777286"/>
+            <a:ext cx="1590354" cy="461538"/>
           </a:xfrm>
           <a:prstGeom prst="rect">
             <a:avLst/>
@@ -4901,27 +4922,20 @@
           <a:p>
             <a:pPr algn="ctr"/>
             <a:r>
+              <a:rPr lang="en-US" sz="1600" dirty="0" err="1" smtClean="0">
+                <a:solidFill>
+                  <a:schemeClr val="bg1"/>
+                </a:solidFill>
+              </a:rPr>
+              <a:t>result:Command</a:t>
+            </a:r>
+            <a:r>
               <a:rPr lang="en-US" sz="1600" dirty="0" smtClean="0">
                 <a:solidFill>
                   <a:schemeClr val="bg1"/>
                 </a:solidFill>
               </a:rPr>
-              <a:t>result:</a:t>
-            </a:r>
-            <a:br>
-              <a:rPr lang="en-US" sz="1600" dirty="0" smtClean="0">
-                <a:solidFill>
-                  <a:schemeClr val="bg1"/>
-                </a:solidFill>
-              </a:rPr>
-            </a:br>
-            <a:r>
-              <a:rPr lang="en-US" sz="1600" dirty="0" err="1" smtClean="0">
-                <a:solidFill>
-                  <a:schemeClr val="bg1"/>
-                </a:solidFill>
-              </a:rPr>
-              <a:t>CommandResult</a:t>
+              <a:t> Result</a:t>
             </a:r>
             <a:endParaRPr lang="en-SG" sz="1600" dirty="0">
               <a:solidFill>
@@ -4939,7 +4953,7 @@
         </p:nvSpPr>
         <p:spPr>
           <a:xfrm>
-            <a:off x="6786723" y="5414538"/>
+            <a:off x="7777323" y="5238824"/>
             <a:ext cx="152400" cy="171376"/>
           </a:xfrm>
           <a:prstGeom prst="rect">
@@ -4980,50 +4994,14 @@
       </p:sp>
       <p:cxnSp>
         <p:nvCxnSpPr>
-          <p:cNvPr id="87" name="Straight Arrow Connector 86"/>
-          <p:cNvCxnSpPr/>
-          <p:nvPr/>
-        </p:nvCxnSpPr>
-        <p:spPr>
-          <a:xfrm>
-            <a:off x="5580209" y="5165675"/>
-            <a:ext cx="447975" cy="0"/>
-          </a:xfrm>
-          <a:prstGeom prst="straightConnector1">
-            <a:avLst/>
-          </a:prstGeom>
-          <a:ln w="19050">
-            <a:solidFill>
-              <a:srgbClr val="0070C0"/>
-            </a:solidFill>
-            <a:tailEnd type="arrow"/>
-          </a:ln>
-        </p:spPr>
-        <p:style>
-          <a:lnRef idx="1">
-            <a:schemeClr val="accent1"/>
-          </a:lnRef>
-          <a:fillRef idx="0">
-            <a:schemeClr val="accent1"/>
-          </a:fillRef>
-          <a:effectRef idx="0">
-            <a:schemeClr val="accent1"/>
-          </a:effectRef>
-          <a:fontRef idx="minor">
-            <a:schemeClr val="tx1"/>
-          </a:fontRef>
-        </p:style>
-      </p:cxnSp>
-      <p:cxnSp>
-        <p:nvCxnSpPr>
           <p:cNvPr id="90" name="Straight Arrow Connector 89"/>
           <p:cNvCxnSpPr/>
           <p:nvPr/>
         </p:nvCxnSpPr>
         <p:spPr>
           <a:xfrm>
-            <a:off x="5580209" y="5585914"/>
-            <a:ext cx="1253815" cy="0"/>
+            <a:off x="6858000" y="5410200"/>
+            <a:ext cx="966624" cy="0"/>
           </a:xfrm>
           <a:prstGeom prst="straightConnector1">
             <a:avLst/>
@@ -5060,7 +5038,7 @@
         </p:nvSpPr>
         <p:spPr>
           <a:xfrm>
-            <a:off x="2818928" y="3733800"/>
+            <a:off x="2673845" y="4027787"/>
             <a:ext cx="220343" cy="215444"/>
           </a:xfrm>
           <a:prstGeom prst="rect">
@@ -5093,6 +5071,400 @@
           </a:p>
         </p:txBody>
       </p:sp>
+      <p:sp>
+        <p:nvSpPr>
+          <p:cNvPr id="40" name="Rectangle 62"/>
+          <p:cNvSpPr/>
+          <p:nvPr/>
+        </p:nvSpPr>
+        <p:spPr>
+          <a:xfrm>
+            <a:off x="4231981" y="2929839"/>
+            <a:ext cx="1778201" cy="432035"/>
+          </a:xfrm>
+          <a:prstGeom prst="rect">
+            <a:avLst/>
+          </a:prstGeom>
+          <a:solidFill>
+            <a:srgbClr val="0070C0"/>
+          </a:solidFill>
+          <a:ln w="19050">
+            <a:solidFill>
+              <a:srgbClr val="0070C0"/>
+            </a:solidFill>
+          </a:ln>
+          <a:effectLst/>
+        </p:spPr>
+        <p:style>
+          <a:lnRef idx="1">
+            <a:schemeClr val="accent2"/>
+          </a:lnRef>
+          <a:fillRef idx="2">
+            <a:schemeClr val="accent2"/>
+          </a:fillRef>
+          <a:effectRef idx="1">
+            <a:schemeClr val="accent2"/>
+          </a:effectRef>
+          <a:fontRef idx="minor">
+            <a:schemeClr val="dk1"/>
+          </a:fontRef>
+        </p:style>
+        <p:txBody>
+          <a:bodyPr rtlCol="0" anchor="ctr"/>
+          <a:lstStyle/>
+          <a:p>
+            <a:pPr algn="ctr"/>
+            <a:r>
+              <a:rPr lang="en-US" sz="1600" dirty="0" smtClean="0">
+                <a:solidFill>
+                  <a:schemeClr val="bg1"/>
+                </a:solidFill>
+              </a:rPr>
+              <a:t>:</a:t>
+            </a:r>
+            <a:r>
+              <a:rPr lang="en-US" sz="1600" dirty="0" err="1" smtClean="0">
+                <a:solidFill>
+                  <a:schemeClr val="bg1"/>
+                </a:solidFill>
+              </a:rPr>
+              <a:t>DeleteCommand</a:t>
+            </a:r>
+            <a:endParaRPr lang="en-US" sz="1600" dirty="0" smtClean="0">
+              <a:solidFill>
+                <a:schemeClr val="bg1"/>
+              </a:solidFill>
+            </a:endParaRPr>
+          </a:p>
+          <a:p>
+            <a:pPr algn="ctr"/>
+            <a:r>
+              <a:rPr lang="en-US" sz="1600" dirty="0" smtClean="0">
+                <a:solidFill>
+                  <a:schemeClr val="bg1"/>
+                </a:solidFill>
+              </a:rPr>
+              <a:t>Parser</a:t>
+            </a:r>
+            <a:endParaRPr lang="en-SG" sz="1600" dirty="0">
+              <a:solidFill>
+                <a:schemeClr val="bg1"/>
+              </a:solidFill>
+            </a:endParaRPr>
+          </a:p>
+        </p:txBody>
+      </p:sp>
+      <p:cxnSp>
+        <p:nvCxnSpPr>
+          <p:cNvPr id="8" name="Straight Arrow Connector 7"/>
+          <p:cNvCxnSpPr/>
+          <p:nvPr/>
+        </p:nvCxnSpPr>
+        <p:spPr>
+          <a:xfrm>
+            <a:off x="3462591" y="3657600"/>
+            <a:ext cx="1597356" cy="1"/>
+          </a:xfrm>
+          <a:prstGeom prst="straightConnector1">
+            <a:avLst/>
+          </a:prstGeom>
+          <a:ln w="19050">
+            <a:tailEnd type="triangle"/>
+          </a:ln>
+        </p:spPr>
+        <p:style>
+          <a:lnRef idx="1">
+            <a:schemeClr val="accent1"/>
+          </a:lnRef>
+          <a:fillRef idx="0">
+            <a:schemeClr val="accent1"/>
+          </a:fillRef>
+          <a:effectRef idx="0">
+            <a:schemeClr val="accent1"/>
+          </a:effectRef>
+          <a:fontRef idx="minor">
+            <a:schemeClr val="tx1"/>
+          </a:fontRef>
+        </p:style>
+      </p:cxnSp>
+      <p:sp>
+        <p:nvSpPr>
+          <p:cNvPr id="45" name="Rectangle 44"/>
+          <p:cNvSpPr/>
+          <p:nvPr/>
+        </p:nvSpPr>
+        <p:spPr>
+          <a:xfrm>
+            <a:off x="5059947" y="3352800"/>
+            <a:ext cx="205843" cy="123165"/>
+          </a:xfrm>
+          <a:prstGeom prst="rect">
+            <a:avLst/>
+          </a:prstGeom>
+          <a:solidFill>
+            <a:srgbClr val="0070C0"/>
+          </a:solidFill>
+          <a:ln>
+            <a:solidFill>
+              <a:srgbClr val="0070C0"/>
+            </a:solidFill>
+          </a:ln>
+          <a:effectLst/>
+        </p:spPr>
+        <p:style>
+          <a:lnRef idx="1">
+            <a:schemeClr val="accent3"/>
+          </a:lnRef>
+          <a:fillRef idx="2">
+            <a:schemeClr val="accent3"/>
+          </a:fillRef>
+          <a:effectRef idx="1">
+            <a:schemeClr val="accent3"/>
+          </a:effectRef>
+          <a:fontRef idx="minor">
+            <a:schemeClr val="dk1"/>
+          </a:fontRef>
+        </p:style>
+        <p:txBody>
+          <a:bodyPr rtlCol="0" anchor="ctr"/>
+          <a:lstStyle/>
+          <a:p>
+            <a:pPr algn="ctr"/>
+            <a:endParaRPr lang="en-SG" sz="1400"/>
+          </a:p>
+        </p:txBody>
+      </p:sp>
+      <p:cxnSp>
+        <p:nvCxnSpPr>
+          <p:cNvPr id="46" name="Straight Connector 45"/>
+          <p:cNvCxnSpPr>
+            <a:stCxn id="45" idx="0"/>
+          </p:cNvCxnSpPr>
+          <p:nvPr/>
+        </p:nvCxnSpPr>
+        <p:spPr>
+          <a:xfrm>
+            <a:off x="5162869" y="3352800"/>
+            <a:ext cx="0" cy="990600"/>
+          </a:xfrm>
+          <a:prstGeom prst="line">
+            <a:avLst/>
+          </a:prstGeom>
+          <a:ln w="19050">
+            <a:solidFill>
+              <a:srgbClr val="0070C0"/>
+            </a:solidFill>
+            <a:prstDash val="sysDash"/>
+          </a:ln>
+          <a:effectLst/>
+        </p:spPr>
+        <p:style>
+          <a:lnRef idx="1">
+            <a:schemeClr val="accent1"/>
+          </a:lnRef>
+          <a:fillRef idx="2">
+            <a:schemeClr val="accent1"/>
+          </a:fillRef>
+          <a:effectRef idx="1">
+            <a:schemeClr val="accent1"/>
+          </a:effectRef>
+          <a:fontRef idx="minor">
+            <a:schemeClr val="dk1"/>
+          </a:fontRef>
+        </p:style>
+      </p:cxnSp>
+      <p:sp>
+        <p:nvSpPr>
+          <p:cNvPr id="49" name="Rectangle 48"/>
+          <p:cNvSpPr/>
+          <p:nvPr/>
+        </p:nvSpPr>
+        <p:spPr>
+          <a:xfrm>
+            <a:off x="5059947" y="3657601"/>
+            <a:ext cx="205843" cy="533400"/>
+          </a:xfrm>
+          <a:prstGeom prst="rect">
+            <a:avLst/>
+          </a:prstGeom>
+          <a:solidFill>
+            <a:srgbClr val="0070C0"/>
+          </a:solidFill>
+          <a:ln>
+            <a:solidFill>
+              <a:srgbClr val="0070C0"/>
+            </a:solidFill>
+          </a:ln>
+          <a:effectLst/>
+        </p:spPr>
+        <p:style>
+          <a:lnRef idx="1">
+            <a:schemeClr val="accent3"/>
+          </a:lnRef>
+          <a:fillRef idx="2">
+            <a:schemeClr val="accent3"/>
+          </a:fillRef>
+          <a:effectRef idx="1">
+            <a:schemeClr val="accent3"/>
+          </a:effectRef>
+          <a:fontRef idx="minor">
+            <a:schemeClr val="dk1"/>
+          </a:fontRef>
+        </p:style>
+        <p:txBody>
+          <a:bodyPr rtlCol="0" anchor="ctr"/>
+          <a:lstStyle/>
+          <a:p>
+            <a:pPr algn="ctr"/>
+            <a:endParaRPr lang="en-SG" sz="1400"/>
+          </a:p>
+        </p:txBody>
+      </p:sp>
+      <p:cxnSp>
+        <p:nvCxnSpPr>
+          <p:cNvPr id="51" name="Straight Arrow Connector 50"/>
+          <p:cNvCxnSpPr/>
+          <p:nvPr/>
+        </p:nvCxnSpPr>
+        <p:spPr>
+          <a:xfrm>
+            <a:off x="3499382" y="4185073"/>
+            <a:ext cx="1667219" cy="0"/>
+          </a:xfrm>
+          <a:prstGeom prst="straightConnector1">
+            <a:avLst/>
+          </a:prstGeom>
+          <a:ln w="19050">
+            <a:solidFill>
+              <a:srgbClr val="0070C0"/>
+            </a:solidFill>
+            <a:prstDash val="sysDash"/>
+            <a:headEnd type="arrow" w="med" len="med"/>
+            <a:tailEnd type="none" w="med" len="med"/>
+          </a:ln>
+        </p:spPr>
+        <p:style>
+          <a:lnRef idx="1">
+            <a:schemeClr val="accent1"/>
+          </a:lnRef>
+          <a:fillRef idx="0">
+            <a:schemeClr val="accent1"/>
+          </a:fillRef>
+          <a:effectRef idx="0">
+            <a:schemeClr val="accent1"/>
+          </a:effectRef>
+          <a:fontRef idx="minor">
+            <a:schemeClr val="tx1"/>
+          </a:fontRef>
+        </p:style>
+      </p:cxnSp>
+      <p:cxnSp>
+        <p:nvCxnSpPr>
+          <p:cNvPr id="13" name="Straight Arrow Connector 12"/>
+          <p:cNvCxnSpPr/>
+          <p:nvPr/>
+        </p:nvCxnSpPr>
+        <p:spPr>
+          <a:xfrm>
+            <a:off x="6858000" y="5029200"/>
+            <a:ext cx="162246" cy="0"/>
+          </a:xfrm>
+          <a:prstGeom prst="straightConnector1">
+            <a:avLst/>
+          </a:prstGeom>
+          <a:ln>
+            <a:tailEnd type="triangle"/>
+          </a:ln>
+        </p:spPr>
+        <p:style>
+          <a:lnRef idx="1">
+            <a:schemeClr val="accent1"/>
+          </a:lnRef>
+          <a:fillRef idx="0">
+            <a:schemeClr val="accent1"/>
+          </a:fillRef>
+          <a:effectRef idx="0">
+            <a:schemeClr val="accent1"/>
+          </a:effectRef>
+          <a:fontRef idx="minor">
+            <a:schemeClr val="tx1"/>
+          </a:fontRef>
+        </p:style>
+      </p:cxnSp>
+      <p:cxnSp>
+        <p:nvCxnSpPr>
+          <p:cNvPr id="50" name="Straight Arrow Connector 49"/>
+          <p:cNvCxnSpPr/>
+          <p:nvPr/>
+        </p:nvCxnSpPr>
+        <p:spPr>
+          <a:xfrm>
+            <a:off x="3412425" y="3173004"/>
+            <a:ext cx="819556" cy="1"/>
+          </a:xfrm>
+          <a:prstGeom prst="straightConnector1">
+            <a:avLst/>
+          </a:prstGeom>
+          <a:ln w="19050">
+            <a:solidFill>
+              <a:srgbClr val="0070C0"/>
+            </a:solidFill>
+            <a:tailEnd type="arrow"/>
+          </a:ln>
+        </p:spPr>
+        <p:style>
+          <a:lnRef idx="1">
+            <a:schemeClr val="accent1"/>
+          </a:lnRef>
+          <a:fillRef idx="0">
+            <a:schemeClr val="accent1"/>
+          </a:fillRef>
+          <a:effectRef idx="0">
+            <a:schemeClr val="accent1"/>
+          </a:effectRef>
+          <a:fontRef idx="minor">
+            <a:schemeClr val="tx1"/>
+          </a:fontRef>
+        </p:style>
+      </p:cxnSp>
+      <p:cxnSp>
+        <p:nvCxnSpPr>
+          <p:cNvPr id="52" name="Straight Arrow Connector 51"/>
+          <p:cNvCxnSpPr/>
+          <p:nvPr/>
+        </p:nvCxnSpPr>
+        <p:spPr>
+          <a:xfrm>
+            <a:off x="3459519" y="3475965"/>
+            <a:ext cx="1600428" cy="0"/>
+          </a:xfrm>
+          <a:prstGeom prst="straightConnector1">
+            <a:avLst/>
+          </a:prstGeom>
+          <a:ln w="19050">
+            <a:solidFill>
+              <a:srgbClr val="0070C0"/>
+            </a:solidFill>
+            <a:prstDash val="sysDash"/>
+            <a:headEnd type="arrow" w="med" len="med"/>
+            <a:tailEnd type="none" w="med" len="med"/>
+          </a:ln>
+        </p:spPr>
+        <p:style>
+          <a:lnRef idx="1">
+            <a:schemeClr val="accent1"/>
+          </a:lnRef>
+          <a:fillRef idx="0">
+            <a:schemeClr val="accent1"/>
+          </a:fillRef>
+          <a:effectRef idx="0">
+            <a:schemeClr val="accent1"/>
+          </a:effectRef>
+          <a:fontRef idx="minor">
+            <a:schemeClr val="tx1"/>
+          </a:fontRef>
+        </p:style>
+      </p:cxnSp>
     </p:spTree>
     <p:extLst>
       <p:ext uri="{BB962C8B-B14F-4D97-AF65-F5344CB8AC3E}">

--- a/docs/diagrams/LogicComponentSequenceDiagram.pptx
+++ b/docs/diagrams/LogicComponentSequenceDiagram.pptx
@@ -126,6 +126,10 @@
 </p:presentation>
 </file>
 
+<file path=ppt/revisionInfo.xml><?xml version="1.0" encoding="utf-8"?>
+<p1510:revInfo xmlns:a="http://schemas.openxmlformats.org/drawingml/2006/main" xmlns:r="http://schemas.openxmlformats.org/officeDocument/2006/relationships" xmlns:p1510="http://schemas.microsoft.com/office/powerpoint/2015/10/main"/>
+</file>
+
 <file path=ppt/notesMasters/notesMaster1.xml><?xml version="1.0" encoding="utf-8"?>
 <p:notesMaster xmlns:a="http://schemas.openxmlformats.org/drawingml/2006/main" xmlns:r="http://schemas.openxmlformats.org/officeDocument/2006/relationships" xmlns:p="http://schemas.openxmlformats.org/presentationml/2006/main">
   <p:cSld>
@@ -208,7 +212,7 @@
           <a:p>
             <a:fld id="{F5CC4B3F-88C1-4FFA-B1B6-F41C21DC6924}" type="datetimeFigureOut">
               <a:rPr lang="en-US" smtClean="0"/>
-              <a:t>2/6/2017</a:t>
+              <a:t>5/31/2017</a:t>
             </a:fld>
             <a:endParaRPr lang="en-US"/>
           </a:p>
@@ -272,38 +276,37 @@
           <a:p>
             <a:pPr lvl="0"/>
             <a:r>
-              <a:rPr lang="en-US" smtClean="0"/>
+              <a:rPr lang="en-US"/>
               <a:t>Click to edit Master text styles</a:t>
             </a:r>
           </a:p>
           <a:p>
             <a:pPr lvl="1"/>
             <a:r>
-              <a:rPr lang="en-US" smtClean="0"/>
+              <a:rPr lang="en-US"/>
               <a:t>Second level</a:t>
             </a:r>
           </a:p>
           <a:p>
             <a:pPr lvl="2"/>
             <a:r>
-              <a:rPr lang="en-US" smtClean="0"/>
+              <a:rPr lang="en-US"/>
               <a:t>Third level</a:t>
             </a:r>
           </a:p>
           <a:p>
             <a:pPr lvl="3"/>
             <a:r>
-              <a:rPr lang="en-US" smtClean="0"/>
+              <a:rPr lang="en-US"/>
               <a:t>Fourth level</a:t>
             </a:r>
           </a:p>
           <a:p>
             <a:pPr lvl="4"/>
             <a:r>
-              <a:rPr lang="en-US" smtClean="0"/>
+              <a:rPr lang="en-US"/>
               <a:t>Fifth level</a:t>
             </a:r>
-            <a:endParaRPr lang="en-US"/>
           </a:p>
         </p:txBody>
       </p:sp>
@@ -514,10 +517,9 @@
           <a:lstStyle/>
           <a:p>
             <a:r>
-              <a:rPr lang="en-US" smtClean="0"/>
+              <a:rPr lang="en-US"/>
               <a:t>Click to edit Master title style</a:t>
             </a:r>
-            <a:endParaRPr lang="en-US"/>
           </a:p>
         </p:txBody>
       </p:sp>
@@ -633,10 +635,9 @@
           </a:lstStyle>
           <a:p>
             <a:r>
-              <a:rPr lang="en-US" smtClean="0"/>
+              <a:rPr lang="en-US"/>
               <a:t>Click to edit Master subtitle style</a:t>
             </a:r>
-            <a:endParaRPr lang="en-US"/>
           </a:p>
         </p:txBody>
       </p:sp>
@@ -657,7 +658,7 @@
           <a:p>
             <a:fld id="{78C97017-6FC3-485B-9764-EAC9E56C1D49}" type="datetimeFigureOut">
               <a:rPr lang="en-US" smtClean="0"/>
-              <a:t>2/6/2017</a:t>
+              <a:t>5/31/2017</a:t>
             </a:fld>
             <a:endParaRPr lang="en-US"/>
           </a:p>
@@ -751,10 +752,9 @@
           <a:lstStyle/>
           <a:p>
             <a:r>
-              <a:rPr lang="en-US" smtClean="0"/>
+              <a:rPr lang="en-US"/>
               <a:t>Click to edit Master title style</a:t>
             </a:r>
-            <a:endParaRPr lang="en-US"/>
           </a:p>
         </p:txBody>
       </p:sp>
@@ -775,38 +775,37 @@
           <a:p>
             <a:pPr lvl="0"/>
             <a:r>
-              <a:rPr lang="en-US" smtClean="0"/>
+              <a:rPr lang="en-US"/>
               <a:t>Click to edit Master text styles</a:t>
             </a:r>
           </a:p>
           <a:p>
             <a:pPr lvl="1"/>
             <a:r>
-              <a:rPr lang="en-US" smtClean="0"/>
+              <a:rPr lang="en-US"/>
               <a:t>Second level</a:t>
             </a:r>
           </a:p>
           <a:p>
             <a:pPr lvl="2"/>
             <a:r>
-              <a:rPr lang="en-US" smtClean="0"/>
+              <a:rPr lang="en-US"/>
               <a:t>Third level</a:t>
             </a:r>
           </a:p>
           <a:p>
             <a:pPr lvl="3"/>
             <a:r>
-              <a:rPr lang="en-US" smtClean="0"/>
+              <a:rPr lang="en-US"/>
               <a:t>Fourth level</a:t>
             </a:r>
           </a:p>
           <a:p>
             <a:pPr lvl="4"/>
             <a:r>
-              <a:rPr lang="en-US" smtClean="0"/>
+              <a:rPr lang="en-US"/>
               <a:t>Fifth level</a:t>
             </a:r>
-            <a:endParaRPr lang="en-US"/>
           </a:p>
         </p:txBody>
       </p:sp>
@@ -827,7 +826,7 @@
           <a:p>
             <a:fld id="{78C97017-6FC3-485B-9764-EAC9E56C1D49}" type="datetimeFigureOut">
               <a:rPr lang="en-US" smtClean="0"/>
-              <a:t>2/6/2017</a:t>
+              <a:t>5/31/2017</a:t>
             </a:fld>
             <a:endParaRPr lang="en-US"/>
           </a:p>
@@ -926,10 +925,9 @@
           <a:lstStyle/>
           <a:p>
             <a:r>
-              <a:rPr lang="en-US" smtClean="0"/>
+              <a:rPr lang="en-US"/>
               <a:t>Click to edit Master title style</a:t>
             </a:r>
-            <a:endParaRPr lang="en-US"/>
           </a:p>
         </p:txBody>
       </p:sp>
@@ -955,38 +953,37 @@
           <a:p>
             <a:pPr lvl="0"/>
             <a:r>
-              <a:rPr lang="en-US" smtClean="0"/>
+              <a:rPr lang="en-US"/>
               <a:t>Click to edit Master text styles</a:t>
             </a:r>
           </a:p>
           <a:p>
             <a:pPr lvl="1"/>
             <a:r>
-              <a:rPr lang="en-US" smtClean="0"/>
+              <a:rPr lang="en-US"/>
               <a:t>Second level</a:t>
             </a:r>
           </a:p>
           <a:p>
             <a:pPr lvl="2"/>
             <a:r>
-              <a:rPr lang="en-US" smtClean="0"/>
+              <a:rPr lang="en-US"/>
               <a:t>Third level</a:t>
             </a:r>
           </a:p>
           <a:p>
             <a:pPr lvl="3"/>
             <a:r>
-              <a:rPr lang="en-US" smtClean="0"/>
+              <a:rPr lang="en-US"/>
               <a:t>Fourth level</a:t>
             </a:r>
           </a:p>
           <a:p>
             <a:pPr lvl="4"/>
             <a:r>
-              <a:rPr lang="en-US" smtClean="0"/>
+              <a:rPr lang="en-US"/>
               <a:t>Fifth level</a:t>
             </a:r>
-            <a:endParaRPr lang="en-US"/>
           </a:p>
         </p:txBody>
       </p:sp>
@@ -1007,7 +1004,7 @@
           <a:p>
             <a:fld id="{78C97017-6FC3-485B-9764-EAC9E56C1D49}" type="datetimeFigureOut">
               <a:rPr lang="en-US" smtClean="0"/>
-              <a:t>2/6/2017</a:t>
+              <a:t>5/31/2017</a:t>
             </a:fld>
             <a:endParaRPr lang="en-US"/>
           </a:p>
@@ -1101,10 +1098,9 @@
           <a:lstStyle/>
           <a:p>
             <a:r>
-              <a:rPr lang="en-US" smtClean="0"/>
+              <a:rPr lang="en-US"/>
               <a:t>Click to edit Master title style</a:t>
             </a:r>
-            <a:endParaRPr lang="en-US"/>
           </a:p>
         </p:txBody>
       </p:sp>
@@ -1125,38 +1121,37 @@
           <a:p>
             <a:pPr lvl="0"/>
             <a:r>
-              <a:rPr lang="en-US" smtClean="0"/>
+              <a:rPr lang="en-US"/>
               <a:t>Click to edit Master text styles</a:t>
             </a:r>
           </a:p>
           <a:p>
             <a:pPr lvl="1"/>
             <a:r>
-              <a:rPr lang="en-US" smtClean="0"/>
+              <a:rPr lang="en-US"/>
               <a:t>Second level</a:t>
             </a:r>
           </a:p>
           <a:p>
             <a:pPr lvl="2"/>
             <a:r>
-              <a:rPr lang="en-US" smtClean="0"/>
+              <a:rPr lang="en-US"/>
               <a:t>Third level</a:t>
             </a:r>
           </a:p>
           <a:p>
             <a:pPr lvl="3"/>
             <a:r>
-              <a:rPr lang="en-US" smtClean="0"/>
+              <a:rPr lang="en-US"/>
               <a:t>Fourth level</a:t>
             </a:r>
           </a:p>
           <a:p>
             <a:pPr lvl="4"/>
             <a:r>
-              <a:rPr lang="en-US" smtClean="0"/>
+              <a:rPr lang="en-US"/>
               <a:t>Fifth level</a:t>
             </a:r>
-            <a:endParaRPr lang="en-US"/>
           </a:p>
         </p:txBody>
       </p:sp>
@@ -1177,7 +1172,7 @@
           <a:p>
             <a:fld id="{78C97017-6FC3-485B-9764-EAC9E56C1D49}" type="datetimeFigureOut">
               <a:rPr lang="en-US" smtClean="0"/>
-              <a:t>2/6/2017</a:t>
+              <a:t>5/31/2017</a:t>
             </a:fld>
             <a:endParaRPr lang="en-US"/>
           </a:p>
@@ -1280,10 +1275,9 @@
           </a:lstStyle>
           <a:p>
             <a:r>
-              <a:rPr lang="en-US" smtClean="0"/>
+              <a:rPr lang="en-US"/>
               <a:t>Click to edit Master title style</a:t>
             </a:r>
-            <a:endParaRPr lang="en-US"/>
           </a:p>
         </p:txBody>
       </p:sp>
@@ -1400,7 +1394,7 @@
           <a:p>
             <a:pPr lvl="0"/>
             <a:r>
-              <a:rPr lang="en-US" smtClean="0"/>
+              <a:rPr lang="en-US"/>
               <a:t>Click to edit Master text styles</a:t>
             </a:r>
           </a:p>
@@ -1423,7 +1417,7 @@
           <a:p>
             <a:fld id="{78C97017-6FC3-485B-9764-EAC9E56C1D49}" type="datetimeFigureOut">
               <a:rPr lang="en-US" smtClean="0"/>
-              <a:t>2/6/2017</a:t>
+              <a:t>5/31/2017</a:t>
             </a:fld>
             <a:endParaRPr lang="en-US"/>
           </a:p>
@@ -1517,10 +1511,9 @@
           <a:lstStyle/>
           <a:p>
             <a:r>
-              <a:rPr lang="en-US" smtClean="0"/>
+              <a:rPr lang="en-US"/>
               <a:t>Click to edit Master title style</a:t>
             </a:r>
-            <a:endParaRPr lang="en-US"/>
           </a:p>
         </p:txBody>
       </p:sp>
@@ -1574,38 +1567,37 @@
           <a:p>
             <a:pPr lvl="0"/>
             <a:r>
-              <a:rPr lang="en-US" smtClean="0"/>
+              <a:rPr lang="en-US"/>
               <a:t>Click to edit Master text styles</a:t>
             </a:r>
           </a:p>
           <a:p>
             <a:pPr lvl="1"/>
             <a:r>
-              <a:rPr lang="en-US" smtClean="0"/>
+              <a:rPr lang="en-US"/>
               <a:t>Second level</a:t>
             </a:r>
           </a:p>
           <a:p>
             <a:pPr lvl="2"/>
             <a:r>
-              <a:rPr lang="en-US" smtClean="0"/>
+              <a:rPr lang="en-US"/>
               <a:t>Third level</a:t>
             </a:r>
           </a:p>
           <a:p>
             <a:pPr lvl="3"/>
             <a:r>
-              <a:rPr lang="en-US" smtClean="0"/>
+              <a:rPr lang="en-US"/>
               <a:t>Fourth level</a:t>
             </a:r>
           </a:p>
           <a:p>
             <a:pPr lvl="4"/>
             <a:r>
-              <a:rPr lang="en-US" smtClean="0"/>
+              <a:rPr lang="en-US"/>
               <a:t>Fifth level</a:t>
             </a:r>
-            <a:endParaRPr lang="en-US"/>
           </a:p>
         </p:txBody>
       </p:sp>
@@ -1659,38 +1651,37 @@
           <a:p>
             <a:pPr lvl="0"/>
             <a:r>
-              <a:rPr lang="en-US" smtClean="0"/>
+              <a:rPr lang="en-US"/>
               <a:t>Click to edit Master text styles</a:t>
             </a:r>
           </a:p>
           <a:p>
             <a:pPr lvl="1"/>
             <a:r>
-              <a:rPr lang="en-US" smtClean="0"/>
+              <a:rPr lang="en-US"/>
               <a:t>Second level</a:t>
             </a:r>
           </a:p>
           <a:p>
             <a:pPr lvl="2"/>
             <a:r>
-              <a:rPr lang="en-US" smtClean="0"/>
+              <a:rPr lang="en-US"/>
               <a:t>Third level</a:t>
             </a:r>
           </a:p>
           <a:p>
             <a:pPr lvl="3"/>
             <a:r>
-              <a:rPr lang="en-US" smtClean="0"/>
+              <a:rPr lang="en-US"/>
               <a:t>Fourth level</a:t>
             </a:r>
           </a:p>
           <a:p>
             <a:pPr lvl="4"/>
             <a:r>
-              <a:rPr lang="en-US" smtClean="0"/>
+              <a:rPr lang="en-US"/>
               <a:t>Fifth level</a:t>
             </a:r>
-            <a:endParaRPr lang="en-US"/>
           </a:p>
         </p:txBody>
       </p:sp>
@@ -1711,7 +1702,7 @@
           <a:p>
             <a:fld id="{78C97017-6FC3-485B-9764-EAC9E56C1D49}" type="datetimeFigureOut">
               <a:rPr lang="en-US" smtClean="0"/>
-              <a:t>2/6/2017</a:t>
+              <a:t>5/31/2017</a:t>
             </a:fld>
             <a:endParaRPr lang="en-US"/>
           </a:p>
@@ -1809,10 +1800,9 @@
           </a:lstStyle>
           <a:p>
             <a:r>
-              <a:rPr lang="en-US" smtClean="0"/>
+              <a:rPr lang="en-US"/>
               <a:t>Click to edit Master title style</a:t>
             </a:r>
-            <a:endParaRPr lang="en-US"/>
           </a:p>
         </p:txBody>
       </p:sp>
@@ -1875,7 +1865,7 @@
           <a:p>
             <a:pPr lvl="0"/>
             <a:r>
-              <a:rPr lang="en-US" smtClean="0"/>
+              <a:rPr lang="en-US"/>
               <a:t>Click to edit Master text styles</a:t>
             </a:r>
           </a:p>
@@ -1931,38 +1921,37 @@
           <a:p>
             <a:pPr lvl="0"/>
             <a:r>
-              <a:rPr lang="en-US" smtClean="0"/>
+              <a:rPr lang="en-US"/>
               <a:t>Click to edit Master text styles</a:t>
             </a:r>
           </a:p>
           <a:p>
             <a:pPr lvl="1"/>
             <a:r>
-              <a:rPr lang="en-US" smtClean="0"/>
+              <a:rPr lang="en-US"/>
               <a:t>Second level</a:t>
             </a:r>
           </a:p>
           <a:p>
             <a:pPr lvl="2"/>
             <a:r>
-              <a:rPr lang="en-US" smtClean="0"/>
+              <a:rPr lang="en-US"/>
               <a:t>Third level</a:t>
             </a:r>
           </a:p>
           <a:p>
             <a:pPr lvl="3"/>
             <a:r>
-              <a:rPr lang="en-US" smtClean="0"/>
+              <a:rPr lang="en-US"/>
               <a:t>Fourth level</a:t>
             </a:r>
           </a:p>
           <a:p>
             <a:pPr lvl="4"/>
             <a:r>
-              <a:rPr lang="en-US" smtClean="0"/>
+              <a:rPr lang="en-US"/>
               <a:t>Fifth level</a:t>
             </a:r>
-            <a:endParaRPr lang="en-US"/>
           </a:p>
         </p:txBody>
       </p:sp>
@@ -2025,7 +2014,7 @@
           <a:p>
             <a:pPr lvl="0"/>
             <a:r>
-              <a:rPr lang="en-US" smtClean="0"/>
+              <a:rPr lang="en-US"/>
               <a:t>Click to edit Master text styles</a:t>
             </a:r>
           </a:p>
@@ -2081,38 +2070,37 @@
           <a:p>
             <a:pPr lvl="0"/>
             <a:r>
-              <a:rPr lang="en-US" smtClean="0"/>
+              <a:rPr lang="en-US"/>
               <a:t>Click to edit Master text styles</a:t>
             </a:r>
           </a:p>
           <a:p>
             <a:pPr lvl="1"/>
             <a:r>
-              <a:rPr lang="en-US" smtClean="0"/>
+              <a:rPr lang="en-US"/>
               <a:t>Second level</a:t>
             </a:r>
           </a:p>
           <a:p>
             <a:pPr lvl="2"/>
             <a:r>
-              <a:rPr lang="en-US" smtClean="0"/>
+              <a:rPr lang="en-US"/>
               <a:t>Third level</a:t>
             </a:r>
           </a:p>
           <a:p>
             <a:pPr lvl="3"/>
             <a:r>
-              <a:rPr lang="en-US" smtClean="0"/>
+              <a:rPr lang="en-US"/>
               <a:t>Fourth level</a:t>
             </a:r>
           </a:p>
           <a:p>
             <a:pPr lvl="4"/>
             <a:r>
-              <a:rPr lang="en-US" smtClean="0"/>
+              <a:rPr lang="en-US"/>
               <a:t>Fifth level</a:t>
             </a:r>
-            <a:endParaRPr lang="en-US"/>
           </a:p>
         </p:txBody>
       </p:sp>
@@ -2133,7 +2121,7 @@
           <a:p>
             <a:fld id="{78C97017-6FC3-485B-9764-EAC9E56C1D49}" type="datetimeFigureOut">
               <a:rPr lang="en-US" smtClean="0"/>
-              <a:t>2/6/2017</a:t>
+              <a:t>5/31/2017</a:t>
             </a:fld>
             <a:endParaRPr lang="en-US"/>
           </a:p>
@@ -2227,10 +2215,9 @@
           <a:lstStyle/>
           <a:p>
             <a:r>
-              <a:rPr lang="en-US" smtClean="0"/>
+              <a:rPr lang="en-US"/>
               <a:t>Click to edit Master title style</a:t>
             </a:r>
-            <a:endParaRPr lang="en-US"/>
           </a:p>
         </p:txBody>
       </p:sp>
@@ -2251,7 +2238,7 @@
           <a:p>
             <a:fld id="{78C97017-6FC3-485B-9764-EAC9E56C1D49}" type="datetimeFigureOut">
               <a:rPr lang="en-US" smtClean="0"/>
-              <a:t>2/6/2017</a:t>
+              <a:t>5/31/2017</a:t>
             </a:fld>
             <a:endParaRPr lang="en-US"/>
           </a:p>
@@ -2346,7 +2333,7 @@
           <a:p>
             <a:fld id="{78C97017-6FC3-485B-9764-EAC9E56C1D49}" type="datetimeFigureOut">
               <a:rPr lang="en-US" smtClean="0"/>
-              <a:t>2/6/2017</a:t>
+              <a:t>5/31/2017</a:t>
             </a:fld>
             <a:endParaRPr lang="en-US"/>
           </a:p>
@@ -2449,10 +2436,9 @@
           </a:lstStyle>
           <a:p>
             <a:r>
-              <a:rPr lang="en-US" smtClean="0"/>
+              <a:rPr lang="en-US"/>
               <a:t>Click to edit Master title style</a:t>
             </a:r>
-            <a:endParaRPr lang="en-US"/>
           </a:p>
         </p:txBody>
       </p:sp>
@@ -2506,38 +2492,37 @@
           <a:p>
             <a:pPr lvl="0"/>
             <a:r>
-              <a:rPr lang="en-US" smtClean="0"/>
+              <a:rPr lang="en-US"/>
               <a:t>Click to edit Master text styles</a:t>
             </a:r>
           </a:p>
           <a:p>
             <a:pPr lvl="1"/>
             <a:r>
-              <a:rPr lang="en-US" smtClean="0"/>
+              <a:rPr lang="en-US"/>
               <a:t>Second level</a:t>
             </a:r>
           </a:p>
           <a:p>
             <a:pPr lvl="2"/>
             <a:r>
-              <a:rPr lang="en-US" smtClean="0"/>
+              <a:rPr lang="en-US"/>
               <a:t>Third level</a:t>
             </a:r>
           </a:p>
           <a:p>
             <a:pPr lvl="3"/>
             <a:r>
-              <a:rPr lang="en-US" smtClean="0"/>
+              <a:rPr lang="en-US"/>
               <a:t>Fourth level</a:t>
             </a:r>
           </a:p>
           <a:p>
             <a:pPr lvl="4"/>
             <a:r>
-              <a:rPr lang="en-US" smtClean="0"/>
+              <a:rPr lang="en-US"/>
               <a:t>Fifth level</a:t>
             </a:r>
-            <a:endParaRPr lang="en-US"/>
           </a:p>
         </p:txBody>
       </p:sp>
@@ -2600,7 +2585,7 @@
           <a:p>
             <a:pPr lvl="0"/>
             <a:r>
-              <a:rPr lang="en-US" smtClean="0"/>
+              <a:rPr lang="en-US"/>
               <a:t>Click to edit Master text styles</a:t>
             </a:r>
           </a:p>
@@ -2623,7 +2608,7 @@
           <a:p>
             <a:fld id="{78C97017-6FC3-485B-9764-EAC9E56C1D49}" type="datetimeFigureOut">
               <a:rPr lang="en-US" smtClean="0"/>
-              <a:t>2/6/2017</a:t>
+              <a:t>5/31/2017</a:t>
             </a:fld>
             <a:endParaRPr lang="en-US"/>
           </a:p>
@@ -2726,10 +2711,9 @@
           </a:lstStyle>
           <a:p>
             <a:r>
-              <a:rPr lang="en-US" smtClean="0"/>
+              <a:rPr lang="en-US"/>
               <a:t>Click to edit Master title style</a:t>
             </a:r>
-            <a:endParaRPr lang="en-US"/>
           </a:p>
         </p:txBody>
       </p:sp>
@@ -2853,7 +2837,7 @@
           <a:p>
             <a:pPr lvl="0"/>
             <a:r>
-              <a:rPr lang="en-US" smtClean="0"/>
+              <a:rPr lang="en-US"/>
               <a:t>Click to edit Master text styles</a:t>
             </a:r>
           </a:p>
@@ -2876,7 +2860,7 @@
           <a:p>
             <a:fld id="{78C97017-6FC3-485B-9764-EAC9E56C1D49}" type="datetimeFigureOut">
               <a:rPr lang="en-US" smtClean="0"/>
-              <a:t>2/6/2017</a:t>
+              <a:t>5/31/2017</a:t>
             </a:fld>
             <a:endParaRPr lang="en-US"/>
           </a:p>
@@ -2985,10 +2969,9 @@
           <a:lstStyle/>
           <a:p>
             <a:r>
-              <a:rPr lang="en-US" smtClean="0"/>
+              <a:rPr lang="en-US"/>
               <a:t>Click to edit Master title style</a:t>
             </a:r>
-            <a:endParaRPr lang="en-US"/>
           </a:p>
         </p:txBody>
       </p:sp>
@@ -3019,38 +3002,37 @@
           <a:p>
             <a:pPr lvl="0"/>
             <a:r>
-              <a:rPr lang="en-US" smtClean="0"/>
+              <a:rPr lang="en-US"/>
               <a:t>Click to edit Master text styles</a:t>
             </a:r>
           </a:p>
           <a:p>
             <a:pPr lvl="1"/>
             <a:r>
-              <a:rPr lang="en-US" smtClean="0"/>
+              <a:rPr lang="en-US"/>
               <a:t>Second level</a:t>
             </a:r>
           </a:p>
           <a:p>
             <a:pPr lvl="2"/>
             <a:r>
-              <a:rPr lang="en-US" smtClean="0"/>
+              <a:rPr lang="en-US"/>
               <a:t>Third level</a:t>
             </a:r>
           </a:p>
           <a:p>
             <a:pPr lvl="3"/>
             <a:r>
-              <a:rPr lang="en-US" smtClean="0"/>
+              <a:rPr lang="en-US"/>
               <a:t>Fourth level</a:t>
             </a:r>
           </a:p>
           <a:p>
             <a:pPr lvl="4"/>
             <a:r>
-              <a:rPr lang="en-US" smtClean="0"/>
+              <a:rPr lang="en-US"/>
               <a:t>Fifth level</a:t>
             </a:r>
-            <a:endParaRPr lang="en-US"/>
           </a:p>
         </p:txBody>
       </p:sp>
@@ -3089,7 +3071,7 @@
           <a:p>
             <a:fld id="{78C97017-6FC3-485B-9764-EAC9E56C1D49}" type="datetimeFigureOut">
               <a:rPr lang="en-US" smtClean="0"/>
-              <a:t>2/6/2017</a:t>
+              <a:t>5/31/2017</a:t>
             </a:fld>
             <a:endParaRPr lang="en-US"/>
           </a:p>
@@ -3472,8 +3454,8 @@
         </p:nvSpPr>
         <p:spPr>
           <a:xfrm>
-            <a:off x="685800" y="1981200"/>
-            <a:ext cx="7252956" cy="4000286"/>
+            <a:off x="679207" y="838200"/>
+            <a:ext cx="7252956" cy="5171150"/>
           </a:xfrm>
           <a:prstGeom prst="roundRect">
             <a:avLst>
@@ -3510,7 +3492,7 @@
           <a:lstStyle/>
           <a:p>
             <a:r>
-              <a:rPr lang="en-US" sz="1200" b="1" dirty="0" smtClean="0">
+              <a:rPr lang="en-US" sz="1200" b="1" dirty="0">
                 <a:solidFill>
                   <a:srgbClr val="0070C0"/>
                 </a:solidFill>
@@ -3533,7 +3515,7 @@
         </p:nvSpPr>
         <p:spPr>
           <a:xfrm>
-            <a:off x="845045" y="2296546"/>
+            <a:off x="845045" y="1233865"/>
             <a:ext cx="1455629" cy="346760"/>
           </a:xfrm>
           <a:prstGeom prst="rect">
@@ -3600,7 +3582,7 @@
         </p:nvCxnSpPr>
         <p:spPr>
           <a:xfrm>
-            <a:off x="1572859" y="2660217"/>
+            <a:off x="1572859" y="1597536"/>
             <a:ext cx="0" cy="2597583"/>
           </a:xfrm>
           <a:prstGeom prst="line">
@@ -3637,8 +3619,8 @@
         </p:nvSpPr>
         <p:spPr>
           <a:xfrm>
-            <a:off x="1500851" y="3010911"/>
-            <a:ext cx="152400" cy="2780287"/>
+            <a:off x="1474572" y="1667421"/>
+            <a:ext cx="200177" cy="4123778"/>
           </a:xfrm>
           <a:prstGeom prst="rect">
             <a:avLst/>
@@ -3684,7 +3666,7 @@
         </p:nvSpPr>
         <p:spPr>
           <a:xfrm>
-            <a:off x="2809782" y="2300233"/>
+            <a:off x="2809782" y="1237552"/>
             <a:ext cx="1093635" cy="346760"/>
           </a:xfrm>
           <a:prstGeom prst="rect">
@@ -3720,7 +3702,7 @@
           <a:p>
             <a:pPr algn="ctr"/>
             <a:r>
-              <a:rPr lang="en-US" sz="1600" dirty="0" smtClean="0">
+              <a:rPr lang="en-US" sz="1600" dirty="0">
                 <a:solidFill>
                   <a:schemeClr val="bg1"/>
                 </a:solidFill>
@@ -3742,9 +3724,9 @@
           <p:nvPr/>
         </p:nvCxnSpPr>
         <p:spPr>
-          <a:xfrm>
-            <a:off x="3356599" y="2663904"/>
-            <a:ext cx="0" cy="1695374"/>
+          <a:xfrm flipH="1">
+            <a:off x="3352800" y="1616867"/>
+            <a:ext cx="3799" cy="1964533"/>
           </a:xfrm>
           <a:prstGeom prst="line">
             <a:avLst/>
@@ -3780,8 +3762,8 @@
         </p:nvSpPr>
         <p:spPr>
           <a:xfrm>
-            <a:off x="3284590" y="3122096"/>
-            <a:ext cx="174929" cy="1129459"/>
+            <a:off x="3295897" y="1704706"/>
+            <a:ext cx="148295" cy="1800493"/>
           </a:xfrm>
           <a:prstGeom prst="rect">
             <a:avLst/>
@@ -3831,7 +3813,7 @@
         </p:nvSpPr>
         <p:spPr>
           <a:xfrm>
-            <a:off x="6221565" y="3312740"/>
+            <a:off x="6223917" y="1828681"/>
             <a:ext cx="1093635" cy="461538"/>
           </a:xfrm>
           <a:prstGeom prst="rect">
@@ -3867,20 +3849,12 @@
           <a:p>
             <a:pPr algn="ctr"/>
             <a:r>
-              <a:rPr lang="en-US" sz="1600" dirty="0" smtClean="0">
+              <a:rPr lang="en-US" sz="1600" dirty="0">
                 <a:solidFill>
                   <a:schemeClr val="bg1"/>
                 </a:solidFill>
               </a:rPr>
               <a:t>d:Delete</a:t>
-            </a:r>
-            <a:r>
-              <a:rPr lang="en-US" sz="1600" dirty="0">
-                <a:solidFill>
-                  <a:schemeClr val="bg1"/>
-                </a:solidFill>
-              </a:rPr>
-              <a:t/>
             </a:r>
             <a:br>
               <a:rPr lang="en-US" sz="1600" dirty="0">
@@ -3914,9 +3888,9 @@
           <p:nvPr/>
         </p:nvCxnSpPr>
         <p:spPr>
-          <a:xfrm>
-            <a:off x="6772574" y="3774278"/>
-            <a:ext cx="0" cy="1940722"/>
+          <a:xfrm flipH="1">
+            <a:off x="6759123" y="2298210"/>
+            <a:ext cx="1060" cy="3340590"/>
           </a:xfrm>
           <a:prstGeom prst="line">
             <a:avLst/>
@@ -3952,8 +3926,8 @@
         </p:nvSpPr>
         <p:spPr>
           <a:xfrm>
-            <a:off x="6696374" y="3774278"/>
-            <a:ext cx="152400" cy="276003"/>
+            <a:off x="6680245" y="2298210"/>
+            <a:ext cx="159876" cy="239660"/>
           </a:xfrm>
           <a:prstGeom prst="rect">
             <a:avLst/>
@@ -3999,7 +3973,7 @@
         </p:nvCxnSpPr>
         <p:spPr>
           <a:xfrm>
-            <a:off x="381000" y="3014599"/>
+            <a:off x="381000" y="1667421"/>
             <a:ext cx="1119851" cy="0"/>
           </a:xfrm>
           <a:prstGeom prst="straightConnector1">
@@ -4035,8 +4009,8 @@
         </p:nvCxnSpPr>
         <p:spPr>
           <a:xfrm flipV="1">
-            <a:off x="1653251" y="3122097"/>
-            <a:ext cx="1596514" cy="1"/>
+            <a:off x="1622728" y="1733023"/>
+            <a:ext cx="1652248" cy="1"/>
           </a:xfrm>
           <a:prstGeom prst="straightConnector1">
             <a:avLst/>
@@ -4071,7 +4045,7 @@
         </p:nvSpPr>
         <p:spPr>
           <a:xfrm>
-            <a:off x="0" y="2743200"/>
+            <a:off x="8762" y="1712298"/>
             <a:ext cx="1424846" cy="215444"/>
           </a:xfrm>
           <a:prstGeom prst="rect">
@@ -4087,18 +4061,13 @@
           <a:p>
             <a:pPr algn="r"/>
             <a:r>
-              <a:rPr lang="en-US" sz="1400" dirty="0" smtClean="0">
+              <a:rPr lang="en-US" sz="1400" dirty="0">
                 <a:solidFill>
                   <a:srgbClr val="0070C0"/>
                 </a:solidFill>
               </a:rPr>
               <a:t>execute(“delete 1”)</a:t>
             </a:r>
-            <a:endParaRPr lang="en-US" sz="1400" dirty="0">
-              <a:solidFill>
-                <a:srgbClr val="0070C0"/>
-              </a:solidFill>
-            </a:endParaRPr>
           </a:p>
         </p:txBody>
       </p:sp>
@@ -4110,8 +4079,8 @@
         </p:nvCxnSpPr>
         <p:spPr>
           <a:xfrm flipV="1">
-            <a:off x="5257218" y="3703214"/>
-            <a:ext cx="922392" cy="1"/>
+            <a:off x="5240170" y="2284113"/>
+            <a:ext cx="1000086" cy="1887"/>
           </a:xfrm>
           <a:prstGeom prst="straightConnector1">
             <a:avLst/>
@@ -4146,7 +4115,7 @@
         </p:nvSpPr>
         <p:spPr>
           <a:xfrm>
-            <a:off x="4257582" y="4251556"/>
+            <a:off x="4250375" y="3808387"/>
             <a:ext cx="855809" cy="215444"/>
           </a:xfrm>
           <a:prstGeom prst="rect">
@@ -4186,8 +4155,8 @@
         </p:nvCxnSpPr>
         <p:spPr>
           <a:xfrm>
-            <a:off x="5257800" y="4050281"/>
-            <a:ext cx="1492974" cy="0"/>
+            <a:off x="5245358" y="2514600"/>
+            <a:ext cx="1471957" cy="0"/>
           </a:xfrm>
           <a:prstGeom prst="straightConnector1">
             <a:avLst/>
@@ -4224,7 +4193,7 @@
         </p:nvCxnSpPr>
         <p:spPr>
           <a:xfrm flipV="1">
-            <a:off x="1670186" y="4243231"/>
+            <a:off x="1676638" y="3489050"/>
             <a:ext cx="1596514" cy="5378"/>
           </a:xfrm>
           <a:prstGeom prst="straightConnector1">
@@ -4300,8 +4269,8 @@
         </p:nvSpPr>
         <p:spPr>
           <a:xfrm>
-            <a:off x="8265896" y="2362200"/>
-            <a:ext cx="1030504" cy="346760"/>
+            <a:off x="8325699" y="1326657"/>
+            <a:ext cx="774233" cy="346760"/>
           </a:xfrm>
           <a:prstGeom prst="rect">
             <a:avLst/>
@@ -4365,7 +4334,7 @@
         </p:nvCxnSpPr>
         <p:spPr>
           <a:xfrm>
-            <a:off x="1653251" y="4495317"/>
+            <a:off x="1646044" y="4052148"/>
             <a:ext cx="5043123" cy="0"/>
           </a:xfrm>
           <a:prstGeom prst="straightConnector1">
@@ -4401,7 +4370,7 @@
         </p:nvSpPr>
         <p:spPr>
           <a:xfrm>
-            <a:off x="6687452" y="4467000"/>
+            <a:off x="6680245" y="4023831"/>
             <a:ext cx="161322" cy="1019400"/>
           </a:xfrm>
           <a:prstGeom prst="rect">
@@ -4443,13 +4412,15 @@
       <p:cxnSp>
         <p:nvCxnSpPr>
           <p:cNvPr id="71" name="Straight Connector 70"/>
-          <p:cNvCxnSpPr/>
+          <p:cNvCxnSpPr>
+            <a:stCxn id="39" idx="2"/>
+          </p:cNvCxnSpPr>
           <p:nvPr/>
         </p:nvCxnSpPr>
         <p:spPr>
           <a:xfrm>
-            <a:off x="8781148" y="2700858"/>
-            <a:ext cx="0" cy="2830598"/>
+            <a:off x="8712816" y="1673417"/>
+            <a:ext cx="7672" cy="3965383"/>
           </a:xfrm>
           <a:prstGeom prst="line">
             <a:avLst/>
@@ -4488,7 +4459,7 @@
         </p:nvSpPr>
         <p:spPr>
           <a:xfrm>
-            <a:off x="8686800" y="4524597"/>
+            <a:off x="8640452" y="4071678"/>
             <a:ext cx="152400" cy="199803"/>
           </a:xfrm>
           <a:prstGeom prst="rect">
@@ -4545,7 +4516,7 @@
         </p:nvCxnSpPr>
         <p:spPr>
           <a:xfrm>
-            <a:off x="6850663" y="4524597"/>
+            <a:off x="6843456" y="4081428"/>
             <a:ext cx="1836137" cy="0"/>
           </a:xfrm>
           <a:prstGeom prst="straightConnector1">
@@ -4581,7 +4552,7 @@
         </p:nvCxnSpPr>
         <p:spPr>
           <a:xfrm flipV="1">
-            <a:off x="6848774" y="4714650"/>
+            <a:off x="6841567" y="4271481"/>
             <a:ext cx="1838026" cy="9750"/>
           </a:xfrm>
           <a:prstGeom prst="straightConnector1">
@@ -4622,7 +4593,7 @@
         </p:nvCxnSpPr>
         <p:spPr>
           <a:xfrm>
-            <a:off x="1653251" y="5486400"/>
+            <a:off x="1646044" y="5043231"/>
             <a:ext cx="5052349" cy="0"/>
           </a:xfrm>
           <a:prstGeom prst="straightConnector1">
@@ -4660,7 +4631,7 @@
         </p:nvSpPr>
         <p:spPr>
           <a:xfrm>
-            <a:off x="6984957" y="4267200"/>
+            <a:off x="6977750" y="3824031"/>
             <a:ext cx="1424846" cy="215444"/>
           </a:xfrm>
           <a:prstGeom prst="rect">
@@ -4686,7 +4657,7 @@
           </a:lstStyle>
           <a:p>
             <a:r>
-              <a:rPr lang="en-US" dirty="0" err="1" smtClean="0">
+              <a:rPr lang="en-US" dirty="0" err="1">
                 <a:solidFill>
                   <a:srgbClr val="7030A0"/>
                 </a:solidFill>
@@ -4694,18 +4665,13 @@
               <a:t>deletePerson</a:t>
             </a:r>
             <a:r>
-              <a:rPr lang="en-US" dirty="0" smtClean="0">
+              <a:rPr lang="en-US" dirty="0">
                 <a:solidFill>
                   <a:srgbClr val="7030A0"/>
                 </a:solidFill>
               </a:rPr>
               <a:t>(p)</a:t>
             </a:r>
-            <a:endParaRPr lang="en-US" dirty="0">
-              <a:solidFill>
-                <a:srgbClr val="7030A0"/>
-              </a:solidFill>
-            </a:endParaRPr>
           </a:p>
         </p:txBody>
       </p:sp>
@@ -4717,7 +4683,7 @@
         </p:nvSpPr>
         <p:spPr>
           <a:xfrm>
-            <a:off x="3847551" y="3657600"/>
+            <a:off x="3463524" y="2234652"/>
             <a:ext cx="767033" cy="184666"/>
           </a:xfrm>
           <a:prstGeom prst="rect">
@@ -4744,13 +4710,8 @@
           <a:p>
             <a:r>
               <a:rPr lang="en-US" sz="1200" dirty="0"/>
-              <a:t>p</a:t>
-            </a:r>
-            <a:r>
-              <a:rPr lang="en-US" sz="1200" dirty="0" smtClean="0"/>
-              <a:t>arse(“1”)</a:t>
-            </a:r>
-            <a:endParaRPr lang="en-US" sz="1200" dirty="0"/>
+              <a:t>parse(“1”)</a:t>
+            </a:r>
           </a:p>
         </p:txBody>
       </p:sp>
@@ -4762,7 +4723,7 @@
         </p:nvSpPr>
         <p:spPr>
           <a:xfrm>
-            <a:off x="1742982" y="2850922"/>
+            <a:off x="1716919" y="1761341"/>
             <a:ext cx="1424846" cy="215444"/>
           </a:xfrm>
           <a:prstGeom prst="rect">
@@ -4788,10 +4749,9 @@
           </a:lstStyle>
           <a:p>
             <a:r>
-              <a:rPr lang="en-US" dirty="0" smtClean="0"/>
+              <a:rPr lang="en-US" dirty="0"/>
               <a:t>parse(“delete 1”)</a:t>
             </a:r>
-            <a:endParaRPr lang="en-US" dirty="0"/>
           </a:p>
         </p:txBody>
       </p:sp>
@@ -4803,8 +4763,8 @@
         </p:nvSpPr>
         <p:spPr>
           <a:xfrm>
-            <a:off x="4340137" y="5255323"/>
-            <a:ext cx="621216" cy="215444"/>
+            <a:off x="3726593" y="4812154"/>
+            <a:ext cx="1227553" cy="215444"/>
           </a:xfrm>
           <a:prstGeom prst="rect">
             <a:avLst/>
@@ -4829,8 +4789,8 @@
           </a:lstStyle>
           <a:p>
             <a:r>
-              <a:rPr lang="en-US" dirty="0" smtClean="0"/>
-              <a:t>result</a:t>
+              <a:rPr lang="en-US"/>
+              <a:t>commandResult</a:t>
             </a:r>
             <a:endParaRPr lang="en-US" dirty="0"/>
           </a:p>
@@ -4844,8 +4804,8 @@
         </p:nvSpPr>
         <p:spPr>
           <a:xfrm>
-            <a:off x="599983" y="5538488"/>
-            <a:ext cx="762000" cy="215444"/>
+            <a:off x="152400" y="5538488"/>
+            <a:ext cx="1209583" cy="215444"/>
           </a:xfrm>
           <a:prstGeom prst="rect">
             <a:avLst/>
@@ -4870,8 +4830,8 @@
           </a:lstStyle>
           <a:p>
             <a:r>
-              <a:rPr lang="en-US" dirty="0" smtClean="0"/>
-              <a:t>result</a:t>
+              <a:rPr lang="en-US"/>
+              <a:t>executionResult</a:t>
             </a:r>
             <a:endParaRPr lang="en-US" dirty="0"/>
           </a:p>
@@ -4885,7 +4845,7 @@
         </p:nvSpPr>
         <p:spPr>
           <a:xfrm>
-            <a:off x="7020246" y="4777286"/>
+            <a:off x="7013039" y="4334117"/>
             <a:ext cx="1590354" cy="461538"/>
           </a:xfrm>
           <a:prstGeom prst="rect">
@@ -4921,20 +4881,31 @@
           <a:p>
             <a:pPr algn="ctr"/>
             <a:r>
-              <a:rPr lang="en-US" sz="1600" dirty="0" err="1" smtClean="0">
+              <a:rPr lang="en-US" sz="1600" dirty="0" err="1">
                 <a:solidFill>
                   <a:schemeClr val="bg1"/>
                 </a:solidFill>
               </a:rPr>
-              <a:t>result:Command</a:t>
-            </a:r>
-            <a:r>
-              <a:rPr lang="en-US" sz="1600" dirty="0" smtClean="0">
+              <a:t>commandResult</a:t>
+            </a:r>
+            <a:r>
+              <a:rPr lang="en-US" sz="1600" dirty="0">
                 <a:solidFill>
                   <a:schemeClr val="bg1"/>
                 </a:solidFill>
               </a:rPr>
-              <a:t> Result</a:t>
+              <a:t>:</a:t>
+            </a:r>
+          </a:p>
+          <a:p>
+            <a:pPr algn="ctr"/>
+            <a:r>
+              <a:rPr lang="en-US" sz="1600" dirty="0" err="1">
+                <a:solidFill>
+                  <a:schemeClr val="bg1"/>
+                </a:solidFill>
+              </a:rPr>
+              <a:t>CommandResult</a:t>
             </a:r>
             <a:endParaRPr lang="en-SG" sz="1600" dirty="0">
               <a:solidFill>
@@ -4952,7 +4923,7 @@
         </p:nvSpPr>
         <p:spPr>
           <a:xfrm>
-            <a:off x="7777323" y="5238824"/>
+            <a:off x="7770116" y="4795655"/>
             <a:ext cx="152400" cy="171376"/>
           </a:xfrm>
           <a:prstGeom prst="rect">
@@ -4999,7 +4970,7 @@
         </p:nvCxnSpPr>
         <p:spPr>
           <a:xfrm>
-            <a:off x="6858000" y="5410200"/>
+            <a:off x="6850793" y="4967031"/>
             <a:ext cx="966624" cy="0"/>
           </a:xfrm>
           <a:prstGeom prst="straightConnector1">
@@ -5031,14 +5002,486 @@
       </p:cxnSp>
       <p:sp>
         <p:nvSpPr>
-          <p:cNvPr id="93" name="TextBox 92"/>
+          <p:cNvPr id="40" name="Rectangle 62"/>
+          <p:cNvSpPr/>
+          <p:nvPr/>
+        </p:nvSpPr>
+        <p:spPr>
+          <a:xfrm>
+            <a:off x="4230557" y="1530405"/>
+            <a:ext cx="1778201" cy="432035"/>
+          </a:xfrm>
+          <a:prstGeom prst="rect">
+            <a:avLst/>
+          </a:prstGeom>
+          <a:solidFill>
+            <a:srgbClr val="0070C0"/>
+          </a:solidFill>
+          <a:ln w="19050">
+            <a:solidFill>
+              <a:srgbClr val="0070C0"/>
+            </a:solidFill>
+          </a:ln>
+          <a:effectLst/>
+        </p:spPr>
+        <p:style>
+          <a:lnRef idx="1">
+            <a:schemeClr val="accent2"/>
+          </a:lnRef>
+          <a:fillRef idx="2">
+            <a:schemeClr val="accent2"/>
+          </a:fillRef>
+          <a:effectRef idx="1">
+            <a:schemeClr val="accent2"/>
+          </a:effectRef>
+          <a:fontRef idx="minor">
+            <a:schemeClr val="dk1"/>
+          </a:fontRef>
+        </p:style>
+        <p:txBody>
+          <a:bodyPr rtlCol="0" anchor="ctr"/>
+          <a:lstStyle/>
+          <a:p>
+            <a:pPr algn="ctr"/>
+            <a:r>
+              <a:rPr lang="en-US" sz="1600" dirty="0">
+                <a:solidFill>
+                  <a:schemeClr val="bg1"/>
+                </a:solidFill>
+              </a:rPr>
+              <a:t>:</a:t>
+            </a:r>
+            <a:r>
+              <a:rPr lang="en-US" sz="1600" dirty="0" err="1">
+                <a:solidFill>
+                  <a:schemeClr val="bg1"/>
+                </a:solidFill>
+              </a:rPr>
+              <a:t>DeleteCommand</a:t>
+            </a:r>
+            <a:endParaRPr lang="en-US" sz="1600" dirty="0">
+              <a:solidFill>
+                <a:schemeClr val="bg1"/>
+              </a:solidFill>
+            </a:endParaRPr>
+          </a:p>
+          <a:p>
+            <a:pPr algn="ctr"/>
+            <a:r>
+              <a:rPr lang="en-US" sz="1600" dirty="0">
+                <a:solidFill>
+                  <a:schemeClr val="bg1"/>
+                </a:solidFill>
+              </a:rPr>
+              <a:t>Parser</a:t>
+            </a:r>
+            <a:endParaRPr lang="en-SG" sz="1600" dirty="0">
+              <a:solidFill>
+                <a:schemeClr val="bg1"/>
+              </a:solidFill>
+            </a:endParaRPr>
+          </a:p>
+        </p:txBody>
+      </p:sp>
+      <p:cxnSp>
+        <p:nvCxnSpPr>
+          <p:cNvPr id="8" name="Straight Arrow Connector 7"/>
+          <p:cNvCxnSpPr/>
+          <p:nvPr/>
+        </p:nvCxnSpPr>
+        <p:spPr>
+          <a:xfrm flipV="1">
+            <a:off x="3479110" y="2233406"/>
+            <a:ext cx="1602134" cy="202"/>
+          </a:xfrm>
+          <a:prstGeom prst="straightConnector1">
+            <a:avLst/>
+          </a:prstGeom>
+          <a:ln w="19050">
+            <a:headEnd type="none" w="med" len="med"/>
+            <a:tailEnd type="arrow" w="med" len="med"/>
+          </a:ln>
+        </p:spPr>
+        <p:style>
+          <a:lnRef idx="1">
+            <a:schemeClr val="accent1"/>
+          </a:lnRef>
+          <a:fillRef idx="0">
+            <a:schemeClr val="accent1"/>
+          </a:fillRef>
+          <a:effectRef idx="0">
+            <a:schemeClr val="accent1"/>
+          </a:effectRef>
+          <a:fontRef idx="minor">
+            <a:schemeClr val="tx1"/>
+          </a:fontRef>
+        </p:style>
+      </p:cxnSp>
+      <p:sp>
+        <p:nvSpPr>
+          <p:cNvPr id="45" name="Rectangle 44"/>
+          <p:cNvSpPr/>
+          <p:nvPr/>
+        </p:nvSpPr>
+        <p:spPr>
+          <a:xfrm>
+            <a:off x="5059948" y="1978074"/>
+            <a:ext cx="173696" cy="129364"/>
+          </a:xfrm>
+          <a:prstGeom prst="rect">
+            <a:avLst/>
+          </a:prstGeom>
+          <a:solidFill>
+            <a:srgbClr val="0070C0"/>
+          </a:solidFill>
+          <a:ln>
+            <a:solidFill>
+              <a:srgbClr val="0070C0"/>
+            </a:solidFill>
+          </a:ln>
+          <a:effectLst/>
+        </p:spPr>
+        <p:style>
+          <a:lnRef idx="1">
+            <a:schemeClr val="accent3"/>
+          </a:lnRef>
+          <a:fillRef idx="2">
+            <a:schemeClr val="accent3"/>
+          </a:fillRef>
+          <a:effectRef idx="1">
+            <a:schemeClr val="accent3"/>
+          </a:effectRef>
+          <a:fontRef idx="minor">
+            <a:schemeClr val="dk1"/>
+          </a:fontRef>
+        </p:style>
+        <p:txBody>
+          <a:bodyPr rtlCol="0" anchor="ctr"/>
+          <a:lstStyle/>
+          <a:p>
+            <a:pPr algn="ctr"/>
+            <a:endParaRPr lang="en-SG" sz="1400"/>
+          </a:p>
+        </p:txBody>
+      </p:sp>
+      <p:cxnSp>
+        <p:nvCxnSpPr>
+          <p:cNvPr id="46" name="Straight Connector 45"/>
+          <p:cNvCxnSpPr/>
+          <p:nvPr/>
+        </p:nvCxnSpPr>
+        <p:spPr>
+          <a:xfrm flipH="1">
+            <a:off x="5154362" y="1995586"/>
+            <a:ext cx="6583" cy="1585814"/>
+          </a:xfrm>
+          <a:prstGeom prst="line">
+            <a:avLst/>
+          </a:prstGeom>
+          <a:ln w="19050">
+            <a:solidFill>
+              <a:srgbClr val="0070C0"/>
+            </a:solidFill>
+            <a:prstDash val="sysDash"/>
+          </a:ln>
+          <a:effectLst/>
+        </p:spPr>
+        <p:style>
+          <a:lnRef idx="1">
+            <a:schemeClr val="accent1"/>
+          </a:lnRef>
+          <a:fillRef idx="2">
+            <a:schemeClr val="accent1"/>
+          </a:fillRef>
+          <a:effectRef idx="1">
+            <a:schemeClr val="accent1"/>
+          </a:effectRef>
+          <a:fontRef idx="minor">
+            <a:schemeClr val="dk1"/>
+          </a:fontRef>
+        </p:style>
+      </p:cxnSp>
+      <p:sp>
+        <p:nvSpPr>
+          <p:cNvPr id="49" name="Rectangle 48"/>
+          <p:cNvSpPr/>
+          <p:nvPr/>
+        </p:nvSpPr>
+        <p:spPr>
+          <a:xfrm>
+            <a:off x="5047708" y="3222857"/>
+            <a:ext cx="205843" cy="146446"/>
+          </a:xfrm>
+          <a:prstGeom prst="rect">
+            <a:avLst/>
+          </a:prstGeom>
+          <a:solidFill>
+            <a:srgbClr val="0070C0"/>
+          </a:solidFill>
+          <a:ln>
+            <a:solidFill>
+              <a:srgbClr val="0070C0"/>
+            </a:solidFill>
+          </a:ln>
+          <a:effectLst/>
+        </p:spPr>
+        <p:style>
+          <a:lnRef idx="1">
+            <a:schemeClr val="accent3"/>
+          </a:lnRef>
+          <a:fillRef idx="2">
+            <a:schemeClr val="accent3"/>
+          </a:fillRef>
+          <a:effectRef idx="1">
+            <a:schemeClr val="accent3"/>
+          </a:effectRef>
+          <a:fontRef idx="minor">
+            <a:schemeClr val="dk1"/>
+          </a:fontRef>
+        </p:style>
+        <p:txBody>
+          <a:bodyPr rtlCol="0" anchor="ctr"/>
+          <a:lstStyle/>
+          <a:p>
+            <a:pPr algn="ctr"/>
+            <a:endParaRPr lang="en-SG" sz="1400"/>
+          </a:p>
+        </p:txBody>
+      </p:sp>
+      <p:cxnSp>
+        <p:nvCxnSpPr>
+          <p:cNvPr id="51" name="Straight Arrow Connector 50"/>
+          <p:cNvCxnSpPr/>
+          <p:nvPr/>
+        </p:nvCxnSpPr>
+        <p:spPr>
+          <a:xfrm flipV="1">
+            <a:off x="3444193" y="3369330"/>
+            <a:ext cx="1710169" cy="2879"/>
+          </a:xfrm>
+          <a:prstGeom prst="straightConnector1">
+            <a:avLst/>
+          </a:prstGeom>
+          <a:ln w="19050">
+            <a:solidFill>
+              <a:srgbClr val="0070C0"/>
+            </a:solidFill>
+            <a:prstDash val="sysDash"/>
+            <a:headEnd type="arrow" w="med" len="med"/>
+            <a:tailEnd type="none" w="med" len="med"/>
+          </a:ln>
+        </p:spPr>
+        <p:style>
+          <a:lnRef idx="1">
+            <a:schemeClr val="accent1"/>
+          </a:lnRef>
+          <a:fillRef idx="0">
+            <a:schemeClr val="accent1"/>
+          </a:fillRef>
+          <a:effectRef idx="0">
+            <a:schemeClr val="accent1"/>
+          </a:effectRef>
+          <a:fontRef idx="minor">
+            <a:schemeClr val="tx1"/>
+          </a:fontRef>
+        </p:style>
+      </p:cxnSp>
+      <p:cxnSp>
+        <p:nvCxnSpPr>
+          <p:cNvPr id="13" name="Straight Arrow Connector 12"/>
+          <p:cNvCxnSpPr/>
+          <p:nvPr/>
+        </p:nvCxnSpPr>
+        <p:spPr>
+          <a:xfrm>
+            <a:off x="6850793" y="4586031"/>
+            <a:ext cx="162246" cy="0"/>
+          </a:xfrm>
+          <a:prstGeom prst="straightConnector1">
+            <a:avLst/>
+          </a:prstGeom>
+          <a:ln w="19050">
+            <a:headEnd type="none" w="med" len="med"/>
+            <a:tailEnd type="arrow" w="med" len="med"/>
+          </a:ln>
+        </p:spPr>
+        <p:style>
+          <a:lnRef idx="1">
+            <a:schemeClr val="accent1"/>
+          </a:lnRef>
+          <a:fillRef idx="0">
+            <a:schemeClr val="accent1"/>
+          </a:fillRef>
+          <a:effectRef idx="0">
+            <a:schemeClr val="accent1"/>
+          </a:effectRef>
+          <a:fontRef idx="minor">
+            <a:schemeClr val="tx1"/>
+          </a:fontRef>
+        </p:style>
+      </p:cxnSp>
+      <p:cxnSp>
+        <p:nvCxnSpPr>
+          <p:cNvPr id="50" name="Straight Arrow Connector 49"/>
+          <p:cNvCxnSpPr/>
+          <p:nvPr/>
+        </p:nvCxnSpPr>
+        <p:spPr>
+          <a:xfrm>
+            <a:off x="3428608" y="1763091"/>
+            <a:ext cx="819556" cy="1"/>
+          </a:xfrm>
+          <a:prstGeom prst="straightConnector1">
+            <a:avLst/>
+          </a:prstGeom>
+          <a:ln w="19050">
+            <a:solidFill>
+              <a:srgbClr val="0070C0"/>
+            </a:solidFill>
+            <a:tailEnd type="arrow"/>
+          </a:ln>
+        </p:spPr>
+        <p:style>
+          <a:lnRef idx="1">
+            <a:schemeClr val="accent1"/>
+          </a:lnRef>
+          <a:fillRef idx="0">
+            <a:schemeClr val="accent1"/>
+          </a:fillRef>
+          <a:effectRef idx="0">
+            <a:schemeClr val="accent1"/>
+          </a:effectRef>
+          <a:fontRef idx="minor">
+            <a:schemeClr val="tx1"/>
+          </a:fontRef>
+        </p:style>
+      </p:cxnSp>
+      <p:cxnSp>
+        <p:nvCxnSpPr>
+          <p:cNvPr id="52" name="Straight Arrow Connector 51"/>
+          <p:cNvCxnSpPr/>
+          <p:nvPr/>
+        </p:nvCxnSpPr>
+        <p:spPr>
+          <a:xfrm>
+            <a:off x="3449904" y="2108683"/>
+            <a:ext cx="1600428" cy="0"/>
+          </a:xfrm>
+          <a:prstGeom prst="straightConnector1">
+            <a:avLst/>
+          </a:prstGeom>
+          <a:ln w="19050">
+            <a:solidFill>
+              <a:srgbClr val="0070C0"/>
+            </a:solidFill>
+            <a:prstDash val="sysDash"/>
+            <a:headEnd type="arrow" w="med" len="med"/>
+            <a:tailEnd type="none" w="med" len="med"/>
+          </a:ln>
+        </p:spPr>
+        <p:style>
+          <a:lnRef idx="1">
+            <a:schemeClr val="accent1"/>
+          </a:lnRef>
+          <a:fillRef idx="0">
+            <a:schemeClr val="accent1"/>
+          </a:fillRef>
+          <a:effectRef idx="0">
+            <a:schemeClr val="accent1"/>
+          </a:effectRef>
+          <a:fontRef idx="minor">
+            <a:schemeClr val="tx1"/>
+          </a:fontRef>
+        </p:style>
+      </p:cxnSp>
+      <p:sp>
+        <p:nvSpPr>
+          <p:cNvPr id="47" name="Rectangle 62"/>
+          <p:cNvSpPr/>
+          <p:nvPr/>
+        </p:nvSpPr>
+        <p:spPr>
+          <a:xfrm>
+            <a:off x="4339380" y="2750216"/>
+            <a:ext cx="1590354" cy="461538"/>
+          </a:xfrm>
+          <a:prstGeom prst="rect">
+            <a:avLst/>
+          </a:prstGeom>
+          <a:solidFill>
+            <a:srgbClr val="0070C0"/>
+          </a:solidFill>
+          <a:ln w="19050">
+            <a:solidFill>
+              <a:srgbClr val="0070C0"/>
+            </a:solidFill>
+          </a:ln>
+          <a:effectLst/>
+        </p:spPr>
+        <p:style>
+          <a:lnRef idx="1">
+            <a:schemeClr val="accent2"/>
+          </a:lnRef>
+          <a:fillRef idx="2">
+            <a:schemeClr val="accent2"/>
+          </a:fillRef>
+          <a:effectRef idx="1">
+            <a:schemeClr val="accent2"/>
+          </a:effectRef>
+          <a:fontRef idx="minor">
+            <a:schemeClr val="dk1"/>
+          </a:fontRef>
+        </p:style>
+        <p:txBody>
+          <a:bodyPr rtlCol="0" anchor="ctr"/>
+          <a:lstStyle/>
+          <a:p>
+            <a:pPr algn="ctr"/>
+            <a:r>
+              <a:rPr lang="en-US" sz="1600" dirty="0" err="1">
+                <a:solidFill>
+                  <a:schemeClr val="bg1"/>
+                </a:solidFill>
+              </a:rPr>
+              <a:t>parserResult</a:t>
+            </a:r>
+            <a:r>
+              <a:rPr lang="en-US" sz="1600" dirty="0">
+                <a:solidFill>
+                  <a:schemeClr val="bg1"/>
+                </a:solidFill>
+              </a:rPr>
+              <a:t>:</a:t>
+            </a:r>
+          </a:p>
+          <a:p>
+            <a:pPr algn="ctr"/>
+            <a:r>
+              <a:rPr lang="en-US" sz="1600" dirty="0" err="1">
+                <a:solidFill>
+                  <a:schemeClr val="bg1"/>
+                </a:solidFill>
+              </a:rPr>
+              <a:t>ParserResult</a:t>
+            </a:r>
+            <a:endParaRPr lang="en-SG" sz="1600" dirty="0">
+              <a:solidFill>
+                <a:schemeClr val="bg1"/>
+              </a:solidFill>
+            </a:endParaRPr>
+          </a:p>
+        </p:txBody>
+      </p:sp>
+      <p:sp>
+        <p:nvSpPr>
+          <p:cNvPr id="53" name="TextBox 52"/>
           <p:cNvSpPr txBox="1"/>
           <p:nvPr/>
         </p:nvSpPr>
         <p:spPr>
           <a:xfrm>
-            <a:off x="2673845" y="4027787"/>
-            <a:ext cx="220343" cy="215444"/>
+            <a:off x="2002105" y="3268782"/>
+            <a:ext cx="984068" cy="215444"/>
           </a:xfrm>
           <a:prstGeom prst="rect">
             <a:avLst/>
@@ -5063,8 +5506,8 @@
           </a:lstStyle>
           <a:p>
             <a:r>
-              <a:rPr lang="en-US" dirty="0" smtClean="0"/>
-              <a:t>d</a:t>
+              <a:rPr lang="en-US" dirty="0" err="1"/>
+              <a:t>parserResult</a:t>
             </a:r>
             <a:endParaRPr lang="en-US" dirty="0"/>
           </a:p>
@@ -5072,14 +5515,135 @@
       </p:sp>
       <p:sp>
         <p:nvSpPr>
-          <p:cNvPr id="40" name="Rectangle 62"/>
+          <p:cNvPr id="56" name="Rectangle 55"/>
           <p:cNvSpPr/>
           <p:nvPr/>
         </p:nvSpPr>
         <p:spPr>
           <a:xfrm>
-            <a:off x="4231981" y="2929839"/>
-            <a:ext cx="1778201" cy="432035"/>
+            <a:off x="5059946" y="2243643"/>
+            <a:ext cx="180223" cy="334479"/>
+          </a:xfrm>
+          <a:prstGeom prst="rect">
+            <a:avLst/>
+          </a:prstGeom>
+          <a:solidFill>
+            <a:srgbClr val="0070C0"/>
+          </a:solidFill>
+          <a:ln>
+            <a:solidFill>
+              <a:srgbClr val="0070C0"/>
+            </a:solidFill>
+          </a:ln>
+          <a:effectLst/>
+        </p:spPr>
+        <p:style>
+          <a:lnRef idx="1">
+            <a:schemeClr val="accent3"/>
+          </a:lnRef>
+          <a:fillRef idx="2">
+            <a:schemeClr val="accent3"/>
+          </a:fillRef>
+          <a:effectRef idx="1">
+            <a:schemeClr val="accent3"/>
+          </a:effectRef>
+          <a:fontRef idx="minor">
+            <a:schemeClr val="dk1"/>
+          </a:fontRef>
+        </p:style>
+        <p:txBody>
+          <a:bodyPr rtlCol="0" anchor="ctr"/>
+          <a:lstStyle/>
+          <a:p>
+            <a:pPr algn="ctr"/>
+            <a:endParaRPr lang="en-SG" sz="1400"/>
+          </a:p>
+        </p:txBody>
+      </p:sp>
+      <p:cxnSp>
+        <p:nvCxnSpPr>
+          <p:cNvPr id="66" name="Straight Arrow Connector 65"/>
+          <p:cNvCxnSpPr/>
+          <p:nvPr/>
+        </p:nvCxnSpPr>
+        <p:spPr>
+          <a:xfrm>
+            <a:off x="3444193" y="2578122"/>
+            <a:ext cx="1594832" cy="0"/>
+          </a:xfrm>
+          <a:prstGeom prst="straightConnector1">
+            <a:avLst/>
+          </a:prstGeom>
+          <a:ln w="19050">
+            <a:solidFill>
+              <a:srgbClr val="0070C0"/>
+            </a:solidFill>
+            <a:prstDash val="sysDash"/>
+            <a:headEnd type="arrow" w="med" len="med"/>
+            <a:tailEnd type="none" w="med" len="med"/>
+          </a:ln>
+        </p:spPr>
+        <p:style>
+          <a:lnRef idx="1">
+            <a:schemeClr val="accent1"/>
+          </a:lnRef>
+          <a:fillRef idx="0">
+            <a:schemeClr val="accent1"/>
+          </a:fillRef>
+          <a:effectRef idx="0">
+            <a:schemeClr val="accent1"/>
+          </a:effectRef>
+          <a:fontRef idx="minor">
+            <a:schemeClr val="tx1"/>
+          </a:fontRef>
+        </p:style>
+      </p:cxnSp>
+      <p:cxnSp>
+        <p:nvCxnSpPr>
+          <p:cNvPr id="67" name="Straight Arrow Connector 66"/>
+          <p:cNvCxnSpPr>
+            <a:endCxn id="47" idx="1"/>
+          </p:cNvCxnSpPr>
+          <p:nvPr/>
+        </p:nvCxnSpPr>
+        <p:spPr>
+          <a:xfrm flipV="1">
+            <a:off x="3449917" y="2980985"/>
+            <a:ext cx="889463" cy="475"/>
+          </a:xfrm>
+          <a:prstGeom prst="straightConnector1">
+            <a:avLst/>
+          </a:prstGeom>
+          <a:ln w="19050">
+            <a:headEnd type="none" w="med" len="med"/>
+            <a:tailEnd type="arrow" w="med" len="med"/>
+          </a:ln>
+        </p:spPr>
+        <p:style>
+          <a:lnRef idx="1">
+            <a:schemeClr val="accent1"/>
+          </a:lnRef>
+          <a:fillRef idx="0">
+            <a:schemeClr val="accent1"/>
+          </a:fillRef>
+          <a:effectRef idx="0">
+            <a:schemeClr val="accent1"/>
+          </a:effectRef>
+          <a:fontRef idx="minor">
+            <a:schemeClr val="tx1"/>
+          </a:fontRef>
+        </p:style>
+      </p:cxnSp>
+      <p:sp>
+        <p:nvSpPr>
+          <p:cNvPr id="85" name="Rectangle 62"/>
+          <p:cNvSpPr/>
+          <p:nvPr/>
+        </p:nvSpPr>
+        <p:spPr>
+          <a:xfrm>
+            <a:off x="1894745" y="5105400"/>
+            <a:ext cx="1831848" cy="461538"/>
           </a:xfrm>
           <a:prstGeom prst="rect">
             <a:avLst/>
@@ -5114,36 +5678,31 @@
           <a:p>
             <a:pPr algn="ctr"/>
             <a:r>
-              <a:rPr lang="en-US" sz="1600" dirty="0" smtClean="0">
+              <a:rPr lang="en-US" sz="1600" dirty="0" err="1">
+                <a:solidFill>
+                  <a:schemeClr val="bg1"/>
+                </a:solidFill>
+              </a:rPr>
+              <a:t>executionResult</a:t>
+            </a:r>
+            <a:r>
+              <a:rPr lang="en-US" sz="1600" dirty="0">
                 <a:solidFill>
                   <a:schemeClr val="bg1"/>
                 </a:solidFill>
               </a:rPr>
               <a:t>:</a:t>
             </a:r>
-            <a:r>
-              <a:rPr lang="en-US" sz="1600" dirty="0" err="1" smtClean="0">
+          </a:p>
+          <a:p>
+            <a:pPr algn="ctr"/>
+            <a:r>
+              <a:rPr lang="en-US" sz="1600" dirty="0" err="1">
                 <a:solidFill>
                   <a:schemeClr val="bg1"/>
                 </a:solidFill>
               </a:rPr>
-              <a:t>DeleteCommand</a:t>
-            </a:r>
-            <a:endParaRPr lang="en-US" sz="1600" dirty="0" smtClean="0">
-              <a:solidFill>
-                <a:schemeClr val="bg1"/>
-              </a:solidFill>
-            </a:endParaRPr>
-          </a:p>
-          <a:p>
-            <a:pPr algn="ctr"/>
-            <a:r>
-              <a:rPr lang="en-US" sz="1600" dirty="0" smtClean="0">
-                <a:solidFill>
-                  <a:schemeClr val="bg1"/>
-                </a:solidFill>
-              </a:rPr>
-              <a:t>Parser</a:t>
+              <a:t>ExecutionResult</a:t>
             </a:r>
             <a:endParaRPr lang="en-SG" sz="1600" dirty="0">
               <a:solidFill>
@@ -5155,14 +5714,16 @@
       </p:sp>
       <p:cxnSp>
         <p:nvCxnSpPr>
-          <p:cNvPr id="8" name="Straight Arrow Connector 7"/>
-          <p:cNvCxnSpPr/>
+          <p:cNvPr id="87" name="Straight Arrow Connector 86"/>
+          <p:cNvCxnSpPr>
+            <a:endCxn id="85" idx="1"/>
+          </p:cNvCxnSpPr>
           <p:nvPr/>
         </p:nvCxnSpPr>
         <p:spPr>
-          <a:xfrm>
-            <a:off x="3462591" y="3657600"/>
-            <a:ext cx="1597356" cy="1"/>
+          <a:xfrm flipV="1">
+            <a:off x="1646044" y="5336169"/>
+            <a:ext cx="248701" cy="2169"/>
           </a:xfrm>
           <a:prstGeom prst="straightConnector1">
             <a:avLst/>
@@ -5189,14 +5750,14 @@
       </p:cxnSp>
       <p:sp>
         <p:nvSpPr>
-          <p:cNvPr id="45" name="Rectangle 44"/>
+          <p:cNvPr id="88" name="Rectangle 87"/>
           <p:cNvSpPr/>
           <p:nvPr/>
         </p:nvSpPr>
         <p:spPr>
           <a:xfrm>
-            <a:off x="5059947" y="3352800"/>
-            <a:ext cx="205843" cy="123165"/>
+            <a:off x="2733582" y="5566427"/>
+            <a:ext cx="152400" cy="171376"/>
           </a:xfrm>
           <a:prstGeom prst="rect">
             <a:avLst/>
@@ -5236,100 +5797,16 @@
       </p:sp>
       <p:cxnSp>
         <p:nvCxnSpPr>
-          <p:cNvPr id="46" name="Straight Connector 45"/>
+          <p:cNvPr id="89" name="Straight Arrow Connector 88"/>
           <p:cNvCxnSpPr>
-            <a:stCxn id="45" idx="0"/>
+            <a:endCxn id="88" idx="2"/>
           </p:cNvCxnSpPr>
           <p:nvPr/>
         </p:nvCxnSpPr>
         <p:spPr>
           <a:xfrm>
-            <a:off x="5162869" y="3352800"/>
-            <a:ext cx="0" cy="990600"/>
-          </a:xfrm>
-          <a:prstGeom prst="line">
-            <a:avLst/>
-          </a:prstGeom>
-          <a:ln w="19050">
-            <a:solidFill>
-              <a:srgbClr val="0070C0"/>
-            </a:solidFill>
-            <a:prstDash val="sysDash"/>
-          </a:ln>
-          <a:effectLst/>
-        </p:spPr>
-        <p:style>
-          <a:lnRef idx="1">
-            <a:schemeClr val="accent1"/>
-          </a:lnRef>
-          <a:fillRef idx="2">
-            <a:schemeClr val="accent1"/>
-          </a:fillRef>
-          <a:effectRef idx="1">
-            <a:schemeClr val="accent1"/>
-          </a:effectRef>
-          <a:fontRef idx="minor">
-            <a:schemeClr val="dk1"/>
-          </a:fontRef>
-        </p:style>
-      </p:cxnSp>
-      <p:sp>
-        <p:nvSpPr>
-          <p:cNvPr id="49" name="Rectangle 48"/>
-          <p:cNvSpPr/>
-          <p:nvPr/>
-        </p:nvSpPr>
-        <p:spPr>
-          <a:xfrm>
-            <a:off x="5059947" y="3657601"/>
-            <a:ext cx="205843" cy="533400"/>
-          </a:xfrm>
-          <a:prstGeom prst="rect">
-            <a:avLst/>
-          </a:prstGeom>
-          <a:solidFill>
-            <a:srgbClr val="0070C0"/>
-          </a:solidFill>
-          <a:ln>
-            <a:solidFill>
-              <a:srgbClr val="0070C0"/>
-            </a:solidFill>
-          </a:ln>
-          <a:effectLst/>
-        </p:spPr>
-        <p:style>
-          <a:lnRef idx="1">
-            <a:schemeClr val="accent3"/>
-          </a:lnRef>
-          <a:fillRef idx="2">
-            <a:schemeClr val="accent3"/>
-          </a:fillRef>
-          <a:effectRef idx="1">
-            <a:schemeClr val="accent3"/>
-          </a:effectRef>
-          <a:fontRef idx="minor">
-            <a:schemeClr val="dk1"/>
-          </a:fontRef>
-        </p:style>
-        <p:txBody>
-          <a:bodyPr rtlCol="0" anchor="ctr"/>
-          <a:lstStyle/>
-          <a:p>
-            <a:pPr algn="ctr"/>
-            <a:endParaRPr lang="en-SG" sz="1400"/>
-          </a:p>
-        </p:txBody>
-      </p:sp>
-      <p:cxnSp>
-        <p:nvCxnSpPr>
-          <p:cNvPr id="51" name="Straight Arrow Connector 50"/>
-          <p:cNvCxnSpPr/>
-          <p:nvPr/>
-        </p:nvCxnSpPr>
-        <p:spPr>
-          <a:xfrm>
-            <a:off x="3499382" y="4185073"/>
-            <a:ext cx="1667219" cy="0"/>
+            <a:off x="1653251" y="5737803"/>
+            <a:ext cx="1156531" cy="0"/>
           </a:xfrm>
           <a:prstGeom prst="straightConnector1">
             <a:avLst/>
@@ -5358,152 +5835,6 @@
           </a:fontRef>
         </p:style>
       </p:cxnSp>
-      <p:cxnSp>
-        <p:nvCxnSpPr>
-          <p:cNvPr id="13" name="Straight Arrow Connector 12"/>
-          <p:cNvCxnSpPr/>
-          <p:nvPr/>
-        </p:nvCxnSpPr>
-        <p:spPr>
-          <a:xfrm>
-            <a:off x="6858000" y="5029200"/>
-            <a:ext cx="162246" cy="0"/>
-          </a:xfrm>
-          <a:prstGeom prst="straightConnector1">
-            <a:avLst/>
-          </a:prstGeom>
-          <a:ln w="19050">
-            <a:headEnd type="none" w="med" len="med"/>
-            <a:tailEnd type="arrow" w="med" len="med"/>
-          </a:ln>
-        </p:spPr>
-        <p:style>
-          <a:lnRef idx="1">
-            <a:schemeClr val="accent1"/>
-          </a:lnRef>
-          <a:fillRef idx="0">
-            <a:schemeClr val="accent1"/>
-          </a:fillRef>
-          <a:effectRef idx="0">
-            <a:schemeClr val="accent1"/>
-          </a:effectRef>
-          <a:fontRef idx="minor">
-            <a:schemeClr val="tx1"/>
-          </a:fontRef>
-        </p:style>
-      </p:cxnSp>
-      <p:cxnSp>
-        <p:nvCxnSpPr>
-          <p:cNvPr id="50" name="Straight Arrow Connector 49"/>
-          <p:cNvCxnSpPr/>
-          <p:nvPr/>
-        </p:nvCxnSpPr>
-        <p:spPr>
-          <a:xfrm>
-            <a:off x="3412425" y="3173004"/>
-            <a:ext cx="819556" cy="1"/>
-          </a:xfrm>
-          <a:prstGeom prst="straightConnector1">
-            <a:avLst/>
-          </a:prstGeom>
-          <a:ln w="19050">
-            <a:solidFill>
-              <a:srgbClr val="0070C0"/>
-            </a:solidFill>
-            <a:tailEnd type="arrow"/>
-          </a:ln>
-        </p:spPr>
-        <p:style>
-          <a:lnRef idx="1">
-            <a:schemeClr val="accent1"/>
-          </a:lnRef>
-          <a:fillRef idx="0">
-            <a:schemeClr val="accent1"/>
-          </a:fillRef>
-          <a:effectRef idx="0">
-            <a:schemeClr val="accent1"/>
-          </a:effectRef>
-          <a:fontRef idx="minor">
-            <a:schemeClr val="tx1"/>
-          </a:fontRef>
-        </p:style>
-      </p:cxnSp>
-      <p:cxnSp>
-        <p:nvCxnSpPr>
-          <p:cNvPr id="52" name="Straight Arrow Connector 51"/>
-          <p:cNvCxnSpPr/>
-          <p:nvPr/>
-        </p:nvCxnSpPr>
-        <p:spPr>
-          <a:xfrm>
-            <a:off x="3459519" y="3475965"/>
-            <a:ext cx="1600428" cy="0"/>
-          </a:xfrm>
-          <a:prstGeom prst="straightConnector1">
-            <a:avLst/>
-          </a:prstGeom>
-          <a:ln w="19050">
-            <a:solidFill>
-              <a:srgbClr val="0070C0"/>
-            </a:solidFill>
-            <a:prstDash val="sysDash"/>
-            <a:headEnd type="arrow" w="med" len="med"/>
-            <a:tailEnd type="none" w="med" len="med"/>
-          </a:ln>
-        </p:spPr>
-        <p:style>
-          <a:lnRef idx="1">
-            <a:schemeClr val="accent1"/>
-          </a:lnRef>
-          <a:fillRef idx="0">
-            <a:schemeClr val="accent1"/>
-          </a:fillRef>
-          <a:effectRef idx="0">
-            <a:schemeClr val="accent1"/>
-          </a:effectRef>
-          <a:fontRef idx="minor">
-            <a:schemeClr val="tx1"/>
-          </a:fontRef>
-        </p:style>
-      </p:cxnSp>
-      <p:sp>
-        <p:nvSpPr>
-          <p:cNvPr id="4" name="TextBox 3"/>
-          <p:cNvSpPr txBox="1"/>
-          <p:nvPr/>
-        </p:nvSpPr>
-        <p:spPr>
-          <a:xfrm>
-            <a:off x="5033665" y="4199590"/>
-            <a:ext cx="258404" cy="261610"/>
-          </a:xfrm>
-          <a:prstGeom prst="rect">
-            <a:avLst/>
-          </a:prstGeom>
-          <a:noFill/>
-        </p:spPr>
-        <p:txBody>
-          <a:bodyPr wrap="none" rtlCol="0">
-            <a:spAutoFit/>
-          </a:bodyPr>
-          <a:lstStyle/>
-          <a:p>
-            <a:r>
-              <a:rPr lang="en-SG" sz="1100" dirty="0" smtClean="0">
-                <a:solidFill>
-                  <a:srgbClr val="002060"/>
-                </a:solidFill>
-              </a:rPr>
-              <a:t>X</a:t>
-            </a:r>
-            <a:endParaRPr lang="en-SG" sz="1100" dirty="0">
-              <a:solidFill>
-                <a:srgbClr val="002060"/>
-              </a:solidFill>
-            </a:endParaRPr>
-          </a:p>
-        </p:txBody>
-      </p:sp>
     </p:spTree>
     <p:extLst>
       <p:ext uri="{BB962C8B-B14F-4D97-AF65-F5344CB8AC3E}">

--- a/docs/diagrams/LogicComponentSequenceDiagram.pptx
+++ b/docs/diagrams/LogicComponentSequenceDiagram.pptx
@@ -212,7 +212,7 @@
           <a:p>
             <a:fld id="{F5CC4B3F-88C1-4FFA-B1B6-F41C21DC6924}" type="datetimeFigureOut">
               <a:rPr lang="en-US" smtClean="0"/>
-              <a:t>5/31/2017</a:t>
+              <a:t>6/2/17</a:t>
             </a:fld>
             <a:endParaRPr lang="en-US"/>
           </a:p>
@@ -658,7 +658,7 @@
           <a:p>
             <a:fld id="{78C97017-6FC3-485B-9764-EAC9E56C1D49}" type="datetimeFigureOut">
               <a:rPr lang="en-US" smtClean="0"/>
-              <a:t>5/31/2017</a:t>
+              <a:t>6/2/17</a:t>
             </a:fld>
             <a:endParaRPr lang="en-US"/>
           </a:p>
@@ -826,7 +826,7 @@
           <a:p>
             <a:fld id="{78C97017-6FC3-485B-9764-EAC9E56C1D49}" type="datetimeFigureOut">
               <a:rPr lang="en-US" smtClean="0"/>
-              <a:t>5/31/2017</a:t>
+              <a:t>6/2/17</a:t>
             </a:fld>
             <a:endParaRPr lang="en-US"/>
           </a:p>
@@ -1004,7 +1004,7 @@
           <a:p>
             <a:fld id="{78C97017-6FC3-485B-9764-EAC9E56C1D49}" type="datetimeFigureOut">
               <a:rPr lang="en-US" smtClean="0"/>
-              <a:t>5/31/2017</a:t>
+              <a:t>6/2/17</a:t>
             </a:fld>
             <a:endParaRPr lang="en-US"/>
           </a:p>
@@ -1172,7 +1172,7 @@
           <a:p>
             <a:fld id="{78C97017-6FC3-485B-9764-EAC9E56C1D49}" type="datetimeFigureOut">
               <a:rPr lang="en-US" smtClean="0"/>
-              <a:t>5/31/2017</a:t>
+              <a:t>6/2/17</a:t>
             </a:fld>
             <a:endParaRPr lang="en-US"/>
           </a:p>
@@ -1417,7 +1417,7 @@
           <a:p>
             <a:fld id="{78C97017-6FC3-485B-9764-EAC9E56C1D49}" type="datetimeFigureOut">
               <a:rPr lang="en-US" smtClean="0"/>
-              <a:t>5/31/2017</a:t>
+              <a:t>6/2/17</a:t>
             </a:fld>
             <a:endParaRPr lang="en-US"/>
           </a:p>
@@ -1702,7 +1702,7 @@
           <a:p>
             <a:fld id="{78C97017-6FC3-485B-9764-EAC9E56C1D49}" type="datetimeFigureOut">
               <a:rPr lang="en-US" smtClean="0"/>
-              <a:t>5/31/2017</a:t>
+              <a:t>6/2/17</a:t>
             </a:fld>
             <a:endParaRPr lang="en-US"/>
           </a:p>
@@ -2121,7 +2121,7 @@
           <a:p>
             <a:fld id="{78C97017-6FC3-485B-9764-EAC9E56C1D49}" type="datetimeFigureOut">
               <a:rPr lang="en-US" smtClean="0"/>
-              <a:t>5/31/2017</a:t>
+              <a:t>6/2/17</a:t>
             </a:fld>
             <a:endParaRPr lang="en-US"/>
           </a:p>
@@ -2238,7 +2238,7 @@
           <a:p>
             <a:fld id="{78C97017-6FC3-485B-9764-EAC9E56C1D49}" type="datetimeFigureOut">
               <a:rPr lang="en-US" smtClean="0"/>
-              <a:t>5/31/2017</a:t>
+              <a:t>6/2/17</a:t>
             </a:fld>
             <a:endParaRPr lang="en-US"/>
           </a:p>
@@ -2333,7 +2333,7 @@
           <a:p>
             <a:fld id="{78C97017-6FC3-485B-9764-EAC9E56C1D49}" type="datetimeFigureOut">
               <a:rPr lang="en-US" smtClean="0"/>
-              <a:t>5/31/2017</a:t>
+              <a:t>6/2/17</a:t>
             </a:fld>
             <a:endParaRPr lang="en-US"/>
           </a:p>
@@ -2608,7 +2608,7 @@
           <a:p>
             <a:fld id="{78C97017-6FC3-485B-9764-EAC9E56C1D49}" type="datetimeFigureOut">
               <a:rPr lang="en-US" smtClean="0"/>
-              <a:t>5/31/2017</a:t>
+              <a:t>6/2/17</a:t>
             </a:fld>
             <a:endParaRPr lang="en-US"/>
           </a:p>
@@ -2860,7 +2860,7 @@
           <a:p>
             <a:fld id="{78C97017-6FC3-485B-9764-EAC9E56C1D49}" type="datetimeFigureOut">
               <a:rPr lang="en-US" smtClean="0"/>
-              <a:t>5/31/2017</a:t>
+              <a:t>6/2/17</a:t>
             </a:fld>
             <a:endParaRPr lang="en-US"/>
           </a:p>
@@ -3071,7 +3071,7 @@
           <a:p>
             <a:fld id="{78C97017-6FC3-485B-9764-EAC9E56C1D49}" type="datetimeFigureOut">
               <a:rPr lang="en-US" smtClean="0"/>
-              <a:t>5/31/2017</a:t>
+              <a:t>6/2/17</a:t>
             </a:fld>
             <a:endParaRPr lang="en-US"/>
           </a:p>
@@ -3888,9 +3888,9 @@
           <p:nvPr/>
         </p:nvCxnSpPr>
         <p:spPr>
-          <a:xfrm flipH="1">
-            <a:off x="6759123" y="2298210"/>
-            <a:ext cx="1060" cy="3340590"/>
+          <a:xfrm>
+            <a:off x="6760183" y="2298210"/>
+            <a:ext cx="8686" cy="3492989"/>
           </a:xfrm>
           <a:prstGeom prst="line">
             <a:avLst/>
@@ -5171,9 +5171,9 @@
           <p:nvPr/>
         </p:nvCxnSpPr>
         <p:spPr>
-          <a:xfrm flipH="1">
-            <a:off x="5154362" y="1995586"/>
-            <a:ext cx="6583" cy="1585814"/>
+          <a:xfrm>
+            <a:off x="5160946" y="1995586"/>
+            <a:ext cx="4474" cy="3795613"/>
           </a:xfrm>
           <a:prstGeom prst="line">
             <a:avLst/>
@@ -5835,6 +5835,204 @@
           </a:fontRef>
         </p:style>
       </p:cxnSp>
+      <p:sp>
+        <p:nvSpPr>
+          <p:cNvPr id="3" name="TextBox 2"/>
+          <p:cNvSpPr txBox="1"/>
+          <p:nvPr/>
+        </p:nvSpPr>
+        <p:spPr>
+          <a:xfrm>
+            <a:off x="5023181" y="5677709"/>
+            <a:ext cx="376751" cy="369332"/>
+          </a:xfrm>
+          <a:prstGeom prst="rect">
+            <a:avLst/>
+          </a:prstGeom>
+          <a:noFill/>
+        </p:spPr>
+        <p:txBody>
+          <a:bodyPr wrap="square" rtlCol="0">
+            <a:spAutoFit/>
+          </a:bodyPr>
+          <a:lstStyle/>
+          <a:p>
+            <a:r>
+              <a:rPr lang="en-US" dirty="0" smtClean="0"/>
+              <a:t>X</a:t>
+            </a:r>
+            <a:endParaRPr lang="en-US" dirty="0"/>
+          </a:p>
+        </p:txBody>
+      </p:sp>
+      <p:cxnSp>
+        <p:nvCxnSpPr>
+          <p:cNvPr id="57" name="Straight Connector 56"/>
+          <p:cNvCxnSpPr>
+            <a:stCxn id="86" idx="0"/>
+          </p:cNvCxnSpPr>
+          <p:nvPr/>
+        </p:nvCxnSpPr>
+        <p:spPr>
+          <a:xfrm>
+            <a:off x="7846316" y="4795655"/>
+            <a:ext cx="12581" cy="1012021"/>
+          </a:xfrm>
+          <a:prstGeom prst="line">
+            <a:avLst/>
+          </a:prstGeom>
+          <a:ln w="19050">
+            <a:solidFill>
+              <a:srgbClr val="0070C0"/>
+            </a:solidFill>
+            <a:prstDash val="sysDash"/>
+          </a:ln>
+          <a:effectLst/>
+        </p:spPr>
+        <p:style>
+          <a:lnRef idx="1">
+            <a:schemeClr val="accent1"/>
+          </a:lnRef>
+          <a:fillRef idx="2">
+            <a:schemeClr val="accent1"/>
+          </a:fillRef>
+          <a:effectRef idx="1">
+            <a:schemeClr val="accent1"/>
+          </a:effectRef>
+          <a:fontRef idx="minor">
+            <a:schemeClr val="dk1"/>
+          </a:fontRef>
+        </p:style>
+      </p:cxnSp>
+      <p:sp>
+        <p:nvSpPr>
+          <p:cNvPr id="60" name="TextBox 59"/>
+          <p:cNvSpPr txBox="1"/>
+          <p:nvPr/>
+        </p:nvSpPr>
+        <p:spPr>
+          <a:xfrm>
+            <a:off x="7702651" y="5681971"/>
+            <a:ext cx="376751" cy="369332"/>
+          </a:xfrm>
+          <a:prstGeom prst="rect">
+            <a:avLst/>
+          </a:prstGeom>
+          <a:noFill/>
+        </p:spPr>
+        <p:txBody>
+          <a:bodyPr wrap="square" rtlCol="0">
+            <a:spAutoFit/>
+          </a:bodyPr>
+          <a:lstStyle/>
+          <a:p>
+            <a:r>
+              <a:rPr lang="en-US" smtClean="0"/>
+              <a:t>X</a:t>
+            </a:r>
+            <a:endParaRPr lang="en-US"/>
+          </a:p>
+        </p:txBody>
+      </p:sp>
+      <p:sp>
+        <p:nvSpPr>
+          <p:cNvPr id="62" name="TextBox 61"/>
+          <p:cNvSpPr txBox="1"/>
+          <p:nvPr/>
+        </p:nvSpPr>
+        <p:spPr>
+          <a:xfrm>
+            <a:off x="6627943" y="5675494"/>
+            <a:ext cx="376751" cy="369332"/>
+          </a:xfrm>
+          <a:prstGeom prst="rect">
+            <a:avLst/>
+          </a:prstGeom>
+          <a:noFill/>
+        </p:spPr>
+        <p:txBody>
+          <a:bodyPr wrap="square" rtlCol="0">
+            <a:spAutoFit/>
+          </a:bodyPr>
+          <a:lstStyle/>
+          <a:p>
+            <a:r>
+              <a:rPr lang="en-US" smtClean="0"/>
+              <a:t>X</a:t>
+            </a:r>
+            <a:endParaRPr lang="en-US"/>
+          </a:p>
+        </p:txBody>
+      </p:sp>
+      <p:cxnSp>
+        <p:nvCxnSpPr>
+          <p:cNvPr id="63" name="Straight Connector 62"/>
+          <p:cNvCxnSpPr>
+            <a:stCxn id="88" idx="0"/>
+          </p:cNvCxnSpPr>
+          <p:nvPr/>
+        </p:nvCxnSpPr>
+        <p:spPr>
+          <a:xfrm flipH="1">
+            <a:off x="2808189" y="5566427"/>
+            <a:ext cx="1593" cy="279498"/>
+          </a:xfrm>
+          <a:prstGeom prst="line">
+            <a:avLst/>
+          </a:prstGeom>
+          <a:ln w="19050">
+            <a:solidFill>
+              <a:srgbClr val="0070C0"/>
+            </a:solidFill>
+            <a:prstDash val="sysDash"/>
+          </a:ln>
+          <a:effectLst/>
+        </p:spPr>
+        <p:style>
+          <a:lnRef idx="1">
+            <a:schemeClr val="accent1"/>
+          </a:lnRef>
+          <a:fillRef idx="2">
+            <a:schemeClr val="accent1"/>
+          </a:fillRef>
+          <a:effectRef idx="1">
+            <a:schemeClr val="accent1"/>
+          </a:effectRef>
+          <a:fontRef idx="minor">
+            <a:schemeClr val="dk1"/>
+          </a:fontRef>
+        </p:style>
+      </p:cxnSp>
+      <p:sp>
+        <p:nvSpPr>
+          <p:cNvPr id="68" name="TextBox 67"/>
+          <p:cNvSpPr txBox="1"/>
+          <p:nvPr/>
+        </p:nvSpPr>
+        <p:spPr>
+          <a:xfrm>
+            <a:off x="2655118" y="5706176"/>
+            <a:ext cx="376751" cy="369332"/>
+          </a:xfrm>
+          <a:prstGeom prst="rect">
+            <a:avLst/>
+          </a:prstGeom>
+          <a:noFill/>
+        </p:spPr>
+        <p:txBody>
+          <a:bodyPr wrap="square" rtlCol="0">
+            <a:spAutoFit/>
+          </a:bodyPr>
+          <a:lstStyle/>
+          <a:p>
+            <a:r>
+              <a:rPr lang="en-US" smtClean="0"/>
+              <a:t>X</a:t>
+            </a:r>
+            <a:endParaRPr lang="en-US"/>
+          </a:p>
+        </p:txBody>
+      </p:sp>
     </p:spTree>
     <p:extLst>
       <p:ext uri="{BB962C8B-B14F-4D97-AF65-F5344CB8AC3E}">

--- a/docs/diagrams/LogicComponentSequenceDiagram.pptx
+++ b/docs/diagrams/LogicComponentSequenceDiagram.pptx
@@ -208,7 +208,7 @@
           <a:p>
             <a:fld id="{F5CC4B3F-88C1-4FFA-B1B6-F41C21DC6924}" type="datetimeFigureOut">
               <a:rPr lang="en-US" smtClean="0"/>
-              <a:t>2/6/2017</a:t>
+              <a:t>5/30/17</a:t>
             </a:fld>
             <a:endParaRPr lang="en-US"/>
           </a:p>
@@ -657,7 +657,7 @@
           <a:p>
             <a:fld id="{78C97017-6FC3-485B-9764-EAC9E56C1D49}" type="datetimeFigureOut">
               <a:rPr lang="en-US" smtClean="0"/>
-              <a:t>2/6/2017</a:t>
+              <a:t>5/30/17</a:t>
             </a:fld>
             <a:endParaRPr lang="en-US"/>
           </a:p>
@@ -827,7 +827,7 @@
           <a:p>
             <a:fld id="{78C97017-6FC3-485B-9764-EAC9E56C1D49}" type="datetimeFigureOut">
               <a:rPr lang="en-US" smtClean="0"/>
-              <a:t>2/6/2017</a:t>
+              <a:t>5/30/17</a:t>
             </a:fld>
             <a:endParaRPr lang="en-US"/>
           </a:p>
@@ -1007,7 +1007,7 @@
           <a:p>
             <a:fld id="{78C97017-6FC3-485B-9764-EAC9E56C1D49}" type="datetimeFigureOut">
               <a:rPr lang="en-US" smtClean="0"/>
-              <a:t>2/6/2017</a:t>
+              <a:t>5/30/17</a:t>
             </a:fld>
             <a:endParaRPr lang="en-US"/>
           </a:p>
@@ -1177,7 +1177,7 @@
           <a:p>
             <a:fld id="{78C97017-6FC3-485B-9764-EAC9E56C1D49}" type="datetimeFigureOut">
               <a:rPr lang="en-US" smtClean="0"/>
-              <a:t>2/6/2017</a:t>
+              <a:t>5/30/17</a:t>
             </a:fld>
             <a:endParaRPr lang="en-US"/>
           </a:p>
@@ -1423,7 +1423,7 @@
           <a:p>
             <a:fld id="{78C97017-6FC3-485B-9764-EAC9E56C1D49}" type="datetimeFigureOut">
               <a:rPr lang="en-US" smtClean="0"/>
-              <a:t>2/6/2017</a:t>
+              <a:t>5/30/17</a:t>
             </a:fld>
             <a:endParaRPr lang="en-US"/>
           </a:p>
@@ -1711,7 +1711,7 @@
           <a:p>
             <a:fld id="{78C97017-6FC3-485B-9764-EAC9E56C1D49}" type="datetimeFigureOut">
               <a:rPr lang="en-US" smtClean="0"/>
-              <a:t>2/6/2017</a:t>
+              <a:t>5/30/17</a:t>
             </a:fld>
             <a:endParaRPr lang="en-US"/>
           </a:p>
@@ -2133,7 +2133,7 @@
           <a:p>
             <a:fld id="{78C97017-6FC3-485B-9764-EAC9E56C1D49}" type="datetimeFigureOut">
               <a:rPr lang="en-US" smtClean="0"/>
-              <a:t>2/6/2017</a:t>
+              <a:t>5/30/17</a:t>
             </a:fld>
             <a:endParaRPr lang="en-US"/>
           </a:p>
@@ -2251,7 +2251,7 @@
           <a:p>
             <a:fld id="{78C97017-6FC3-485B-9764-EAC9E56C1D49}" type="datetimeFigureOut">
               <a:rPr lang="en-US" smtClean="0"/>
-              <a:t>2/6/2017</a:t>
+              <a:t>5/30/17</a:t>
             </a:fld>
             <a:endParaRPr lang="en-US"/>
           </a:p>
@@ -2346,7 +2346,7 @@
           <a:p>
             <a:fld id="{78C97017-6FC3-485B-9764-EAC9E56C1D49}" type="datetimeFigureOut">
               <a:rPr lang="en-US" smtClean="0"/>
-              <a:t>2/6/2017</a:t>
+              <a:t>5/30/17</a:t>
             </a:fld>
             <a:endParaRPr lang="en-US"/>
           </a:p>
@@ -2623,7 +2623,7 @@
           <a:p>
             <a:fld id="{78C97017-6FC3-485B-9764-EAC9E56C1D49}" type="datetimeFigureOut">
               <a:rPr lang="en-US" smtClean="0"/>
-              <a:t>2/6/2017</a:t>
+              <a:t>5/30/17</a:t>
             </a:fld>
             <a:endParaRPr lang="en-US"/>
           </a:p>
@@ -2876,7 +2876,7 @@
           <a:p>
             <a:fld id="{78C97017-6FC3-485B-9764-EAC9E56C1D49}" type="datetimeFigureOut">
               <a:rPr lang="en-US" smtClean="0"/>
-              <a:t>2/6/2017</a:t>
+              <a:t>5/30/17</a:t>
             </a:fld>
             <a:endParaRPr lang="en-US"/>
           </a:p>
@@ -3089,7 +3089,7 @@
           <a:p>
             <a:fld id="{78C97017-6FC3-485B-9764-EAC9E56C1D49}" type="datetimeFigureOut">
               <a:rPr lang="en-US" smtClean="0"/>
-              <a:t>2/6/2017</a:t>
+              <a:t>5/30/17</a:t>
             </a:fld>
             <a:endParaRPr lang="en-US"/>
           </a:p>
@@ -3472,8 +3472,8 @@
         </p:nvSpPr>
         <p:spPr>
           <a:xfrm>
-            <a:off x="685800" y="1981200"/>
-            <a:ext cx="7252956" cy="4000286"/>
+            <a:off x="679207" y="838200"/>
+            <a:ext cx="7252956" cy="5171150"/>
           </a:xfrm>
           <a:prstGeom prst="roundRect">
             <a:avLst>
@@ -3533,7 +3533,7 @@
         </p:nvSpPr>
         <p:spPr>
           <a:xfrm>
-            <a:off x="845045" y="2296546"/>
+            <a:off x="845045" y="1233865"/>
             <a:ext cx="1455629" cy="346760"/>
           </a:xfrm>
           <a:prstGeom prst="rect">
@@ -3600,7 +3600,7 @@
         </p:nvCxnSpPr>
         <p:spPr>
           <a:xfrm>
-            <a:off x="1572859" y="2660217"/>
+            <a:off x="1572859" y="1597536"/>
             <a:ext cx="0" cy="2597583"/>
           </a:xfrm>
           <a:prstGeom prst="line">
@@ -3637,8 +3637,8 @@
         </p:nvSpPr>
         <p:spPr>
           <a:xfrm>
-            <a:off x="1500851" y="3010911"/>
-            <a:ext cx="152400" cy="2780287"/>
+            <a:off x="1500851" y="2700859"/>
+            <a:ext cx="152400" cy="3090340"/>
           </a:xfrm>
           <a:prstGeom prst="rect">
             <a:avLst/>
@@ -3684,7 +3684,7 @@
         </p:nvSpPr>
         <p:spPr>
           <a:xfrm>
-            <a:off x="2809782" y="2300233"/>
+            <a:off x="2809782" y="1237552"/>
             <a:ext cx="1093635" cy="346760"/>
           </a:xfrm>
           <a:prstGeom prst="rect">
@@ -3742,9 +3742,9 @@
           <p:nvPr/>
         </p:nvCxnSpPr>
         <p:spPr>
-          <a:xfrm>
-            <a:off x="3356599" y="2663904"/>
-            <a:ext cx="0" cy="1695374"/>
+          <a:xfrm flipH="1">
+            <a:off x="3352800" y="1616867"/>
+            <a:ext cx="3799" cy="1964533"/>
           </a:xfrm>
           <a:prstGeom prst="line">
             <a:avLst/>
@@ -3780,8 +3780,8 @@
         </p:nvSpPr>
         <p:spPr>
           <a:xfrm>
-            <a:off x="3284590" y="3122096"/>
-            <a:ext cx="174929" cy="1129459"/>
+            <a:off x="3295897" y="1704706"/>
+            <a:ext cx="148295" cy="1800493"/>
           </a:xfrm>
           <a:prstGeom prst="rect">
             <a:avLst/>
@@ -3831,7 +3831,7 @@
         </p:nvSpPr>
         <p:spPr>
           <a:xfrm>
-            <a:off x="6221565" y="3312740"/>
+            <a:off x="6223917" y="1828681"/>
             <a:ext cx="1093635" cy="461538"/>
           </a:xfrm>
           <a:prstGeom prst="rect">
@@ -3914,9 +3914,9 @@
           <p:nvPr/>
         </p:nvCxnSpPr>
         <p:spPr>
-          <a:xfrm>
-            <a:off x="6772574" y="3774278"/>
-            <a:ext cx="0" cy="1940722"/>
+          <a:xfrm flipH="1">
+            <a:off x="6759123" y="2298210"/>
+            <a:ext cx="1060" cy="3340590"/>
           </a:xfrm>
           <a:prstGeom prst="line">
             <a:avLst/>
@@ -3952,8 +3952,8 @@
         </p:nvSpPr>
         <p:spPr>
           <a:xfrm>
-            <a:off x="6696374" y="3774278"/>
-            <a:ext cx="152400" cy="276003"/>
+            <a:off x="6680245" y="2298210"/>
+            <a:ext cx="159876" cy="239660"/>
           </a:xfrm>
           <a:prstGeom prst="rect">
             <a:avLst/>
@@ -3999,7 +3999,7 @@
         </p:nvCxnSpPr>
         <p:spPr>
           <a:xfrm>
-            <a:off x="381000" y="3014599"/>
+            <a:off x="381000" y="1667421"/>
             <a:ext cx="1119851" cy="0"/>
           </a:xfrm>
           <a:prstGeom prst="straightConnector1">
@@ -4035,8 +4035,8 @@
         </p:nvCxnSpPr>
         <p:spPr>
           <a:xfrm flipV="1">
-            <a:off x="1653251" y="3122097"/>
-            <a:ext cx="1596514" cy="1"/>
+            <a:off x="1622728" y="1733023"/>
+            <a:ext cx="1652248" cy="1"/>
           </a:xfrm>
           <a:prstGeom prst="straightConnector1">
             <a:avLst/>
@@ -4071,7 +4071,7 @@
         </p:nvSpPr>
         <p:spPr>
           <a:xfrm>
-            <a:off x="0" y="2743200"/>
+            <a:off x="8762" y="1712298"/>
             <a:ext cx="1424846" cy="215444"/>
           </a:xfrm>
           <a:prstGeom prst="rect">
@@ -4110,8 +4110,8 @@
         </p:nvCxnSpPr>
         <p:spPr>
           <a:xfrm flipV="1">
-            <a:off x="5257218" y="3703214"/>
-            <a:ext cx="922392" cy="1"/>
+            <a:off x="5240170" y="2284113"/>
+            <a:ext cx="1000086" cy="1887"/>
           </a:xfrm>
           <a:prstGeom prst="straightConnector1">
             <a:avLst/>
@@ -4146,7 +4146,7 @@
         </p:nvSpPr>
         <p:spPr>
           <a:xfrm>
-            <a:off x="4257582" y="4251556"/>
+            <a:off x="4250375" y="3808387"/>
             <a:ext cx="855809" cy="215444"/>
           </a:xfrm>
           <a:prstGeom prst="rect">
@@ -4186,8 +4186,8 @@
         </p:nvCxnSpPr>
         <p:spPr>
           <a:xfrm>
-            <a:off x="5257800" y="4050281"/>
-            <a:ext cx="1492974" cy="0"/>
+            <a:off x="5245358" y="2514600"/>
+            <a:ext cx="1471957" cy="0"/>
           </a:xfrm>
           <a:prstGeom prst="straightConnector1">
             <a:avLst/>
@@ -4224,7 +4224,7 @@
         </p:nvCxnSpPr>
         <p:spPr>
           <a:xfrm flipV="1">
-            <a:off x="1670186" y="4243231"/>
+            <a:off x="1676638" y="3489050"/>
             <a:ext cx="1596514" cy="5378"/>
           </a:xfrm>
           <a:prstGeom prst="straightConnector1">
@@ -4300,8 +4300,8 @@
         </p:nvSpPr>
         <p:spPr>
           <a:xfrm>
-            <a:off x="8265896" y="2362200"/>
-            <a:ext cx="1030504" cy="346760"/>
+            <a:off x="8325699" y="1326657"/>
+            <a:ext cx="774233" cy="346760"/>
           </a:xfrm>
           <a:prstGeom prst="rect">
             <a:avLst/>
@@ -4365,7 +4365,7 @@
         </p:nvCxnSpPr>
         <p:spPr>
           <a:xfrm>
-            <a:off x="1653251" y="4495317"/>
+            <a:off x="1646044" y="4052148"/>
             <a:ext cx="5043123" cy="0"/>
           </a:xfrm>
           <a:prstGeom prst="straightConnector1">
@@ -4401,7 +4401,7 @@
         </p:nvSpPr>
         <p:spPr>
           <a:xfrm>
-            <a:off x="6687452" y="4467000"/>
+            <a:off x="6680245" y="4023831"/>
             <a:ext cx="161322" cy="1019400"/>
           </a:xfrm>
           <a:prstGeom prst="rect">
@@ -4443,13 +4443,15 @@
       <p:cxnSp>
         <p:nvCxnSpPr>
           <p:cNvPr id="71" name="Straight Connector 70"/>
-          <p:cNvCxnSpPr/>
+          <p:cNvCxnSpPr>
+            <a:stCxn id="39" idx="2"/>
+          </p:cNvCxnSpPr>
           <p:nvPr/>
         </p:nvCxnSpPr>
         <p:spPr>
           <a:xfrm>
-            <a:off x="8781148" y="2700858"/>
-            <a:ext cx="0" cy="2830598"/>
+            <a:off x="8712816" y="1673417"/>
+            <a:ext cx="7672" cy="3965383"/>
           </a:xfrm>
           <a:prstGeom prst="line">
             <a:avLst/>
@@ -4488,7 +4490,7 @@
         </p:nvSpPr>
         <p:spPr>
           <a:xfrm>
-            <a:off x="8686800" y="4524597"/>
+            <a:off x="8640452" y="4071678"/>
             <a:ext cx="152400" cy="199803"/>
           </a:xfrm>
           <a:prstGeom prst="rect">
@@ -4545,7 +4547,7 @@
         </p:nvCxnSpPr>
         <p:spPr>
           <a:xfrm>
-            <a:off x="6850663" y="4524597"/>
+            <a:off x="6843456" y="4081428"/>
             <a:ext cx="1836137" cy="0"/>
           </a:xfrm>
           <a:prstGeom prst="straightConnector1">
@@ -4581,7 +4583,7 @@
         </p:nvCxnSpPr>
         <p:spPr>
           <a:xfrm flipV="1">
-            <a:off x="6848774" y="4714650"/>
+            <a:off x="6841567" y="4271481"/>
             <a:ext cx="1838026" cy="9750"/>
           </a:xfrm>
           <a:prstGeom prst="straightConnector1">
@@ -4622,7 +4624,7 @@
         </p:nvCxnSpPr>
         <p:spPr>
           <a:xfrm>
-            <a:off x="1653251" y="5486400"/>
+            <a:off x="1646044" y="5043231"/>
             <a:ext cx="5052349" cy="0"/>
           </a:xfrm>
           <a:prstGeom prst="straightConnector1">
@@ -4660,7 +4662,7 @@
         </p:nvSpPr>
         <p:spPr>
           <a:xfrm>
-            <a:off x="6984957" y="4267200"/>
+            <a:off x="6977750" y="3824031"/>
             <a:ext cx="1424846" cy="215444"/>
           </a:xfrm>
           <a:prstGeom prst="rect">
@@ -4717,7 +4719,7 @@
         </p:nvSpPr>
         <p:spPr>
           <a:xfrm>
-            <a:off x="3847551" y="3657600"/>
+            <a:off x="3463524" y="2234652"/>
             <a:ext cx="767033" cy="184666"/>
           </a:xfrm>
           <a:prstGeom prst="rect">
@@ -4762,7 +4764,7 @@
         </p:nvSpPr>
         <p:spPr>
           <a:xfrm>
-            <a:off x="1742982" y="2850922"/>
+            <a:off x="1716919" y="1761341"/>
             <a:ext cx="1424846" cy="215444"/>
           </a:xfrm>
           <a:prstGeom prst="rect">
@@ -4803,8 +4805,8 @@
         </p:nvSpPr>
         <p:spPr>
           <a:xfrm>
-            <a:off x="4340137" y="5255323"/>
-            <a:ext cx="621216" cy="215444"/>
+            <a:off x="3726593" y="4812154"/>
+            <a:ext cx="1227553" cy="215444"/>
           </a:xfrm>
           <a:prstGeom prst="rect">
             <a:avLst/>
@@ -4829,8 +4831,8 @@
           </a:lstStyle>
           <a:p>
             <a:r>
-              <a:rPr lang="en-US" dirty="0" smtClean="0"/>
-              <a:t>result</a:t>
+              <a:rPr lang="en-US" smtClean="0"/>
+              <a:t>commandResult</a:t>
             </a:r>
             <a:endParaRPr lang="en-US" dirty="0"/>
           </a:p>
@@ -4844,8 +4846,8 @@
         </p:nvSpPr>
         <p:spPr>
           <a:xfrm>
-            <a:off x="599983" y="5538488"/>
-            <a:ext cx="762000" cy="215444"/>
+            <a:off x="152400" y="5538488"/>
+            <a:ext cx="1209583" cy="215444"/>
           </a:xfrm>
           <a:prstGeom prst="rect">
             <a:avLst/>
@@ -4870,8 +4872,8 @@
           </a:lstStyle>
           <a:p>
             <a:r>
-              <a:rPr lang="en-US" dirty="0" smtClean="0"/>
-              <a:t>result</a:t>
+              <a:rPr lang="en-US" smtClean="0"/>
+              <a:t>executionResult</a:t>
             </a:r>
             <a:endParaRPr lang="en-US" dirty="0"/>
           </a:p>
@@ -4885,7 +4887,7 @@
         </p:nvSpPr>
         <p:spPr>
           <a:xfrm>
-            <a:off x="7020246" y="4777286"/>
+            <a:off x="7013039" y="4334117"/>
             <a:ext cx="1590354" cy="461538"/>
           </a:xfrm>
           <a:prstGeom prst="rect">
@@ -4926,7 +4928,7 @@
                   <a:schemeClr val="bg1"/>
                 </a:solidFill>
               </a:rPr>
-              <a:t>result:Command</a:t>
+              <a:t>commandResult</a:t>
             </a:r>
             <a:r>
               <a:rPr lang="en-US" sz="1600" dirty="0" smtClean="0">
@@ -4934,7 +4936,18 @@
                   <a:schemeClr val="bg1"/>
                 </a:solidFill>
               </a:rPr>
-              <a:t> Result</a:t>
+              <a:t>:</a:t>
+            </a:r>
+          </a:p>
+          <a:p>
+            <a:pPr algn="ctr"/>
+            <a:r>
+              <a:rPr lang="en-US" sz="1600" dirty="0" err="1" smtClean="0">
+                <a:solidFill>
+                  <a:schemeClr val="bg1"/>
+                </a:solidFill>
+              </a:rPr>
+              <a:t>CommandResult</a:t>
             </a:r>
             <a:endParaRPr lang="en-SG" sz="1600" dirty="0">
               <a:solidFill>
@@ -4952,7 +4965,7 @@
         </p:nvSpPr>
         <p:spPr>
           <a:xfrm>
-            <a:off x="7777323" y="5238824"/>
+            <a:off x="7770116" y="4795655"/>
             <a:ext cx="152400" cy="171376"/>
           </a:xfrm>
           <a:prstGeom prst="rect">
@@ -4999,7 +5012,7 @@
         </p:nvCxnSpPr>
         <p:spPr>
           <a:xfrm>
-            <a:off x="6858000" y="5410200"/>
+            <a:off x="6850793" y="4967031"/>
             <a:ext cx="966624" cy="0"/>
           </a:xfrm>
           <a:prstGeom prst="straightConnector1">
@@ -5031,14 +5044,486 @@
       </p:cxnSp>
       <p:sp>
         <p:nvSpPr>
-          <p:cNvPr id="93" name="TextBox 92"/>
+          <p:cNvPr id="40" name="Rectangle 62"/>
+          <p:cNvSpPr/>
+          <p:nvPr/>
+        </p:nvSpPr>
+        <p:spPr>
+          <a:xfrm>
+            <a:off x="4230557" y="1530405"/>
+            <a:ext cx="1778201" cy="432035"/>
+          </a:xfrm>
+          <a:prstGeom prst="rect">
+            <a:avLst/>
+          </a:prstGeom>
+          <a:solidFill>
+            <a:srgbClr val="0070C0"/>
+          </a:solidFill>
+          <a:ln w="19050">
+            <a:solidFill>
+              <a:srgbClr val="0070C0"/>
+            </a:solidFill>
+          </a:ln>
+          <a:effectLst/>
+        </p:spPr>
+        <p:style>
+          <a:lnRef idx="1">
+            <a:schemeClr val="accent2"/>
+          </a:lnRef>
+          <a:fillRef idx="2">
+            <a:schemeClr val="accent2"/>
+          </a:fillRef>
+          <a:effectRef idx="1">
+            <a:schemeClr val="accent2"/>
+          </a:effectRef>
+          <a:fontRef idx="minor">
+            <a:schemeClr val="dk1"/>
+          </a:fontRef>
+        </p:style>
+        <p:txBody>
+          <a:bodyPr rtlCol="0" anchor="ctr"/>
+          <a:lstStyle/>
+          <a:p>
+            <a:pPr algn="ctr"/>
+            <a:r>
+              <a:rPr lang="en-US" sz="1600" dirty="0" smtClean="0">
+                <a:solidFill>
+                  <a:schemeClr val="bg1"/>
+                </a:solidFill>
+              </a:rPr>
+              <a:t>:</a:t>
+            </a:r>
+            <a:r>
+              <a:rPr lang="en-US" sz="1600" dirty="0" err="1" smtClean="0">
+                <a:solidFill>
+                  <a:schemeClr val="bg1"/>
+                </a:solidFill>
+              </a:rPr>
+              <a:t>DeleteCommand</a:t>
+            </a:r>
+            <a:endParaRPr lang="en-US" sz="1600" dirty="0" smtClean="0">
+              <a:solidFill>
+                <a:schemeClr val="bg1"/>
+              </a:solidFill>
+            </a:endParaRPr>
+          </a:p>
+          <a:p>
+            <a:pPr algn="ctr"/>
+            <a:r>
+              <a:rPr lang="en-US" sz="1600" dirty="0" smtClean="0">
+                <a:solidFill>
+                  <a:schemeClr val="bg1"/>
+                </a:solidFill>
+              </a:rPr>
+              <a:t>Parser</a:t>
+            </a:r>
+            <a:endParaRPr lang="en-SG" sz="1600" dirty="0">
+              <a:solidFill>
+                <a:schemeClr val="bg1"/>
+              </a:solidFill>
+            </a:endParaRPr>
+          </a:p>
+        </p:txBody>
+      </p:sp>
+      <p:cxnSp>
+        <p:nvCxnSpPr>
+          <p:cNvPr id="8" name="Straight Arrow Connector 7"/>
+          <p:cNvCxnSpPr/>
+          <p:nvPr/>
+        </p:nvCxnSpPr>
+        <p:spPr>
+          <a:xfrm flipV="1">
+            <a:off x="3479110" y="2233406"/>
+            <a:ext cx="1602134" cy="202"/>
+          </a:xfrm>
+          <a:prstGeom prst="straightConnector1">
+            <a:avLst/>
+          </a:prstGeom>
+          <a:ln w="19050">
+            <a:headEnd type="none" w="med" len="med"/>
+            <a:tailEnd type="arrow" w="med" len="med"/>
+          </a:ln>
+        </p:spPr>
+        <p:style>
+          <a:lnRef idx="1">
+            <a:schemeClr val="accent1"/>
+          </a:lnRef>
+          <a:fillRef idx="0">
+            <a:schemeClr val="accent1"/>
+          </a:fillRef>
+          <a:effectRef idx="0">
+            <a:schemeClr val="accent1"/>
+          </a:effectRef>
+          <a:fontRef idx="minor">
+            <a:schemeClr val="tx1"/>
+          </a:fontRef>
+        </p:style>
+      </p:cxnSp>
+      <p:sp>
+        <p:nvSpPr>
+          <p:cNvPr id="45" name="Rectangle 44"/>
+          <p:cNvSpPr/>
+          <p:nvPr/>
+        </p:nvSpPr>
+        <p:spPr>
+          <a:xfrm>
+            <a:off x="5059948" y="1978074"/>
+            <a:ext cx="173696" cy="129364"/>
+          </a:xfrm>
+          <a:prstGeom prst="rect">
+            <a:avLst/>
+          </a:prstGeom>
+          <a:solidFill>
+            <a:srgbClr val="0070C0"/>
+          </a:solidFill>
+          <a:ln>
+            <a:solidFill>
+              <a:srgbClr val="0070C0"/>
+            </a:solidFill>
+          </a:ln>
+          <a:effectLst/>
+        </p:spPr>
+        <p:style>
+          <a:lnRef idx="1">
+            <a:schemeClr val="accent3"/>
+          </a:lnRef>
+          <a:fillRef idx="2">
+            <a:schemeClr val="accent3"/>
+          </a:fillRef>
+          <a:effectRef idx="1">
+            <a:schemeClr val="accent3"/>
+          </a:effectRef>
+          <a:fontRef idx="minor">
+            <a:schemeClr val="dk1"/>
+          </a:fontRef>
+        </p:style>
+        <p:txBody>
+          <a:bodyPr rtlCol="0" anchor="ctr"/>
+          <a:lstStyle/>
+          <a:p>
+            <a:pPr algn="ctr"/>
+            <a:endParaRPr lang="en-SG" sz="1400"/>
+          </a:p>
+        </p:txBody>
+      </p:sp>
+      <p:cxnSp>
+        <p:nvCxnSpPr>
+          <p:cNvPr id="46" name="Straight Connector 45"/>
+          <p:cNvCxnSpPr/>
+          <p:nvPr/>
+        </p:nvCxnSpPr>
+        <p:spPr>
+          <a:xfrm flipH="1">
+            <a:off x="5154362" y="1995586"/>
+            <a:ext cx="6583" cy="1585814"/>
+          </a:xfrm>
+          <a:prstGeom prst="line">
+            <a:avLst/>
+          </a:prstGeom>
+          <a:ln w="19050">
+            <a:solidFill>
+              <a:srgbClr val="0070C0"/>
+            </a:solidFill>
+            <a:prstDash val="sysDash"/>
+          </a:ln>
+          <a:effectLst/>
+        </p:spPr>
+        <p:style>
+          <a:lnRef idx="1">
+            <a:schemeClr val="accent1"/>
+          </a:lnRef>
+          <a:fillRef idx="2">
+            <a:schemeClr val="accent1"/>
+          </a:fillRef>
+          <a:effectRef idx="1">
+            <a:schemeClr val="accent1"/>
+          </a:effectRef>
+          <a:fontRef idx="minor">
+            <a:schemeClr val="dk1"/>
+          </a:fontRef>
+        </p:style>
+      </p:cxnSp>
+      <p:sp>
+        <p:nvSpPr>
+          <p:cNvPr id="49" name="Rectangle 48"/>
+          <p:cNvSpPr/>
+          <p:nvPr/>
+        </p:nvSpPr>
+        <p:spPr>
+          <a:xfrm>
+            <a:off x="5047708" y="3222857"/>
+            <a:ext cx="205843" cy="146446"/>
+          </a:xfrm>
+          <a:prstGeom prst="rect">
+            <a:avLst/>
+          </a:prstGeom>
+          <a:solidFill>
+            <a:srgbClr val="0070C0"/>
+          </a:solidFill>
+          <a:ln>
+            <a:solidFill>
+              <a:srgbClr val="0070C0"/>
+            </a:solidFill>
+          </a:ln>
+          <a:effectLst/>
+        </p:spPr>
+        <p:style>
+          <a:lnRef idx="1">
+            <a:schemeClr val="accent3"/>
+          </a:lnRef>
+          <a:fillRef idx="2">
+            <a:schemeClr val="accent3"/>
+          </a:fillRef>
+          <a:effectRef idx="1">
+            <a:schemeClr val="accent3"/>
+          </a:effectRef>
+          <a:fontRef idx="minor">
+            <a:schemeClr val="dk1"/>
+          </a:fontRef>
+        </p:style>
+        <p:txBody>
+          <a:bodyPr rtlCol="0" anchor="ctr"/>
+          <a:lstStyle/>
+          <a:p>
+            <a:pPr algn="ctr"/>
+            <a:endParaRPr lang="en-SG" sz="1400"/>
+          </a:p>
+        </p:txBody>
+      </p:sp>
+      <p:cxnSp>
+        <p:nvCxnSpPr>
+          <p:cNvPr id="51" name="Straight Arrow Connector 50"/>
+          <p:cNvCxnSpPr/>
+          <p:nvPr/>
+        </p:nvCxnSpPr>
+        <p:spPr>
+          <a:xfrm flipV="1">
+            <a:off x="3444193" y="3369330"/>
+            <a:ext cx="1710169" cy="2879"/>
+          </a:xfrm>
+          <a:prstGeom prst="straightConnector1">
+            <a:avLst/>
+          </a:prstGeom>
+          <a:ln w="19050">
+            <a:solidFill>
+              <a:srgbClr val="0070C0"/>
+            </a:solidFill>
+            <a:prstDash val="sysDash"/>
+            <a:headEnd type="arrow" w="med" len="med"/>
+            <a:tailEnd type="none" w="med" len="med"/>
+          </a:ln>
+        </p:spPr>
+        <p:style>
+          <a:lnRef idx="1">
+            <a:schemeClr val="accent1"/>
+          </a:lnRef>
+          <a:fillRef idx="0">
+            <a:schemeClr val="accent1"/>
+          </a:fillRef>
+          <a:effectRef idx="0">
+            <a:schemeClr val="accent1"/>
+          </a:effectRef>
+          <a:fontRef idx="minor">
+            <a:schemeClr val="tx1"/>
+          </a:fontRef>
+        </p:style>
+      </p:cxnSp>
+      <p:cxnSp>
+        <p:nvCxnSpPr>
+          <p:cNvPr id="13" name="Straight Arrow Connector 12"/>
+          <p:cNvCxnSpPr/>
+          <p:nvPr/>
+        </p:nvCxnSpPr>
+        <p:spPr>
+          <a:xfrm>
+            <a:off x="6850793" y="4586031"/>
+            <a:ext cx="162246" cy="0"/>
+          </a:xfrm>
+          <a:prstGeom prst="straightConnector1">
+            <a:avLst/>
+          </a:prstGeom>
+          <a:ln w="19050">
+            <a:headEnd type="none" w="med" len="med"/>
+            <a:tailEnd type="arrow" w="med" len="med"/>
+          </a:ln>
+        </p:spPr>
+        <p:style>
+          <a:lnRef idx="1">
+            <a:schemeClr val="accent1"/>
+          </a:lnRef>
+          <a:fillRef idx="0">
+            <a:schemeClr val="accent1"/>
+          </a:fillRef>
+          <a:effectRef idx="0">
+            <a:schemeClr val="accent1"/>
+          </a:effectRef>
+          <a:fontRef idx="minor">
+            <a:schemeClr val="tx1"/>
+          </a:fontRef>
+        </p:style>
+      </p:cxnSp>
+      <p:cxnSp>
+        <p:nvCxnSpPr>
+          <p:cNvPr id="50" name="Straight Arrow Connector 49"/>
+          <p:cNvCxnSpPr/>
+          <p:nvPr/>
+        </p:nvCxnSpPr>
+        <p:spPr>
+          <a:xfrm>
+            <a:off x="3428608" y="1763091"/>
+            <a:ext cx="819556" cy="1"/>
+          </a:xfrm>
+          <a:prstGeom prst="straightConnector1">
+            <a:avLst/>
+          </a:prstGeom>
+          <a:ln w="19050">
+            <a:solidFill>
+              <a:srgbClr val="0070C0"/>
+            </a:solidFill>
+            <a:tailEnd type="arrow"/>
+          </a:ln>
+        </p:spPr>
+        <p:style>
+          <a:lnRef idx="1">
+            <a:schemeClr val="accent1"/>
+          </a:lnRef>
+          <a:fillRef idx="0">
+            <a:schemeClr val="accent1"/>
+          </a:fillRef>
+          <a:effectRef idx="0">
+            <a:schemeClr val="accent1"/>
+          </a:effectRef>
+          <a:fontRef idx="minor">
+            <a:schemeClr val="tx1"/>
+          </a:fontRef>
+        </p:style>
+      </p:cxnSp>
+      <p:cxnSp>
+        <p:nvCxnSpPr>
+          <p:cNvPr id="52" name="Straight Arrow Connector 51"/>
+          <p:cNvCxnSpPr/>
+          <p:nvPr/>
+        </p:nvCxnSpPr>
+        <p:spPr>
+          <a:xfrm>
+            <a:off x="3449904" y="2108683"/>
+            <a:ext cx="1600428" cy="0"/>
+          </a:xfrm>
+          <a:prstGeom prst="straightConnector1">
+            <a:avLst/>
+          </a:prstGeom>
+          <a:ln w="19050">
+            <a:solidFill>
+              <a:srgbClr val="0070C0"/>
+            </a:solidFill>
+            <a:prstDash val="sysDash"/>
+            <a:headEnd type="arrow" w="med" len="med"/>
+            <a:tailEnd type="none" w="med" len="med"/>
+          </a:ln>
+        </p:spPr>
+        <p:style>
+          <a:lnRef idx="1">
+            <a:schemeClr val="accent1"/>
+          </a:lnRef>
+          <a:fillRef idx="0">
+            <a:schemeClr val="accent1"/>
+          </a:fillRef>
+          <a:effectRef idx="0">
+            <a:schemeClr val="accent1"/>
+          </a:effectRef>
+          <a:fontRef idx="minor">
+            <a:schemeClr val="tx1"/>
+          </a:fontRef>
+        </p:style>
+      </p:cxnSp>
+      <p:sp>
+        <p:nvSpPr>
+          <p:cNvPr id="47" name="Rectangle 62"/>
+          <p:cNvSpPr/>
+          <p:nvPr/>
+        </p:nvSpPr>
+        <p:spPr>
+          <a:xfrm>
+            <a:off x="4339380" y="2750216"/>
+            <a:ext cx="1590354" cy="461538"/>
+          </a:xfrm>
+          <a:prstGeom prst="rect">
+            <a:avLst/>
+          </a:prstGeom>
+          <a:solidFill>
+            <a:srgbClr val="0070C0"/>
+          </a:solidFill>
+          <a:ln w="19050">
+            <a:solidFill>
+              <a:srgbClr val="0070C0"/>
+            </a:solidFill>
+          </a:ln>
+          <a:effectLst/>
+        </p:spPr>
+        <p:style>
+          <a:lnRef idx="1">
+            <a:schemeClr val="accent2"/>
+          </a:lnRef>
+          <a:fillRef idx="2">
+            <a:schemeClr val="accent2"/>
+          </a:fillRef>
+          <a:effectRef idx="1">
+            <a:schemeClr val="accent2"/>
+          </a:effectRef>
+          <a:fontRef idx="minor">
+            <a:schemeClr val="dk1"/>
+          </a:fontRef>
+        </p:style>
+        <p:txBody>
+          <a:bodyPr rtlCol="0" anchor="ctr"/>
+          <a:lstStyle/>
+          <a:p>
+            <a:pPr algn="ctr"/>
+            <a:r>
+              <a:rPr lang="en-US" sz="1600" dirty="0" err="1" smtClean="0">
+                <a:solidFill>
+                  <a:schemeClr val="bg1"/>
+                </a:solidFill>
+              </a:rPr>
+              <a:t>parserResult</a:t>
+            </a:r>
+            <a:r>
+              <a:rPr lang="en-US" sz="1600" dirty="0" smtClean="0">
+                <a:solidFill>
+                  <a:schemeClr val="bg1"/>
+                </a:solidFill>
+              </a:rPr>
+              <a:t>:</a:t>
+            </a:r>
+          </a:p>
+          <a:p>
+            <a:pPr algn="ctr"/>
+            <a:r>
+              <a:rPr lang="en-US" sz="1600" dirty="0" err="1" smtClean="0">
+                <a:solidFill>
+                  <a:schemeClr val="bg1"/>
+                </a:solidFill>
+              </a:rPr>
+              <a:t>ParserResult</a:t>
+            </a:r>
+            <a:endParaRPr lang="en-SG" sz="1600" dirty="0">
+              <a:solidFill>
+                <a:schemeClr val="bg1"/>
+              </a:solidFill>
+            </a:endParaRPr>
+          </a:p>
+        </p:txBody>
+      </p:sp>
+      <p:sp>
+        <p:nvSpPr>
+          <p:cNvPr id="53" name="TextBox 52"/>
           <p:cNvSpPr txBox="1"/>
           <p:nvPr/>
         </p:nvSpPr>
         <p:spPr>
           <a:xfrm>
-            <a:off x="2673845" y="4027787"/>
-            <a:ext cx="220343" cy="215444"/>
+            <a:off x="2002105" y="3268782"/>
+            <a:ext cx="984068" cy="215444"/>
           </a:xfrm>
           <a:prstGeom prst="rect">
             <a:avLst/>
@@ -5063,8 +5548,12 @@
           </a:lstStyle>
           <a:p>
             <a:r>
-              <a:rPr lang="en-US" dirty="0" smtClean="0"/>
-              <a:t>d</a:t>
+              <a:rPr lang="en-US" dirty="0" err="1"/>
+              <a:t>p</a:t>
+            </a:r>
+            <a:r>
+              <a:rPr lang="en-US" dirty="0" err="1" smtClean="0"/>
+              <a:t>arserResult</a:t>
             </a:r>
             <a:endParaRPr lang="en-US" dirty="0"/>
           </a:p>
@@ -5072,14 +5561,135 @@
       </p:sp>
       <p:sp>
         <p:nvSpPr>
-          <p:cNvPr id="40" name="Rectangle 62"/>
+          <p:cNvPr id="56" name="Rectangle 55"/>
           <p:cNvSpPr/>
           <p:nvPr/>
         </p:nvSpPr>
         <p:spPr>
           <a:xfrm>
-            <a:off x="4231981" y="2929839"/>
-            <a:ext cx="1778201" cy="432035"/>
+            <a:off x="5059946" y="2243643"/>
+            <a:ext cx="180223" cy="334479"/>
+          </a:xfrm>
+          <a:prstGeom prst="rect">
+            <a:avLst/>
+          </a:prstGeom>
+          <a:solidFill>
+            <a:srgbClr val="0070C0"/>
+          </a:solidFill>
+          <a:ln>
+            <a:solidFill>
+              <a:srgbClr val="0070C0"/>
+            </a:solidFill>
+          </a:ln>
+          <a:effectLst/>
+        </p:spPr>
+        <p:style>
+          <a:lnRef idx="1">
+            <a:schemeClr val="accent3"/>
+          </a:lnRef>
+          <a:fillRef idx="2">
+            <a:schemeClr val="accent3"/>
+          </a:fillRef>
+          <a:effectRef idx="1">
+            <a:schemeClr val="accent3"/>
+          </a:effectRef>
+          <a:fontRef idx="minor">
+            <a:schemeClr val="dk1"/>
+          </a:fontRef>
+        </p:style>
+        <p:txBody>
+          <a:bodyPr rtlCol="0" anchor="ctr"/>
+          <a:lstStyle/>
+          <a:p>
+            <a:pPr algn="ctr"/>
+            <a:endParaRPr lang="en-SG" sz="1400"/>
+          </a:p>
+        </p:txBody>
+      </p:sp>
+      <p:cxnSp>
+        <p:nvCxnSpPr>
+          <p:cNvPr id="66" name="Straight Arrow Connector 65"/>
+          <p:cNvCxnSpPr/>
+          <p:nvPr/>
+        </p:nvCxnSpPr>
+        <p:spPr>
+          <a:xfrm>
+            <a:off x="3444193" y="2578122"/>
+            <a:ext cx="1594832" cy="0"/>
+          </a:xfrm>
+          <a:prstGeom prst="straightConnector1">
+            <a:avLst/>
+          </a:prstGeom>
+          <a:ln w="19050">
+            <a:solidFill>
+              <a:srgbClr val="0070C0"/>
+            </a:solidFill>
+            <a:prstDash val="sysDash"/>
+            <a:headEnd type="arrow" w="med" len="med"/>
+            <a:tailEnd type="none" w="med" len="med"/>
+          </a:ln>
+        </p:spPr>
+        <p:style>
+          <a:lnRef idx="1">
+            <a:schemeClr val="accent1"/>
+          </a:lnRef>
+          <a:fillRef idx="0">
+            <a:schemeClr val="accent1"/>
+          </a:fillRef>
+          <a:effectRef idx="0">
+            <a:schemeClr val="accent1"/>
+          </a:effectRef>
+          <a:fontRef idx="minor">
+            <a:schemeClr val="tx1"/>
+          </a:fontRef>
+        </p:style>
+      </p:cxnSp>
+      <p:cxnSp>
+        <p:nvCxnSpPr>
+          <p:cNvPr id="67" name="Straight Arrow Connector 66"/>
+          <p:cNvCxnSpPr>
+            <a:endCxn id="47" idx="1"/>
+          </p:cNvCxnSpPr>
+          <p:nvPr/>
+        </p:nvCxnSpPr>
+        <p:spPr>
+          <a:xfrm flipV="1">
+            <a:off x="3449917" y="2980985"/>
+            <a:ext cx="889463" cy="475"/>
+          </a:xfrm>
+          <a:prstGeom prst="straightConnector1">
+            <a:avLst/>
+          </a:prstGeom>
+          <a:ln w="19050">
+            <a:headEnd type="none" w="med" len="med"/>
+            <a:tailEnd type="arrow" w="med" len="med"/>
+          </a:ln>
+        </p:spPr>
+        <p:style>
+          <a:lnRef idx="1">
+            <a:schemeClr val="accent1"/>
+          </a:lnRef>
+          <a:fillRef idx="0">
+            <a:schemeClr val="accent1"/>
+          </a:fillRef>
+          <a:effectRef idx="0">
+            <a:schemeClr val="accent1"/>
+          </a:effectRef>
+          <a:fontRef idx="minor">
+            <a:schemeClr val="tx1"/>
+          </a:fontRef>
+        </p:style>
+      </p:cxnSp>
+      <p:sp>
+        <p:nvSpPr>
+          <p:cNvPr id="85" name="Rectangle 62"/>
+          <p:cNvSpPr/>
+          <p:nvPr/>
+        </p:nvSpPr>
+        <p:spPr>
+          <a:xfrm>
+            <a:off x="1894745" y="5105400"/>
+            <a:ext cx="1831848" cy="461538"/>
           </a:xfrm>
           <a:prstGeom prst="rect">
             <a:avLst/>
@@ -5114,6 +5724,14 @@
           <a:p>
             <a:pPr algn="ctr"/>
             <a:r>
+              <a:rPr lang="en-US" sz="1600" dirty="0" err="1" smtClean="0">
+                <a:solidFill>
+                  <a:schemeClr val="bg1"/>
+                </a:solidFill>
+              </a:rPr>
+              <a:t>executionResult</a:t>
+            </a:r>
+            <a:r>
               <a:rPr lang="en-US" sz="1600" dirty="0" smtClean="0">
                 <a:solidFill>
                   <a:schemeClr val="bg1"/>
@@ -5121,29 +5739,16 @@
               </a:rPr>
               <a:t>:</a:t>
             </a:r>
+          </a:p>
+          <a:p>
+            <a:pPr algn="ctr"/>
             <a:r>
               <a:rPr lang="en-US" sz="1600" dirty="0" err="1" smtClean="0">
                 <a:solidFill>
                   <a:schemeClr val="bg1"/>
                 </a:solidFill>
               </a:rPr>
-              <a:t>DeleteCommand</a:t>
-            </a:r>
-            <a:endParaRPr lang="en-US" sz="1600" dirty="0" smtClean="0">
-              <a:solidFill>
-                <a:schemeClr val="bg1"/>
-              </a:solidFill>
-            </a:endParaRPr>
-          </a:p>
-          <a:p>
-            <a:pPr algn="ctr"/>
-            <a:r>
-              <a:rPr lang="en-US" sz="1600" dirty="0" smtClean="0">
-                <a:solidFill>
-                  <a:schemeClr val="bg1"/>
-                </a:solidFill>
-              </a:rPr>
-              <a:t>Parser</a:t>
+              <a:t>ExecutionResult</a:t>
             </a:r>
             <a:endParaRPr lang="en-SG" sz="1600" dirty="0">
               <a:solidFill>
@@ -5155,14 +5760,16 @@
       </p:sp>
       <p:cxnSp>
         <p:nvCxnSpPr>
-          <p:cNvPr id="8" name="Straight Arrow Connector 7"/>
-          <p:cNvCxnSpPr/>
+          <p:cNvPr id="87" name="Straight Arrow Connector 86"/>
+          <p:cNvCxnSpPr>
+            <a:endCxn id="85" idx="1"/>
+          </p:cNvCxnSpPr>
           <p:nvPr/>
         </p:nvCxnSpPr>
         <p:spPr>
-          <a:xfrm>
-            <a:off x="3462591" y="3657600"/>
-            <a:ext cx="1597356" cy="1"/>
+          <a:xfrm flipV="1">
+            <a:off x="1646044" y="5336169"/>
+            <a:ext cx="248701" cy="2169"/>
           </a:xfrm>
           <a:prstGeom prst="straightConnector1">
             <a:avLst/>
@@ -5189,14 +5796,14 @@
       </p:cxnSp>
       <p:sp>
         <p:nvSpPr>
-          <p:cNvPr id="45" name="Rectangle 44"/>
+          <p:cNvPr id="88" name="Rectangle 87"/>
           <p:cNvSpPr/>
           <p:nvPr/>
         </p:nvSpPr>
         <p:spPr>
           <a:xfrm>
-            <a:off x="5059947" y="3352800"/>
-            <a:ext cx="205843" cy="123165"/>
+            <a:off x="2733582" y="5566427"/>
+            <a:ext cx="152400" cy="171376"/>
           </a:xfrm>
           <a:prstGeom prst="rect">
             <a:avLst/>
@@ -5236,100 +5843,16 @@
       </p:sp>
       <p:cxnSp>
         <p:nvCxnSpPr>
-          <p:cNvPr id="46" name="Straight Connector 45"/>
+          <p:cNvPr id="89" name="Straight Arrow Connector 88"/>
           <p:cNvCxnSpPr>
-            <a:stCxn id="45" idx="0"/>
+            <a:endCxn id="88" idx="2"/>
           </p:cNvCxnSpPr>
           <p:nvPr/>
         </p:nvCxnSpPr>
         <p:spPr>
           <a:xfrm>
-            <a:off x="5162869" y="3352800"/>
-            <a:ext cx="0" cy="990600"/>
-          </a:xfrm>
-          <a:prstGeom prst="line">
-            <a:avLst/>
-          </a:prstGeom>
-          <a:ln w="19050">
-            <a:solidFill>
-              <a:srgbClr val="0070C0"/>
-            </a:solidFill>
-            <a:prstDash val="sysDash"/>
-          </a:ln>
-          <a:effectLst/>
-        </p:spPr>
-        <p:style>
-          <a:lnRef idx="1">
-            <a:schemeClr val="accent1"/>
-          </a:lnRef>
-          <a:fillRef idx="2">
-            <a:schemeClr val="accent1"/>
-          </a:fillRef>
-          <a:effectRef idx="1">
-            <a:schemeClr val="accent1"/>
-          </a:effectRef>
-          <a:fontRef idx="minor">
-            <a:schemeClr val="dk1"/>
-          </a:fontRef>
-        </p:style>
-      </p:cxnSp>
-      <p:sp>
-        <p:nvSpPr>
-          <p:cNvPr id="49" name="Rectangle 48"/>
-          <p:cNvSpPr/>
-          <p:nvPr/>
-        </p:nvSpPr>
-        <p:spPr>
-          <a:xfrm>
-            <a:off x="5059947" y="3657601"/>
-            <a:ext cx="205843" cy="533400"/>
-          </a:xfrm>
-          <a:prstGeom prst="rect">
-            <a:avLst/>
-          </a:prstGeom>
-          <a:solidFill>
-            <a:srgbClr val="0070C0"/>
-          </a:solidFill>
-          <a:ln>
-            <a:solidFill>
-              <a:srgbClr val="0070C0"/>
-            </a:solidFill>
-          </a:ln>
-          <a:effectLst/>
-        </p:spPr>
-        <p:style>
-          <a:lnRef idx="1">
-            <a:schemeClr val="accent3"/>
-          </a:lnRef>
-          <a:fillRef idx="2">
-            <a:schemeClr val="accent3"/>
-          </a:fillRef>
-          <a:effectRef idx="1">
-            <a:schemeClr val="accent3"/>
-          </a:effectRef>
-          <a:fontRef idx="minor">
-            <a:schemeClr val="dk1"/>
-          </a:fontRef>
-        </p:style>
-        <p:txBody>
-          <a:bodyPr rtlCol="0" anchor="ctr"/>
-          <a:lstStyle/>
-          <a:p>
-            <a:pPr algn="ctr"/>
-            <a:endParaRPr lang="en-SG" sz="1400"/>
-          </a:p>
-        </p:txBody>
-      </p:sp>
-      <p:cxnSp>
-        <p:nvCxnSpPr>
-          <p:cNvPr id="51" name="Straight Arrow Connector 50"/>
-          <p:cNvCxnSpPr/>
-          <p:nvPr/>
-        </p:nvCxnSpPr>
-        <p:spPr>
-          <a:xfrm>
-            <a:off x="3499382" y="4185073"/>
-            <a:ext cx="1667219" cy="0"/>
+            <a:off x="1653251" y="5737803"/>
+            <a:ext cx="1156531" cy="0"/>
           </a:xfrm>
           <a:prstGeom prst="straightConnector1">
             <a:avLst/>
@@ -5358,152 +5881,6 @@
           </a:fontRef>
         </p:style>
       </p:cxnSp>
-      <p:cxnSp>
-        <p:nvCxnSpPr>
-          <p:cNvPr id="13" name="Straight Arrow Connector 12"/>
-          <p:cNvCxnSpPr/>
-          <p:nvPr/>
-        </p:nvCxnSpPr>
-        <p:spPr>
-          <a:xfrm>
-            <a:off x="6858000" y="5029200"/>
-            <a:ext cx="162246" cy="0"/>
-          </a:xfrm>
-          <a:prstGeom prst="straightConnector1">
-            <a:avLst/>
-          </a:prstGeom>
-          <a:ln w="19050">
-            <a:headEnd type="none" w="med" len="med"/>
-            <a:tailEnd type="arrow" w="med" len="med"/>
-          </a:ln>
-        </p:spPr>
-        <p:style>
-          <a:lnRef idx="1">
-            <a:schemeClr val="accent1"/>
-          </a:lnRef>
-          <a:fillRef idx="0">
-            <a:schemeClr val="accent1"/>
-          </a:fillRef>
-          <a:effectRef idx="0">
-            <a:schemeClr val="accent1"/>
-          </a:effectRef>
-          <a:fontRef idx="minor">
-            <a:schemeClr val="tx1"/>
-          </a:fontRef>
-        </p:style>
-      </p:cxnSp>
-      <p:cxnSp>
-        <p:nvCxnSpPr>
-          <p:cNvPr id="50" name="Straight Arrow Connector 49"/>
-          <p:cNvCxnSpPr/>
-          <p:nvPr/>
-        </p:nvCxnSpPr>
-        <p:spPr>
-          <a:xfrm>
-            <a:off x="3412425" y="3173004"/>
-            <a:ext cx="819556" cy="1"/>
-          </a:xfrm>
-          <a:prstGeom prst="straightConnector1">
-            <a:avLst/>
-          </a:prstGeom>
-          <a:ln w="19050">
-            <a:solidFill>
-              <a:srgbClr val="0070C0"/>
-            </a:solidFill>
-            <a:tailEnd type="arrow"/>
-          </a:ln>
-        </p:spPr>
-        <p:style>
-          <a:lnRef idx="1">
-            <a:schemeClr val="accent1"/>
-          </a:lnRef>
-          <a:fillRef idx="0">
-            <a:schemeClr val="accent1"/>
-          </a:fillRef>
-          <a:effectRef idx="0">
-            <a:schemeClr val="accent1"/>
-          </a:effectRef>
-          <a:fontRef idx="minor">
-            <a:schemeClr val="tx1"/>
-          </a:fontRef>
-        </p:style>
-      </p:cxnSp>
-      <p:cxnSp>
-        <p:nvCxnSpPr>
-          <p:cNvPr id="52" name="Straight Arrow Connector 51"/>
-          <p:cNvCxnSpPr/>
-          <p:nvPr/>
-        </p:nvCxnSpPr>
-        <p:spPr>
-          <a:xfrm>
-            <a:off x="3459519" y="3475965"/>
-            <a:ext cx="1600428" cy="0"/>
-          </a:xfrm>
-          <a:prstGeom prst="straightConnector1">
-            <a:avLst/>
-          </a:prstGeom>
-          <a:ln w="19050">
-            <a:solidFill>
-              <a:srgbClr val="0070C0"/>
-            </a:solidFill>
-            <a:prstDash val="sysDash"/>
-            <a:headEnd type="arrow" w="med" len="med"/>
-            <a:tailEnd type="none" w="med" len="med"/>
-          </a:ln>
-        </p:spPr>
-        <p:style>
-          <a:lnRef idx="1">
-            <a:schemeClr val="accent1"/>
-          </a:lnRef>
-          <a:fillRef idx="0">
-            <a:schemeClr val="accent1"/>
-          </a:fillRef>
-          <a:effectRef idx="0">
-            <a:schemeClr val="accent1"/>
-          </a:effectRef>
-          <a:fontRef idx="minor">
-            <a:schemeClr val="tx1"/>
-          </a:fontRef>
-        </p:style>
-      </p:cxnSp>
-      <p:sp>
-        <p:nvSpPr>
-          <p:cNvPr id="4" name="TextBox 3"/>
-          <p:cNvSpPr txBox="1"/>
-          <p:nvPr/>
-        </p:nvSpPr>
-        <p:spPr>
-          <a:xfrm>
-            <a:off x="5033665" y="4199590"/>
-            <a:ext cx="258404" cy="261610"/>
-          </a:xfrm>
-          <a:prstGeom prst="rect">
-            <a:avLst/>
-          </a:prstGeom>
-          <a:noFill/>
-        </p:spPr>
-        <p:txBody>
-          <a:bodyPr wrap="none" rtlCol="0">
-            <a:spAutoFit/>
-          </a:bodyPr>
-          <a:lstStyle/>
-          <a:p>
-            <a:r>
-              <a:rPr lang="en-SG" sz="1100" dirty="0" smtClean="0">
-                <a:solidFill>
-                  <a:srgbClr val="002060"/>
-                </a:solidFill>
-              </a:rPr>
-              <a:t>X</a:t>
-            </a:r>
-            <a:endParaRPr lang="en-SG" sz="1100" dirty="0">
-              <a:solidFill>
-                <a:srgbClr val="002060"/>
-              </a:solidFill>
-            </a:endParaRPr>
-          </a:p>
-        </p:txBody>
-      </p:sp>
     </p:spTree>
     <p:extLst>
       <p:ext uri="{BB962C8B-B14F-4D97-AF65-F5344CB8AC3E}">

--- a/docs/diagrams/LogicComponentSequenceDiagram.pptx
+++ b/docs/diagrams/LogicComponentSequenceDiagram.pptx
@@ -126,6 +126,10 @@
 </p:presentation>
 </file>
 
+<file path=ppt/revisionInfo.xml><?xml version="1.0" encoding="utf-8"?>
+<p1510:revInfo xmlns:a="http://schemas.openxmlformats.org/drawingml/2006/main" xmlns:r="http://schemas.openxmlformats.org/officeDocument/2006/relationships" xmlns:p1510="http://schemas.microsoft.com/office/powerpoint/2015/10/main"/>
+</file>
+
 <file path=ppt/notesMasters/notesMaster1.xml><?xml version="1.0" encoding="utf-8"?>
 <p:notesMaster xmlns:a="http://schemas.openxmlformats.org/drawingml/2006/main" xmlns:r="http://schemas.openxmlformats.org/officeDocument/2006/relationships" xmlns:p="http://schemas.openxmlformats.org/presentationml/2006/main">
   <p:cSld>
@@ -208,7 +212,7 @@
           <a:p>
             <a:fld id="{F5CC4B3F-88C1-4FFA-B1B6-F41C21DC6924}" type="datetimeFigureOut">
               <a:rPr lang="en-US" smtClean="0"/>
-              <a:t>2/6/2017</a:t>
+              <a:t>5/30/2017</a:t>
             </a:fld>
             <a:endParaRPr lang="en-US"/>
           </a:p>
@@ -272,38 +276,37 @@
           <a:p>
             <a:pPr lvl="0"/>
             <a:r>
-              <a:rPr lang="en-US" smtClean="0"/>
+              <a:rPr lang="en-US"/>
               <a:t>Click to edit Master text styles</a:t>
             </a:r>
           </a:p>
           <a:p>
             <a:pPr lvl="1"/>
             <a:r>
-              <a:rPr lang="en-US" smtClean="0"/>
+              <a:rPr lang="en-US"/>
               <a:t>Second level</a:t>
             </a:r>
           </a:p>
           <a:p>
             <a:pPr lvl="2"/>
             <a:r>
-              <a:rPr lang="en-US" smtClean="0"/>
+              <a:rPr lang="en-US"/>
               <a:t>Third level</a:t>
             </a:r>
           </a:p>
           <a:p>
             <a:pPr lvl="3"/>
             <a:r>
-              <a:rPr lang="en-US" smtClean="0"/>
+              <a:rPr lang="en-US"/>
               <a:t>Fourth level</a:t>
             </a:r>
           </a:p>
           <a:p>
             <a:pPr lvl="4"/>
             <a:r>
-              <a:rPr lang="en-US" smtClean="0"/>
+              <a:rPr lang="en-US"/>
               <a:t>Fifth level</a:t>
             </a:r>
-            <a:endParaRPr lang="en-US"/>
           </a:p>
         </p:txBody>
       </p:sp>
@@ -514,10 +517,9 @@
           <a:lstStyle/>
           <a:p>
             <a:r>
-              <a:rPr lang="en-US" smtClean="0"/>
+              <a:rPr lang="en-US"/>
               <a:t>Click to edit Master title style</a:t>
             </a:r>
-            <a:endParaRPr lang="en-US"/>
           </a:p>
         </p:txBody>
       </p:sp>
@@ -633,10 +635,9 @@
           </a:lstStyle>
           <a:p>
             <a:r>
-              <a:rPr lang="en-US" smtClean="0"/>
+              <a:rPr lang="en-US"/>
               <a:t>Click to edit Master subtitle style</a:t>
             </a:r>
-            <a:endParaRPr lang="en-US"/>
           </a:p>
         </p:txBody>
       </p:sp>
@@ -657,7 +658,7 @@
           <a:p>
             <a:fld id="{78C97017-6FC3-485B-9764-EAC9E56C1D49}" type="datetimeFigureOut">
               <a:rPr lang="en-US" smtClean="0"/>
-              <a:t>2/6/2017</a:t>
+              <a:t>5/30/2017</a:t>
             </a:fld>
             <a:endParaRPr lang="en-US"/>
           </a:p>
@@ -751,10 +752,9 @@
           <a:lstStyle/>
           <a:p>
             <a:r>
-              <a:rPr lang="en-US" smtClean="0"/>
+              <a:rPr lang="en-US"/>
               <a:t>Click to edit Master title style</a:t>
             </a:r>
-            <a:endParaRPr lang="en-US"/>
           </a:p>
         </p:txBody>
       </p:sp>
@@ -775,38 +775,37 @@
           <a:p>
             <a:pPr lvl="0"/>
             <a:r>
-              <a:rPr lang="en-US" smtClean="0"/>
+              <a:rPr lang="en-US"/>
               <a:t>Click to edit Master text styles</a:t>
             </a:r>
           </a:p>
           <a:p>
             <a:pPr lvl="1"/>
             <a:r>
-              <a:rPr lang="en-US" smtClean="0"/>
+              <a:rPr lang="en-US"/>
               <a:t>Second level</a:t>
             </a:r>
           </a:p>
           <a:p>
             <a:pPr lvl="2"/>
             <a:r>
-              <a:rPr lang="en-US" smtClean="0"/>
+              <a:rPr lang="en-US"/>
               <a:t>Third level</a:t>
             </a:r>
           </a:p>
           <a:p>
             <a:pPr lvl="3"/>
             <a:r>
-              <a:rPr lang="en-US" smtClean="0"/>
+              <a:rPr lang="en-US"/>
               <a:t>Fourth level</a:t>
             </a:r>
           </a:p>
           <a:p>
             <a:pPr lvl="4"/>
             <a:r>
-              <a:rPr lang="en-US" smtClean="0"/>
+              <a:rPr lang="en-US"/>
               <a:t>Fifth level</a:t>
             </a:r>
-            <a:endParaRPr lang="en-US"/>
           </a:p>
         </p:txBody>
       </p:sp>
@@ -827,7 +826,7 @@
           <a:p>
             <a:fld id="{78C97017-6FC3-485B-9764-EAC9E56C1D49}" type="datetimeFigureOut">
               <a:rPr lang="en-US" smtClean="0"/>
-              <a:t>2/6/2017</a:t>
+              <a:t>5/30/2017</a:t>
             </a:fld>
             <a:endParaRPr lang="en-US"/>
           </a:p>
@@ -926,10 +925,9 @@
           <a:lstStyle/>
           <a:p>
             <a:r>
-              <a:rPr lang="en-US" smtClean="0"/>
+              <a:rPr lang="en-US"/>
               <a:t>Click to edit Master title style</a:t>
             </a:r>
-            <a:endParaRPr lang="en-US"/>
           </a:p>
         </p:txBody>
       </p:sp>
@@ -955,38 +953,37 @@
           <a:p>
             <a:pPr lvl="0"/>
             <a:r>
-              <a:rPr lang="en-US" smtClean="0"/>
+              <a:rPr lang="en-US"/>
               <a:t>Click to edit Master text styles</a:t>
             </a:r>
           </a:p>
           <a:p>
             <a:pPr lvl="1"/>
             <a:r>
-              <a:rPr lang="en-US" smtClean="0"/>
+              <a:rPr lang="en-US"/>
               <a:t>Second level</a:t>
             </a:r>
           </a:p>
           <a:p>
             <a:pPr lvl="2"/>
             <a:r>
-              <a:rPr lang="en-US" smtClean="0"/>
+              <a:rPr lang="en-US"/>
               <a:t>Third level</a:t>
             </a:r>
           </a:p>
           <a:p>
             <a:pPr lvl="3"/>
             <a:r>
-              <a:rPr lang="en-US" smtClean="0"/>
+              <a:rPr lang="en-US"/>
               <a:t>Fourth level</a:t>
             </a:r>
           </a:p>
           <a:p>
             <a:pPr lvl="4"/>
             <a:r>
-              <a:rPr lang="en-US" smtClean="0"/>
+              <a:rPr lang="en-US"/>
               <a:t>Fifth level</a:t>
             </a:r>
-            <a:endParaRPr lang="en-US"/>
           </a:p>
         </p:txBody>
       </p:sp>
@@ -1007,7 +1004,7 @@
           <a:p>
             <a:fld id="{78C97017-6FC3-485B-9764-EAC9E56C1D49}" type="datetimeFigureOut">
               <a:rPr lang="en-US" smtClean="0"/>
-              <a:t>2/6/2017</a:t>
+              <a:t>5/30/2017</a:t>
             </a:fld>
             <a:endParaRPr lang="en-US"/>
           </a:p>
@@ -1101,10 +1098,9 @@
           <a:lstStyle/>
           <a:p>
             <a:r>
-              <a:rPr lang="en-US" smtClean="0"/>
+              <a:rPr lang="en-US"/>
               <a:t>Click to edit Master title style</a:t>
             </a:r>
-            <a:endParaRPr lang="en-US"/>
           </a:p>
         </p:txBody>
       </p:sp>
@@ -1125,38 +1121,37 @@
           <a:p>
             <a:pPr lvl="0"/>
             <a:r>
-              <a:rPr lang="en-US" smtClean="0"/>
+              <a:rPr lang="en-US"/>
               <a:t>Click to edit Master text styles</a:t>
             </a:r>
           </a:p>
           <a:p>
             <a:pPr lvl="1"/>
             <a:r>
-              <a:rPr lang="en-US" smtClean="0"/>
+              <a:rPr lang="en-US"/>
               <a:t>Second level</a:t>
             </a:r>
           </a:p>
           <a:p>
             <a:pPr lvl="2"/>
             <a:r>
-              <a:rPr lang="en-US" smtClean="0"/>
+              <a:rPr lang="en-US"/>
               <a:t>Third level</a:t>
             </a:r>
           </a:p>
           <a:p>
             <a:pPr lvl="3"/>
             <a:r>
-              <a:rPr lang="en-US" smtClean="0"/>
+              <a:rPr lang="en-US"/>
               <a:t>Fourth level</a:t>
             </a:r>
           </a:p>
           <a:p>
             <a:pPr lvl="4"/>
             <a:r>
-              <a:rPr lang="en-US" smtClean="0"/>
+              <a:rPr lang="en-US"/>
               <a:t>Fifth level</a:t>
             </a:r>
-            <a:endParaRPr lang="en-US"/>
           </a:p>
         </p:txBody>
       </p:sp>
@@ -1177,7 +1172,7 @@
           <a:p>
             <a:fld id="{78C97017-6FC3-485B-9764-EAC9E56C1D49}" type="datetimeFigureOut">
               <a:rPr lang="en-US" smtClean="0"/>
-              <a:t>2/6/2017</a:t>
+              <a:t>5/30/2017</a:t>
             </a:fld>
             <a:endParaRPr lang="en-US"/>
           </a:p>
@@ -1280,10 +1275,9 @@
           </a:lstStyle>
           <a:p>
             <a:r>
-              <a:rPr lang="en-US" smtClean="0"/>
+              <a:rPr lang="en-US"/>
               <a:t>Click to edit Master title style</a:t>
             </a:r>
-            <a:endParaRPr lang="en-US"/>
           </a:p>
         </p:txBody>
       </p:sp>
@@ -1400,7 +1394,7 @@
           <a:p>
             <a:pPr lvl="0"/>
             <a:r>
-              <a:rPr lang="en-US" smtClean="0"/>
+              <a:rPr lang="en-US"/>
               <a:t>Click to edit Master text styles</a:t>
             </a:r>
           </a:p>
@@ -1423,7 +1417,7 @@
           <a:p>
             <a:fld id="{78C97017-6FC3-485B-9764-EAC9E56C1D49}" type="datetimeFigureOut">
               <a:rPr lang="en-US" smtClean="0"/>
-              <a:t>2/6/2017</a:t>
+              <a:t>5/30/2017</a:t>
             </a:fld>
             <a:endParaRPr lang="en-US"/>
           </a:p>
@@ -1517,10 +1511,9 @@
           <a:lstStyle/>
           <a:p>
             <a:r>
-              <a:rPr lang="en-US" smtClean="0"/>
+              <a:rPr lang="en-US"/>
               <a:t>Click to edit Master title style</a:t>
             </a:r>
-            <a:endParaRPr lang="en-US"/>
           </a:p>
         </p:txBody>
       </p:sp>
@@ -1574,38 +1567,37 @@
           <a:p>
             <a:pPr lvl="0"/>
             <a:r>
-              <a:rPr lang="en-US" smtClean="0"/>
+              <a:rPr lang="en-US"/>
               <a:t>Click to edit Master text styles</a:t>
             </a:r>
           </a:p>
           <a:p>
             <a:pPr lvl="1"/>
             <a:r>
-              <a:rPr lang="en-US" smtClean="0"/>
+              <a:rPr lang="en-US"/>
               <a:t>Second level</a:t>
             </a:r>
           </a:p>
           <a:p>
             <a:pPr lvl="2"/>
             <a:r>
-              <a:rPr lang="en-US" smtClean="0"/>
+              <a:rPr lang="en-US"/>
               <a:t>Third level</a:t>
             </a:r>
           </a:p>
           <a:p>
             <a:pPr lvl="3"/>
             <a:r>
-              <a:rPr lang="en-US" smtClean="0"/>
+              <a:rPr lang="en-US"/>
               <a:t>Fourth level</a:t>
             </a:r>
           </a:p>
           <a:p>
             <a:pPr lvl="4"/>
             <a:r>
-              <a:rPr lang="en-US" smtClean="0"/>
+              <a:rPr lang="en-US"/>
               <a:t>Fifth level</a:t>
             </a:r>
-            <a:endParaRPr lang="en-US"/>
           </a:p>
         </p:txBody>
       </p:sp>
@@ -1659,38 +1651,37 @@
           <a:p>
             <a:pPr lvl="0"/>
             <a:r>
-              <a:rPr lang="en-US" smtClean="0"/>
+              <a:rPr lang="en-US"/>
               <a:t>Click to edit Master text styles</a:t>
             </a:r>
           </a:p>
           <a:p>
             <a:pPr lvl="1"/>
             <a:r>
-              <a:rPr lang="en-US" smtClean="0"/>
+              <a:rPr lang="en-US"/>
               <a:t>Second level</a:t>
             </a:r>
           </a:p>
           <a:p>
             <a:pPr lvl="2"/>
             <a:r>
-              <a:rPr lang="en-US" smtClean="0"/>
+              <a:rPr lang="en-US"/>
               <a:t>Third level</a:t>
             </a:r>
           </a:p>
           <a:p>
             <a:pPr lvl="3"/>
             <a:r>
-              <a:rPr lang="en-US" smtClean="0"/>
+              <a:rPr lang="en-US"/>
               <a:t>Fourth level</a:t>
             </a:r>
           </a:p>
           <a:p>
             <a:pPr lvl="4"/>
             <a:r>
-              <a:rPr lang="en-US" smtClean="0"/>
+              <a:rPr lang="en-US"/>
               <a:t>Fifth level</a:t>
             </a:r>
-            <a:endParaRPr lang="en-US"/>
           </a:p>
         </p:txBody>
       </p:sp>
@@ -1711,7 +1702,7 @@
           <a:p>
             <a:fld id="{78C97017-6FC3-485B-9764-EAC9E56C1D49}" type="datetimeFigureOut">
               <a:rPr lang="en-US" smtClean="0"/>
-              <a:t>2/6/2017</a:t>
+              <a:t>5/30/2017</a:t>
             </a:fld>
             <a:endParaRPr lang="en-US"/>
           </a:p>
@@ -1809,10 +1800,9 @@
           </a:lstStyle>
           <a:p>
             <a:r>
-              <a:rPr lang="en-US" smtClean="0"/>
+              <a:rPr lang="en-US"/>
               <a:t>Click to edit Master title style</a:t>
             </a:r>
-            <a:endParaRPr lang="en-US"/>
           </a:p>
         </p:txBody>
       </p:sp>
@@ -1875,7 +1865,7 @@
           <a:p>
             <a:pPr lvl="0"/>
             <a:r>
-              <a:rPr lang="en-US" smtClean="0"/>
+              <a:rPr lang="en-US"/>
               <a:t>Click to edit Master text styles</a:t>
             </a:r>
           </a:p>
@@ -1931,38 +1921,37 @@
           <a:p>
             <a:pPr lvl="0"/>
             <a:r>
-              <a:rPr lang="en-US" smtClean="0"/>
+              <a:rPr lang="en-US"/>
               <a:t>Click to edit Master text styles</a:t>
             </a:r>
           </a:p>
           <a:p>
             <a:pPr lvl="1"/>
             <a:r>
-              <a:rPr lang="en-US" smtClean="0"/>
+              <a:rPr lang="en-US"/>
               <a:t>Second level</a:t>
             </a:r>
           </a:p>
           <a:p>
             <a:pPr lvl="2"/>
             <a:r>
-              <a:rPr lang="en-US" smtClean="0"/>
+              <a:rPr lang="en-US"/>
               <a:t>Third level</a:t>
             </a:r>
           </a:p>
           <a:p>
             <a:pPr lvl="3"/>
             <a:r>
-              <a:rPr lang="en-US" smtClean="0"/>
+              <a:rPr lang="en-US"/>
               <a:t>Fourth level</a:t>
             </a:r>
           </a:p>
           <a:p>
             <a:pPr lvl="4"/>
             <a:r>
-              <a:rPr lang="en-US" smtClean="0"/>
+              <a:rPr lang="en-US"/>
               <a:t>Fifth level</a:t>
             </a:r>
-            <a:endParaRPr lang="en-US"/>
           </a:p>
         </p:txBody>
       </p:sp>
@@ -2025,7 +2014,7 @@
           <a:p>
             <a:pPr lvl="0"/>
             <a:r>
-              <a:rPr lang="en-US" smtClean="0"/>
+              <a:rPr lang="en-US"/>
               <a:t>Click to edit Master text styles</a:t>
             </a:r>
           </a:p>
@@ -2081,38 +2070,37 @@
           <a:p>
             <a:pPr lvl="0"/>
             <a:r>
-              <a:rPr lang="en-US" smtClean="0"/>
+              <a:rPr lang="en-US"/>
               <a:t>Click to edit Master text styles</a:t>
             </a:r>
           </a:p>
           <a:p>
             <a:pPr lvl="1"/>
             <a:r>
-              <a:rPr lang="en-US" smtClean="0"/>
+              <a:rPr lang="en-US"/>
               <a:t>Second level</a:t>
             </a:r>
           </a:p>
           <a:p>
             <a:pPr lvl="2"/>
             <a:r>
-              <a:rPr lang="en-US" smtClean="0"/>
+              <a:rPr lang="en-US"/>
               <a:t>Third level</a:t>
             </a:r>
           </a:p>
           <a:p>
             <a:pPr lvl="3"/>
             <a:r>
-              <a:rPr lang="en-US" smtClean="0"/>
+              <a:rPr lang="en-US"/>
               <a:t>Fourth level</a:t>
             </a:r>
           </a:p>
           <a:p>
             <a:pPr lvl="4"/>
             <a:r>
-              <a:rPr lang="en-US" smtClean="0"/>
+              <a:rPr lang="en-US"/>
               <a:t>Fifth level</a:t>
             </a:r>
-            <a:endParaRPr lang="en-US"/>
           </a:p>
         </p:txBody>
       </p:sp>
@@ -2133,7 +2121,7 @@
           <a:p>
             <a:fld id="{78C97017-6FC3-485B-9764-EAC9E56C1D49}" type="datetimeFigureOut">
               <a:rPr lang="en-US" smtClean="0"/>
-              <a:t>2/6/2017</a:t>
+              <a:t>5/30/2017</a:t>
             </a:fld>
             <a:endParaRPr lang="en-US"/>
           </a:p>
@@ -2227,10 +2215,9 @@
           <a:lstStyle/>
           <a:p>
             <a:r>
-              <a:rPr lang="en-US" smtClean="0"/>
+              <a:rPr lang="en-US"/>
               <a:t>Click to edit Master title style</a:t>
             </a:r>
-            <a:endParaRPr lang="en-US"/>
           </a:p>
         </p:txBody>
       </p:sp>
@@ -2251,7 +2238,7 @@
           <a:p>
             <a:fld id="{78C97017-6FC3-485B-9764-EAC9E56C1D49}" type="datetimeFigureOut">
               <a:rPr lang="en-US" smtClean="0"/>
-              <a:t>2/6/2017</a:t>
+              <a:t>5/30/2017</a:t>
             </a:fld>
             <a:endParaRPr lang="en-US"/>
           </a:p>
@@ -2346,7 +2333,7 @@
           <a:p>
             <a:fld id="{78C97017-6FC3-485B-9764-EAC9E56C1D49}" type="datetimeFigureOut">
               <a:rPr lang="en-US" smtClean="0"/>
-              <a:t>2/6/2017</a:t>
+              <a:t>5/30/2017</a:t>
             </a:fld>
             <a:endParaRPr lang="en-US"/>
           </a:p>
@@ -2449,10 +2436,9 @@
           </a:lstStyle>
           <a:p>
             <a:r>
-              <a:rPr lang="en-US" smtClean="0"/>
+              <a:rPr lang="en-US"/>
               <a:t>Click to edit Master title style</a:t>
             </a:r>
-            <a:endParaRPr lang="en-US"/>
           </a:p>
         </p:txBody>
       </p:sp>
@@ -2506,38 +2492,37 @@
           <a:p>
             <a:pPr lvl="0"/>
             <a:r>
-              <a:rPr lang="en-US" smtClean="0"/>
+              <a:rPr lang="en-US"/>
               <a:t>Click to edit Master text styles</a:t>
             </a:r>
           </a:p>
           <a:p>
             <a:pPr lvl="1"/>
             <a:r>
-              <a:rPr lang="en-US" smtClean="0"/>
+              <a:rPr lang="en-US"/>
               <a:t>Second level</a:t>
             </a:r>
           </a:p>
           <a:p>
             <a:pPr lvl="2"/>
             <a:r>
-              <a:rPr lang="en-US" smtClean="0"/>
+              <a:rPr lang="en-US"/>
               <a:t>Third level</a:t>
             </a:r>
           </a:p>
           <a:p>
             <a:pPr lvl="3"/>
             <a:r>
-              <a:rPr lang="en-US" smtClean="0"/>
+              <a:rPr lang="en-US"/>
               <a:t>Fourth level</a:t>
             </a:r>
           </a:p>
           <a:p>
             <a:pPr lvl="4"/>
             <a:r>
-              <a:rPr lang="en-US" smtClean="0"/>
+              <a:rPr lang="en-US"/>
               <a:t>Fifth level</a:t>
             </a:r>
-            <a:endParaRPr lang="en-US"/>
           </a:p>
         </p:txBody>
       </p:sp>
@@ -2600,7 +2585,7 @@
           <a:p>
             <a:pPr lvl="0"/>
             <a:r>
-              <a:rPr lang="en-US" smtClean="0"/>
+              <a:rPr lang="en-US"/>
               <a:t>Click to edit Master text styles</a:t>
             </a:r>
           </a:p>
@@ -2623,7 +2608,7 @@
           <a:p>
             <a:fld id="{78C97017-6FC3-485B-9764-EAC9E56C1D49}" type="datetimeFigureOut">
               <a:rPr lang="en-US" smtClean="0"/>
-              <a:t>2/6/2017</a:t>
+              <a:t>5/30/2017</a:t>
             </a:fld>
             <a:endParaRPr lang="en-US"/>
           </a:p>
@@ -2726,10 +2711,9 @@
           </a:lstStyle>
           <a:p>
             <a:r>
-              <a:rPr lang="en-US" smtClean="0"/>
+              <a:rPr lang="en-US"/>
               <a:t>Click to edit Master title style</a:t>
             </a:r>
-            <a:endParaRPr lang="en-US"/>
           </a:p>
         </p:txBody>
       </p:sp>
@@ -2853,7 +2837,7 @@
           <a:p>
             <a:pPr lvl="0"/>
             <a:r>
-              <a:rPr lang="en-US" smtClean="0"/>
+              <a:rPr lang="en-US"/>
               <a:t>Click to edit Master text styles</a:t>
             </a:r>
           </a:p>
@@ -2876,7 +2860,7 @@
           <a:p>
             <a:fld id="{78C97017-6FC3-485B-9764-EAC9E56C1D49}" type="datetimeFigureOut">
               <a:rPr lang="en-US" smtClean="0"/>
-              <a:t>2/6/2017</a:t>
+              <a:t>5/30/2017</a:t>
             </a:fld>
             <a:endParaRPr lang="en-US"/>
           </a:p>
@@ -2985,10 +2969,9 @@
           <a:lstStyle/>
           <a:p>
             <a:r>
-              <a:rPr lang="en-US" smtClean="0"/>
+              <a:rPr lang="en-US"/>
               <a:t>Click to edit Master title style</a:t>
             </a:r>
-            <a:endParaRPr lang="en-US"/>
           </a:p>
         </p:txBody>
       </p:sp>
@@ -3019,38 +3002,37 @@
           <a:p>
             <a:pPr lvl="0"/>
             <a:r>
-              <a:rPr lang="en-US" smtClean="0"/>
+              <a:rPr lang="en-US"/>
               <a:t>Click to edit Master text styles</a:t>
             </a:r>
           </a:p>
           <a:p>
             <a:pPr lvl="1"/>
             <a:r>
-              <a:rPr lang="en-US" smtClean="0"/>
+              <a:rPr lang="en-US"/>
               <a:t>Second level</a:t>
             </a:r>
           </a:p>
           <a:p>
             <a:pPr lvl="2"/>
             <a:r>
-              <a:rPr lang="en-US" smtClean="0"/>
+              <a:rPr lang="en-US"/>
               <a:t>Third level</a:t>
             </a:r>
           </a:p>
           <a:p>
             <a:pPr lvl="3"/>
             <a:r>
-              <a:rPr lang="en-US" smtClean="0"/>
+              <a:rPr lang="en-US"/>
               <a:t>Fourth level</a:t>
             </a:r>
           </a:p>
           <a:p>
             <a:pPr lvl="4"/>
             <a:r>
-              <a:rPr lang="en-US" smtClean="0"/>
+              <a:rPr lang="en-US"/>
               <a:t>Fifth level</a:t>
             </a:r>
-            <a:endParaRPr lang="en-US"/>
           </a:p>
         </p:txBody>
       </p:sp>
@@ -3089,7 +3071,7 @@
           <a:p>
             <a:fld id="{78C97017-6FC3-485B-9764-EAC9E56C1D49}" type="datetimeFigureOut">
               <a:rPr lang="en-US" smtClean="0"/>
-              <a:t>2/6/2017</a:t>
+              <a:t>5/30/2017</a:t>
             </a:fld>
             <a:endParaRPr lang="en-US"/>
           </a:p>
@@ -3472,8 +3454,8 @@
         </p:nvSpPr>
         <p:spPr>
           <a:xfrm>
-            <a:off x="685800" y="1981200"/>
-            <a:ext cx="7252956" cy="4000286"/>
+            <a:off x="679207" y="838200"/>
+            <a:ext cx="7252956" cy="5171150"/>
           </a:xfrm>
           <a:prstGeom prst="roundRect">
             <a:avLst>
@@ -3510,7 +3492,7 @@
           <a:lstStyle/>
           <a:p>
             <a:r>
-              <a:rPr lang="en-US" sz="1200" b="1" dirty="0" smtClean="0">
+              <a:rPr lang="en-US" sz="1200" b="1" dirty="0">
                 <a:solidFill>
                   <a:srgbClr val="0070C0"/>
                 </a:solidFill>
@@ -3533,7 +3515,7 @@
         </p:nvSpPr>
         <p:spPr>
           <a:xfrm>
-            <a:off x="845045" y="2296546"/>
+            <a:off x="845045" y="1233865"/>
             <a:ext cx="1455629" cy="346760"/>
           </a:xfrm>
           <a:prstGeom prst="rect">
@@ -3600,7 +3582,7 @@
         </p:nvCxnSpPr>
         <p:spPr>
           <a:xfrm>
-            <a:off x="1572859" y="2660217"/>
+            <a:off x="1572859" y="1597536"/>
             <a:ext cx="0" cy="2597583"/>
           </a:xfrm>
           <a:prstGeom prst="line">
@@ -3637,8 +3619,8 @@
         </p:nvSpPr>
         <p:spPr>
           <a:xfrm>
-            <a:off x="1500851" y="3010911"/>
-            <a:ext cx="152400" cy="2780287"/>
+            <a:off x="1474572" y="1580625"/>
+            <a:ext cx="178679" cy="4210574"/>
           </a:xfrm>
           <a:prstGeom prst="rect">
             <a:avLst/>
@@ -3684,7 +3666,7 @@
         </p:nvSpPr>
         <p:spPr>
           <a:xfrm>
-            <a:off x="2809782" y="2300233"/>
+            <a:off x="2809782" y="1237552"/>
             <a:ext cx="1093635" cy="346760"/>
           </a:xfrm>
           <a:prstGeom prst="rect">
@@ -3720,7 +3702,7 @@
           <a:p>
             <a:pPr algn="ctr"/>
             <a:r>
-              <a:rPr lang="en-US" sz="1600" dirty="0" smtClean="0">
+              <a:rPr lang="en-US" sz="1600" dirty="0">
                 <a:solidFill>
                   <a:schemeClr val="bg1"/>
                 </a:solidFill>
@@ -3742,9 +3724,9 @@
           <p:nvPr/>
         </p:nvCxnSpPr>
         <p:spPr>
-          <a:xfrm>
-            <a:off x="3356599" y="2663904"/>
-            <a:ext cx="0" cy="1695374"/>
+          <a:xfrm flipH="1">
+            <a:off x="3352800" y="1616867"/>
+            <a:ext cx="3799" cy="1964533"/>
           </a:xfrm>
           <a:prstGeom prst="line">
             <a:avLst/>
@@ -3780,8 +3762,8 @@
         </p:nvSpPr>
         <p:spPr>
           <a:xfrm>
-            <a:off x="3284590" y="3122096"/>
-            <a:ext cx="174929" cy="1129459"/>
+            <a:off x="3295897" y="1704706"/>
+            <a:ext cx="148295" cy="1800493"/>
           </a:xfrm>
           <a:prstGeom prst="rect">
             <a:avLst/>
@@ -3831,7 +3813,7 @@
         </p:nvSpPr>
         <p:spPr>
           <a:xfrm>
-            <a:off x="6221565" y="3312740"/>
+            <a:off x="6223917" y="1828681"/>
             <a:ext cx="1093635" cy="461538"/>
           </a:xfrm>
           <a:prstGeom prst="rect">
@@ -3867,20 +3849,12 @@
           <a:p>
             <a:pPr algn="ctr"/>
             <a:r>
-              <a:rPr lang="en-US" sz="1600" dirty="0" smtClean="0">
+              <a:rPr lang="en-US" sz="1600" dirty="0">
                 <a:solidFill>
                   <a:schemeClr val="bg1"/>
                 </a:solidFill>
               </a:rPr>
               <a:t>d:Delete</a:t>
-            </a:r>
-            <a:r>
-              <a:rPr lang="en-US" sz="1600" dirty="0">
-                <a:solidFill>
-                  <a:schemeClr val="bg1"/>
-                </a:solidFill>
-              </a:rPr>
-              <a:t/>
             </a:r>
             <a:br>
               <a:rPr lang="en-US" sz="1600" dirty="0">
@@ -3914,9 +3888,9 @@
           <p:nvPr/>
         </p:nvCxnSpPr>
         <p:spPr>
-          <a:xfrm>
-            <a:off x="6772574" y="3774278"/>
-            <a:ext cx="0" cy="1940722"/>
+          <a:xfrm flipH="1">
+            <a:off x="6759123" y="2298210"/>
+            <a:ext cx="1060" cy="3340590"/>
           </a:xfrm>
           <a:prstGeom prst="line">
             <a:avLst/>
@@ -3952,8 +3926,8 @@
         </p:nvSpPr>
         <p:spPr>
           <a:xfrm>
-            <a:off x="6696374" y="3774278"/>
-            <a:ext cx="152400" cy="276003"/>
+            <a:off x="6680245" y="2298210"/>
+            <a:ext cx="159876" cy="239660"/>
           </a:xfrm>
           <a:prstGeom prst="rect">
             <a:avLst/>
@@ -3999,7 +3973,7 @@
         </p:nvCxnSpPr>
         <p:spPr>
           <a:xfrm>
-            <a:off x="381000" y="3014599"/>
+            <a:off x="381000" y="1667421"/>
             <a:ext cx="1119851" cy="0"/>
           </a:xfrm>
           <a:prstGeom prst="straightConnector1">
@@ -4035,8 +4009,8 @@
         </p:nvCxnSpPr>
         <p:spPr>
           <a:xfrm flipV="1">
-            <a:off x="1653251" y="3122097"/>
-            <a:ext cx="1596514" cy="1"/>
+            <a:off x="1622728" y="1733023"/>
+            <a:ext cx="1652248" cy="1"/>
           </a:xfrm>
           <a:prstGeom prst="straightConnector1">
             <a:avLst/>
@@ -4071,7 +4045,7 @@
         </p:nvSpPr>
         <p:spPr>
           <a:xfrm>
-            <a:off x="0" y="2743200"/>
+            <a:off x="8762" y="1712298"/>
             <a:ext cx="1424846" cy="215444"/>
           </a:xfrm>
           <a:prstGeom prst="rect">
@@ -4087,18 +4061,13 @@
           <a:p>
             <a:pPr algn="r"/>
             <a:r>
-              <a:rPr lang="en-US" sz="1400" dirty="0" smtClean="0">
+              <a:rPr lang="en-US" sz="1400" dirty="0">
                 <a:solidFill>
                   <a:srgbClr val="0070C0"/>
                 </a:solidFill>
               </a:rPr>
               <a:t>execute(“delete 1”)</a:t>
             </a:r>
-            <a:endParaRPr lang="en-US" sz="1400" dirty="0">
-              <a:solidFill>
-                <a:srgbClr val="0070C0"/>
-              </a:solidFill>
-            </a:endParaRPr>
           </a:p>
         </p:txBody>
       </p:sp>
@@ -4110,8 +4079,8 @@
         </p:nvCxnSpPr>
         <p:spPr>
           <a:xfrm flipV="1">
-            <a:off x="5257218" y="3703214"/>
-            <a:ext cx="922392" cy="1"/>
+            <a:off x="5240170" y="2284113"/>
+            <a:ext cx="1000086" cy="1887"/>
           </a:xfrm>
           <a:prstGeom prst="straightConnector1">
             <a:avLst/>
@@ -4146,7 +4115,7 @@
         </p:nvSpPr>
         <p:spPr>
           <a:xfrm>
-            <a:off x="4257582" y="4251556"/>
+            <a:off x="4250375" y="3808387"/>
             <a:ext cx="855809" cy="215444"/>
           </a:xfrm>
           <a:prstGeom prst="rect">
@@ -4186,8 +4155,8 @@
         </p:nvCxnSpPr>
         <p:spPr>
           <a:xfrm>
-            <a:off x="5257800" y="4050281"/>
-            <a:ext cx="1492974" cy="0"/>
+            <a:off x="5245358" y="2514600"/>
+            <a:ext cx="1471957" cy="0"/>
           </a:xfrm>
           <a:prstGeom prst="straightConnector1">
             <a:avLst/>
@@ -4224,7 +4193,7 @@
         </p:nvCxnSpPr>
         <p:spPr>
           <a:xfrm flipV="1">
-            <a:off x="1670186" y="4243231"/>
+            <a:off x="1676638" y="3489050"/>
             <a:ext cx="1596514" cy="5378"/>
           </a:xfrm>
           <a:prstGeom prst="straightConnector1">
@@ -4300,8 +4269,8 @@
         </p:nvSpPr>
         <p:spPr>
           <a:xfrm>
-            <a:off x="8265896" y="2362200"/>
-            <a:ext cx="1030504" cy="346760"/>
+            <a:off x="8325699" y="1326657"/>
+            <a:ext cx="774233" cy="346760"/>
           </a:xfrm>
           <a:prstGeom prst="rect">
             <a:avLst/>
@@ -4365,7 +4334,7 @@
         </p:nvCxnSpPr>
         <p:spPr>
           <a:xfrm>
-            <a:off x="1653251" y="4495317"/>
+            <a:off x="1646044" y="4052148"/>
             <a:ext cx="5043123" cy="0"/>
           </a:xfrm>
           <a:prstGeom prst="straightConnector1">
@@ -4401,7 +4370,7 @@
         </p:nvSpPr>
         <p:spPr>
           <a:xfrm>
-            <a:off x="6687452" y="4467000"/>
+            <a:off x="6680245" y="4023831"/>
             <a:ext cx="161322" cy="1019400"/>
           </a:xfrm>
           <a:prstGeom prst="rect">
@@ -4443,13 +4412,15 @@
       <p:cxnSp>
         <p:nvCxnSpPr>
           <p:cNvPr id="71" name="Straight Connector 70"/>
-          <p:cNvCxnSpPr/>
+          <p:cNvCxnSpPr>
+            <a:stCxn id="39" idx="2"/>
+          </p:cNvCxnSpPr>
           <p:nvPr/>
         </p:nvCxnSpPr>
         <p:spPr>
           <a:xfrm>
-            <a:off x="8781148" y="2700858"/>
-            <a:ext cx="0" cy="2830598"/>
+            <a:off x="8712816" y="1673417"/>
+            <a:ext cx="7672" cy="3965383"/>
           </a:xfrm>
           <a:prstGeom prst="line">
             <a:avLst/>
@@ -4488,7 +4459,7 @@
         </p:nvSpPr>
         <p:spPr>
           <a:xfrm>
-            <a:off x="8686800" y="4524597"/>
+            <a:off x="8640452" y="4071678"/>
             <a:ext cx="152400" cy="199803"/>
           </a:xfrm>
           <a:prstGeom prst="rect">
@@ -4545,7 +4516,7 @@
         </p:nvCxnSpPr>
         <p:spPr>
           <a:xfrm>
-            <a:off x="6850663" y="4524597"/>
+            <a:off x="6843456" y="4081428"/>
             <a:ext cx="1836137" cy="0"/>
           </a:xfrm>
           <a:prstGeom prst="straightConnector1">
@@ -4581,7 +4552,7 @@
         </p:nvCxnSpPr>
         <p:spPr>
           <a:xfrm flipV="1">
-            <a:off x="6848774" y="4714650"/>
+            <a:off x="6841567" y="4271481"/>
             <a:ext cx="1838026" cy="9750"/>
           </a:xfrm>
           <a:prstGeom prst="straightConnector1">
@@ -4622,7 +4593,7 @@
         </p:nvCxnSpPr>
         <p:spPr>
           <a:xfrm>
-            <a:off x="1653251" y="5486400"/>
+            <a:off x="1646044" y="5043231"/>
             <a:ext cx="5052349" cy="0"/>
           </a:xfrm>
           <a:prstGeom prst="straightConnector1">
@@ -4660,7 +4631,7 @@
         </p:nvSpPr>
         <p:spPr>
           <a:xfrm>
-            <a:off x="6984957" y="4267200"/>
+            <a:off x="6977750" y="3824031"/>
             <a:ext cx="1424846" cy="215444"/>
           </a:xfrm>
           <a:prstGeom prst="rect">
@@ -4686,7 +4657,7 @@
           </a:lstStyle>
           <a:p>
             <a:r>
-              <a:rPr lang="en-US" dirty="0" err="1" smtClean="0">
+              <a:rPr lang="en-US" dirty="0" err="1">
                 <a:solidFill>
                   <a:srgbClr val="7030A0"/>
                 </a:solidFill>
@@ -4694,18 +4665,13 @@
               <a:t>deletePerson</a:t>
             </a:r>
             <a:r>
-              <a:rPr lang="en-US" dirty="0" smtClean="0">
+              <a:rPr lang="en-US" dirty="0">
                 <a:solidFill>
                   <a:srgbClr val="7030A0"/>
                 </a:solidFill>
               </a:rPr>
               <a:t>(p)</a:t>
             </a:r>
-            <a:endParaRPr lang="en-US" dirty="0">
-              <a:solidFill>
-                <a:srgbClr val="7030A0"/>
-              </a:solidFill>
-            </a:endParaRPr>
           </a:p>
         </p:txBody>
       </p:sp>
@@ -4717,7 +4683,7 @@
         </p:nvSpPr>
         <p:spPr>
           <a:xfrm>
-            <a:off x="3847551" y="3657600"/>
+            <a:off x="3463524" y="2234652"/>
             <a:ext cx="767033" cy="184666"/>
           </a:xfrm>
           <a:prstGeom prst="rect">
@@ -4744,13 +4710,8 @@
           <a:p>
             <a:r>
               <a:rPr lang="en-US" sz="1200" dirty="0"/>
-              <a:t>p</a:t>
-            </a:r>
-            <a:r>
-              <a:rPr lang="en-US" sz="1200" dirty="0" smtClean="0"/>
-              <a:t>arse(“1”)</a:t>
-            </a:r>
-            <a:endParaRPr lang="en-US" sz="1200" dirty="0"/>
+              <a:t>parse(“1”)</a:t>
+            </a:r>
           </a:p>
         </p:txBody>
       </p:sp>
@@ -4762,7 +4723,7 @@
         </p:nvSpPr>
         <p:spPr>
           <a:xfrm>
-            <a:off x="1742982" y="2850922"/>
+            <a:off x="1716919" y="1761341"/>
             <a:ext cx="1424846" cy="215444"/>
           </a:xfrm>
           <a:prstGeom prst="rect">
@@ -4788,10 +4749,9 @@
           </a:lstStyle>
           <a:p>
             <a:r>
-              <a:rPr lang="en-US" dirty="0" smtClean="0"/>
+              <a:rPr lang="en-US" dirty="0"/>
               <a:t>parse(“delete 1”)</a:t>
             </a:r>
-            <a:endParaRPr lang="en-US" dirty="0"/>
           </a:p>
         </p:txBody>
       </p:sp>
@@ -4803,8 +4763,8 @@
         </p:nvSpPr>
         <p:spPr>
           <a:xfrm>
-            <a:off x="4340137" y="5255323"/>
-            <a:ext cx="621216" cy="215444"/>
+            <a:off x="3726593" y="4812154"/>
+            <a:ext cx="1227553" cy="215444"/>
           </a:xfrm>
           <a:prstGeom prst="rect">
             <a:avLst/>
@@ -4829,8 +4789,8 @@
           </a:lstStyle>
           <a:p>
             <a:r>
-              <a:rPr lang="en-US" dirty="0" smtClean="0"/>
-              <a:t>result</a:t>
+              <a:rPr lang="en-US"/>
+              <a:t>commandResult</a:t>
             </a:r>
             <a:endParaRPr lang="en-US" dirty="0"/>
           </a:p>
@@ -4844,8 +4804,8 @@
         </p:nvSpPr>
         <p:spPr>
           <a:xfrm>
-            <a:off x="599983" y="5538488"/>
-            <a:ext cx="762000" cy="215444"/>
+            <a:off x="152400" y="5538488"/>
+            <a:ext cx="1209583" cy="215444"/>
           </a:xfrm>
           <a:prstGeom prst="rect">
             <a:avLst/>
@@ -4870,8 +4830,8 @@
           </a:lstStyle>
           <a:p>
             <a:r>
-              <a:rPr lang="en-US" dirty="0" smtClean="0"/>
-              <a:t>result</a:t>
+              <a:rPr lang="en-US"/>
+              <a:t>executionResult</a:t>
             </a:r>
             <a:endParaRPr lang="en-US" dirty="0"/>
           </a:p>
@@ -4885,7 +4845,7 @@
         </p:nvSpPr>
         <p:spPr>
           <a:xfrm>
-            <a:off x="7020246" y="4777286"/>
+            <a:off x="7013039" y="4334117"/>
             <a:ext cx="1590354" cy="461538"/>
           </a:xfrm>
           <a:prstGeom prst="rect">
@@ -4921,20 +4881,31 @@
           <a:p>
             <a:pPr algn="ctr"/>
             <a:r>
-              <a:rPr lang="en-US" sz="1600" dirty="0" err="1" smtClean="0">
+              <a:rPr lang="en-US" sz="1600" dirty="0" err="1">
                 <a:solidFill>
                   <a:schemeClr val="bg1"/>
                 </a:solidFill>
               </a:rPr>
-              <a:t>result:Command</a:t>
-            </a:r>
-            <a:r>
-              <a:rPr lang="en-US" sz="1600" dirty="0" smtClean="0">
+              <a:t>commandResult</a:t>
+            </a:r>
+            <a:r>
+              <a:rPr lang="en-US" sz="1600" dirty="0">
                 <a:solidFill>
                   <a:schemeClr val="bg1"/>
                 </a:solidFill>
               </a:rPr>
-              <a:t> Result</a:t>
+              <a:t>:</a:t>
+            </a:r>
+          </a:p>
+          <a:p>
+            <a:pPr algn="ctr"/>
+            <a:r>
+              <a:rPr lang="en-US" sz="1600" dirty="0" err="1">
+                <a:solidFill>
+                  <a:schemeClr val="bg1"/>
+                </a:solidFill>
+              </a:rPr>
+              <a:t>CommandResult</a:t>
             </a:r>
             <a:endParaRPr lang="en-SG" sz="1600" dirty="0">
               <a:solidFill>
@@ -4952,7 +4923,7 @@
         </p:nvSpPr>
         <p:spPr>
           <a:xfrm>
-            <a:off x="7777323" y="5238824"/>
+            <a:off x="7770116" y="4795655"/>
             <a:ext cx="152400" cy="171376"/>
           </a:xfrm>
           <a:prstGeom prst="rect">
@@ -4999,7 +4970,7 @@
         </p:nvCxnSpPr>
         <p:spPr>
           <a:xfrm>
-            <a:off x="6858000" y="5410200"/>
+            <a:off x="6850793" y="4967031"/>
             <a:ext cx="966624" cy="0"/>
           </a:xfrm>
           <a:prstGeom prst="straightConnector1">
@@ -5031,14 +5002,486 @@
       </p:cxnSp>
       <p:sp>
         <p:nvSpPr>
-          <p:cNvPr id="93" name="TextBox 92"/>
+          <p:cNvPr id="40" name="Rectangle 62"/>
+          <p:cNvSpPr/>
+          <p:nvPr/>
+        </p:nvSpPr>
+        <p:spPr>
+          <a:xfrm>
+            <a:off x="4230557" y="1530405"/>
+            <a:ext cx="1778201" cy="432035"/>
+          </a:xfrm>
+          <a:prstGeom prst="rect">
+            <a:avLst/>
+          </a:prstGeom>
+          <a:solidFill>
+            <a:srgbClr val="0070C0"/>
+          </a:solidFill>
+          <a:ln w="19050">
+            <a:solidFill>
+              <a:srgbClr val="0070C0"/>
+            </a:solidFill>
+          </a:ln>
+          <a:effectLst/>
+        </p:spPr>
+        <p:style>
+          <a:lnRef idx="1">
+            <a:schemeClr val="accent2"/>
+          </a:lnRef>
+          <a:fillRef idx="2">
+            <a:schemeClr val="accent2"/>
+          </a:fillRef>
+          <a:effectRef idx="1">
+            <a:schemeClr val="accent2"/>
+          </a:effectRef>
+          <a:fontRef idx="minor">
+            <a:schemeClr val="dk1"/>
+          </a:fontRef>
+        </p:style>
+        <p:txBody>
+          <a:bodyPr rtlCol="0" anchor="ctr"/>
+          <a:lstStyle/>
+          <a:p>
+            <a:pPr algn="ctr"/>
+            <a:r>
+              <a:rPr lang="en-US" sz="1600" dirty="0">
+                <a:solidFill>
+                  <a:schemeClr val="bg1"/>
+                </a:solidFill>
+              </a:rPr>
+              <a:t>:</a:t>
+            </a:r>
+            <a:r>
+              <a:rPr lang="en-US" sz="1600" dirty="0" err="1">
+                <a:solidFill>
+                  <a:schemeClr val="bg1"/>
+                </a:solidFill>
+              </a:rPr>
+              <a:t>DeleteCommand</a:t>
+            </a:r>
+            <a:endParaRPr lang="en-US" sz="1600" dirty="0">
+              <a:solidFill>
+                <a:schemeClr val="bg1"/>
+              </a:solidFill>
+            </a:endParaRPr>
+          </a:p>
+          <a:p>
+            <a:pPr algn="ctr"/>
+            <a:r>
+              <a:rPr lang="en-US" sz="1600" dirty="0">
+                <a:solidFill>
+                  <a:schemeClr val="bg1"/>
+                </a:solidFill>
+              </a:rPr>
+              <a:t>Parser</a:t>
+            </a:r>
+            <a:endParaRPr lang="en-SG" sz="1600" dirty="0">
+              <a:solidFill>
+                <a:schemeClr val="bg1"/>
+              </a:solidFill>
+            </a:endParaRPr>
+          </a:p>
+        </p:txBody>
+      </p:sp>
+      <p:cxnSp>
+        <p:nvCxnSpPr>
+          <p:cNvPr id="8" name="Straight Arrow Connector 7"/>
+          <p:cNvCxnSpPr/>
+          <p:nvPr/>
+        </p:nvCxnSpPr>
+        <p:spPr>
+          <a:xfrm flipV="1">
+            <a:off x="3479110" y="2233406"/>
+            <a:ext cx="1602134" cy="202"/>
+          </a:xfrm>
+          <a:prstGeom prst="straightConnector1">
+            <a:avLst/>
+          </a:prstGeom>
+          <a:ln w="19050">
+            <a:headEnd type="none" w="med" len="med"/>
+            <a:tailEnd type="arrow" w="med" len="med"/>
+          </a:ln>
+        </p:spPr>
+        <p:style>
+          <a:lnRef idx="1">
+            <a:schemeClr val="accent1"/>
+          </a:lnRef>
+          <a:fillRef idx="0">
+            <a:schemeClr val="accent1"/>
+          </a:fillRef>
+          <a:effectRef idx="0">
+            <a:schemeClr val="accent1"/>
+          </a:effectRef>
+          <a:fontRef idx="minor">
+            <a:schemeClr val="tx1"/>
+          </a:fontRef>
+        </p:style>
+      </p:cxnSp>
+      <p:sp>
+        <p:nvSpPr>
+          <p:cNvPr id="45" name="Rectangle 44"/>
+          <p:cNvSpPr/>
+          <p:nvPr/>
+        </p:nvSpPr>
+        <p:spPr>
+          <a:xfrm>
+            <a:off x="5059948" y="1978074"/>
+            <a:ext cx="173696" cy="129364"/>
+          </a:xfrm>
+          <a:prstGeom prst="rect">
+            <a:avLst/>
+          </a:prstGeom>
+          <a:solidFill>
+            <a:srgbClr val="0070C0"/>
+          </a:solidFill>
+          <a:ln>
+            <a:solidFill>
+              <a:srgbClr val="0070C0"/>
+            </a:solidFill>
+          </a:ln>
+          <a:effectLst/>
+        </p:spPr>
+        <p:style>
+          <a:lnRef idx="1">
+            <a:schemeClr val="accent3"/>
+          </a:lnRef>
+          <a:fillRef idx="2">
+            <a:schemeClr val="accent3"/>
+          </a:fillRef>
+          <a:effectRef idx="1">
+            <a:schemeClr val="accent3"/>
+          </a:effectRef>
+          <a:fontRef idx="minor">
+            <a:schemeClr val="dk1"/>
+          </a:fontRef>
+        </p:style>
+        <p:txBody>
+          <a:bodyPr rtlCol="0" anchor="ctr"/>
+          <a:lstStyle/>
+          <a:p>
+            <a:pPr algn="ctr"/>
+            <a:endParaRPr lang="en-SG" sz="1400"/>
+          </a:p>
+        </p:txBody>
+      </p:sp>
+      <p:cxnSp>
+        <p:nvCxnSpPr>
+          <p:cNvPr id="46" name="Straight Connector 45"/>
+          <p:cNvCxnSpPr/>
+          <p:nvPr/>
+        </p:nvCxnSpPr>
+        <p:spPr>
+          <a:xfrm flipH="1">
+            <a:off x="5154362" y="1995586"/>
+            <a:ext cx="6583" cy="1585814"/>
+          </a:xfrm>
+          <a:prstGeom prst="line">
+            <a:avLst/>
+          </a:prstGeom>
+          <a:ln w="19050">
+            <a:solidFill>
+              <a:srgbClr val="0070C0"/>
+            </a:solidFill>
+            <a:prstDash val="sysDash"/>
+          </a:ln>
+          <a:effectLst/>
+        </p:spPr>
+        <p:style>
+          <a:lnRef idx="1">
+            <a:schemeClr val="accent1"/>
+          </a:lnRef>
+          <a:fillRef idx="2">
+            <a:schemeClr val="accent1"/>
+          </a:fillRef>
+          <a:effectRef idx="1">
+            <a:schemeClr val="accent1"/>
+          </a:effectRef>
+          <a:fontRef idx="minor">
+            <a:schemeClr val="dk1"/>
+          </a:fontRef>
+        </p:style>
+      </p:cxnSp>
+      <p:sp>
+        <p:nvSpPr>
+          <p:cNvPr id="49" name="Rectangle 48"/>
+          <p:cNvSpPr/>
+          <p:nvPr/>
+        </p:nvSpPr>
+        <p:spPr>
+          <a:xfrm>
+            <a:off x="5047708" y="3222857"/>
+            <a:ext cx="205843" cy="146446"/>
+          </a:xfrm>
+          <a:prstGeom prst="rect">
+            <a:avLst/>
+          </a:prstGeom>
+          <a:solidFill>
+            <a:srgbClr val="0070C0"/>
+          </a:solidFill>
+          <a:ln>
+            <a:solidFill>
+              <a:srgbClr val="0070C0"/>
+            </a:solidFill>
+          </a:ln>
+          <a:effectLst/>
+        </p:spPr>
+        <p:style>
+          <a:lnRef idx="1">
+            <a:schemeClr val="accent3"/>
+          </a:lnRef>
+          <a:fillRef idx="2">
+            <a:schemeClr val="accent3"/>
+          </a:fillRef>
+          <a:effectRef idx="1">
+            <a:schemeClr val="accent3"/>
+          </a:effectRef>
+          <a:fontRef idx="minor">
+            <a:schemeClr val="dk1"/>
+          </a:fontRef>
+        </p:style>
+        <p:txBody>
+          <a:bodyPr rtlCol="0" anchor="ctr"/>
+          <a:lstStyle/>
+          <a:p>
+            <a:pPr algn="ctr"/>
+            <a:endParaRPr lang="en-SG" sz="1400"/>
+          </a:p>
+        </p:txBody>
+      </p:sp>
+      <p:cxnSp>
+        <p:nvCxnSpPr>
+          <p:cNvPr id="51" name="Straight Arrow Connector 50"/>
+          <p:cNvCxnSpPr/>
+          <p:nvPr/>
+        </p:nvCxnSpPr>
+        <p:spPr>
+          <a:xfrm flipV="1">
+            <a:off x="3444193" y="3369330"/>
+            <a:ext cx="1710169" cy="2879"/>
+          </a:xfrm>
+          <a:prstGeom prst="straightConnector1">
+            <a:avLst/>
+          </a:prstGeom>
+          <a:ln w="19050">
+            <a:solidFill>
+              <a:srgbClr val="0070C0"/>
+            </a:solidFill>
+            <a:prstDash val="sysDash"/>
+            <a:headEnd type="arrow" w="med" len="med"/>
+            <a:tailEnd type="none" w="med" len="med"/>
+          </a:ln>
+        </p:spPr>
+        <p:style>
+          <a:lnRef idx="1">
+            <a:schemeClr val="accent1"/>
+          </a:lnRef>
+          <a:fillRef idx="0">
+            <a:schemeClr val="accent1"/>
+          </a:fillRef>
+          <a:effectRef idx="0">
+            <a:schemeClr val="accent1"/>
+          </a:effectRef>
+          <a:fontRef idx="minor">
+            <a:schemeClr val="tx1"/>
+          </a:fontRef>
+        </p:style>
+      </p:cxnSp>
+      <p:cxnSp>
+        <p:nvCxnSpPr>
+          <p:cNvPr id="13" name="Straight Arrow Connector 12"/>
+          <p:cNvCxnSpPr/>
+          <p:nvPr/>
+        </p:nvCxnSpPr>
+        <p:spPr>
+          <a:xfrm>
+            <a:off x="6850793" y="4586031"/>
+            <a:ext cx="162246" cy="0"/>
+          </a:xfrm>
+          <a:prstGeom prst="straightConnector1">
+            <a:avLst/>
+          </a:prstGeom>
+          <a:ln w="19050">
+            <a:headEnd type="none" w="med" len="med"/>
+            <a:tailEnd type="arrow" w="med" len="med"/>
+          </a:ln>
+        </p:spPr>
+        <p:style>
+          <a:lnRef idx="1">
+            <a:schemeClr val="accent1"/>
+          </a:lnRef>
+          <a:fillRef idx="0">
+            <a:schemeClr val="accent1"/>
+          </a:fillRef>
+          <a:effectRef idx="0">
+            <a:schemeClr val="accent1"/>
+          </a:effectRef>
+          <a:fontRef idx="minor">
+            <a:schemeClr val="tx1"/>
+          </a:fontRef>
+        </p:style>
+      </p:cxnSp>
+      <p:cxnSp>
+        <p:nvCxnSpPr>
+          <p:cNvPr id="50" name="Straight Arrow Connector 49"/>
+          <p:cNvCxnSpPr/>
+          <p:nvPr/>
+        </p:nvCxnSpPr>
+        <p:spPr>
+          <a:xfrm>
+            <a:off x="3428608" y="1763091"/>
+            <a:ext cx="819556" cy="1"/>
+          </a:xfrm>
+          <a:prstGeom prst="straightConnector1">
+            <a:avLst/>
+          </a:prstGeom>
+          <a:ln w="19050">
+            <a:solidFill>
+              <a:srgbClr val="0070C0"/>
+            </a:solidFill>
+            <a:tailEnd type="arrow"/>
+          </a:ln>
+        </p:spPr>
+        <p:style>
+          <a:lnRef idx="1">
+            <a:schemeClr val="accent1"/>
+          </a:lnRef>
+          <a:fillRef idx="0">
+            <a:schemeClr val="accent1"/>
+          </a:fillRef>
+          <a:effectRef idx="0">
+            <a:schemeClr val="accent1"/>
+          </a:effectRef>
+          <a:fontRef idx="minor">
+            <a:schemeClr val="tx1"/>
+          </a:fontRef>
+        </p:style>
+      </p:cxnSp>
+      <p:cxnSp>
+        <p:nvCxnSpPr>
+          <p:cNvPr id="52" name="Straight Arrow Connector 51"/>
+          <p:cNvCxnSpPr/>
+          <p:nvPr/>
+        </p:nvCxnSpPr>
+        <p:spPr>
+          <a:xfrm>
+            <a:off x="3449904" y="2108683"/>
+            <a:ext cx="1600428" cy="0"/>
+          </a:xfrm>
+          <a:prstGeom prst="straightConnector1">
+            <a:avLst/>
+          </a:prstGeom>
+          <a:ln w="19050">
+            <a:solidFill>
+              <a:srgbClr val="0070C0"/>
+            </a:solidFill>
+            <a:prstDash val="sysDash"/>
+            <a:headEnd type="arrow" w="med" len="med"/>
+            <a:tailEnd type="none" w="med" len="med"/>
+          </a:ln>
+        </p:spPr>
+        <p:style>
+          <a:lnRef idx="1">
+            <a:schemeClr val="accent1"/>
+          </a:lnRef>
+          <a:fillRef idx="0">
+            <a:schemeClr val="accent1"/>
+          </a:fillRef>
+          <a:effectRef idx="0">
+            <a:schemeClr val="accent1"/>
+          </a:effectRef>
+          <a:fontRef idx="minor">
+            <a:schemeClr val="tx1"/>
+          </a:fontRef>
+        </p:style>
+      </p:cxnSp>
+      <p:sp>
+        <p:nvSpPr>
+          <p:cNvPr id="47" name="Rectangle 62"/>
+          <p:cNvSpPr/>
+          <p:nvPr/>
+        </p:nvSpPr>
+        <p:spPr>
+          <a:xfrm>
+            <a:off x="4339380" y="2750216"/>
+            <a:ext cx="1590354" cy="461538"/>
+          </a:xfrm>
+          <a:prstGeom prst="rect">
+            <a:avLst/>
+          </a:prstGeom>
+          <a:solidFill>
+            <a:srgbClr val="0070C0"/>
+          </a:solidFill>
+          <a:ln w="19050">
+            <a:solidFill>
+              <a:srgbClr val="0070C0"/>
+            </a:solidFill>
+          </a:ln>
+          <a:effectLst/>
+        </p:spPr>
+        <p:style>
+          <a:lnRef idx="1">
+            <a:schemeClr val="accent2"/>
+          </a:lnRef>
+          <a:fillRef idx="2">
+            <a:schemeClr val="accent2"/>
+          </a:fillRef>
+          <a:effectRef idx="1">
+            <a:schemeClr val="accent2"/>
+          </a:effectRef>
+          <a:fontRef idx="minor">
+            <a:schemeClr val="dk1"/>
+          </a:fontRef>
+        </p:style>
+        <p:txBody>
+          <a:bodyPr rtlCol="0" anchor="ctr"/>
+          <a:lstStyle/>
+          <a:p>
+            <a:pPr algn="ctr"/>
+            <a:r>
+              <a:rPr lang="en-US" sz="1600" dirty="0" err="1">
+                <a:solidFill>
+                  <a:schemeClr val="bg1"/>
+                </a:solidFill>
+              </a:rPr>
+              <a:t>parserResult</a:t>
+            </a:r>
+            <a:r>
+              <a:rPr lang="en-US" sz="1600" dirty="0">
+                <a:solidFill>
+                  <a:schemeClr val="bg1"/>
+                </a:solidFill>
+              </a:rPr>
+              <a:t>:</a:t>
+            </a:r>
+          </a:p>
+          <a:p>
+            <a:pPr algn="ctr"/>
+            <a:r>
+              <a:rPr lang="en-US" sz="1600" dirty="0" err="1">
+                <a:solidFill>
+                  <a:schemeClr val="bg1"/>
+                </a:solidFill>
+              </a:rPr>
+              <a:t>ParserResult</a:t>
+            </a:r>
+            <a:endParaRPr lang="en-SG" sz="1600" dirty="0">
+              <a:solidFill>
+                <a:schemeClr val="bg1"/>
+              </a:solidFill>
+            </a:endParaRPr>
+          </a:p>
+        </p:txBody>
+      </p:sp>
+      <p:sp>
+        <p:nvSpPr>
+          <p:cNvPr id="53" name="TextBox 52"/>
           <p:cNvSpPr txBox="1"/>
           <p:nvPr/>
         </p:nvSpPr>
         <p:spPr>
           <a:xfrm>
-            <a:off x="2673845" y="4027787"/>
-            <a:ext cx="220343" cy="215444"/>
+            <a:off x="2002105" y="3268782"/>
+            <a:ext cx="984068" cy="215444"/>
           </a:xfrm>
           <a:prstGeom prst="rect">
             <a:avLst/>
@@ -5063,8 +5506,8 @@
           </a:lstStyle>
           <a:p>
             <a:r>
-              <a:rPr lang="en-US" dirty="0" smtClean="0"/>
-              <a:t>d</a:t>
+              <a:rPr lang="en-US" dirty="0" err="1"/>
+              <a:t>parserResult</a:t>
             </a:r>
             <a:endParaRPr lang="en-US" dirty="0"/>
           </a:p>
@@ -5072,14 +5515,135 @@
       </p:sp>
       <p:sp>
         <p:nvSpPr>
-          <p:cNvPr id="40" name="Rectangle 62"/>
+          <p:cNvPr id="56" name="Rectangle 55"/>
           <p:cNvSpPr/>
           <p:nvPr/>
         </p:nvSpPr>
         <p:spPr>
           <a:xfrm>
-            <a:off x="4231981" y="2929839"/>
-            <a:ext cx="1778201" cy="432035"/>
+            <a:off x="5059946" y="2243643"/>
+            <a:ext cx="180223" cy="334479"/>
+          </a:xfrm>
+          <a:prstGeom prst="rect">
+            <a:avLst/>
+          </a:prstGeom>
+          <a:solidFill>
+            <a:srgbClr val="0070C0"/>
+          </a:solidFill>
+          <a:ln>
+            <a:solidFill>
+              <a:srgbClr val="0070C0"/>
+            </a:solidFill>
+          </a:ln>
+          <a:effectLst/>
+        </p:spPr>
+        <p:style>
+          <a:lnRef idx="1">
+            <a:schemeClr val="accent3"/>
+          </a:lnRef>
+          <a:fillRef idx="2">
+            <a:schemeClr val="accent3"/>
+          </a:fillRef>
+          <a:effectRef idx="1">
+            <a:schemeClr val="accent3"/>
+          </a:effectRef>
+          <a:fontRef idx="minor">
+            <a:schemeClr val="dk1"/>
+          </a:fontRef>
+        </p:style>
+        <p:txBody>
+          <a:bodyPr rtlCol="0" anchor="ctr"/>
+          <a:lstStyle/>
+          <a:p>
+            <a:pPr algn="ctr"/>
+            <a:endParaRPr lang="en-SG" sz="1400"/>
+          </a:p>
+        </p:txBody>
+      </p:sp>
+      <p:cxnSp>
+        <p:nvCxnSpPr>
+          <p:cNvPr id="66" name="Straight Arrow Connector 65"/>
+          <p:cNvCxnSpPr/>
+          <p:nvPr/>
+        </p:nvCxnSpPr>
+        <p:spPr>
+          <a:xfrm>
+            <a:off x="3444193" y="2578122"/>
+            <a:ext cx="1594832" cy="0"/>
+          </a:xfrm>
+          <a:prstGeom prst="straightConnector1">
+            <a:avLst/>
+          </a:prstGeom>
+          <a:ln w="19050">
+            <a:solidFill>
+              <a:srgbClr val="0070C0"/>
+            </a:solidFill>
+            <a:prstDash val="sysDash"/>
+            <a:headEnd type="arrow" w="med" len="med"/>
+            <a:tailEnd type="none" w="med" len="med"/>
+          </a:ln>
+        </p:spPr>
+        <p:style>
+          <a:lnRef idx="1">
+            <a:schemeClr val="accent1"/>
+          </a:lnRef>
+          <a:fillRef idx="0">
+            <a:schemeClr val="accent1"/>
+          </a:fillRef>
+          <a:effectRef idx="0">
+            <a:schemeClr val="accent1"/>
+          </a:effectRef>
+          <a:fontRef idx="minor">
+            <a:schemeClr val="tx1"/>
+          </a:fontRef>
+        </p:style>
+      </p:cxnSp>
+      <p:cxnSp>
+        <p:nvCxnSpPr>
+          <p:cNvPr id="67" name="Straight Arrow Connector 66"/>
+          <p:cNvCxnSpPr>
+            <a:endCxn id="47" idx="1"/>
+          </p:cNvCxnSpPr>
+          <p:nvPr/>
+        </p:nvCxnSpPr>
+        <p:spPr>
+          <a:xfrm flipV="1">
+            <a:off x="3449917" y="2980985"/>
+            <a:ext cx="889463" cy="475"/>
+          </a:xfrm>
+          <a:prstGeom prst="straightConnector1">
+            <a:avLst/>
+          </a:prstGeom>
+          <a:ln w="19050">
+            <a:headEnd type="none" w="med" len="med"/>
+            <a:tailEnd type="arrow" w="med" len="med"/>
+          </a:ln>
+        </p:spPr>
+        <p:style>
+          <a:lnRef idx="1">
+            <a:schemeClr val="accent1"/>
+          </a:lnRef>
+          <a:fillRef idx="0">
+            <a:schemeClr val="accent1"/>
+          </a:fillRef>
+          <a:effectRef idx="0">
+            <a:schemeClr val="accent1"/>
+          </a:effectRef>
+          <a:fontRef idx="minor">
+            <a:schemeClr val="tx1"/>
+          </a:fontRef>
+        </p:style>
+      </p:cxnSp>
+      <p:sp>
+        <p:nvSpPr>
+          <p:cNvPr id="85" name="Rectangle 62"/>
+          <p:cNvSpPr/>
+          <p:nvPr/>
+        </p:nvSpPr>
+        <p:spPr>
+          <a:xfrm>
+            <a:off x="1894745" y="5105400"/>
+            <a:ext cx="1831848" cy="461538"/>
           </a:xfrm>
           <a:prstGeom prst="rect">
             <a:avLst/>
@@ -5114,36 +5678,31 @@
           <a:p>
             <a:pPr algn="ctr"/>
             <a:r>
-              <a:rPr lang="en-US" sz="1600" dirty="0" smtClean="0">
+              <a:rPr lang="en-US" sz="1600" dirty="0" err="1">
+                <a:solidFill>
+                  <a:schemeClr val="bg1"/>
+                </a:solidFill>
+              </a:rPr>
+              <a:t>executionResult</a:t>
+            </a:r>
+            <a:r>
+              <a:rPr lang="en-US" sz="1600" dirty="0">
                 <a:solidFill>
                   <a:schemeClr val="bg1"/>
                 </a:solidFill>
               </a:rPr>
               <a:t>:</a:t>
             </a:r>
-            <a:r>
-              <a:rPr lang="en-US" sz="1600" dirty="0" err="1" smtClean="0">
+          </a:p>
+          <a:p>
+            <a:pPr algn="ctr"/>
+            <a:r>
+              <a:rPr lang="en-US" sz="1600" dirty="0" err="1">
                 <a:solidFill>
                   <a:schemeClr val="bg1"/>
                 </a:solidFill>
               </a:rPr>
-              <a:t>DeleteCommand</a:t>
-            </a:r>
-            <a:endParaRPr lang="en-US" sz="1600" dirty="0" smtClean="0">
-              <a:solidFill>
-                <a:schemeClr val="bg1"/>
-              </a:solidFill>
-            </a:endParaRPr>
-          </a:p>
-          <a:p>
-            <a:pPr algn="ctr"/>
-            <a:r>
-              <a:rPr lang="en-US" sz="1600" dirty="0" smtClean="0">
-                <a:solidFill>
-                  <a:schemeClr val="bg1"/>
-                </a:solidFill>
-              </a:rPr>
-              <a:t>Parser</a:t>
+              <a:t>ExecutionResult</a:t>
             </a:r>
             <a:endParaRPr lang="en-SG" sz="1600" dirty="0">
               <a:solidFill>
@@ -5155,14 +5714,16 @@
       </p:sp>
       <p:cxnSp>
         <p:nvCxnSpPr>
-          <p:cNvPr id="8" name="Straight Arrow Connector 7"/>
-          <p:cNvCxnSpPr/>
+          <p:cNvPr id="87" name="Straight Arrow Connector 86"/>
+          <p:cNvCxnSpPr>
+            <a:endCxn id="85" idx="1"/>
+          </p:cNvCxnSpPr>
           <p:nvPr/>
         </p:nvCxnSpPr>
         <p:spPr>
-          <a:xfrm>
-            <a:off x="3462591" y="3657600"/>
-            <a:ext cx="1597356" cy="1"/>
+          <a:xfrm flipV="1">
+            <a:off x="1646044" y="5336169"/>
+            <a:ext cx="248701" cy="2169"/>
           </a:xfrm>
           <a:prstGeom prst="straightConnector1">
             <a:avLst/>
@@ -5189,14 +5750,14 @@
       </p:cxnSp>
       <p:sp>
         <p:nvSpPr>
-          <p:cNvPr id="45" name="Rectangle 44"/>
+          <p:cNvPr id="88" name="Rectangle 87"/>
           <p:cNvSpPr/>
           <p:nvPr/>
         </p:nvSpPr>
         <p:spPr>
           <a:xfrm>
-            <a:off x="5059947" y="3352800"/>
-            <a:ext cx="205843" cy="123165"/>
+            <a:off x="2733582" y="5566427"/>
+            <a:ext cx="152400" cy="171376"/>
           </a:xfrm>
           <a:prstGeom prst="rect">
             <a:avLst/>
@@ -5236,100 +5797,16 @@
       </p:sp>
       <p:cxnSp>
         <p:nvCxnSpPr>
-          <p:cNvPr id="46" name="Straight Connector 45"/>
+          <p:cNvPr id="89" name="Straight Arrow Connector 88"/>
           <p:cNvCxnSpPr>
-            <a:stCxn id="45" idx="0"/>
+            <a:endCxn id="88" idx="2"/>
           </p:cNvCxnSpPr>
           <p:nvPr/>
         </p:nvCxnSpPr>
         <p:spPr>
           <a:xfrm>
-            <a:off x="5162869" y="3352800"/>
-            <a:ext cx="0" cy="990600"/>
-          </a:xfrm>
-          <a:prstGeom prst="line">
-            <a:avLst/>
-          </a:prstGeom>
-          <a:ln w="19050">
-            <a:solidFill>
-              <a:srgbClr val="0070C0"/>
-            </a:solidFill>
-            <a:prstDash val="sysDash"/>
-          </a:ln>
-          <a:effectLst/>
-        </p:spPr>
-        <p:style>
-          <a:lnRef idx="1">
-            <a:schemeClr val="accent1"/>
-          </a:lnRef>
-          <a:fillRef idx="2">
-            <a:schemeClr val="accent1"/>
-          </a:fillRef>
-          <a:effectRef idx="1">
-            <a:schemeClr val="accent1"/>
-          </a:effectRef>
-          <a:fontRef idx="minor">
-            <a:schemeClr val="dk1"/>
-          </a:fontRef>
-        </p:style>
-      </p:cxnSp>
-      <p:sp>
-        <p:nvSpPr>
-          <p:cNvPr id="49" name="Rectangle 48"/>
-          <p:cNvSpPr/>
-          <p:nvPr/>
-        </p:nvSpPr>
-        <p:spPr>
-          <a:xfrm>
-            <a:off x="5059947" y="3657601"/>
-            <a:ext cx="205843" cy="533400"/>
-          </a:xfrm>
-          <a:prstGeom prst="rect">
-            <a:avLst/>
-          </a:prstGeom>
-          <a:solidFill>
-            <a:srgbClr val="0070C0"/>
-          </a:solidFill>
-          <a:ln>
-            <a:solidFill>
-              <a:srgbClr val="0070C0"/>
-            </a:solidFill>
-          </a:ln>
-          <a:effectLst/>
-        </p:spPr>
-        <p:style>
-          <a:lnRef idx="1">
-            <a:schemeClr val="accent3"/>
-          </a:lnRef>
-          <a:fillRef idx="2">
-            <a:schemeClr val="accent3"/>
-          </a:fillRef>
-          <a:effectRef idx="1">
-            <a:schemeClr val="accent3"/>
-          </a:effectRef>
-          <a:fontRef idx="minor">
-            <a:schemeClr val="dk1"/>
-          </a:fontRef>
-        </p:style>
-        <p:txBody>
-          <a:bodyPr rtlCol="0" anchor="ctr"/>
-          <a:lstStyle/>
-          <a:p>
-            <a:pPr algn="ctr"/>
-            <a:endParaRPr lang="en-SG" sz="1400"/>
-          </a:p>
-        </p:txBody>
-      </p:sp>
-      <p:cxnSp>
-        <p:nvCxnSpPr>
-          <p:cNvPr id="51" name="Straight Arrow Connector 50"/>
-          <p:cNvCxnSpPr/>
-          <p:nvPr/>
-        </p:nvCxnSpPr>
-        <p:spPr>
-          <a:xfrm>
-            <a:off x="3499382" y="4185073"/>
-            <a:ext cx="1667219" cy="0"/>
+            <a:off x="1653251" y="5737803"/>
+            <a:ext cx="1156531" cy="0"/>
           </a:xfrm>
           <a:prstGeom prst="straightConnector1">
             <a:avLst/>
@@ -5358,152 +5835,6 @@
           </a:fontRef>
         </p:style>
       </p:cxnSp>
-      <p:cxnSp>
-        <p:nvCxnSpPr>
-          <p:cNvPr id="13" name="Straight Arrow Connector 12"/>
-          <p:cNvCxnSpPr/>
-          <p:nvPr/>
-        </p:nvCxnSpPr>
-        <p:spPr>
-          <a:xfrm>
-            <a:off x="6858000" y="5029200"/>
-            <a:ext cx="162246" cy="0"/>
-          </a:xfrm>
-          <a:prstGeom prst="straightConnector1">
-            <a:avLst/>
-          </a:prstGeom>
-          <a:ln w="19050">
-            <a:headEnd type="none" w="med" len="med"/>
-            <a:tailEnd type="arrow" w="med" len="med"/>
-          </a:ln>
-        </p:spPr>
-        <p:style>
-          <a:lnRef idx="1">
-            <a:schemeClr val="accent1"/>
-          </a:lnRef>
-          <a:fillRef idx="0">
-            <a:schemeClr val="accent1"/>
-          </a:fillRef>
-          <a:effectRef idx="0">
-            <a:schemeClr val="accent1"/>
-          </a:effectRef>
-          <a:fontRef idx="minor">
-            <a:schemeClr val="tx1"/>
-          </a:fontRef>
-        </p:style>
-      </p:cxnSp>
-      <p:cxnSp>
-        <p:nvCxnSpPr>
-          <p:cNvPr id="50" name="Straight Arrow Connector 49"/>
-          <p:cNvCxnSpPr/>
-          <p:nvPr/>
-        </p:nvCxnSpPr>
-        <p:spPr>
-          <a:xfrm>
-            <a:off x="3412425" y="3173004"/>
-            <a:ext cx="819556" cy="1"/>
-          </a:xfrm>
-          <a:prstGeom prst="straightConnector1">
-            <a:avLst/>
-          </a:prstGeom>
-          <a:ln w="19050">
-            <a:solidFill>
-              <a:srgbClr val="0070C0"/>
-            </a:solidFill>
-            <a:tailEnd type="arrow"/>
-          </a:ln>
-        </p:spPr>
-        <p:style>
-          <a:lnRef idx="1">
-            <a:schemeClr val="accent1"/>
-          </a:lnRef>
-          <a:fillRef idx="0">
-            <a:schemeClr val="accent1"/>
-          </a:fillRef>
-          <a:effectRef idx="0">
-            <a:schemeClr val="accent1"/>
-          </a:effectRef>
-          <a:fontRef idx="minor">
-            <a:schemeClr val="tx1"/>
-          </a:fontRef>
-        </p:style>
-      </p:cxnSp>
-      <p:cxnSp>
-        <p:nvCxnSpPr>
-          <p:cNvPr id="52" name="Straight Arrow Connector 51"/>
-          <p:cNvCxnSpPr/>
-          <p:nvPr/>
-        </p:nvCxnSpPr>
-        <p:spPr>
-          <a:xfrm>
-            <a:off x="3459519" y="3475965"/>
-            <a:ext cx="1600428" cy="0"/>
-          </a:xfrm>
-          <a:prstGeom prst="straightConnector1">
-            <a:avLst/>
-          </a:prstGeom>
-          <a:ln w="19050">
-            <a:solidFill>
-              <a:srgbClr val="0070C0"/>
-            </a:solidFill>
-            <a:prstDash val="sysDash"/>
-            <a:headEnd type="arrow" w="med" len="med"/>
-            <a:tailEnd type="none" w="med" len="med"/>
-          </a:ln>
-        </p:spPr>
-        <p:style>
-          <a:lnRef idx="1">
-            <a:schemeClr val="accent1"/>
-          </a:lnRef>
-          <a:fillRef idx="0">
-            <a:schemeClr val="accent1"/>
-          </a:fillRef>
-          <a:effectRef idx="0">
-            <a:schemeClr val="accent1"/>
-          </a:effectRef>
-          <a:fontRef idx="minor">
-            <a:schemeClr val="tx1"/>
-          </a:fontRef>
-        </p:style>
-      </p:cxnSp>
-      <p:sp>
-        <p:nvSpPr>
-          <p:cNvPr id="4" name="TextBox 3"/>
-          <p:cNvSpPr txBox="1"/>
-          <p:nvPr/>
-        </p:nvSpPr>
-        <p:spPr>
-          <a:xfrm>
-            <a:off x="5033665" y="4199590"/>
-            <a:ext cx="258404" cy="261610"/>
-          </a:xfrm>
-          <a:prstGeom prst="rect">
-            <a:avLst/>
-          </a:prstGeom>
-          <a:noFill/>
-        </p:spPr>
-        <p:txBody>
-          <a:bodyPr wrap="none" rtlCol="0">
-            <a:spAutoFit/>
-          </a:bodyPr>
-          <a:lstStyle/>
-          <a:p>
-            <a:r>
-              <a:rPr lang="en-SG" sz="1100" dirty="0" smtClean="0">
-                <a:solidFill>
-                  <a:srgbClr val="002060"/>
-                </a:solidFill>
-              </a:rPr>
-              <a:t>X</a:t>
-            </a:r>
-            <a:endParaRPr lang="en-SG" sz="1100" dirty="0">
-              <a:solidFill>
-                <a:srgbClr val="002060"/>
-              </a:solidFill>
-            </a:endParaRPr>
-          </a:p>
-        </p:txBody>
-      </p:sp>
     </p:spTree>
     <p:extLst>
       <p:ext uri="{BB962C8B-B14F-4D97-AF65-F5344CB8AC3E}">

--- a/docs/diagrams/LogicComponentSequenceDiagram.pptx
+++ b/docs/diagrams/LogicComponentSequenceDiagram.pptx
@@ -126,6 +126,10 @@
 </p:presentation>
 </file>
 
+<file path=ppt/revisionInfo.xml><?xml version="1.0" encoding="utf-8"?>
+<p1510:revInfo xmlns:a="http://schemas.openxmlformats.org/drawingml/2006/main" xmlns:r="http://schemas.openxmlformats.org/officeDocument/2006/relationships" xmlns:p1510="http://schemas.microsoft.com/office/powerpoint/2015/10/main"/>
+</file>
+
 <file path=ppt/notesMasters/notesMaster1.xml><?xml version="1.0" encoding="utf-8"?>
 <p:notesMaster xmlns:a="http://schemas.openxmlformats.org/drawingml/2006/main" xmlns:r="http://schemas.openxmlformats.org/officeDocument/2006/relationships" xmlns:p="http://schemas.openxmlformats.org/presentationml/2006/main">
   <p:cSld>
@@ -208,7 +212,7 @@
           <a:p>
             <a:fld id="{F5CC4B3F-88C1-4FFA-B1B6-F41C21DC6924}" type="datetimeFigureOut">
               <a:rPr lang="en-US" smtClean="0"/>
-              <a:t>5/30/17</a:t>
+              <a:t>5/30/2017</a:t>
             </a:fld>
             <a:endParaRPr lang="en-US"/>
           </a:p>
@@ -272,38 +276,37 @@
           <a:p>
             <a:pPr lvl="0"/>
             <a:r>
-              <a:rPr lang="en-US" smtClean="0"/>
+              <a:rPr lang="en-US"/>
               <a:t>Click to edit Master text styles</a:t>
             </a:r>
           </a:p>
           <a:p>
             <a:pPr lvl="1"/>
             <a:r>
-              <a:rPr lang="en-US" smtClean="0"/>
+              <a:rPr lang="en-US"/>
               <a:t>Second level</a:t>
             </a:r>
           </a:p>
           <a:p>
             <a:pPr lvl="2"/>
             <a:r>
-              <a:rPr lang="en-US" smtClean="0"/>
+              <a:rPr lang="en-US"/>
               <a:t>Third level</a:t>
             </a:r>
           </a:p>
           <a:p>
             <a:pPr lvl="3"/>
             <a:r>
-              <a:rPr lang="en-US" smtClean="0"/>
+              <a:rPr lang="en-US"/>
               <a:t>Fourth level</a:t>
             </a:r>
           </a:p>
           <a:p>
             <a:pPr lvl="4"/>
             <a:r>
-              <a:rPr lang="en-US" smtClean="0"/>
+              <a:rPr lang="en-US"/>
               <a:t>Fifth level</a:t>
             </a:r>
-            <a:endParaRPr lang="en-US"/>
           </a:p>
         </p:txBody>
       </p:sp>
@@ -514,10 +517,9 @@
           <a:lstStyle/>
           <a:p>
             <a:r>
-              <a:rPr lang="en-US" smtClean="0"/>
+              <a:rPr lang="en-US"/>
               <a:t>Click to edit Master title style</a:t>
             </a:r>
-            <a:endParaRPr lang="en-US"/>
           </a:p>
         </p:txBody>
       </p:sp>
@@ -633,10 +635,9 @@
           </a:lstStyle>
           <a:p>
             <a:r>
-              <a:rPr lang="en-US" smtClean="0"/>
+              <a:rPr lang="en-US"/>
               <a:t>Click to edit Master subtitle style</a:t>
             </a:r>
-            <a:endParaRPr lang="en-US"/>
           </a:p>
         </p:txBody>
       </p:sp>
@@ -657,7 +658,7 @@
           <a:p>
             <a:fld id="{78C97017-6FC3-485B-9764-EAC9E56C1D49}" type="datetimeFigureOut">
               <a:rPr lang="en-US" smtClean="0"/>
-              <a:t>5/30/17</a:t>
+              <a:t>5/30/2017</a:t>
             </a:fld>
             <a:endParaRPr lang="en-US"/>
           </a:p>
@@ -751,10 +752,9 @@
           <a:lstStyle/>
           <a:p>
             <a:r>
-              <a:rPr lang="en-US" smtClean="0"/>
+              <a:rPr lang="en-US"/>
               <a:t>Click to edit Master title style</a:t>
             </a:r>
-            <a:endParaRPr lang="en-US"/>
           </a:p>
         </p:txBody>
       </p:sp>
@@ -775,38 +775,37 @@
           <a:p>
             <a:pPr lvl="0"/>
             <a:r>
-              <a:rPr lang="en-US" smtClean="0"/>
+              <a:rPr lang="en-US"/>
               <a:t>Click to edit Master text styles</a:t>
             </a:r>
           </a:p>
           <a:p>
             <a:pPr lvl="1"/>
             <a:r>
-              <a:rPr lang="en-US" smtClean="0"/>
+              <a:rPr lang="en-US"/>
               <a:t>Second level</a:t>
             </a:r>
           </a:p>
           <a:p>
             <a:pPr lvl="2"/>
             <a:r>
-              <a:rPr lang="en-US" smtClean="0"/>
+              <a:rPr lang="en-US"/>
               <a:t>Third level</a:t>
             </a:r>
           </a:p>
           <a:p>
             <a:pPr lvl="3"/>
             <a:r>
-              <a:rPr lang="en-US" smtClean="0"/>
+              <a:rPr lang="en-US"/>
               <a:t>Fourth level</a:t>
             </a:r>
           </a:p>
           <a:p>
             <a:pPr lvl="4"/>
             <a:r>
-              <a:rPr lang="en-US" smtClean="0"/>
+              <a:rPr lang="en-US"/>
               <a:t>Fifth level</a:t>
             </a:r>
-            <a:endParaRPr lang="en-US"/>
           </a:p>
         </p:txBody>
       </p:sp>
@@ -827,7 +826,7 @@
           <a:p>
             <a:fld id="{78C97017-6FC3-485B-9764-EAC9E56C1D49}" type="datetimeFigureOut">
               <a:rPr lang="en-US" smtClean="0"/>
-              <a:t>5/30/17</a:t>
+              <a:t>5/30/2017</a:t>
             </a:fld>
             <a:endParaRPr lang="en-US"/>
           </a:p>
@@ -926,10 +925,9 @@
           <a:lstStyle/>
           <a:p>
             <a:r>
-              <a:rPr lang="en-US" smtClean="0"/>
+              <a:rPr lang="en-US"/>
               <a:t>Click to edit Master title style</a:t>
             </a:r>
-            <a:endParaRPr lang="en-US"/>
           </a:p>
         </p:txBody>
       </p:sp>
@@ -955,38 +953,37 @@
           <a:p>
             <a:pPr lvl="0"/>
             <a:r>
-              <a:rPr lang="en-US" smtClean="0"/>
+              <a:rPr lang="en-US"/>
               <a:t>Click to edit Master text styles</a:t>
             </a:r>
           </a:p>
           <a:p>
             <a:pPr lvl="1"/>
             <a:r>
-              <a:rPr lang="en-US" smtClean="0"/>
+              <a:rPr lang="en-US"/>
               <a:t>Second level</a:t>
             </a:r>
           </a:p>
           <a:p>
             <a:pPr lvl="2"/>
             <a:r>
-              <a:rPr lang="en-US" smtClean="0"/>
+              <a:rPr lang="en-US"/>
               <a:t>Third level</a:t>
             </a:r>
           </a:p>
           <a:p>
             <a:pPr lvl="3"/>
             <a:r>
-              <a:rPr lang="en-US" smtClean="0"/>
+              <a:rPr lang="en-US"/>
               <a:t>Fourth level</a:t>
             </a:r>
           </a:p>
           <a:p>
             <a:pPr lvl="4"/>
             <a:r>
-              <a:rPr lang="en-US" smtClean="0"/>
+              <a:rPr lang="en-US"/>
               <a:t>Fifth level</a:t>
             </a:r>
-            <a:endParaRPr lang="en-US"/>
           </a:p>
         </p:txBody>
       </p:sp>
@@ -1007,7 +1004,7 @@
           <a:p>
             <a:fld id="{78C97017-6FC3-485B-9764-EAC9E56C1D49}" type="datetimeFigureOut">
               <a:rPr lang="en-US" smtClean="0"/>
-              <a:t>5/30/17</a:t>
+              <a:t>5/30/2017</a:t>
             </a:fld>
             <a:endParaRPr lang="en-US"/>
           </a:p>
@@ -1101,10 +1098,9 @@
           <a:lstStyle/>
           <a:p>
             <a:r>
-              <a:rPr lang="en-US" smtClean="0"/>
+              <a:rPr lang="en-US"/>
               <a:t>Click to edit Master title style</a:t>
             </a:r>
-            <a:endParaRPr lang="en-US"/>
           </a:p>
         </p:txBody>
       </p:sp>
@@ -1125,38 +1121,37 @@
           <a:p>
             <a:pPr lvl="0"/>
             <a:r>
-              <a:rPr lang="en-US" smtClean="0"/>
+              <a:rPr lang="en-US"/>
               <a:t>Click to edit Master text styles</a:t>
             </a:r>
           </a:p>
           <a:p>
             <a:pPr lvl="1"/>
             <a:r>
-              <a:rPr lang="en-US" smtClean="0"/>
+              <a:rPr lang="en-US"/>
               <a:t>Second level</a:t>
             </a:r>
           </a:p>
           <a:p>
             <a:pPr lvl="2"/>
             <a:r>
-              <a:rPr lang="en-US" smtClean="0"/>
+              <a:rPr lang="en-US"/>
               <a:t>Third level</a:t>
             </a:r>
           </a:p>
           <a:p>
             <a:pPr lvl="3"/>
             <a:r>
-              <a:rPr lang="en-US" smtClean="0"/>
+              <a:rPr lang="en-US"/>
               <a:t>Fourth level</a:t>
             </a:r>
           </a:p>
           <a:p>
             <a:pPr lvl="4"/>
             <a:r>
-              <a:rPr lang="en-US" smtClean="0"/>
+              <a:rPr lang="en-US"/>
               <a:t>Fifth level</a:t>
             </a:r>
-            <a:endParaRPr lang="en-US"/>
           </a:p>
         </p:txBody>
       </p:sp>
@@ -1177,7 +1172,7 @@
           <a:p>
             <a:fld id="{78C97017-6FC3-485B-9764-EAC9E56C1D49}" type="datetimeFigureOut">
               <a:rPr lang="en-US" smtClean="0"/>
-              <a:t>5/30/17</a:t>
+              <a:t>5/30/2017</a:t>
             </a:fld>
             <a:endParaRPr lang="en-US"/>
           </a:p>
@@ -1280,10 +1275,9 @@
           </a:lstStyle>
           <a:p>
             <a:r>
-              <a:rPr lang="en-US" smtClean="0"/>
+              <a:rPr lang="en-US"/>
               <a:t>Click to edit Master title style</a:t>
             </a:r>
-            <a:endParaRPr lang="en-US"/>
           </a:p>
         </p:txBody>
       </p:sp>
@@ -1400,7 +1394,7 @@
           <a:p>
             <a:pPr lvl="0"/>
             <a:r>
-              <a:rPr lang="en-US" smtClean="0"/>
+              <a:rPr lang="en-US"/>
               <a:t>Click to edit Master text styles</a:t>
             </a:r>
           </a:p>
@@ -1423,7 +1417,7 @@
           <a:p>
             <a:fld id="{78C97017-6FC3-485B-9764-EAC9E56C1D49}" type="datetimeFigureOut">
               <a:rPr lang="en-US" smtClean="0"/>
-              <a:t>5/30/17</a:t>
+              <a:t>5/30/2017</a:t>
             </a:fld>
             <a:endParaRPr lang="en-US"/>
           </a:p>
@@ -1517,10 +1511,9 @@
           <a:lstStyle/>
           <a:p>
             <a:r>
-              <a:rPr lang="en-US" smtClean="0"/>
+              <a:rPr lang="en-US"/>
               <a:t>Click to edit Master title style</a:t>
             </a:r>
-            <a:endParaRPr lang="en-US"/>
           </a:p>
         </p:txBody>
       </p:sp>
@@ -1574,38 +1567,37 @@
           <a:p>
             <a:pPr lvl="0"/>
             <a:r>
-              <a:rPr lang="en-US" smtClean="0"/>
+              <a:rPr lang="en-US"/>
               <a:t>Click to edit Master text styles</a:t>
             </a:r>
           </a:p>
           <a:p>
             <a:pPr lvl="1"/>
             <a:r>
-              <a:rPr lang="en-US" smtClean="0"/>
+              <a:rPr lang="en-US"/>
               <a:t>Second level</a:t>
             </a:r>
           </a:p>
           <a:p>
             <a:pPr lvl="2"/>
             <a:r>
-              <a:rPr lang="en-US" smtClean="0"/>
+              <a:rPr lang="en-US"/>
               <a:t>Third level</a:t>
             </a:r>
           </a:p>
           <a:p>
             <a:pPr lvl="3"/>
             <a:r>
-              <a:rPr lang="en-US" smtClean="0"/>
+              <a:rPr lang="en-US"/>
               <a:t>Fourth level</a:t>
             </a:r>
           </a:p>
           <a:p>
             <a:pPr lvl="4"/>
             <a:r>
-              <a:rPr lang="en-US" smtClean="0"/>
+              <a:rPr lang="en-US"/>
               <a:t>Fifth level</a:t>
             </a:r>
-            <a:endParaRPr lang="en-US"/>
           </a:p>
         </p:txBody>
       </p:sp>
@@ -1659,38 +1651,37 @@
           <a:p>
             <a:pPr lvl="0"/>
             <a:r>
-              <a:rPr lang="en-US" smtClean="0"/>
+              <a:rPr lang="en-US"/>
               <a:t>Click to edit Master text styles</a:t>
             </a:r>
           </a:p>
           <a:p>
             <a:pPr lvl="1"/>
             <a:r>
-              <a:rPr lang="en-US" smtClean="0"/>
+              <a:rPr lang="en-US"/>
               <a:t>Second level</a:t>
             </a:r>
           </a:p>
           <a:p>
             <a:pPr lvl="2"/>
             <a:r>
-              <a:rPr lang="en-US" smtClean="0"/>
+              <a:rPr lang="en-US"/>
               <a:t>Third level</a:t>
             </a:r>
           </a:p>
           <a:p>
             <a:pPr lvl="3"/>
             <a:r>
-              <a:rPr lang="en-US" smtClean="0"/>
+              <a:rPr lang="en-US"/>
               <a:t>Fourth level</a:t>
             </a:r>
           </a:p>
           <a:p>
             <a:pPr lvl="4"/>
             <a:r>
-              <a:rPr lang="en-US" smtClean="0"/>
+              <a:rPr lang="en-US"/>
               <a:t>Fifth level</a:t>
             </a:r>
-            <a:endParaRPr lang="en-US"/>
           </a:p>
         </p:txBody>
       </p:sp>
@@ -1711,7 +1702,7 @@
           <a:p>
             <a:fld id="{78C97017-6FC3-485B-9764-EAC9E56C1D49}" type="datetimeFigureOut">
               <a:rPr lang="en-US" smtClean="0"/>
-              <a:t>5/30/17</a:t>
+              <a:t>5/30/2017</a:t>
             </a:fld>
             <a:endParaRPr lang="en-US"/>
           </a:p>
@@ -1809,10 +1800,9 @@
           </a:lstStyle>
           <a:p>
             <a:r>
-              <a:rPr lang="en-US" smtClean="0"/>
+              <a:rPr lang="en-US"/>
               <a:t>Click to edit Master title style</a:t>
             </a:r>
-            <a:endParaRPr lang="en-US"/>
           </a:p>
         </p:txBody>
       </p:sp>
@@ -1875,7 +1865,7 @@
           <a:p>
             <a:pPr lvl="0"/>
             <a:r>
-              <a:rPr lang="en-US" smtClean="0"/>
+              <a:rPr lang="en-US"/>
               <a:t>Click to edit Master text styles</a:t>
             </a:r>
           </a:p>
@@ -1931,38 +1921,37 @@
           <a:p>
             <a:pPr lvl="0"/>
             <a:r>
-              <a:rPr lang="en-US" smtClean="0"/>
+              <a:rPr lang="en-US"/>
               <a:t>Click to edit Master text styles</a:t>
             </a:r>
           </a:p>
           <a:p>
             <a:pPr lvl="1"/>
             <a:r>
-              <a:rPr lang="en-US" smtClean="0"/>
+              <a:rPr lang="en-US"/>
               <a:t>Second level</a:t>
             </a:r>
           </a:p>
           <a:p>
             <a:pPr lvl="2"/>
             <a:r>
-              <a:rPr lang="en-US" smtClean="0"/>
+              <a:rPr lang="en-US"/>
               <a:t>Third level</a:t>
             </a:r>
           </a:p>
           <a:p>
             <a:pPr lvl="3"/>
             <a:r>
-              <a:rPr lang="en-US" smtClean="0"/>
+              <a:rPr lang="en-US"/>
               <a:t>Fourth level</a:t>
             </a:r>
           </a:p>
           <a:p>
             <a:pPr lvl="4"/>
             <a:r>
-              <a:rPr lang="en-US" smtClean="0"/>
+              <a:rPr lang="en-US"/>
               <a:t>Fifth level</a:t>
             </a:r>
-            <a:endParaRPr lang="en-US"/>
           </a:p>
         </p:txBody>
       </p:sp>
@@ -2025,7 +2014,7 @@
           <a:p>
             <a:pPr lvl="0"/>
             <a:r>
-              <a:rPr lang="en-US" smtClean="0"/>
+              <a:rPr lang="en-US"/>
               <a:t>Click to edit Master text styles</a:t>
             </a:r>
           </a:p>
@@ -2081,38 +2070,37 @@
           <a:p>
             <a:pPr lvl="0"/>
             <a:r>
-              <a:rPr lang="en-US" smtClean="0"/>
+              <a:rPr lang="en-US"/>
               <a:t>Click to edit Master text styles</a:t>
             </a:r>
           </a:p>
           <a:p>
             <a:pPr lvl="1"/>
             <a:r>
-              <a:rPr lang="en-US" smtClean="0"/>
+              <a:rPr lang="en-US"/>
               <a:t>Second level</a:t>
             </a:r>
           </a:p>
           <a:p>
             <a:pPr lvl="2"/>
             <a:r>
-              <a:rPr lang="en-US" smtClean="0"/>
+              <a:rPr lang="en-US"/>
               <a:t>Third level</a:t>
             </a:r>
           </a:p>
           <a:p>
             <a:pPr lvl="3"/>
             <a:r>
-              <a:rPr lang="en-US" smtClean="0"/>
+              <a:rPr lang="en-US"/>
               <a:t>Fourth level</a:t>
             </a:r>
           </a:p>
           <a:p>
             <a:pPr lvl="4"/>
             <a:r>
-              <a:rPr lang="en-US" smtClean="0"/>
+              <a:rPr lang="en-US"/>
               <a:t>Fifth level</a:t>
             </a:r>
-            <a:endParaRPr lang="en-US"/>
           </a:p>
         </p:txBody>
       </p:sp>
@@ -2133,7 +2121,7 @@
           <a:p>
             <a:fld id="{78C97017-6FC3-485B-9764-EAC9E56C1D49}" type="datetimeFigureOut">
               <a:rPr lang="en-US" smtClean="0"/>
-              <a:t>5/30/17</a:t>
+              <a:t>5/30/2017</a:t>
             </a:fld>
             <a:endParaRPr lang="en-US"/>
           </a:p>
@@ -2227,10 +2215,9 @@
           <a:lstStyle/>
           <a:p>
             <a:r>
-              <a:rPr lang="en-US" smtClean="0"/>
+              <a:rPr lang="en-US"/>
               <a:t>Click to edit Master title style</a:t>
             </a:r>
-            <a:endParaRPr lang="en-US"/>
           </a:p>
         </p:txBody>
       </p:sp>
@@ -2251,7 +2238,7 @@
           <a:p>
             <a:fld id="{78C97017-6FC3-485B-9764-EAC9E56C1D49}" type="datetimeFigureOut">
               <a:rPr lang="en-US" smtClean="0"/>
-              <a:t>5/30/17</a:t>
+              <a:t>5/30/2017</a:t>
             </a:fld>
             <a:endParaRPr lang="en-US"/>
           </a:p>
@@ -2346,7 +2333,7 @@
           <a:p>
             <a:fld id="{78C97017-6FC3-485B-9764-EAC9E56C1D49}" type="datetimeFigureOut">
               <a:rPr lang="en-US" smtClean="0"/>
-              <a:t>5/30/17</a:t>
+              <a:t>5/30/2017</a:t>
             </a:fld>
             <a:endParaRPr lang="en-US"/>
           </a:p>
@@ -2449,10 +2436,9 @@
           </a:lstStyle>
           <a:p>
             <a:r>
-              <a:rPr lang="en-US" smtClean="0"/>
+              <a:rPr lang="en-US"/>
               <a:t>Click to edit Master title style</a:t>
             </a:r>
-            <a:endParaRPr lang="en-US"/>
           </a:p>
         </p:txBody>
       </p:sp>
@@ -2506,38 +2492,37 @@
           <a:p>
             <a:pPr lvl="0"/>
             <a:r>
-              <a:rPr lang="en-US" smtClean="0"/>
+              <a:rPr lang="en-US"/>
               <a:t>Click to edit Master text styles</a:t>
             </a:r>
           </a:p>
           <a:p>
             <a:pPr lvl="1"/>
             <a:r>
-              <a:rPr lang="en-US" smtClean="0"/>
+              <a:rPr lang="en-US"/>
               <a:t>Second level</a:t>
             </a:r>
           </a:p>
           <a:p>
             <a:pPr lvl="2"/>
             <a:r>
-              <a:rPr lang="en-US" smtClean="0"/>
+              <a:rPr lang="en-US"/>
               <a:t>Third level</a:t>
             </a:r>
           </a:p>
           <a:p>
             <a:pPr lvl="3"/>
             <a:r>
-              <a:rPr lang="en-US" smtClean="0"/>
+              <a:rPr lang="en-US"/>
               <a:t>Fourth level</a:t>
             </a:r>
           </a:p>
           <a:p>
             <a:pPr lvl="4"/>
             <a:r>
-              <a:rPr lang="en-US" smtClean="0"/>
+              <a:rPr lang="en-US"/>
               <a:t>Fifth level</a:t>
             </a:r>
-            <a:endParaRPr lang="en-US"/>
           </a:p>
         </p:txBody>
       </p:sp>
@@ -2600,7 +2585,7 @@
           <a:p>
             <a:pPr lvl="0"/>
             <a:r>
-              <a:rPr lang="en-US" smtClean="0"/>
+              <a:rPr lang="en-US"/>
               <a:t>Click to edit Master text styles</a:t>
             </a:r>
           </a:p>
@@ -2623,7 +2608,7 @@
           <a:p>
             <a:fld id="{78C97017-6FC3-485B-9764-EAC9E56C1D49}" type="datetimeFigureOut">
               <a:rPr lang="en-US" smtClean="0"/>
-              <a:t>5/30/17</a:t>
+              <a:t>5/30/2017</a:t>
             </a:fld>
             <a:endParaRPr lang="en-US"/>
           </a:p>
@@ -2726,10 +2711,9 @@
           </a:lstStyle>
           <a:p>
             <a:r>
-              <a:rPr lang="en-US" smtClean="0"/>
+              <a:rPr lang="en-US"/>
               <a:t>Click to edit Master title style</a:t>
             </a:r>
-            <a:endParaRPr lang="en-US"/>
           </a:p>
         </p:txBody>
       </p:sp>
@@ -2853,7 +2837,7 @@
           <a:p>
             <a:pPr lvl="0"/>
             <a:r>
-              <a:rPr lang="en-US" smtClean="0"/>
+              <a:rPr lang="en-US"/>
               <a:t>Click to edit Master text styles</a:t>
             </a:r>
           </a:p>
@@ -2876,7 +2860,7 @@
           <a:p>
             <a:fld id="{78C97017-6FC3-485B-9764-EAC9E56C1D49}" type="datetimeFigureOut">
               <a:rPr lang="en-US" smtClean="0"/>
-              <a:t>5/30/17</a:t>
+              <a:t>5/30/2017</a:t>
             </a:fld>
             <a:endParaRPr lang="en-US"/>
           </a:p>
@@ -2985,10 +2969,9 @@
           <a:lstStyle/>
           <a:p>
             <a:r>
-              <a:rPr lang="en-US" smtClean="0"/>
+              <a:rPr lang="en-US"/>
               <a:t>Click to edit Master title style</a:t>
             </a:r>
-            <a:endParaRPr lang="en-US"/>
           </a:p>
         </p:txBody>
       </p:sp>
@@ -3019,38 +3002,37 @@
           <a:p>
             <a:pPr lvl="0"/>
             <a:r>
-              <a:rPr lang="en-US" smtClean="0"/>
+              <a:rPr lang="en-US"/>
               <a:t>Click to edit Master text styles</a:t>
             </a:r>
           </a:p>
           <a:p>
             <a:pPr lvl="1"/>
             <a:r>
-              <a:rPr lang="en-US" smtClean="0"/>
+              <a:rPr lang="en-US"/>
               <a:t>Second level</a:t>
             </a:r>
           </a:p>
           <a:p>
             <a:pPr lvl="2"/>
             <a:r>
-              <a:rPr lang="en-US" smtClean="0"/>
+              <a:rPr lang="en-US"/>
               <a:t>Third level</a:t>
             </a:r>
           </a:p>
           <a:p>
             <a:pPr lvl="3"/>
             <a:r>
-              <a:rPr lang="en-US" smtClean="0"/>
+              <a:rPr lang="en-US"/>
               <a:t>Fourth level</a:t>
             </a:r>
           </a:p>
           <a:p>
             <a:pPr lvl="4"/>
             <a:r>
-              <a:rPr lang="en-US" smtClean="0"/>
+              <a:rPr lang="en-US"/>
               <a:t>Fifth level</a:t>
             </a:r>
-            <a:endParaRPr lang="en-US"/>
           </a:p>
         </p:txBody>
       </p:sp>
@@ -3089,7 +3071,7 @@
           <a:p>
             <a:fld id="{78C97017-6FC3-485B-9764-EAC9E56C1D49}" type="datetimeFigureOut">
               <a:rPr lang="en-US" smtClean="0"/>
-              <a:t>5/30/17</a:t>
+              <a:t>5/30/2017</a:t>
             </a:fld>
             <a:endParaRPr lang="en-US"/>
           </a:p>
@@ -3510,7 +3492,7 @@
           <a:lstStyle/>
           <a:p>
             <a:r>
-              <a:rPr lang="en-US" sz="1200" b="1" dirty="0" smtClean="0">
+              <a:rPr lang="en-US" sz="1200" b="1" dirty="0">
                 <a:solidFill>
                   <a:srgbClr val="0070C0"/>
                 </a:solidFill>
@@ -3637,8 +3619,8 @@
         </p:nvSpPr>
         <p:spPr>
           <a:xfrm>
-            <a:off x="1500851" y="2700859"/>
-            <a:ext cx="152400" cy="3090340"/>
+            <a:off x="1474572" y="1580625"/>
+            <a:ext cx="178679" cy="4210574"/>
           </a:xfrm>
           <a:prstGeom prst="rect">
             <a:avLst/>
@@ -3720,7 +3702,7 @@
           <a:p>
             <a:pPr algn="ctr"/>
             <a:r>
-              <a:rPr lang="en-US" sz="1600" dirty="0" smtClean="0">
+              <a:rPr lang="en-US" sz="1600" dirty="0">
                 <a:solidFill>
                   <a:schemeClr val="bg1"/>
                 </a:solidFill>
@@ -3867,20 +3849,12 @@
           <a:p>
             <a:pPr algn="ctr"/>
             <a:r>
-              <a:rPr lang="en-US" sz="1600" dirty="0" smtClean="0">
+              <a:rPr lang="en-US" sz="1600" dirty="0">
                 <a:solidFill>
                   <a:schemeClr val="bg1"/>
                 </a:solidFill>
               </a:rPr>
               <a:t>d:Delete</a:t>
-            </a:r>
-            <a:r>
-              <a:rPr lang="en-US" sz="1600" dirty="0">
-                <a:solidFill>
-                  <a:schemeClr val="bg1"/>
-                </a:solidFill>
-              </a:rPr>
-              <a:t/>
             </a:r>
             <a:br>
               <a:rPr lang="en-US" sz="1600" dirty="0">
@@ -4087,18 +4061,13 @@
           <a:p>
             <a:pPr algn="r"/>
             <a:r>
-              <a:rPr lang="en-US" sz="1400" dirty="0" smtClean="0">
+              <a:rPr lang="en-US" sz="1400" dirty="0">
                 <a:solidFill>
                   <a:srgbClr val="0070C0"/>
                 </a:solidFill>
               </a:rPr>
               <a:t>execute(“delete 1”)</a:t>
             </a:r>
-            <a:endParaRPr lang="en-US" sz="1400" dirty="0">
-              <a:solidFill>
-                <a:srgbClr val="0070C0"/>
-              </a:solidFill>
-            </a:endParaRPr>
           </a:p>
         </p:txBody>
       </p:sp>
@@ -4688,7 +4657,7 @@
           </a:lstStyle>
           <a:p>
             <a:r>
-              <a:rPr lang="en-US" dirty="0" err="1" smtClean="0">
+              <a:rPr lang="en-US" dirty="0" err="1">
                 <a:solidFill>
                   <a:srgbClr val="7030A0"/>
                 </a:solidFill>
@@ -4696,18 +4665,13 @@
               <a:t>deletePerson</a:t>
             </a:r>
             <a:r>
-              <a:rPr lang="en-US" dirty="0" smtClean="0">
+              <a:rPr lang="en-US" dirty="0">
                 <a:solidFill>
                   <a:srgbClr val="7030A0"/>
                 </a:solidFill>
               </a:rPr>
               <a:t>(p)</a:t>
             </a:r>
-            <a:endParaRPr lang="en-US" dirty="0">
-              <a:solidFill>
-                <a:srgbClr val="7030A0"/>
-              </a:solidFill>
-            </a:endParaRPr>
           </a:p>
         </p:txBody>
       </p:sp>
@@ -4746,13 +4710,8 @@
           <a:p>
             <a:r>
               <a:rPr lang="en-US" sz="1200" dirty="0"/>
-              <a:t>p</a:t>
-            </a:r>
-            <a:r>
-              <a:rPr lang="en-US" sz="1200" dirty="0" smtClean="0"/>
-              <a:t>arse(“1”)</a:t>
-            </a:r>
-            <a:endParaRPr lang="en-US" sz="1200" dirty="0"/>
+              <a:t>parse(“1”)</a:t>
+            </a:r>
           </a:p>
         </p:txBody>
       </p:sp>
@@ -4790,10 +4749,9 @@
           </a:lstStyle>
           <a:p>
             <a:r>
-              <a:rPr lang="en-US" dirty="0" smtClean="0"/>
+              <a:rPr lang="en-US" dirty="0"/>
               <a:t>parse(“delete 1”)</a:t>
             </a:r>
-            <a:endParaRPr lang="en-US" dirty="0"/>
           </a:p>
         </p:txBody>
       </p:sp>
@@ -4831,7 +4789,7 @@
           </a:lstStyle>
           <a:p>
             <a:r>
-              <a:rPr lang="en-US" smtClean="0"/>
+              <a:rPr lang="en-US"/>
               <a:t>commandResult</a:t>
             </a:r>
             <a:endParaRPr lang="en-US" dirty="0"/>
@@ -4872,7 +4830,7 @@
           </a:lstStyle>
           <a:p>
             <a:r>
-              <a:rPr lang="en-US" smtClean="0"/>
+              <a:rPr lang="en-US"/>
               <a:t>executionResult</a:t>
             </a:r>
             <a:endParaRPr lang="en-US" dirty="0"/>
@@ -4923,7 +4881,7 @@
           <a:p>
             <a:pPr algn="ctr"/>
             <a:r>
-              <a:rPr lang="en-US" sz="1600" dirty="0" err="1" smtClean="0">
+              <a:rPr lang="en-US" sz="1600" dirty="0" err="1">
                 <a:solidFill>
                   <a:schemeClr val="bg1"/>
                 </a:solidFill>
@@ -4931,7 +4889,7 @@
               <a:t>commandResult</a:t>
             </a:r>
             <a:r>
-              <a:rPr lang="en-US" sz="1600" dirty="0" smtClean="0">
+              <a:rPr lang="en-US" sz="1600" dirty="0">
                 <a:solidFill>
                   <a:schemeClr val="bg1"/>
                 </a:solidFill>
@@ -4942,7 +4900,7 @@
           <a:p>
             <a:pPr algn="ctr"/>
             <a:r>
-              <a:rPr lang="en-US" sz="1600" dirty="0" err="1" smtClean="0">
+              <a:rPr lang="en-US" sz="1600" dirty="0" err="1">
                 <a:solidFill>
                   <a:schemeClr val="bg1"/>
                 </a:solidFill>
@@ -5086,7 +5044,7 @@
           <a:p>
             <a:pPr algn="ctr"/>
             <a:r>
-              <a:rPr lang="en-US" sz="1600" dirty="0" smtClean="0">
+              <a:rPr lang="en-US" sz="1600" dirty="0">
                 <a:solidFill>
                   <a:schemeClr val="bg1"/>
                 </a:solidFill>
@@ -5094,14 +5052,14 @@
               <a:t>:</a:t>
             </a:r>
             <a:r>
-              <a:rPr lang="en-US" sz="1600" dirty="0" err="1" smtClean="0">
+              <a:rPr lang="en-US" sz="1600" dirty="0" err="1">
                 <a:solidFill>
                   <a:schemeClr val="bg1"/>
                 </a:solidFill>
               </a:rPr>
               <a:t>DeleteCommand</a:t>
             </a:r>
-            <a:endParaRPr lang="en-US" sz="1600" dirty="0" smtClean="0">
+            <a:endParaRPr lang="en-US" sz="1600" dirty="0">
               <a:solidFill>
                 <a:schemeClr val="bg1"/>
               </a:solidFill>
@@ -5110,7 +5068,7 @@
           <a:p>
             <a:pPr algn="ctr"/>
             <a:r>
-              <a:rPr lang="en-US" sz="1600" dirty="0" smtClean="0">
+              <a:rPr lang="en-US" sz="1600" dirty="0">
                 <a:solidFill>
                   <a:schemeClr val="bg1"/>
                 </a:solidFill>
@@ -5480,7 +5438,7 @@
           <a:p>
             <a:pPr algn="ctr"/>
             <a:r>
-              <a:rPr lang="en-US" sz="1600" dirty="0" err="1" smtClean="0">
+              <a:rPr lang="en-US" sz="1600" dirty="0" err="1">
                 <a:solidFill>
                   <a:schemeClr val="bg1"/>
                 </a:solidFill>
@@ -5488,7 +5446,7 @@
               <a:t>parserResult</a:t>
             </a:r>
             <a:r>
-              <a:rPr lang="en-US" sz="1600" dirty="0" smtClean="0">
+              <a:rPr lang="en-US" sz="1600" dirty="0">
                 <a:solidFill>
                   <a:schemeClr val="bg1"/>
                 </a:solidFill>
@@ -5499,7 +5457,7 @@
           <a:p>
             <a:pPr algn="ctr"/>
             <a:r>
-              <a:rPr lang="en-US" sz="1600" dirty="0" err="1" smtClean="0">
+              <a:rPr lang="en-US" sz="1600" dirty="0" err="1">
                 <a:solidFill>
                   <a:schemeClr val="bg1"/>
                 </a:solidFill>
@@ -5549,11 +5507,7 @@
           <a:p>
             <a:r>
               <a:rPr lang="en-US" dirty="0" err="1"/>
-              <a:t>p</a:t>
-            </a:r>
-            <a:r>
-              <a:rPr lang="en-US" dirty="0" err="1" smtClean="0"/>
-              <a:t>arserResult</a:t>
+              <a:t>parserResult</a:t>
             </a:r>
             <a:endParaRPr lang="en-US" dirty="0"/>
           </a:p>
@@ -5724,7 +5678,7 @@
           <a:p>
             <a:pPr algn="ctr"/>
             <a:r>
-              <a:rPr lang="en-US" sz="1600" dirty="0" err="1" smtClean="0">
+              <a:rPr lang="en-US" sz="1600" dirty="0" err="1">
                 <a:solidFill>
                   <a:schemeClr val="bg1"/>
                 </a:solidFill>
@@ -5732,7 +5686,7 @@
               <a:t>executionResult</a:t>
             </a:r>
             <a:r>
-              <a:rPr lang="en-US" sz="1600" dirty="0" smtClean="0">
+              <a:rPr lang="en-US" sz="1600" dirty="0">
                 <a:solidFill>
                   <a:schemeClr val="bg1"/>
                 </a:solidFill>
@@ -5743,7 +5697,7 @@
           <a:p>
             <a:pPr algn="ctr"/>
             <a:r>
-              <a:rPr lang="en-US" sz="1600" dirty="0" err="1" smtClean="0">
+              <a:rPr lang="en-US" sz="1600" dirty="0" err="1">
                 <a:solidFill>
                   <a:schemeClr val="bg1"/>
                 </a:solidFill>

--- a/docs/diagrams/LogicComponentSequenceDiagram.pptx
+++ b/docs/diagrams/LogicComponentSequenceDiagram.pptx
@@ -126,6 +126,10 @@
 </p:presentation>
 </file>
 
+<file path=ppt/revisionInfo.xml><?xml version="1.0" encoding="utf-8"?>
+<p1510:revInfo xmlns:a="http://schemas.openxmlformats.org/drawingml/2006/main" xmlns:r="http://schemas.openxmlformats.org/officeDocument/2006/relationships" xmlns:p1510="http://schemas.microsoft.com/office/powerpoint/2015/10/main"/>
+</file>
+
 <file path=ppt/notesMasters/notesMaster1.xml><?xml version="1.0" encoding="utf-8"?>
 <p:notesMaster xmlns:a="http://schemas.openxmlformats.org/drawingml/2006/main" xmlns:r="http://schemas.openxmlformats.org/officeDocument/2006/relationships" xmlns:p="http://schemas.openxmlformats.org/presentationml/2006/main">
   <p:cSld>
@@ -208,7 +212,7 @@
           <a:p>
             <a:fld id="{F5CC4B3F-88C1-4FFA-B1B6-F41C21DC6924}" type="datetimeFigureOut">
               <a:rPr lang="en-US" smtClean="0"/>
-              <a:t>2/6/2017</a:t>
+              <a:t>6/2/17</a:t>
             </a:fld>
             <a:endParaRPr lang="en-US"/>
           </a:p>
@@ -272,38 +276,37 @@
           <a:p>
             <a:pPr lvl="0"/>
             <a:r>
-              <a:rPr lang="en-US" smtClean="0"/>
+              <a:rPr lang="en-US"/>
               <a:t>Click to edit Master text styles</a:t>
             </a:r>
           </a:p>
           <a:p>
             <a:pPr lvl="1"/>
             <a:r>
-              <a:rPr lang="en-US" smtClean="0"/>
+              <a:rPr lang="en-US"/>
               <a:t>Second level</a:t>
             </a:r>
           </a:p>
           <a:p>
             <a:pPr lvl="2"/>
             <a:r>
-              <a:rPr lang="en-US" smtClean="0"/>
+              <a:rPr lang="en-US"/>
               <a:t>Third level</a:t>
             </a:r>
           </a:p>
           <a:p>
             <a:pPr lvl="3"/>
             <a:r>
-              <a:rPr lang="en-US" smtClean="0"/>
+              <a:rPr lang="en-US"/>
               <a:t>Fourth level</a:t>
             </a:r>
           </a:p>
           <a:p>
             <a:pPr lvl="4"/>
             <a:r>
-              <a:rPr lang="en-US" smtClean="0"/>
+              <a:rPr lang="en-US"/>
               <a:t>Fifth level</a:t>
             </a:r>
-            <a:endParaRPr lang="en-US"/>
           </a:p>
         </p:txBody>
       </p:sp>
@@ -514,10 +517,9 @@
           <a:lstStyle/>
           <a:p>
             <a:r>
-              <a:rPr lang="en-US" smtClean="0"/>
+              <a:rPr lang="en-US"/>
               <a:t>Click to edit Master title style</a:t>
             </a:r>
-            <a:endParaRPr lang="en-US"/>
           </a:p>
         </p:txBody>
       </p:sp>
@@ -633,10 +635,9 @@
           </a:lstStyle>
           <a:p>
             <a:r>
-              <a:rPr lang="en-US" smtClean="0"/>
+              <a:rPr lang="en-US"/>
               <a:t>Click to edit Master subtitle style</a:t>
             </a:r>
-            <a:endParaRPr lang="en-US"/>
           </a:p>
         </p:txBody>
       </p:sp>
@@ -657,7 +658,7 @@
           <a:p>
             <a:fld id="{78C97017-6FC3-485B-9764-EAC9E56C1D49}" type="datetimeFigureOut">
               <a:rPr lang="en-US" smtClean="0"/>
-              <a:t>2/6/2017</a:t>
+              <a:t>6/2/17</a:t>
             </a:fld>
             <a:endParaRPr lang="en-US"/>
           </a:p>
@@ -751,10 +752,9 @@
           <a:lstStyle/>
           <a:p>
             <a:r>
-              <a:rPr lang="en-US" smtClean="0"/>
+              <a:rPr lang="en-US"/>
               <a:t>Click to edit Master title style</a:t>
             </a:r>
-            <a:endParaRPr lang="en-US"/>
           </a:p>
         </p:txBody>
       </p:sp>
@@ -775,38 +775,37 @@
           <a:p>
             <a:pPr lvl="0"/>
             <a:r>
-              <a:rPr lang="en-US" smtClean="0"/>
+              <a:rPr lang="en-US"/>
               <a:t>Click to edit Master text styles</a:t>
             </a:r>
           </a:p>
           <a:p>
             <a:pPr lvl="1"/>
             <a:r>
-              <a:rPr lang="en-US" smtClean="0"/>
+              <a:rPr lang="en-US"/>
               <a:t>Second level</a:t>
             </a:r>
           </a:p>
           <a:p>
             <a:pPr lvl="2"/>
             <a:r>
-              <a:rPr lang="en-US" smtClean="0"/>
+              <a:rPr lang="en-US"/>
               <a:t>Third level</a:t>
             </a:r>
           </a:p>
           <a:p>
             <a:pPr lvl="3"/>
             <a:r>
-              <a:rPr lang="en-US" smtClean="0"/>
+              <a:rPr lang="en-US"/>
               <a:t>Fourth level</a:t>
             </a:r>
           </a:p>
           <a:p>
             <a:pPr lvl="4"/>
             <a:r>
-              <a:rPr lang="en-US" smtClean="0"/>
+              <a:rPr lang="en-US"/>
               <a:t>Fifth level</a:t>
             </a:r>
-            <a:endParaRPr lang="en-US"/>
           </a:p>
         </p:txBody>
       </p:sp>
@@ -827,7 +826,7 @@
           <a:p>
             <a:fld id="{78C97017-6FC3-485B-9764-EAC9E56C1D49}" type="datetimeFigureOut">
               <a:rPr lang="en-US" smtClean="0"/>
-              <a:t>2/6/2017</a:t>
+              <a:t>6/2/17</a:t>
             </a:fld>
             <a:endParaRPr lang="en-US"/>
           </a:p>
@@ -926,10 +925,9 @@
           <a:lstStyle/>
           <a:p>
             <a:r>
-              <a:rPr lang="en-US" smtClean="0"/>
+              <a:rPr lang="en-US"/>
               <a:t>Click to edit Master title style</a:t>
             </a:r>
-            <a:endParaRPr lang="en-US"/>
           </a:p>
         </p:txBody>
       </p:sp>
@@ -955,38 +953,37 @@
           <a:p>
             <a:pPr lvl="0"/>
             <a:r>
-              <a:rPr lang="en-US" smtClean="0"/>
+              <a:rPr lang="en-US"/>
               <a:t>Click to edit Master text styles</a:t>
             </a:r>
           </a:p>
           <a:p>
             <a:pPr lvl="1"/>
             <a:r>
-              <a:rPr lang="en-US" smtClean="0"/>
+              <a:rPr lang="en-US"/>
               <a:t>Second level</a:t>
             </a:r>
           </a:p>
           <a:p>
             <a:pPr lvl="2"/>
             <a:r>
-              <a:rPr lang="en-US" smtClean="0"/>
+              <a:rPr lang="en-US"/>
               <a:t>Third level</a:t>
             </a:r>
           </a:p>
           <a:p>
             <a:pPr lvl="3"/>
             <a:r>
-              <a:rPr lang="en-US" smtClean="0"/>
+              <a:rPr lang="en-US"/>
               <a:t>Fourth level</a:t>
             </a:r>
           </a:p>
           <a:p>
             <a:pPr lvl="4"/>
             <a:r>
-              <a:rPr lang="en-US" smtClean="0"/>
+              <a:rPr lang="en-US"/>
               <a:t>Fifth level</a:t>
             </a:r>
-            <a:endParaRPr lang="en-US"/>
           </a:p>
         </p:txBody>
       </p:sp>
@@ -1007,7 +1004,7 @@
           <a:p>
             <a:fld id="{78C97017-6FC3-485B-9764-EAC9E56C1D49}" type="datetimeFigureOut">
               <a:rPr lang="en-US" smtClean="0"/>
-              <a:t>2/6/2017</a:t>
+              <a:t>6/2/17</a:t>
             </a:fld>
             <a:endParaRPr lang="en-US"/>
           </a:p>
@@ -1101,10 +1098,9 @@
           <a:lstStyle/>
           <a:p>
             <a:r>
-              <a:rPr lang="en-US" smtClean="0"/>
+              <a:rPr lang="en-US"/>
               <a:t>Click to edit Master title style</a:t>
             </a:r>
-            <a:endParaRPr lang="en-US"/>
           </a:p>
         </p:txBody>
       </p:sp>
@@ -1125,38 +1121,37 @@
           <a:p>
             <a:pPr lvl="0"/>
             <a:r>
-              <a:rPr lang="en-US" smtClean="0"/>
+              <a:rPr lang="en-US"/>
               <a:t>Click to edit Master text styles</a:t>
             </a:r>
           </a:p>
           <a:p>
             <a:pPr lvl="1"/>
             <a:r>
-              <a:rPr lang="en-US" smtClean="0"/>
+              <a:rPr lang="en-US"/>
               <a:t>Second level</a:t>
             </a:r>
           </a:p>
           <a:p>
             <a:pPr lvl="2"/>
             <a:r>
-              <a:rPr lang="en-US" smtClean="0"/>
+              <a:rPr lang="en-US"/>
               <a:t>Third level</a:t>
             </a:r>
           </a:p>
           <a:p>
             <a:pPr lvl="3"/>
             <a:r>
-              <a:rPr lang="en-US" smtClean="0"/>
+              <a:rPr lang="en-US"/>
               <a:t>Fourth level</a:t>
             </a:r>
           </a:p>
           <a:p>
             <a:pPr lvl="4"/>
             <a:r>
-              <a:rPr lang="en-US" smtClean="0"/>
+              <a:rPr lang="en-US"/>
               <a:t>Fifth level</a:t>
             </a:r>
-            <a:endParaRPr lang="en-US"/>
           </a:p>
         </p:txBody>
       </p:sp>
@@ -1177,7 +1172,7 @@
           <a:p>
             <a:fld id="{78C97017-6FC3-485B-9764-EAC9E56C1D49}" type="datetimeFigureOut">
               <a:rPr lang="en-US" smtClean="0"/>
-              <a:t>2/6/2017</a:t>
+              <a:t>6/2/17</a:t>
             </a:fld>
             <a:endParaRPr lang="en-US"/>
           </a:p>
@@ -1280,10 +1275,9 @@
           </a:lstStyle>
           <a:p>
             <a:r>
-              <a:rPr lang="en-US" smtClean="0"/>
+              <a:rPr lang="en-US"/>
               <a:t>Click to edit Master title style</a:t>
             </a:r>
-            <a:endParaRPr lang="en-US"/>
           </a:p>
         </p:txBody>
       </p:sp>
@@ -1400,7 +1394,7 @@
           <a:p>
             <a:pPr lvl="0"/>
             <a:r>
-              <a:rPr lang="en-US" smtClean="0"/>
+              <a:rPr lang="en-US"/>
               <a:t>Click to edit Master text styles</a:t>
             </a:r>
           </a:p>
@@ -1423,7 +1417,7 @@
           <a:p>
             <a:fld id="{78C97017-6FC3-485B-9764-EAC9E56C1D49}" type="datetimeFigureOut">
               <a:rPr lang="en-US" smtClean="0"/>
-              <a:t>2/6/2017</a:t>
+              <a:t>6/2/17</a:t>
             </a:fld>
             <a:endParaRPr lang="en-US"/>
           </a:p>
@@ -1517,10 +1511,9 @@
           <a:lstStyle/>
           <a:p>
             <a:r>
-              <a:rPr lang="en-US" smtClean="0"/>
+              <a:rPr lang="en-US"/>
               <a:t>Click to edit Master title style</a:t>
             </a:r>
-            <a:endParaRPr lang="en-US"/>
           </a:p>
         </p:txBody>
       </p:sp>
@@ -1574,38 +1567,37 @@
           <a:p>
             <a:pPr lvl="0"/>
             <a:r>
-              <a:rPr lang="en-US" smtClean="0"/>
+              <a:rPr lang="en-US"/>
               <a:t>Click to edit Master text styles</a:t>
             </a:r>
           </a:p>
           <a:p>
             <a:pPr lvl="1"/>
             <a:r>
-              <a:rPr lang="en-US" smtClean="0"/>
+              <a:rPr lang="en-US"/>
               <a:t>Second level</a:t>
             </a:r>
           </a:p>
           <a:p>
             <a:pPr lvl="2"/>
             <a:r>
-              <a:rPr lang="en-US" smtClean="0"/>
+              <a:rPr lang="en-US"/>
               <a:t>Third level</a:t>
             </a:r>
           </a:p>
           <a:p>
             <a:pPr lvl="3"/>
             <a:r>
-              <a:rPr lang="en-US" smtClean="0"/>
+              <a:rPr lang="en-US"/>
               <a:t>Fourth level</a:t>
             </a:r>
           </a:p>
           <a:p>
             <a:pPr lvl="4"/>
             <a:r>
-              <a:rPr lang="en-US" smtClean="0"/>
+              <a:rPr lang="en-US"/>
               <a:t>Fifth level</a:t>
             </a:r>
-            <a:endParaRPr lang="en-US"/>
           </a:p>
         </p:txBody>
       </p:sp>
@@ -1659,38 +1651,37 @@
           <a:p>
             <a:pPr lvl="0"/>
             <a:r>
-              <a:rPr lang="en-US" smtClean="0"/>
+              <a:rPr lang="en-US"/>
               <a:t>Click to edit Master text styles</a:t>
             </a:r>
           </a:p>
           <a:p>
             <a:pPr lvl="1"/>
             <a:r>
-              <a:rPr lang="en-US" smtClean="0"/>
+              <a:rPr lang="en-US"/>
               <a:t>Second level</a:t>
             </a:r>
           </a:p>
           <a:p>
             <a:pPr lvl="2"/>
             <a:r>
-              <a:rPr lang="en-US" smtClean="0"/>
+              <a:rPr lang="en-US"/>
               <a:t>Third level</a:t>
             </a:r>
           </a:p>
           <a:p>
             <a:pPr lvl="3"/>
             <a:r>
-              <a:rPr lang="en-US" smtClean="0"/>
+              <a:rPr lang="en-US"/>
               <a:t>Fourth level</a:t>
             </a:r>
           </a:p>
           <a:p>
             <a:pPr lvl="4"/>
             <a:r>
-              <a:rPr lang="en-US" smtClean="0"/>
+              <a:rPr lang="en-US"/>
               <a:t>Fifth level</a:t>
             </a:r>
-            <a:endParaRPr lang="en-US"/>
           </a:p>
         </p:txBody>
       </p:sp>
@@ -1711,7 +1702,7 @@
           <a:p>
             <a:fld id="{78C97017-6FC3-485B-9764-EAC9E56C1D49}" type="datetimeFigureOut">
               <a:rPr lang="en-US" smtClean="0"/>
-              <a:t>2/6/2017</a:t>
+              <a:t>6/2/17</a:t>
             </a:fld>
             <a:endParaRPr lang="en-US"/>
           </a:p>
@@ -1809,10 +1800,9 @@
           </a:lstStyle>
           <a:p>
             <a:r>
-              <a:rPr lang="en-US" smtClean="0"/>
+              <a:rPr lang="en-US"/>
               <a:t>Click to edit Master title style</a:t>
             </a:r>
-            <a:endParaRPr lang="en-US"/>
           </a:p>
         </p:txBody>
       </p:sp>
@@ -1875,7 +1865,7 @@
           <a:p>
             <a:pPr lvl="0"/>
             <a:r>
-              <a:rPr lang="en-US" smtClean="0"/>
+              <a:rPr lang="en-US"/>
               <a:t>Click to edit Master text styles</a:t>
             </a:r>
           </a:p>
@@ -1931,38 +1921,37 @@
           <a:p>
             <a:pPr lvl="0"/>
             <a:r>
-              <a:rPr lang="en-US" smtClean="0"/>
+              <a:rPr lang="en-US"/>
               <a:t>Click to edit Master text styles</a:t>
             </a:r>
           </a:p>
           <a:p>
             <a:pPr lvl="1"/>
             <a:r>
-              <a:rPr lang="en-US" smtClean="0"/>
+              <a:rPr lang="en-US"/>
               <a:t>Second level</a:t>
             </a:r>
           </a:p>
           <a:p>
             <a:pPr lvl="2"/>
             <a:r>
-              <a:rPr lang="en-US" smtClean="0"/>
+              <a:rPr lang="en-US"/>
               <a:t>Third level</a:t>
             </a:r>
           </a:p>
           <a:p>
             <a:pPr lvl="3"/>
             <a:r>
-              <a:rPr lang="en-US" smtClean="0"/>
+              <a:rPr lang="en-US"/>
               <a:t>Fourth level</a:t>
             </a:r>
           </a:p>
           <a:p>
             <a:pPr lvl="4"/>
             <a:r>
-              <a:rPr lang="en-US" smtClean="0"/>
+              <a:rPr lang="en-US"/>
               <a:t>Fifth level</a:t>
             </a:r>
-            <a:endParaRPr lang="en-US"/>
           </a:p>
         </p:txBody>
       </p:sp>
@@ -2025,7 +2014,7 @@
           <a:p>
             <a:pPr lvl="0"/>
             <a:r>
-              <a:rPr lang="en-US" smtClean="0"/>
+              <a:rPr lang="en-US"/>
               <a:t>Click to edit Master text styles</a:t>
             </a:r>
           </a:p>
@@ -2081,38 +2070,37 @@
           <a:p>
             <a:pPr lvl="0"/>
             <a:r>
-              <a:rPr lang="en-US" smtClean="0"/>
+              <a:rPr lang="en-US"/>
               <a:t>Click to edit Master text styles</a:t>
             </a:r>
           </a:p>
           <a:p>
             <a:pPr lvl="1"/>
             <a:r>
-              <a:rPr lang="en-US" smtClean="0"/>
+              <a:rPr lang="en-US"/>
               <a:t>Second level</a:t>
             </a:r>
           </a:p>
           <a:p>
             <a:pPr lvl="2"/>
             <a:r>
-              <a:rPr lang="en-US" smtClean="0"/>
+              <a:rPr lang="en-US"/>
               <a:t>Third level</a:t>
             </a:r>
           </a:p>
           <a:p>
             <a:pPr lvl="3"/>
             <a:r>
-              <a:rPr lang="en-US" smtClean="0"/>
+              <a:rPr lang="en-US"/>
               <a:t>Fourth level</a:t>
             </a:r>
           </a:p>
           <a:p>
             <a:pPr lvl="4"/>
             <a:r>
-              <a:rPr lang="en-US" smtClean="0"/>
+              <a:rPr lang="en-US"/>
               <a:t>Fifth level</a:t>
             </a:r>
-            <a:endParaRPr lang="en-US"/>
           </a:p>
         </p:txBody>
       </p:sp>
@@ -2133,7 +2121,7 @@
           <a:p>
             <a:fld id="{78C97017-6FC3-485B-9764-EAC9E56C1D49}" type="datetimeFigureOut">
               <a:rPr lang="en-US" smtClean="0"/>
-              <a:t>2/6/2017</a:t>
+              <a:t>6/2/17</a:t>
             </a:fld>
             <a:endParaRPr lang="en-US"/>
           </a:p>
@@ -2227,10 +2215,9 @@
           <a:lstStyle/>
           <a:p>
             <a:r>
-              <a:rPr lang="en-US" smtClean="0"/>
+              <a:rPr lang="en-US"/>
               <a:t>Click to edit Master title style</a:t>
             </a:r>
-            <a:endParaRPr lang="en-US"/>
           </a:p>
         </p:txBody>
       </p:sp>
@@ -2251,7 +2238,7 @@
           <a:p>
             <a:fld id="{78C97017-6FC3-485B-9764-EAC9E56C1D49}" type="datetimeFigureOut">
               <a:rPr lang="en-US" smtClean="0"/>
-              <a:t>2/6/2017</a:t>
+              <a:t>6/2/17</a:t>
             </a:fld>
             <a:endParaRPr lang="en-US"/>
           </a:p>
@@ -2346,7 +2333,7 @@
           <a:p>
             <a:fld id="{78C97017-6FC3-485B-9764-EAC9E56C1D49}" type="datetimeFigureOut">
               <a:rPr lang="en-US" smtClean="0"/>
-              <a:t>2/6/2017</a:t>
+              <a:t>6/2/17</a:t>
             </a:fld>
             <a:endParaRPr lang="en-US"/>
           </a:p>
@@ -2449,10 +2436,9 @@
           </a:lstStyle>
           <a:p>
             <a:r>
-              <a:rPr lang="en-US" smtClean="0"/>
+              <a:rPr lang="en-US"/>
               <a:t>Click to edit Master title style</a:t>
             </a:r>
-            <a:endParaRPr lang="en-US"/>
           </a:p>
         </p:txBody>
       </p:sp>
@@ -2506,38 +2492,37 @@
           <a:p>
             <a:pPr lvl="0"/>
             <a:r>
-              <a:rPr lang="en-US" smtClean="0"/>
+              <a:rPr lang="en-US"/>
               <a:t>Click to edit Master text styles</a:t>
             </a:r>
           </a:p>
           <a:p>
             <a:pPr lvl="1"/>
             <a:r>
-              <a:rPr lang="en-US" smtClean="0"/>
+              <a:rPr lang="en-US"/>
               <a:t>Second level</a:t>
             </a:r>
           </a:p>
           <a:p>
             <a:pPr lvl="2"/>
             <a:r>
-              <a:rPr lang="en-US" smtClean="0"/>
+              <a:rPr lang="en-US"/>
               <a:t>Third level</a:t>
             </a:r>
           </a:p>
           <a:p>
             <a:pPr lvl="3"/>
             <a:r>
-              <a:rPr lang="en-US" smtClean="0"/>
+              <a:rPr lang="en-US"/>
               <a:t>Fourth level</a:t>
             </a:r>
           </a:p>
           <a:p>
             <a:pPr lvl="4"/>
             <a:r>
-              <a:rPr lang="en-US" smtClean="0"/>
+              <a:rPr lang="en-US"/>
               <a:t>Fifth level</a:t>
             </a:r>
-            <a:endParaRPr lang="en-US"/>
           </a:p>
         </p:txBody>
       </p:sp>
@@ -2600,7 +2585,7 @@
           <a:p>
             <a:pPr lvl="0"/>
             <a:r>
-              <a:rPr lang="en-US" smtClean="0"/>
+              <a:rPr lang="en-US"/>
               <a:t>Click to edit Master text styles</a:t>
             </a:r>
           </a:p>
@@ -2623,7 +2608,7 @@
           <a:p>
             <a:fld id="{78C97017-6FC3-485B-9764-EAC9E56C1D49}" type="datetimeFigureOut">
               <a:rPr lang="en-US" smtClean="0"/>
-              <a:t>2/6/2017</a:t>
+              <a:t>6/2/17</a:t>
             </a:fld>
             <a:endParaRPr lang="en-US"/>
           </a:p>
@@ -2726,10 +2711,9 @@
           </a:lstStyle>
           <a:p>
             <a:r>
-              <a:rPr lang="en-US" smtClean="0"/>
+              <a:rPr lang="en-US"/>
               <a:t>Click to edit Master title style</a:t>
             </a:r>
-            <a:endParaRPr lang="en-US"/>
           </a:p>
         </p:txBody>
       </p:sp>
@@ -2853,7 +2837,7 @@
           <a:p>
             <a:pPr lvl="0"/>
             <a:r>
-              <a:rPr lang="en-US" smtClean="0"/>
+              <a:rPr lang="en-US"/>
               <a:t>Click to edit Master text styles</a:t>
             </a:r>
           </a:p>
@@ -2876,7 +2860,7 @@
           <a:p>
             <a:fld id="{78C97017-6FC3-485B-9764-EAC9E56C1D49}" type="datetimeFigureOut">
               <a:rPr lang="en-US" smtClean="0"/>
-              <a:t>2/6/2017</a:t>
+              <a:t>6/2/17</a:t>
             </a:fld>
             <a:endParaRPr lang="en-US"/>
           </a:p>
@@ -2985,10 +2969,9 @@
           <a:lstStyle/>
           <a:p>
             <a:r>
-              <a:rPr lang="en-US" smtClean="0"/>
+              <a:rPr lang="en-US"/>
               <a:t>Click to edit Master title style</a:t>
             </a:r>
-            <a:endParaRPr lang="en-US"/>
           </a:p>
         </p:txBody>
       </p:sp>
@@ -3019,38 +3002,37 @@
           <a:p>
             <a:pPr lvl="0"/>
             <a:r>
-              <a:rPr lang="en-US" smtClean="0"/>
+              <a:rPr lang="en-US"/>
               <a:t>Click to edit Master text styles</a:t>
             </a:r>
           </a:p>
           <a:p>
             <a:pPr lvl="1"/>
             <a:r>
-              <a:rPr lang="en-US" smtClean="0"/>
+              <a:rPr lang="en-US"/>
               <a:t>Second level</a:t>
             </a:r>
           </a:p>
           <a:p>
             <a:pPr lvl="2"/>
             <a:r>
-              <a:rPr lang="en-US" smtClean="0"/>
+              <a:rPr lang="en-US"/>
               <a:t>Third level</a:t>
             </a:r>
           </a:p>
           <a:p>
             <a:pPr lvl="3"/>
             <a:r>
-              <a:rPr lang="en-US" smtClean="0"/>
+              <a:rPr lang="en-US"/>
               <a:t>Fourth level</a:t>
             </a:r>
           </a:p>
           <a:p>
             <a:pPr lvl="4"/>
             <a:r>
-              <a:rPr lang="en-US" smtClean="0"/>
+              <a:rPr lang="en-US"/>
               <a:t>Fifth level</a:t>
             </a:r>
-            <a:endParaRPr lang="en-US"/>
           </a:p>
         </p:txBody>
       </p:sp>
@@ -3089,7 +3071,7 @@
           <a:p>
             <a:fld id="{78C97017-6FC3-485B-9764-EAC9E56C1D49}" type="datetimeFigureOut">
               <a:rPr lang="en-US" smtClean="0"/>
-              <a:t>2/6/2017</a:t>
+              <a:t>6/2/17</a:t>
             </a:fld>
             <a:endParaRPr lang="en-US"/>
           </a:p>
@@ -3472,8 +3454,8 @@
         </p:nvSpPr>
         <p:spPr>
           <a:xfrm>
-            <a:off x="685800" y="1981200"/>
-            <a:ext cx="7252956" cy="4000286"/>
+            <a:off x="679207" y="838200"/>
+            <a:ext cx="7252956" cy="5171150"/>
           </a:xfrm>
           <a:prstGeom prst="roundRect">
             <a:avLst>
@@ -3510,7 +3492,7 @@
           <a:lstStyle/>
           <a:p>
             <a:r>
-              <a:rPr lang="en-US" sz="1200" b="1" dirty="0" smtClean="0">
+              <a:rPr lang="en-US" sz="1200" b="1" dirty="0">
                 <a:solidFill>
                   <a:srgbClr val="0070C0"/>
                 </a:solidFill>
@@ -3533,7 +3515,7 @@
         </p:nvSpPr>
         <p:spPr>
           <a:xfrm>
-            <a:off x="845045" y="2296546"/>
+            <a:off x="845045" y="1233865"/>
             <a:ext cx="1455629" cy="346760"/>
           </a:xfrm>
           <a:prstGeom prst="rect">
@@ -3600,7 +3582,7 @@
         </p:nvCxnSpPr>
         <p:spPr>
           <a:xfrm>
-            <a:off x="1572859" y="2660217"/>
+            <a:off x="1572859" y="1597536"/>
             <a:ext cx="0" cy="2597583"/>
           </a:xfrm>
           <a:prstGeom prst="line">
@@ -3637,8 +3619,8 @@
         </p:nvSpPr>
         <p:spPr>
           <a:xfrm>
-            <a:off x="1500851" y="3010911"/>
-            <a:ext cx="152400" cy="2780287"/>
+            <a:off x="1474572" y="1667421"/>
+            <a:ext cx="200177" cy="4123778"/>
           </a:xfrm>
           <a:prstGeom prst="rect">
             <a:avLst/>
@@ -3684,7 +3666,7 @@
         </p:nvSpPr>
         <p:spPr>
           <a:xfrm>
-            <a:off x="2809782" y="2300233"/>
+            <a:off x="2809782" y="1237552"/>
             <a:ext cx="1093635" cy="346760"/>
           </a:xfrm>
           <a:prstGeom prst="rect">
@@ -3720,7 +3702,7 @@
           <a:p>
             <a:pPr algn="ctr"/>
             <a:r>
-              <a:rPr lang="en-US" sz="1600" dirty="0" smtClean="0">
+              <a:rPr lang="en-US" sz="1600" dirty="0">
                 <a:solidFill>
                   <a:schemeClr val="bg1"/>
                 </a:solidFill>
@@ -3742,9 +3724,9 @@
           <p:nvPr/>
         </p:nvCxnSpPr>
         <p:spPr>
-          <a:xfrm>
-            <a:off x="3356599" y="2663904"/>
-            <a:ext cx="0" cy="1695374"/>
+          <a:xfrm flipH="1">
+            <a:off x="3352800" y="1616867"/>
+            <a:ext cx="3799" cy="1964533"/>
           </a:xfrm>
           <a:prstGeom prst="line">
             <a:avLst/>
@@ -3780,8 +3762,8 @@
         </p:nvSpPr>
         <p:spPr>
           <a:xfrm>
-            <a:off x="3284590" y="3122096"/>
-            <a:ext cx="174929" cy="1129459"/>
+            <a:off x="3295897" y="1704706"/>
+            <a:ext cx="148295" cy="1800493"/>
           </a:xfrm>
           <a:prstGeom prst="rect">
             <a:avLst/>
@@ -3831,7 +3813,7 @@
         </p:nvSpPr>
         <p:spPr>
           <a:xfrm>
-            <a:off x="6221565" y="3312740"/>
+            <a:off x="6223917" y="1828681"/>
             <a:ext cx="1093635" cy="461538"/>
           </a:xfrm>
           <a:prstGeom prst="rect">
@@ -3867,20 +3849,12 @@
           <a:p>
             <a:pPr algn="ctr"/>
             <a:r>
-              <a:rPr lang="en-US" sz="1600" dirty="0" smtClean="0">
+              <a:rPr lang="en-US" sz="1600" dirty="0">
                 <a:solidFill>
                   <a:schemeClr val="bg1"/>
                 </a:solidFill>
               </a:rPr>
               <a:t>d:Delete</a:t>
-            </a:r>
-            <a:r>
-              <a:rPr lang="en-US" sz="1600" dirty="0">
-                <a:solidFill>
-                  <a:schemeClr val="bg1"/>
-                </a:solidFill>
-              </a:rPr>
-              <a:t/>
             </a:r>
             <a:br>
               <a:rPr lang="en-US" sz="1600" dirty="0">
@@ -3915,8 +3889,8 @@
         </p:nvCxnSpPr>
         <p:spPr>
           <a:xfrm>
-            <a:off x="6772574" y="3774278"/>
-            <a:ext cx="0" cy="1940722"/>
+            <a:off x="6760183" y="2298210"/>
+            <a:ext cx="8686" cy="3492989"/>
           </a:xfrm>
           <a:prstGeom prst="line">
             <a:avLst/>
@@ -3952,8 +3926,8 @@
         </p:nvSpPr>
         <p:spPr>
           <a:xfrm>
-            <a:off x="6696374" y="3774278"/>
-            <a:ext cx="152400" cy="276003"/>
+            <a:off x="6680245" y="2298210"/>
+            <a:ext cx="159876" cy="239660"/>
           </a:xfrm>
           <a:prstGeom prst="rect">
             <a:avLst/>
@@ -3999,7 +3973,7 @@
         </p:nvCxnSpPr>
         <p:spPr>
           <a:xfrm>
-            <a:off x="381000" y="3014599"/>
+            <a:off x="381000" y="1667421"/>
             <a:ext cx="1119851" cy="0"/>
           </a:xfrm>
           <a:prstGeom prst="straightConnector1">
@@ -4035,8 +4009,8 @@
         </p:nvCxnSpPr>
         <p:spPr>
           <a:xfrm flipV="1">
-            <a:off x="1653251" y="3122097"/>
-            <a:ext cx="1596514" cy="1"/>
+            <a:off x="1622728" y="1733023"/>
+            <a:ext cx="1652248" cy="1"/>
           </a:xfrm>
           <a:prstGeom prst="straightConnector1">
             <a:avLst/>
@@ -4071,7 +4045,7 @@
         </p:nvSpPr>
         <p:spPr>
           <a:xfrm>
-            <a:off x="0" y="2743200"/>
+            <a:off x="8762" y="1712298"/>
             <a:ext cx="1424846" cy="215444"/>
           </a:xfrm>
           <a:prstGeom prst="rect">
@@ -4087,18 +4061,13 @@
           <a:p>
             <a:pPr algn="r"/>
             <a:r>
-              <a:rPr lang="en-US" sz="1400" dirty="0" smtClean="0">
+              <a:rPr lang="en-US" sz="1400" dirty="0">
                 <a:solidFill>
                   <a:srgbClr val="0070C0"/>
                 </a:solidFill>
               </a:rPr>
               <a:t>execute(“delete 1”)</a:t>
             </a:r>
-            <a:endParaRPr lang="en-US" sz="1400" dirty="0">
-              <a:solidFill>
-                <a:srgbClr val="0070C0"/>
-              </a:solidFill>
-            </a:endParaRPr>
           </a:p>
         </p:txBody>
       </p:sp>
@@ -4110,8 +4079,8 @@
         </p:nvCxnSpPr>
         <p:spPr>
           <a:xfrm flipV="1">
-            <a:off x="5257218" y="3703214"/>
-            <a:ext cx="922392" cy="1"/>
+            <a:off x="5240170" y="2284113"/>
+            <a:ext cx="1000086" cy="1887"/>
           </a:xfrm>
           <a:prstGeom prst="straightConnector1">
             <a:avLst/>
@@ -4146,7 +4115,7 @@
         </p:nvSpPr>
         <p:spPr>
           <a:xfrm>
-            <a:off x="4257582" y="4251556"/>
+            <a:off x="4250375" y="3808387"/>
             <a:ext cx="855809" cy="215444"/>
           </a:xfrm>
           <a:prstGeom prst="rect">
@@ -4186,8 +4155,8 @@
         </p:nvCxnSpPr>
         <p:spPr>
           <a:xfrm>
-            <a:off x="5257800" y="4050281"/>
-            <a:ext cx="1492974" cy="0"/>
+            <a:off x="5245358" y="2514600"/>
+            <a:ext cx="1471957" cy="0"/>
           </a:xfrm>
           <a:prstGeom prst="straightConnector1">
             <a:avLst/>
@@ -4224,7 +4193,7 @@
         </p:nvCxnSpPr>
         <p:spPr>
           <a:xfrm flipV="1">
-            <a:off x="1670186" y="4243231"/>
+            <a:off x="1676638" y="3489050"/>
             <a:ext cx="1596514" cy="5378"/>
           </a:xfrm>
           <a:prstGeom prst="straightConnector1">
@@ -4300,8 +4269,8 @@
         </p:nvSpPr>
         <p:spPr>
           <a:xfrm>
-            <a:off x="8265896" y="2362200"/>
-            <a:ext cx="1030504" cy="346760"/>
+            <a:off x="8325699" y="1326657"/>
+            <a:ext cx="774233" cy="346760"/>
           </a:xfrm>
           <a:prstGeom prst="rect">
             <a:avLst/>
@@ -4365,7 +4334,7 @@
         </p:nvCxnSpPr>
         <p:spPr>
           <a:xfrm>
-            <a:off x="1653251" y="4495317"/>
+            <a:off x="1646044" y="4052148"/>
             <a:ext cx="5043123" cy="0"/>
           </a:xfrm>
           <a:prstGeom prst="straightConnector1">
@@ -4401,7 +4370,7 @@
         </p:nvSpPr>
         <p:spPr>
           <a:xfrm>
-            <a:off x="6687452" y="4467000"/>
+            <a:off x="6680245" y="4023831"/>
             <a:ext cx="161322" cy="1019400"/>
           </a:xfrm>
           <a:prstGeom prst="rect">
@@ -4443,13 +4412,15 @@
       <p:cxnSp>
         <p:nvCxnSpPr>
           <p:cNvPr id="71" name="Straight Connector 70"/>
-          <p:cNvCxnSpPr/>
+          <p:cNvCxnSpPr>
+            <a:stCxn id="39" idx="2"/>
+          </p:cNvCxnSpPr>
           <p:nvPr/>
         </p:nvCxnSpPr>
         <p:spPr>
           <a:xfrm>
-            <a:off x="8781148" y="2700858"/>
-            <a:ext cx="0" cy="2830598"/>
+            <a:off x="8712816" y="1673417"/>
+            <a:ext cx="7672" cy="3965383"/>
           </a:xfrm>
           <a:prstGeom prst="line">
             <a:avLst/>
@@ -4488,7 +4459,7 @@
         </p:nvSpPr>
         <p:spPr>
           <a:xfrm>
-            <a:off x="8686800" y="4524597"/>
+            <a:off x="8640452" y="4071678"/>
             <a:ext cx="152400" cy="199803"/>
           </a:xfrm>
           <a:prstGeom prst="rect">
@@ -4545,7 +4516,7 @@
         </p:nvCxnSpPr>
         <p:spPr>
           <a:xfrm>
-            <a:off x="6850663" y="4524597"/>
+            <a:off x="6843456" y="4081428"/>
             <a:ext cx="1836137" cy="0"/>
           </a:xfrm>
           <a:prstGeom prst="straightConnector1">
@@ -4581,7 +4552,7 @@
         </p:nvCxnSpPr>
         <p:spPr>
           <a:xfrm flipV="1">
-            <a:off x="6848774" y="4714650"/>
+            <a:off x="6841567" y="4271481"/>
             <a:ext cx="1838026" cy="9750"/>
           </a:xfrm>
           <a:prstGeom prst="straightConnector1">
@@ -4622,7 +4593,7 @@
         </p:nvCxnSpPr>
         <p:spPr>
           <a:xfrm>
-            <a:off x="1653251" y="5486400"/>
+            <a:off x="1646044" y="5043231"/>
             <a:ext cx="5052349" cy="0"/>
           </a:xfrm>
           <a:prstGeom prst="straightConnector1">
@@ -4660,7 +4631,7 @@
         </p:nvSpPr>
         <p:spPr>
           <a:xfrm>
-            <a:off x="6984957" y="4267200"/>
+            <a:off x="6977750" y="3824031"/>
             <a:ext cx="1424846" cy="215444"/>
           </a:xfrm>
           <a:prstGeom prst="rect">
@@ -4686,7 +4657,7 @@
           </a:lstStyle>
           <a:p>
             <a:r>
-              <a:rPr lang="en-US" dirty="0" err="1" smtClean="0">
+              <a:rPr lang="en-US" dirty="0" err="1">
                 <a:solidFill>
                   <a:srgbClr val="7030A0"/>
                 </a:solidFill>
@@ -4694,18 +4665,13 @@
               <a:t>deletePerson</a:t>
             </a:r>
             <a:r>
-              <a:rPr lang="en-US" dirty="0" smtClean="0">
+              <a:rPr lang="en-US" dirty="0">
                 <a:solidFill>
                   <a:srgbClr val="7030A0"/>
                 </a:solidFill>
               </a:rPr>
               <a:t>(p)</a:t>
             </a:r>
-            <a:endParaRPr lang="en-US" dirty="0">
-              <a:solidFill>
-                <a:srgbClr val="7030A0"/>
-              </a:solidFill>
-            </a:endParaRPr>
           </a:p>
         </p:txBody>
       </p:sp>
@@ -4717,7 +4683,7 @@
         </p:nvSpPr>
         <p:spPr>
           <a:xfrm>
-            <a:off x="3847551" y="3657600"/>
+            <a:off x="3463524" y="2234652"/>
             <a:ext cx="767033" cy="184666"/>
           </a:xfrm>
           <a:prstGeom prst="rect">
@@ -4744,13 +4710,8 @@
           <a:p>
             <a:r>
               <a:rPr lang="en-US" sz="1200" dirty="0"/>
-              <a:t>p</a:t>
-            </a:r>
-            <a:r>
-              <a:rPr lang="en-US" sz="1200" dirty="0" smtClean="0"/>
-              <a:t>arse(“1”)</a:t>
-            </a:r>
-            <a:endParaRPr lang="en-US" sz="1200" dirty="0"/>
+              <a:t>parse(“1”)</a:t>
+            </a:r>
           </a:p>
         </p:txBody>
       </p:sp>
@@ -4762,7 +4723,7 @@
         </p:nvSpPr>
         <p:spPr>
           <a:xfrm>
-            <a:off x="1742982" y="2850922"/>
+            <a:off x="1716919" y="1761341"/>
             <a:ext cx="1424846" cy="215444"/>
           </a:xfrm>
           <a:prstGeom prst="rect">
@@ -4788,10 +4749,9 @@
           </a:lstStyle>
           <a:p>
             <a:r>
-              <a:rPr lang="en-US" dirty="0" smtClean="0"/>
+              <a:rPr lang="en-US" dirty="0"/>
               <a:t>parse(“delete 1”)</a:t>
             </a:r>
-            <a:endParaRPr lang="en-US" dirty="0"/>
           </a:p>
         </p:txBody>
       </p:sp>
@@ -4803,8 +4763,8 @@
         </p:nvSpPr>
         <p:spPr>
           <a:xfrm>
-            <a:off x="4340137" y="5255323"/>
-            <a:ext cx="621216" cy="215444"/>
+            <a:off x="3726593" y="4812154"/>
+            <a:ext cx="1227553" cy="215444"/>
           </a:xfrm>
           <a:prstGeom prst="rect">
             <a:avLst/>
@@ -4829,8 +4789,8 @@
           </a:lstStyle>
           <a:p>
             <a:r>
-              <a:rPr lang="en-US" dirty="0" smtClean="0"/>
-              <a:t>result</a:t>
+              <a:rPr lang="en-US"/>
+              <a:t>commandResult</a:t>
             </a:r>
             <a:endParaRPr lang="en-US" dirty="0"/>
           </a:p>
@@ -4844,8 +4804,8 @@
         </p:nvSpPr>
         <p:spPr>
           <a:xfrm>
-            <a:off x="599983" y="5538488"/>
-            <a:ext cx="762000" cy="215444"/>
+            <a:off x="152400" y="5538488"/>
+            <a:ext cx="1209583" cy="215444"/>
           </a:xfrm>
           <a:prstGeom prst="rect">
             <a:avLst/>
@@ -4870,8 +4830,8 @@
           </a:lstStyle>
           <a:p>
             <a:r>
-              <a:rPr lang="en-US" dirty="0" smtClean="0"/>
-              <a:t>result</a:t>
+              <a:rPr lang="en-US"/>
+              <a:t>executionResult</a:t>
             </a:r>
             <a:endParaRPr lang="en-US" dirty="0"/>
           </a:p>
@@ -4885,7 +4845,7 @@
         </p:nvSpPr>
         <p:spPr>
           <a:xfrm>
-            <a:off x="7020246" y="4777286"/>
+            <a:off x="7013039" y="4334117"/>
             <a:ext cx="1590354" cy="461538"/>
           </a:xfrm>
           <a:prstGeom prst="rect">
@@ -4921,20 +4881,31 @@
           <a:p>
             <a:pPr algn="ctr"/>
             <a:r>
-              <a:rPr lang="en-US" sz="1600" dirty="0" err="1" smtClean="0">
+              <a:rPr lang="en-US" sz="1600" dirty="0" err="1">
                 <a:solidFill>
                   <a:schemeClr val="bg1"/>
                 </a:solidFill>
               </a:rPr>
-              <a:t>result:Command</a:t>
-            </a:r>
-            <a:r>
-              <a:rPr lang="en-US" sz="1600" dirty="0" smtClean="0">
+              <a:t>commandResult</a:t>
+            </a:r>
+            <a:r>
+              <a:rPr lang="en-US" sz="1600" dirty="0">
                 <a:solidFill>
                   <a:schemeClr val="bg1"/>
                 </a:solidFill>
               </a:rPr>
-              <a:t> Result</a:t>
+              <a:t>:</a:t>
+            </a:r>
+          </a:p>
+          <a:p>
+            <a:pPr algn="ctr"/>
+            <a:r>
+              <a:rPr lang="en-US" sz="1600" dirty="0" err="1">
+                <a:solidFill>
+                  <a:schemeClr val="bg1"/>
+                </a:solidFill>
+              </a:rPr>
+              <a:t>CommandResult</a:t>
             </a:r>
             <a:endParaRPr lang="en-SG" sz="1600" dirty="0">
               <a:solidFill>
@@ -4952,7 +4923,7 @@
         </p:nvSpPr>
         <p:spPr>
           <a:xfrm>
-            <a:off x="7777323" y="5238824"/>
+            <a:off x="7770116" y="4795655"/>
             <a:ext cx="152400" cy="171376"/>
           </a:xfrm>
           <a:prstGeom prst="rect">
@@ -4999,7 +4970,7 @@
         </p:nvCxnSpPr>
         <p:spPr>
           <a:xfrm>
-            <a:off x="6858000" y="5410200"/>
+            <a:off x="6850793" y="4967031"/>
             <a:ext cx="966624" cy="0"/>
           </a:xfrm>
           <a:prstGeom prst="straightConnector1">
@@ -5031,14 +5002,486 @@
       </p:cxnSp>
       <p:sp>
         <p:nvSpPr>
-          <p:cNvPr id="93" name="TextBox 92"/>
+          <p:cNvPr id="40" name="Rectangle 62"/>
+          <p:cNvSpPr/>
+          <p:nvPr/>
+        </p:nvSpPr>
+        <p:spPr>
+          <a:xfrm>
+            <a:off x="4230557" y="1530405"/>
+            <a:ext cx="1778201" cy="432035"/>
+          </a:xfrm>
+          <a:prstGeom prst="rect">
+            <a:avLst/>
+          </a:prstGeom>
+          <a:solidFill>
+            <a:srgbClr val="0070C0"/>
+          </a:solidFill>
+          <a:ln w="19050">
+            <a:solidFill>
+              <a:srgbClr val="0070C0"/>
+            </a:solidFill>
+          </a:ln>
+          <a:effectLst/>
+        </p:spPr>
+        <p:style>
+          <a:lnRef idx="1">
+            <a:schemeClr val="accent2"/>
+          </a:lnRef>
+          <a:fillRef idx="2">
+            <a:schemeClr val="accent2"/>
+          </a:fillRef>
+          <a:effectRef idx="1">
+            <a:schemeClr val="accent2"/>
+          </a:effectRef>
+          <a:fontRef idx="minor">
+            <a:schemeClr val="dk1"/>
+          </a:fontRef>
+        </p:style>
+        <p:txBody>
+          <a:bodyPr rtlCol="0" anchor="ctr"/>
+          <a:lstStyle/>
+          <a:p>
+            <a:pPr algn="ctr"/>
+            <a:r>
+              <a:rPr lang="en-US" sz="1600" dirty="0">
+                <a:solidFill>
+                  <a:schemeClr val="bg1"/>
+                </a:solidFill>
+              </a:rPr>
+              <a:t>:</a:t>
+            </a:r>
+            <a:r>
+              <a:rPr lang="en-US" sz="1600" dirty="0" err="1">
+                <a:solidFill>
+                  <a:schemeClr val="bg1"/>
+                </a:solidFill>
+              </a:rPr>
+              <a:t>DeleteCommand</a:t>
+            </a:r>
+            <a:endParaRPr lang="en-US" sz="1600" dirty="0">
+              <a:solidFill>
+                <a:schemeClr val="bg1"/>
+              </a:solidFill>
+            </a:endParaRPr>
+          </a:p>
+          <a:p>
+            <a:pPr algn="ctr"/>
+            <a:r>
+              <a:rPr lang="en-US" sz="1600" dirty="0">
+                <a:solidFill>
+                  <a:schemeClr val="bg1"/>
+                </a:solidFill>
+              </a:rPr>
+              <a:t>Parser</a:t>
+            </a:r>
+            <a:endParaRPr lang="en-SG" sz="1600" dirty="0">
+              <a:solidFill>
+                <a:schemeClr val="bg1"/>
+              </a:solidFill>
+            </a:endParaRPr>
+          </a:p>
+        </p:txBody>
+      </p:sp>
+      <p:cxnSp>
+        <p:nvCxnSpPr>
+          <p:cNvPr id="8" name="Straight Arrow Connector 7"/>
+          <p:cNvCxnSpPr/>
+          <p:nvPr/>
+        </p:nvCxnSpPr>
+        <p:spPr>
+          <a:xfrm flipV="1">
+            <a:off x="3479110" y="2233406"/>
+            <a:ext cx="1602134" cy="202"/>
+          </a:xfrm>
+          <a:prstGeom prst="straightConnector1">
+            <a:avLst/>
+          </a:prstGeom>
+          <a:ln w="19050">
+            <a:headEnd type="none" w="med" len="med"/>
+            <a:tailEnd type="arrow" w="med" len="med"/>
+          </a:ln>
+        </p:spPr>
+        <p:style>
+          <a:lnRef idx="1">
+            <a:schemeClr val="accent1"/>
+          </a:lnRef>
+          <a:fillRef idx="0">
+            <a:schemeClr val="accent1"/>
+          </a:fillRef>
+          <a:effectRef idx="0">
+            <a:schemeClr val="accent1"/>
+          </a:effectRef>
+          <a:fontRef idx="minor">
+            <a:schemeClr val="tx1"/>
+          </a:fontRef>
+        </p:style>
+      </p:cxnSp>
+      <p:sp>
+        <p:nvSpPr>
+          <p:cNvPr id="45" name="Rectangle 44"/>
+          <p:cNvSpPr/>
+          <p:nvPr/>
+        </p:nvSpPr>
+        <p:spPr>
+          <a:xfrm>
+            <a:off x="5059948" y="1978074"/>
+            <a:ext cx="173696" cy="129364"/>
+          </a:xfrm>
+          <a:prstGeom prst="rect">
+            <a:avLst/>
+          </a:prstGeom>
+          <a:solidFill>
+            <a:srgbClr val="0070C0"/>
+          </a:solidFill>
+          <a:ln>
+            <a:solidFill>
+              <a:srgbClr val="0070C0"/>
+            </a:solidFill>
+          </a:ln>
+          <a:effectLst/>
+        </p:spPr>
+        <p:style>
+          <a:lnRef idx="1">
+            <a:schemeClr val="accent3"/>
+          </a:lnRef>
+          <a:fillRef idx="2">
+            <a:schemeClr val="accent3"/>
+          </a:fillRef>
+          <a:effectRef idx="1">
+            <a:schemeClr val="accent3"/>
+          </a:effectRef>
+          <a:fontRef idx="minor">
+            <a:schemeClr val="dk1"/>
+          </a:fontRef>
+        </p:style>
+        <p:txBody>
+          <a:bodyPr rtlCol="0" anchor="ctr"/>
+          <a:lstStyle/>
+          <a:p>
+            <a:pPr algn="ctr"/>
+            <a:endParaRPr lang="en-SG" sz="1400"/>
+          </a:p>
+        </p:txBody>
+      </p:sp>
+      <p:cxnSp>
+        <p:nvCxnSpPr>
+          <p:cNvPr id="46" name="Straight Connector 45"/>
+          <p:cNvCxnSpPr/>
+          <p:nvPr/>
+        </p:nvCxnSpPr>
+        <p:spPr>
+          <a:xfrm>
+            <a:off x="5160946" y="1995586"/>
+            <a:ext cx="4474" cy="3795613"/>
+          </a:xfrm>
+          <a:prstGeom prst="line">
+            <a:avLst/>
+          </a:prstGeom>
+          <a:ln w="19050">
+            <a:solidFill>
+              <a:srgbClr val="0070C0"/>
+            </a:solidFill>
+            <a:prstDash val="sysDash"/>
+          </a:ln>
+          <a:effectLst/>
+        </p:spPr>
+        <p:style>
+          <a:lnRef idx="1">
+            <a:schemeClr val="accent1"/>
+          </a:lnRef>
+          <a:fillRef idx="2">
+            <a:schemeClr val="accent1"/>
+          </a:fillRef>
+          <a:effectRef idx="1">
+            <a:schemeClr val="accent1"/>
+          </a:effectRef>
+          <a:fontRef idx="minor">
+            <a:schemeClr val="dk1"/>
+          </a:fontRef>
+        </p:style>
+      </p:cxnSp>
+      <p:sp>
+        <p:nvSpPr>
+          <p:cNvPr id="49" name="Rectangle 48"/>
+          <p:cNvSpPr/>
+          <p:nvPr/>
+        </p:nvSpPr>
+        <p:spPr>
+          <a:xfrm>
+            <a:off x="5047708" y="3222857"/>
+            <a:ext cx="205843" cy="146446"/>
+          </a:xfrm>
+          <a:prstGeom prst="rect">
+            <a:avLst/>
+          </a:prstGeom>
+          <a:solidFill>
+            <a:srgbClr val="0070C0"/>
+          </a:solidFill>
+          <a:ln>
+            <a:solidFill>
+              <a:srgbClr val="0070C0"/>
+            </a:solidFill>
+          </a:ln>
+          <a:effectLst/>
+        </p:spPr>
+        <p:style>
+          <a:lnRef idx="1">
+            <a:schemeClr val="accent3"/>
+          </a:lnRef>
+          <a:fillRef idx="2">
+            <a:schemeClr val="accent3"/>
+          </a:fillRef>
+          <a:effectRef idx="1">
+            <a:schemeClr val="accent3"/>
+          </a:effectRef>
+          <a:fontRef idx="minor">
+            <a:schemeClr val="dk1"/>
+          </a:fontRef>
+        </p:style>
+        <p:txBody>
+          <a:bodyPr rtlCol="0" anchor="ctr"/>
+          <a:lstStyle/>
+          <a:p>
+            <a:pPr algn="ctr"/>
+            <a:endParaRPr lang="en-SG" sz="1400"/>
+          </a:p>
+        </p:txBody>
+      </p:sp>
+      <p:cxnSp>
+        <p:nvCxnSpPr>
+          <p:cNvPr id="51" name="Straight Arrow Connector 50"/>
+          <p:cNvCxnSpPr/>
+          <p:nvPr/>
+        </p:nvCxnSpPr>
+        <p:spPr>
+          <a:xfrm flipV="1">
+            <a:off x="3444193" y="3369330"/>
+            <a:ext cx="1710169" cy="2879"/>
+          </a:xfrm>
+          <a:prstGeom prst="straightConnector1">
+            <a:avLst/>
+          </a:prstGeom>
+          <a:ln w="19050">
+            <a:solidFill>
+              <a:srgbClr val="0070C0"/>
+            </a:solidFill>
+            <a:prstDash val="sysDash"/>
+            <a:headEnd type="arrow" w="med" len="med"/>
+            <a:tailEnd type="none" w="med" len="med"/>
+          </a:ln>
+        </p:spPr>
+        <p:style>
+          <a:lnRef idx="1">
+            <a:schemeClr val="accent1"/>
+          </a:lnRef>
+          <a:fillRef idx="0">
+            <a:schemeClr val="accent1"/>
+          </a:fillRef>
+          <a:effectRef idx="0">
+            <a:schemeClr val="accent1"/>
+          </a:effectRef>
+          <a:fontRef idx="minor">
+            <a:schemeClr val="tx1"/>
+          </a:fontRef>
+        </p:style>
+      </p:cxnSp>
+      <p:cxnSp>
+        <p:nvCxnSpPr>
+          <p:cNvPr id="13" name="Straight Arrow Connector 12"/>
+          <p:cNvCxnSpPr/>
+          <p:nvPr/>
+        </p:nvCxnSpPr>
+        <p:spPr>
+          <a:xfrm>
+            <a:off x="6850793" y="4586031"/>
+            <a:ext cx="162246" cy="0"/>
+          </a:xfrm>
+          <a:prstGeom prst="straightConnector1">
+            <a:avLst/>
+          </a:prstGeom>
+          <a:ln w="19050">
+            <a:headEnd type="none" w="med" len="med"/>
+            <a:tailEnd type="arrow" w="med" len="med"/>
+          </a:ln>
+        </p:spPr>
+        <p:style>
+          <a:lnRef idx="1">
+            <a:schemeClr val="accent1"/>
+          </a:lnRef>
+          <a:fillRef idx="0">
+            <a:schemeClr val="accent1"/>
+          </a:fillRef>
+          <a:effectRef idx="0">
+            <a:schemeClr val="accent1"/>
+          </a:effectRef>
+          <a:fontRef idx="minor">
+            <a:schemeClr val="tx1"/>
+          </a:fontRef>
+        </p:style>
+      </p:cxnSp>
+      <p:cxnSp>
+        <p:nvCxnSpPr>
+          <p:cNvPr id="50" name="Straight Arrow Connector 49"/>
+          <p:cNvCxnSpPr/>
+          <p:nvPr/>
+        </p:nvCxnSpPr>
+        <p:spPr>
+          <a:xfrm>
+            <a:off x="3428608" y="1763091"/>
+            <a:ext cx="819556" cy="1"/>
+          </a:xfrm>
+          <a:prstGeom prst="straightConnector1">
+            <a:avLst/>
+          </a:prstGeom>
+          <a:ln w="19050">
+            <a:solidFill>
+              <a:srgbClr val="0070C0"/>
+            </a:solidFill>
+            <a:tailEnd type="arrow"/>
+          </a:ln>
+        </p:spPr>
+        <p:style>
+          <a:lnRef idx="1">
+            <a:schemeClr val="accent1"/>
+          </a:lnRef>
+          <a:fillRef idx="0">
+            <a:schemeClr val="accent1"/>
+          </a:fillRef>
+          <a:effectRef idx="0">
+            <a:schemeClr val="accent1"/>
+          </a:effectRef>
+          <a:fontRef idx="minor">
+            <a:schemeClr val="tx1"/>
+          </a:fontRef>
+        </p:style>
+      </p:cxnSp>
+      <p:cxnSp>
+        <p:nvCxnSpPr>
+          <p:cNvPr id="52" name="Straight Arrow Connector 51"/>
+          <p:cNvCxnSpPr/>
+          <p:nvPr/>
+        </p:nvCxnSpPr>
+        <p:spPr>
+          <a:xfrm>
+            <a:off x="3449904" y="2108683"/>
+            <a:ext cx="1600428" cy="0"/>
+          </a:xfrm>
+          <a:prstGeom prst="straightConnector1">
+            <a:avLst/>
+          </a:prstGeom>
+          <a:ln w="19050">
+            <a:solidFill>
+              <a:srgbClr val="0070C0"/>
+            </a:solidFill>
+            <a:prstDash val="sysDash"/>
+            <a:headEnd type="arrow" w="med" len="med"/>
+            <a:tailEnd type="none" w="med" len="med"/>
+          </a:ln>
+        </p:spPr>
+        <p:style>
+          <a:lnRef idx="1">
+            <a:schemeClr val="accent1"/>
+          </a:lnRef>
+          <a:fillRef idx="0">
+            <a:schemeClr val="accent1"/>
+          </a:fillRef>
+          <a:effectRef idx="0">
+            <a:schemeClr val="accent1"/>
+          </a:effectRef>
+          <a:fontRef idx="minor">
+            <a:schemeClr val="tx1"/>
+          </a:fontRef>
+        </p:style>
+      </p:cxnSp>
+      <p:sp>
+        <p:nvSpPr>
+          <p:cNvPr id="47" name="Rectangle 62"/>
+          <p:cNvSpPr/>
+          <p:nvPr/>
+        </p:nvSpPr>
+        <p:spPr>
+          <a:xfrm>
+            <a:off x="4339380" y="2750216"/>
+            <a:ext cx="1590354" cy="461538"/>
+          </a:xfrm>
+          <a:prstGeom prst="rect">
+            <a:avLst/>
+          </a:prstGeom>
+          <a:solidFill>
+            <a:srgbClr val="0070C0"/>
+          </a:solidFill>
+          <a:ln w="19050">
+            <a:solidFill>
+              <a:srgbClr val="0070C0"/>
+            </a:solidFill>
+          </a:ln>
+          <a:effectLst/>
+        </p:spPr>
+        <p:style>
+          <a:lnRef idx="1">
+            <a:schemeClr val="accent2"/>
+          </a:lnRef>
+          <a:fillRef idx="2">
+            <a:schemeClr val="accent2"/>
+          </a:fillRef>
+          <a:effectRef idx="1">
+            <a:schemeClr val="accent2"/>
+          </a:effectRef>
+          <a:fontRef idx="minor">
+            <a:schemeClr val="dk1"/>
+          </a:fontRef>
+        </p:style>
+        <p:txBody>
+          <a:bodyPr rtlCol="0" anchor="ctr"/>
+          <a:lstStyle/>
+          <a:p>
+            <a:pPr algn="ctr"/>
+            <a:r>
+              <a:rPr lang="en-US" sz="1600" dirty="0" err="1">
+                <a:solidFill>
+                  <a:schemeClr val="bg1"/>
+                </a:solidFill>
+              </a:rPr>
+              <a:t>parserResult</a:t>
+            </a:r>
+            <a:r>
+              <a:rPr lang="en-US" sz="1600" dirty="0">
+                <a:solidFill>
+                  <a:schemeClr val="bg1"/>
+                </a:solidFill>
+              </a:rPr>
+              <a:t>:</a:t>
+            </a:r>
+          </a:p>
+          <a:p>
+            <a:pPr algn="ctr"/>
+            <a:r>
+              <a:rPr lang="en-US" sz="1600" dirty="0" err="1">
+                <a:solidFill>
+                  <a:schemeClr val="bg1"/>
+                </a:solidFill>
+              </a:rPr>
+              <a:t>ParserResult</a:t>
+            </a:r>
+            <a:endParaRPr lang="en-SG" sz="1600" dirty="0">
+              <a:solidFill>
+                <a:schemeClr val="bg1"/>
+              </a:solidFill>
+            </a:endParaRPr>
+          </a:p>
+        </p:txBody>
+      </p:sp>
+      <p:sp>
+        <p:nvSpPr>
+          <p:cNvPr id="53" name="TextBox 52"/>
           <p:cNvSpPr txBox="1"/>
           <p:nvPr/>
         </p:nvSpPr>
         <p:spPr>
           <a:xfrm>
-            <a:off x="2673845" y="4027787"/>
-            <a:ext cx="220343" cy="215444"/>
+            <a:off x="2002105" y="3268782"/>
+            <a:ext cx="984068" cy="215444"/>
           </a:xfrm>
           <a:prstGeom prst="rect">
             <a:avLst/>
@@ -5063,8 +5506,8 @@
           </a:lstStyle>
           <a:p>
             <a:r>
-              <a:rPr lang="en-US" dirty="0" smtClean="0"/>
-              <a:t>d</a:t>
+              <a:rPr lang="en-US" dirty="0" err="1"/>
+              <a:t>parserResult</a:t>
             </a:r>
             <a:endParaRPr lang="en-US" dirty="0"/>
           </a:p>
@@ -5072,14 +5515,135 @@
       </p:sp>
       <p:sp>
         <p:nvSpPr>
-          <p:cNvPr id="40" name="Rectangle 62"/>
+          <p:cNvPr id="56" name="Rectangle 55"/>
           <p:cNvSpPr/>
           <p:nvPr/>
         </p:nvSpPr>
         <p:spPr>
           <a:xfrm>
-            <a:off x="4231981" y="2929839"/>
-            <a:ext cx="1778201" cy="432035"/>
+            <a:off x="5059946" y="2243643"/>
+            <a:ext cx="180223" cy="334479"/>
+          </a:xfrm>
+          <a:prstGeom prst="rect">
+            <a:avLst/>
+          </a:prstGeom>
+          <a:solidFill>
+            <a:srgbClr val="0070C0"/>
+          </a:solidFill>
+          <a:ln>
+            <a:solidFill>
+              <a:srgbClr val="0070C0"/>
+            </a:solidFill>
+          </a:ln>
+          <a:effectLst/>
+        </p:spPr>
+        <p:style>
+          <a:lnRef idx="1">
+            <a:schemeClr val="accent3"/>
+          </a:lnRef>
+          <a:fillRef idx="2">
+            <a:schemeClr val="accent3"/>
+          </a:fillRef>
+          <a:effectRef idx="1">
+            <a:schemeClr val="accent3"/>
+          </a:effectRef>
+          <a:fontRef idx="minor">
+            <a:schemeClr val="dk1"/>
+          </a:fontRef>
+        </p:style>
+        <p:txBody>
+          <a:bodyPr rtlCol="0" anchor="ctr"/>
+          <a:lstStyle/>
+          <a:p>
+            <a:pPr algn="ctr"/>
+            <a:endParaRPr lang="en-SG" sz="1400"/>
+          </a:p>
+        </p:txBody>
+      </p:sp>
+      <p:cxnSp>
+        <p:nvCxnSpPr>
+          <p:cNvPr id="66" name="Straight Arrow Connector 65"/>
+          <p:cNvCxnSpPr/>
+          <p:nvPr/>
+        </p:nvCxnSpPr>
+        <p:spPr>
+          <a:xfrm>
+            <a:off x="3444193" y="2578122"/>
+            <a:ext cx="1594832" cy="0"/>
+          </a:xfrm>
+          <a:prstGeom prst="straightConnector1">
+            <a:avLst/>
+          </a:prstGeom>
+          <a:ln w="19050">
+            <a:solidFill>
+              <a:srgbClr val="0070C0"/>
+            </a:solidFill>
+            <a:prstDash val="sysDash"/>
+            <a:headEnd type="arrow" w="med" len="med"/>
+            <a:tailEnd type="none" w="med" len="med"/>
+          </a:ln>
+        </p:spPr>
+        <p:style>
+          <a:lnRef idx="1">
+            <a:schemeClr val="accent1"/>
+          </a:lnRef>
+          <a:fillRef idx="0">
+            <a:schemeClr val="accent1"/>
+          </a:fillRef>
+          <a:effectRef idx="0">
+            <a:schemeClr val="accent1"/>
+          </a:effectRef>
+          <a:fontRef idx="minor">
+            <a:schemeClr val="tx1"/>
+          </a:fontRef>
+        </p:style>
+      </p:cxnSp>
+      <p:cxnSp>
+        <p:nvCxnSpPr>
+          <p:cNvPr id="67" name="Straight Arrow Connector 66"/>
+          <p:cNvCxnSpPr>
+            <a:endCxn id="47" idx="1"/>
+          </p:cNvCxnSpPr>
+          <p:nvPr/>
+        </p:nvCxnSpPr>
+        <p:spPr>
+          <a:xfrm flipV="1">
+            <a:off x="3449917" y="2980985"/>
+            <a:ext cx="889463" cy="475"/>
+          </a:xfrm>
+          <a:prstGeom prst="straightConnector1">
+            <a:avLst/>
+          </a:prstGeom>
+          <a:ln w="19050">
+            <a:headEnd type="none" w="med" len="med"/>
+            <a:tailEnd type="arrow" w="med" len="med"/>
+          </a:ln>
+        </p:spPr>
+        <p:style>
+          <a:lnRef idx="1">
+            <a:schemeClr val="accent1"/>
+          </a:lnRef>
+          <a:fillRef idx="0">
+            <a:schemeClr val="accent1"/>
+          </a:fillRef>
+          <a:effectRef idx="0">
+            <a:schemeClr val="accent1"/>
+          </a:effectRef>
+          <a:fontRef idx="minor">
+            <a:schemeClr val="tx1"/>
+          </a:fontRef>
+        </p:style>
+      </p:cxnSp>
+      <p:sp>
+        <p:nvSpPr>
+          <p:cNvPr id="85" name="Rectangle 62"/>
+          <p:cNvSpPr/>
+          <p:nvPr/>
+        </p:nvSpPr>
+        <p:spPr>
+          <a:xfrm>
+            <a:off x="1894745" y="5105400"/>
+            <a:ext cx="1831848" cy="461538"/>
           </a:xfrm>
           <a:prstGeom prst="rect">
             <a:avLst/>
@@ -5114,36 +5678,31 @@
           <a:p>
             <a:pPr algn="ctr"/>
             <a:r>
-              <a:rPr lang="en-US" sz="1600" dirty="0" smtClean="0">
+              <a:rPr lang="en-US" sz="1600" dirty="0" err="1">
+                <a:solidFill>
+                  <a:schemeClr val="bg1"/>
+                </a:solidFill>
+              </a:rPr>
+              <a:t>executionResult</a:t>
+            </a:r>
+            <a:r>
+              <a:rPr lang="en-US" sz="1600" dirty="0">
                 <a:solidFill>
                   <a:schemeClr val="bg1"/>
                 </a:solidFill>
               </a:rPr>
               <a:t>:</a:t>
             </a:r>
-            <a:r>
-              <a:rPr lang="en-US" sz="1600" dirty="0" err="1" smtClean="0">
+          </a:p>
+          <a:p>
+            <a:pPr algn="ctr"/>
+            <a:r>
+              <a:rPr lang="en-US" sz="1600" dirty="0" err="1">
                 <a:solidFill>
                   <a:schemeClr val="bg1"/>
                 </a:solidFill>
               </a:rPr>
-              <a:t>DeleteCommand</a:t>
-            </a:r>
-            <a:endParaRPr lang="en-US" sz="1600" dirty="0" smtClean="0">
-              <a:solidFill>
-                <a:schemeClr val="bg1"/>
-              </a:solidFill>
-            </a:endParaRPr>
-          </a:p>
-          <a:p>
-            <a:pPr algn="ctr"/>
-            <a:r>
-              <a:rPr lang="en-US" sz="1600" dirty="0" smtClean="0">
-                <a:solidFill>
-                  <a:schemeClr val="bg1"/>
-                </a:solidFill>
-              </a:rPr>
-              <a:t>Parser</a:t>
+              <a:t>ExecutionResult</a:t>
             </a:r>
             <a:endParaRPr lang="en-SG" sz="1600" dirty="0">
               <a:solidFill>
@@ -5155,14 +5714,16 @@
       </p:sp>
       <p:cxnSp>
         <p:nvCxnSpPr>
-          <p:cNvPr id="8" name="Straight Arrow Connector 7"/>
-          <p:cNvCxnSpPr/>
+          <p:cNvPr id="87" name="Straight Arrow Connector 86"/>
+          <p:cNvCxnSpPr>
+            <a:endCxn id="85" idx="1"/>
+          </p:cNvCxnSpPr>
           <p:nvPr/>
         </p:nvCxnSpPr>
         <p:spPr>
-          <a:xfrm>
-            <a:off x="3462591" y="3657600"/>
-            <a:ext cx="1597356" cy="1"/>
+          <a:xfrm flipV="1">
+            <a:off x="1646044" y="5336169"/>
+            <a:ext cx="248701" cy="2169"/>
           </a:xfrm>
           <a:prstGeom prst="straightConnector1">
             <a:avLst/>
@@ -5189,14 +5750,14 @@
       </p:cxnSp>
       <p:sp>
         <p:nvSpPr>
-          <p:cNvPr id="45" name="Rectangle 44"/>
+          <p:cNvPr id="88" name="Rectangle 87"/>
           <p:cNvSpPr/>
           <p:nvPr/>
         </p:nvSpPr>
         <p:spPr>
           <a:xfrm>
-            <a:off x="5059947" y="3352800"/>
-            <a:ext cx="205843" cy="123165"/>
+            <a:off x="2733582" y="5566427"/>
+            <a:ext cx="152400" cy="171376"/>
           </a:xfrm>
           <a:prstGeom prst="rect">
             <a:avLst/>
@@ -5236,100 +5797,16 @@
       </p:sp>
       <p:cxnSp>
         <p:nvCxnSpPr>
-          <p:cNvPr id="46" name="Straight Connector 45"/>
+          <p:cNvPr id="89" name="Straight Arrow Connector 88"/>
           <p:cNvCxnSpPr>
-            <a:stCxn id="45" idx="0"/>
+            <a:endCxn id="88" idx="2"/>
           </p:cNvCxnSpPr>
           <p:nvPr/>
         </p:nvCxnSpPr>
         <p:spPr>
           <a:xfrm>
-            <a:off x="5162869" y="3352800"/>
-            <a:ext cx="0" cy="990600"/>
-          </a:xfrm>
-          <a:prstGeom prst="line">
-            <a:avLst/>
-          </a:prstGeom>
-          <a:ln w="19050">
-            <a:solidFill>
-              <a:srgbClr val="0070C0"/>
-            </a:solidFill>
-            <a:prstDash val="sysDash"/>
-          </a:ln>
-          <a:effectLst/>
-        </p:spPr>
-        <p:style>
-          <a:lnRef idx="1">
-            <a:schemeClr val="accent1"/>
-          </a:lnRef>
-          <a:fillRef idx="2">
-            <a:schemeClr val="accent1"/>
-          </a:fillRef>
-          <a:effectRef idx="1">
-            <a:schemeClr val="accent1"/>
-          </a:effectRef>
-          <a:fontRef idx="minor">
-            <a:schemeClr val="dk1"/>
-          </a:fontRef>
-        </p:style>
-      </p:cxnSp>
-      <p:sp>
-        <p:nvSpPr>
-          <p:cNvPr id="49" name="Rectangle 48"/>
-          <p:cNvSpPr/>
-          <p:nvPr/>
-        </p:nvSpPr>
-        <p:spPr>
-          <a:xfrm>
-            <a:off x="5059947" y="3657601"/>
-            <a:ext cx="205843" cy="533400"/>
-          </a:xfrm>
-          <a:prstGeom prst="rect">
-            <a:avLst/>
-          </a:prstGeom>
-          <a:solidFill>
-            <a:srgbClr val="0070C0"/>
-          </a:solidFill>
-          <a:ln>
-            <a:solidFill>
-              <a:srgbClr val="0070C0"/>
-            </a:solidFill>
-          </a:ln>
-          <a:effectLst/>
-        </p:spPr>
-        <p:style>
-          <a:lnRef idx="1">
-            <a:schemeClr val="accent3"/>
-          </a:lnRef>
-          <a:fillRef idx="2">
-            <a:schemeClr val="accent3"/>
-          </a:fillRef>
-          <a:effectRef idx="1">
-            <a:schemeClr val="accent3"/>
-          </a:effectRef>
-          <a:fontRef idx="minor">
-            <a:schemeClr val="dk1"/>
-          </a:fontRef>
-        </p:style>
-        <p:txBody>
-          <a:bodyPr rtlCol="0" anchor="ctr"/>
-          <a:lstStyle/>
-          <a:p>
-            <a:pPr algn="ctr"/>
-            <a:endParaRPr lang="en-SG" sz="1400"/>
-          </a:p>
-        </p:txBody>
-      </p:sp>
-      <p:cxnSp>
-        <p:nvCxnSpPr>
-          <p:cNvPr id="51" name="Straight Arrow Connector 50"/>
-          <p:cNvCxnSpPr/>
-          <p:nvPr/>
-        </p:nvCxnSpPr>
-        <p:spPr>
-          <a:xfrm>
-            <a:off x="3499382" y="4185073"/>
-            <a:ext cx="1667219" cy="0"/>
+            <a:off x="1653251" y="5737803"/>
+            <a:ext cx="1156531" cy="0"/>
           </a:xfrm>
           <a:prstGeom prst="straightConnector1">
             <a:avLst/>
@@ -5358,88 +5835,50 @@
           </a:fontRef>
         </p:style>
       </p:cxnSp>
+      <p:sp>
+        <p:nvSpPr>
+          <p:cNvPr id="3" name="TextBox 2"/>
+          <p:cNvSpPr txBox="1"/>
+          <p:nvPr/>
+        </p:nvSpPr>
+        <p:spPr>
+          <a:xfrm>
+            <a:off x="5023181" y="5677709"/>
+            <a:ext cx="376751" cy="369332"/>
+          </a:xfrm>
+          <a:prstGeom prst="rect">
+            <a:avLst/>
+          </a:prstGeom>
+          <a:noFill/>
+        </p:spPr>
+        <p:txBody>
+          <a:bodyPr wrap="square" rtlCol="0">
+            <a:spAutoFit/>
+          </a:bodyPr>
+          <a:lstStyle/>
+          <a:p>
+            <a:r>
+              <a:rPr lang="en-US" dirty="0" smtClean="0"/>
+              <a:t>X</a:t>
+            </a:r>
+            <a:endParaRPr lang="en-US" dirty="0"/>
+          </a:p>
+        </p:txBody>
+      </p:sp>
       <p:cxnSp>
         <p:nvCxnSpPr>
-          <p:cNvPr id="13" name="Straight Arrow Connector 12"/>
-          <p:cNvCxnSpPr/>
+          <p:cNvPr id="57" name="Straight Connector 56"/>
+          <p:cNvCxnSpPr>
+            <a:stCxn id="86" idx="0"/>
+          </p:cNvCxnSpPr>
           <p:nvPr/>
         </p:nvCxnSpPr>
         <p:spPr>
           <a:xfrm>
-            <a:off x="6858000" y="5029200"/>
-            <a:ext cx="162246" cy="0"/>
-          </a:xfrm>
-          <a:prstGeom prst="straightConnector1">
-            <a:avLst/>
-          </a:prstGeom>
-          <a:ln w="19050">
-            <a:headEnd type="none" w="med" len="med"/>
-            <a:tailEnd type="arrow" w="med" len="med"/>
-          </a:ln>
-        </p:spPr>
-        <p:style>
-          <a:lnRef idx="1">
-            <a:schemeClr val="accent1"/>
-          </a:lnRef>
-          <a:fillRef idx="0">
-            <a:schemeClr val="accent1"/>
-          </a:fillRef>
-          <a:effectRef idx="0">
-            <a:schemeClr val="accent1"/>
-          </a:effectRef>
-          <a:fontRef idx="minor">
-            <a:schemeClr val="tx1"/>
-          </a:fontRef>
-        </p:style>
-      </p:cxnSp>
-      <p:cxnSp>
-        <p:nvCxnSpPr>
-          <p:cNvPr id="50" name="Straight Arrow Connector 49"/>
-          <p:cNvCxnSpPr/>
-          <p:nvPr/>
-        </p:nvCxnSpPr>
-        <p:spPr>
-          <a:xfrm>
-            <a:off x="3412425" y="3173004"/>
-            <a:ext cx="819556" cy="1"/>
-          </a:xfrm>
-          <a:prstGeom prst="straightConnector1">
-            <a:avLst/>
-          </a:prstGeom>
-          <a:ln w="19050">
-            <a:solidFill>
-              <a:srgbClr val="0070C0"/>
-            </a:solidFill>
-            <a:tailEnd type="arrow"/>
-          </a:ln>
-        </p:spPr>
-        <p:style>
-          <a:lnRef idx="1">
-            <a:schemeClr val="accent1"/>
-          </a:lnRef>
-          <a:fillRef idx="0">
-            <a:schemeClr val="accent1"/>
-          </a:fillRef>
-          <a:effectRef idx="0">
-            <a:schemeClr val="accent1"/>
-          </a:effectRef>
-          <a:fontRef idx="minor">
-            <a:schemeClr val="tx1"/>
-          </a:fontRef>
-        </p:style>
-      </p:cxnSp>
-      <p:cxnSp>
-        <p:nvCxnSpPr>
-          <p:cNvPr id="52" name="Straight Arrow Connector 51"/>
-          <p:cNvCxnSpPr/>
-          <p:nvPr/>
-        </p:nvCxnSpPr>
-        <p:spPr>
-          <a:xfrm>
-            <a:off x="3459519" y="3475965"/>
-            <a:ext cx="1600428" cy="0"/>
-          </a:xfrm>
-          <a:prstGeom prst="straightConnector1">
+            <a:off x="7846316" y="4795655"/>
+            <a:ext cx="12581" cy="1012021"/>
+          </a:xfrm>
+          <a:prstGeom prst="line">
             <a:avLst/>
           </a:prstGeom>
           <a:ln w="19050">
@@ -5447,35 +5886,34 @@
               <a:srgbClr val="0070C0"/>
             </a:solidFill>
             <a:prstDash val="sysDash"/>
-            <a:headEnd type="arrow" w="med" len="med"/>
-            <a:tailEnd type="none" w="med" len="med"/>
           </a:ln>
+          <a:effectLst/>
         </p:spPr>
         <p:style>
           <a:lnRef idx="1">
             <a:schemeClr val="accent1"/>
           </a:lnRef>
-          <a:fillRef idx="0">
+          <a:fillRef idx="2">
             <a:schemeClr val="accent1"/>
           </a:fillRef>
-          <a:effectRef idx="0">
+          <a:effectRef idx="1">
             <a:schemeClr val="accent1"/>
           </a:effectRef>
           <a:fontRef idx="minor">
-            <a:schemeClr val="tx1"/>
+            <a:schemeClr val="dk1"/>
           </a:fontRef>
         </p:style>
       </p:cxnSp>
       <p:sp>
         <p:nvSpPr>
-          <p:cNvPr id="4" name="TextBox 3"/>
+          <p:cNvPr id="60" name="TextBox 59"/>
           <p:cNvSpPr txBox="1"/>
           <p:nvPr/>
         </p:nvSpPr>
         <p:spPr>
           <a:xfrm>
-            <a:off x="5033665" y="4199590"/>
-            <a:ext cx="258404" cy="261610"/>
+            <a:off x="7702651" y="5681971"/>
+            <a:ext cx="376751" cy="369332"/>
           </a:xfrm>
           <a:prstGeom prst="rect">
             <a:avLst/>
@@ -5483,24 +5921,115 @@
           <a:noFill/>
         </p:spPr>
         <p:txBody>
-          <a:bodyPr wrap="none" rtlCol="0">
+          <a:bodyPr wrap="square" rtlCol="0">
             <a:spAutoFit/>
           </a:bodyPr>
           <a:lstStyle/>
           <a:p>
             <a:r>
-              <a:rPr lang="en-SG" sz="1100" dirty="0" smtClean="0">
-                <a:solidFill>
-                  <a:srgbClr val="002060"/>
-                </a:solidFill>
-              </a:rPr>
+              <a:rPr lang="en-US" smtClean="0"/>
               <a:t>X</a:t>
             </a:r>
-            <a:endParaRPr lang="en-SG" sz="1100" dirty="0">
-              <a:solidFill>
-                <a:srgbClr val="002060"/>
-              </a:solidFill>
-            </a:endParaRPr>
+            <a:endParaRPr lang="en-US"/>
+          </a:p>
+        </p:txBody>
+      </p:sp>
+      <p:sp>
+        <p:nvSpPr>
+          <p:cNvPr id="62" name="TextBox 61"/>
+          <p:cNvSpPr txBox="1"/>
+          <p:nvPr/>
+        </p:nvSpPr>
+        <p:spPr>
+          <a:xfrm>
+            <a:off x="6627943" y="5675494"/>
+            <a:ext cx="376751" cy="369332"/>
+          </a:xfrm>
+          <a:prstGeom prst="rect">
+            <a:avLst/>
+          </a:prstGeom>
+          <a:noFill/>
+        </p:spPr>
+        <p:txBody>
+          <a:bodyPr wrap="square" rtlCol="0">
+            <a:spAutoFit/>
+          </a:bodyPr>
+          <a:lstStyle/>
+          <a:p>
+            <a:r>
+              <a:rPr lang="en-US" smtClean="0"/>
+              <a:t>X</a:t>
+            </a:r>
+            <a:endParaRPr lang="en-US"/>
+          </a:p>
+        </p:txBody>
+      </p:sp>
+      <p:cxnSp>
+        <p:nvCxnSpPr>
+          <p:cNvPr id="63" name="Straight Connector 62"/>
+          <p:cNvCxnSpPr>
+            <a:stCxn id="88" idx="0"/>
+          </p:cNvCxnSpPr>
+          <p:nvPr/>
+        </p:nvCxnSpPr>
+        <p:spPr>
+          <a:xfrm flipH="1">
+            <a:off x="2808189" y="5566427"/>
+            <a:ext cx="1593" cy="279498"/>
+          </a:xfrm>
+          <a:prstGeom prst="line">
+            <a:avLst/>
+          </a:prstGeom>
+          <a:ln w="19050">
+            <a:solidFill>
+              <a:srgbClr val="0070C0"/>
+            </a:solidFill>
+            <a:prstDash val="sysDash"/>
+          </a:ln>
+          <a:effectLst/>
+        </p:spPr>
+        <p:style>
+          <a:lnRef idx="1">
+            <a:schemeClr val="accent1"/>
+          </a:lnRef>
+          <a:fillRef idx="2">
+            <a:schemeClr val="accent1"/>
+          </a:fillRef>
+          <a:effectRef idx="1">
+            <a:schemeClr val="accent1"/>
+          </a:effectRef>
+          <a:fontRef idx="minor">
+            <a:schemeClr val="dk1"/>
+          </a:fontRef>
+        </p:style>
+      </p:cxnSp>
+      <p:sp>
+        <p:nvSpPr>
+          <p:cNvPr id="68" name="TextBox 67"/>
+          <p:cNvSpPr txBox="1"/>
+          <p:nvPr/>
+        </p:nvSpPr>
+        <p:spPr>
+          <a:xfrm>
+            <a:off x="2655118" y="5706176"/>
+            <a:ext cx="376751" cy="369332"/>
+          </a:xfrm>
+          <a:prstGeom prst="rect">
+            <a:avLst/>
+          </a:prstGeom>
+          <a:noFill/>
+        </p:spPr>
+        <p:txBody>
+          <a:bodyPr wrap="square" rtlCol="0">
+            <a:spAutoFit/>
+          </a:bodyPr>
+          <a:lstStyle/>
+          <a:p>
+            <a:r>
+              <a:rPr lang="en-US" smtClean="0"/>
+              <a:t>X</a:t>
+            </a:r>
+            <a:endParaRPr lang="en-US"/>
           </a:p>
         </p:txBody>
       </p:sp>

--- a/docs/diagrams/LogicComponentSequenceDiagram.pptx
+++ b/docs/diagrams/LogicComponentSequenceDiagram.pptx
@@ -212,7 +212,7 @@
           <a:p>
             <a:fld id="{F5CC4B3F-88C1-4FFA-B1B6-F41C21DC6924}" type="datetimeFigureOut">
               <a:rPr lang="en-US" smtClean="0"/>
-              <a:t>5/30/2017</a:t>
+              <a:t>5/31/2017</a:t>
             </a:fld>
             <a:endParaRPr lang="en-US"/>
           </a:p>
@@ -658,7 +658,7 @@
           <a:p>
             <a:fld id="{78C97017-6FC3-485B-9764-EAC9E56C1D49}" type="datetimeFigureOut">
               <a:rPr lang="en-US" smtClean="0"/>
-              <a:t>5/30/2017</a:t>
+              <a:t>5/31/2017</a:t>
             </a:fld>
             <a:endParaRPr lang="en-US"/>
           </a:p>
@@ -826,7 +826,7 @@
           <a:p>
             <a:fld id="{78C97017-6FC3-485B-9764-EAC9E56C1D49}" type="datetimeFigureOut">
               <a:rPr lang="en-US" smtClean="0"/>
-              <a:t>5/30/2017</a:t>
+              <a:t>5/31/2017</a:t>
             </a:fld>
             <a:endParaRPr lang="en-US"/>
           </a:p>
@@ -1004,7 +1004,7 @@
           <a:p>
             <a:fld id="{78C97017-6FC3-485B-9764-EAC9E56C1D49}" type="datetimeFigureOut">
               <a:rPr lang="en-US" smtClean="0"/>
-              <a:t>5/30/2017</a:t>
+              <a:t>5/31/2017</a:t>
             </a:fld>
             <a:endParaRPr lang="en-US"/>
           </a:p>
@@ -1172,7 +1172,7 @@
           <a:p>
             <a:fld id="{78C97017-6FC3-485B-9764-EAC9E56C1D49}" type="datetimeFigureOut">
               <a:rPr lang="en-US" smtClean="0"/>
-              <a:t>5/30/2017</a:t>
+              <a:t>5/31/2017</a:t>
             </a:fld>
             <a:endParaRPr lang="en-US"/>
           </a:p>
@@ -1417,7 +1417,7 @@
           <a:p>
             <a:fld id="{78C97017-6FC3-485B-9764-EAC9E56C1D49}" type="datetimeFigureOut">
               <a:rPr lang="en-US" smtClean="0"/>
-              <a:t>5/30/2017</a:t>
+              <a:t>5/31/2017</a:t>
             </a:fld>
             <a:endParaRPr lang="en-US"/>
           </a:p>
@@ -1702,7 +1702,7 @@
           <a:p>
             <a:fld id="{78C97017-6FC3-485B-9764-EAC9E56C1D49}" type="datetimeFigureOut">
               <a:rPr lang="en-US" smtClean="0"/>
-              <a:t>5/30/2017</a:t>
+              <a:t>5/31/2017</a:t>
             </a:fld>
             <a:endParaRPr lang="en-US"/>
           </a:p>
@@ -2121,7 +2121,7 @@
           <a:p>
             <a:fld id="{78C97017-6FC3-485B-9764-EAC9E56C1D49}" type="datetimeFigureOut">
               <a:rPr lang="en-US" smtClean="0"/>
-              <a:t>5/30/2017</a:t>
+              <a:t>5/31/2017</a:t>
             </a:fld>
             <a:endParaRPr lang="en-US"/>
           </a:p>
@@ -2238,7 +2238,7 @@
           <a:p>
             <a:fld id="{78C97017-6FC3-485B-9764-EAC9E56C1D49}" type="datetimeFigureOut">
               <a:rPr lang="en-US" smtClean="0"/>
-              <a:t>5/30/2017</a:t>
+              <a:t>5/31/2017</a:t>
             </a:fld>
             <a:endParaRPr lang="en-US"/>
           </a:p>
@@ -2333,7 +2333,7 @@
           <a:p>
             <a:fld id="{78C97017-6FC3-485B-9764-EAC9E56C1D49}" type="datetimeFigureOut">
               <a:rPr lang="en-US" smtClean="0"/>
-              <a:t>5/30/2017</a:t>
+              <a:t>5/31/2017</a:t>
             </a:fld>
             <a:endParaRPr lang="en-US"/>
           </a:p>
@@ -2608,7 +2608,7 @@
           <a:p>
             <a:fld id="{78C97017-6FC3-485B-9764-EAC9E56C1D49}" type="datetimeFigureOut">
               <a:rPr lang="en-US" smtClean="0"/>
-              <a:t>5/30/2017</a:t>
+              <a:t>5/31/2017</a:t>
             </a:fld>
             <a:endParaRPr lang="en-US"/>
           </a:p>
@@ -2860,7 +2860,7 @@
           <a:p>
             <a:fld id="{78C97017-6FC3-485B-9764-EAC9E56C1D49}" type="datetimeFigureOut">
               <a:rPr lang="en-US" smtClean="0"/>
-              <a:t>5/30/2017</a:t>
+              <a:t>5/31/2017</a:t>
             </a:fld>
             <a:endParaRPr lang="en-US"/>
           </a:p>
@@ -3071,7 +3071,7 @@
           <a:p>
             <a:fld id="{78C97017-6FC3-485B-9764-EAC9E56C1D49}" type="datetimeFigureOut">
               <a:rPr lang="en-US" smtClean="0"/>
-              <a:t>5/30/2017</a:t>
+              <a:t>5/31/2017</a:t>
             </a:fld>
             <a:endParaRPr lang="en-US"/>
           </a:p>
@@ -3619,8 +3619,8 @@
         </p:nvSpPr>
         <p:spPr>
           <a:xfrm>
-            <a:off x="1474572" y="1580625"/>
-            <a:ext cx="178679" cy="4210574"/>
+            <a:off x="1474572" y="1667421"/>
+            <a:ext cx="200177" cy="4123778"/>
           </a:xfrm>
           <a:prstGeom prst="rect">
             <a:avLst/>

--- a/docs/diagrams/LogicComponentSequenceDiagram.pptx
+++ b/docs/diagrams/LogicComponentSequenceDiagram.pptx
@@ -126,6 +126,10 @@
 </p:presentation>
 </file>
 
+<file path=ppt/revisionInfo.xml><?xml version="1.0" encoding="utf-8"?>
+<p1510:revInfo xmlns:a="http://schemas.openxmlformats.org/drawingml/2006/main" xmlns:r="http://schemas.openxmlformats.org/officeDocument/2006/relationships" xmlns:p1510="http://schemas.microsoft.com/office/powerpoint/2015/10/main"/>
+</file>
+
 <file path=ppt/notesMasters/notesMaster1.xml><?xml version="1.0" encoding="utf-8"?>
 <p:notesMaster xmlns:a="http://schemas.openxmlformats.org/drawingml/2006/main" xmlns:r="http://schemas.openxmlformats.org/officeDocument/2006/relationships" xmlns:p="http://schemas.openxmlformats.org/presentationml/2006/main">
   <p:cSld>
@@ -208,7 +212,7 @@
           <a:p>
             <a:fld id="{F5CC4B3F-88C1-4FFA-B1B6-F41C21DC6924}" type="datetimeFigureOut">
               <a:rPr lang="en-US" smtClean="0"/>
-              <a:t>2/6/2017</a:t>
+              <a:t>7/11/2017</a:t>
             </a:fld>
             <a:endParaRPr lang="en-US"/>
           </a:p>
@@ -272,38 +276,37 @@
           <a:p>
             <a:pPr lvl="0"/>
             <a:r>
-              <a:rPr lang="en-US" smtClean="0"/>
+              <a:rPr lang="en-US"/>
               <a:t>Click to edit Master text styles</a:t>
             </a:r>
           </a:p>
           <a:p>
             <a:pPr lvl="1"/>
             <a:r>
-              <a:rPr lang="en-US" smtClean="0"/>
+              <a:rPr lang="en-US"/>
               <a:t>Second level</a:t>
             </a:r>
           </a:p>
           <a:p>
             <a:pPr lvl="2"/>
             <a:r>
-              <a:rPr lang="en-US" smtClean="0"/>
+              <a:rPr lang="en-US"/>
               <a:t>Third level</a:t>
             </a:r>
           </a:p>
           <a:p>
             <a:pPr lvl="3"/>
             <a:r>
-              <a:rPr lang="en-US" smtClean="0"/>
+              <a:rPr lang="en-US"/>
               <a:t>Fourth level</a:t>
             </a:r>
           </a:p>
           <a:p>
             <a:pPr lvl="4"/>
             <a:r>
-              <a:rPr lang="en-US" smtClean="0"/>
+              <a:rPr lang="en-US"/>
               <a:t>Fifth level</a:t>
             </a:r>
-            <a:endParaRPr lang="en-US"/>
           </a:p>
         </p:txBody>
       </p:sp>
@@ -514,10 +517,9 @@
           <a:lstStyle/>
           <a:p>
             <a:r>
-              <a:rPr lang="en-US" smtClean="0"/>
+              <a:rPr lang="en-US"/>
               <a:t>Click to edit Master title style</a:t>
             </a:r>
-            <a:endParaRPr lang="en-US"/>
           </a:p>
         </p:txBody>
       </p:sp>
@@ -633,10 +635,9 @@
           </a:lstStyle>
           <a:p>
             <a:r>
-              <a:rPr lang="en-US" smtClean="0"/>
+              <a:rPr lang="en-US"/>
               <a:t>Click to edit Master subtitle style</a:t>
             </a:r>
-            <a:endParaRPr lang="en-US"/>
           </a:p>
         </p:txBody>
       </p:sp>
@@ -657,7 +658,7 @@
           <a:p>
             <a:fld id="{78C97017-6FC3-485B-9764-EAC9E56C1D49}" type="datetimeFigureOut">
               <a:rPr lang="en-US" smtClean="0"/>
-              <a:t>2/6/2017</a:t>
+              <a:t>7/11/2017</a:t>
             </a:fld>
             <a:endParaRPr lang="en-US"/>
           </a:p>
@@ -751,10 +752,9 @@
           <a:lstStyle/>
           <a:p>
             <a:r>
-              <a:rPr lang="en-US" smtClean="0"/>
+              <a:rPr lang="en-US"/>
               <a:t>Click to edit Master title style</a:t>
             </a:r>
-            <a:endParaRPr lang="en-US"/>
           </a:p>
         </p:txBody>
       </p:sp>
@@ -775,38 +775,37 @@
           <a:p>
             <a:pPr lvl="0"/>
             <a:r>
-              <a:rPr lang="en-US" smtClean="0"/>
+              <a:rPr lang="en-US"/>
               <a:t>Click to edit Master text styles</a:t>
             </a:r>
           </a:p>
           <a:p>
             <a:pPr lvl="1"/>
             <a:r>
-              <a:rPr lang="en-US" smtClean="0"/>
+              <a:rPr lang="en-US"/>
               <a:t>Second level</a:t>
             </a:r>
           </a:p>
           <a:p>
             <a:pPr lvl="2"/>
             <a:r>
-              <a:rPr lang="en-US" smtClean="0"/>
+              <a:rPr lang="en-US"/>
               <a:t>Third level</a:t>
             </a:r>
           </a:p>
           <a:p>
             <a:pPr lvl="3"/>
             <a:r>
-              <a:rPr lang="en-US" smtClean="0"/>
+              <a:rPr lang="en-US"/>
               <a:t>Fourth level</a:t>
             </a:r>
           </a:p>
           <a:p>
             <a:pPr lvl="4"/>
             <a:r>
-              <a:rPr lang="en-US" smtClean="0"/>
+              <a:rPr lang="en-US"/>
               <a:t>Fifth level</a:t>
             </a:r>
-            <a:endParaRPr lang="en-US"/>
           </a:p>
         </p:txBody>
       </p:sp>
@@ -827,7 +826,7 @@
           <a:p>
             <a:fld id="{78C97017-6FC3-485B-9764-EAC9E56C1D49}" type="datetimeFigureOut">
               <a:rPr lang="en-US" smtClean="0"/>
-              <a:t>2/6/2017</a:t>
+              <a:t>7/11/2017</a:t>
             </a:fld>
             <a:endParaRPr lang="en-US"/>
           </a:p>
@@ -926,10 +925,9 @@
           <a:lstStyle/>
           <a:p>
             <a:r>
-              <a:rPr lang="en-US" smtClean="0"/>
+              <a:rPr lang="en-US"/>
               <a:t>Click to edit Master title style</a:t>
             </a:r>
-            <a:endParaRPr lang="en-US"/>
           </a:p>
         </p:txBody>
       </p:sp>
@@ -955,38 +953,37 @@
           <a:p>
             <a:pPr lvl="0"/>
             <a:r>
-              <a:rPr lang="en-US" smtClean="0"/>
+              <a:rPr lang="en-US"/>
               <a:t>Click to edit Master text styles</a:t>
             </a:r>
           </a:p>
           <a:p>
             <a:pPr lvl="1"/>
             <a:r>
-              <a:rPr lang="en-US" smtClean="0"/>
+              <a:rPr lang="en-US"/>
               <a:t>Second level</a:t>
             </a:r>
           </a:p>
           <a:p>
             <a:pPr lvl="2"/>
             <a:r>
-              <a:rPr lang="en-US" smtClean="0"/>
+              <a:rPr lang="en-US"/>
               <a:t>Third level</a:t>
             </a:r>
           </a:p>
           <a:p>
             <a:pPr lvl="3"/>
             <a:r>
-              <a:rPr lang="en-US" smtClean="0"/>
+              <a:rPr lang="en-US"/>
               <a:t>Fourth level</a:t>
             </a:r>
           </a:p>
           <a:p>
             <a:pPr lvl="4"/>
             <a:r>
-              <a:rPr lang="en-US" smtClean="0"/>
+              <a:rPr lang="en-US"/>
               <a:t>Fifth level</a:t>
             </a:r>
-            <a:endParaRPr lang="en-US"/>
           </a:p>
         </p:txBody>
       </p:sp>
@@ -1007,7 +1004,7 @@
           <a:p>
             <a:fld id="{78C97017-6FC3-485B-9764-EAC9E56C1D49}" type="datetimeFigureOut">
               <a:rPr lang="en-US" smtClean="0"/>
-              <a:t>2/6/2017</a:t>
+              <a:t>7/11/2017</a:t>
             </a:fld>
             <a:endParaRPr lang="en-US"/>
           </a:p>
@@ -1101,10 +1098,9 @@
           <a:lstStyle/>
           <a:p>
             <a:r>
-              <a:rPr lang="en-US" smtClean="0"/>
+              <a:rPr lang="en-US"/>
               <a:t>Click to edit Master title style</a:t>
             </a:r>
-            <a:endParaRPr lang="en-US"/>
           </a:p>
         </p:txBody>
       </p:sp>
@@ -1125,38 +1121,37 @@
           <a:p>
             <a:pPr lvl="0"/>
             <a:r>
-              <a:rPr lang="en-US" smtClean="0"/>
+              <a:rPr lang="en-US"/>
               <a:t>Click to edit Master text styles</a:t>
             </a:r>
           </a:p>
           <a:p>
             <a:pPr lvl="1"/>
             <a:r>
-              <a:rPr lang="en-US" smtClean="0"/>
+              <a:rPr lang="en-US"/>
               <a:t>Second level</a:t>
             </a:r>
           </a:p>
           <a:p>
             <a:pPr lvl="2"/>
             <a:r>
-              <a:rPr lang="en-US" smtClean="0"/>
+              <a:rPr lang="en-US"/>
               <a:t>Third level</a:t>
             </a:r>
           </a:p>
           <a:p>
             <a:pPr lvl="3"/>
             <a:r>
-              <a:rPr lang="en-US" smtClean="0"/>
+              <a:rPr lang="en-US"/>
               <a:t>Fourth level</a:t>
             </a:r>
           </a:p>
           <a:p>
             <a:pPr lvl="4"/>
             <a:r>
-              <a:rPr lang="en-US" smtClean="0"/>
+              <a:rPr lang="en-US"/>
               <a:t>Fifth level</a:t>
             </a:r>
-            <a:endParaRPr lang="en-US"/>
           </a:p>
         </p:txBody>
       </p:sp>
@@ -1177,7 +1172,7 @@
           <a:p>
             <a:fld id="{78C97017-6FC3-485B-9764-EAC9E56C1D49}" type="datetimeFigureOut">
               <a:rPr lang="en-US" smtClean="0"/>
-              <a:t>2/6/2017</a:t>
+              <a:t>7/11/2017</a:t>
             </a:fld>
             <a:endParaRPr lang="en-US"/>
           </a:p>
@@ -1280,10 +1275,9 @@
           </a:lstStyle>
           <a:p>
             <a:r>
-              <a:rPr lang="en-US" smtClean="0"/>
+              <a:rPr lang="en-US"/>
               <a:t>Click to edit Master title style</a:t>
             </a:r>
-            <a:endParaRPr lang="en-US"/>
           </a:p>
         </p:txBody>
       </p:sp>
@@ -1400,7 +1394,7 @@
           <a:p>
             <a:pPr lvl="0"/>
             <a:r>
-              <a:rPr lang="en-US" smtClean="0"/>
+              <a:rPr lang="en-US"/>
               <a:t>Click to edit Master text styles</a:t>
             </a:r>
           </a:p>
@@ -1423,7 +1417,7 @@
           <a:p>
             <a:fld id="{78C97017-6FC3-485B-9764-EAC9E56C1D49}" type="datetimeFigureOut">
               <a:rPr lang="en-US" smtClean="0"/>
-              <a:t>2/6/2017</a:t>
+              <a:t>7/11/2017</a:t>
             </a:fld>
             <a:endParaRPr lang="en-US"/>
           </a:p>
@@ -1517,10 +1511,9 @@
           <a:lstStyle/>
           <a:p>
             <a:r>
-              <a:rPr lang="en-US" smtClean="0"/>
+              <a:rPr lang="en-US"/>
               <a:t>Click to edit Master title style</a:t>
             </a:r>
-            <a:endParaRPr lang="en-US"/>
           </a:p>
         </p:txBody>
       </p:sp>
@@ -1574,38 +1567,37 @@
           <a:p>
             <a:pPr lvl="0"/>
             <a:r>
-              <a:rPr lang="en-US" smtClean="0"/>
+              <a:rPr lang="en-US"/>
               <a:t>Click to edit Master text styles</a:t>
             </a:r>
           </a:p>
           <a:p>
             <a:pPr lvl="1"/>
             <a:r>
-              <a:rPr lang="en-US" smtClean="0"/>
+              <a:rPr lang="en-US"/>
               <a:t>Second level</a:t>
             </a:r>
           </a:p>
           <a:p>
             <a:pPr lvl="2"/>
             <a:r>
-              <a:rPr lang="en-US" smtClean="0"/>
+              <a:rPr lang="en-US"/>
               <a:t>Third level</a:t>
             </a:r>
           </a:p>
           <a:p>
             <a:pPr lvl="3"/>
             <a:r>
-              <a:rPr lang="en-US" smtClean="0"/>
+              <a:rPr lang="en-US"/>
               <a:t>Fourth level</a:t>
             </a:r>
           </a:p>
           <a:p>
             <a:pPr lvl="4"/>
             <a:r>
-              <a:rPr lang="en-US" smtClean="0"/>
+              <a:rPr lang="en-US"/>
               <a:t>Fifth level</a:t>
             </a:r>
-            <a:endParaRPr lang="en-US"/>
           </a:p>
         </p:txBody>
       </p:sp>
@@ -1659,38 +1651,37 @@
           <a:p>
             <a:pPr lvl="0"/>
             <a:r>
-              <a:rPr lang="en-US" smtClean="0"/>
+              <a:rPr lang="en-US"/>
               <a:t>Click to edit Master text styles</a:t>
             </a:r>
           </a:p>
           <a:p>
             <a:pPr lvl="1"/>
             <a:r>
-              <a:rPr lang="en-US" smtClean="0"/>
+              <a:rPr lang="en-US"/>
               <a:t>Second level</a:t>
             </a:r>
           </a:p>
           <a:p>
             <a:pPr lvl="2"/>
             <a:r>
-              <a:rPr lang="en-US" smtClean="0"/>
+              <a:rPr lang="en-US"/>
               <a:t>Third level</a:t>
             </a:r>
           </a:p>
           <a:p>
             <a:pPr lvl="3"/>
             <a:r>
-              <a:rPr lang="en-US" smtClean="0"/>
+              <a:rPr lang="en-US"/>
               <a:t>Fourth level</a:t>
             </a:r>
           </a:p>
           <a:p>
             <a:pPr lvl="4"/>
             <a:r>
-              <a:rPr lang="en-US" smtClean="0"/>
+              <a:rPr lang="en-US"/>
               <a:t>Fifth level</a:t>
             </a:r>
-            <a:endParaRPr lang="en-US"/>
           </a:p>
         </p:txBody>
       </p:sp>
@@ -1711,7 +1702,7 @@
           <a:p>
             <a:fld id="{78C97017-6FC3-485B-9764-EAC9E56C1D49}" type="datetimeFigureOut">
               <a:rPr lang="en-US" smtClean="0"/>
-              <a:t>2/6/2017</a:t>
+              <a:t>7/11/2017</a:t>
             </a:fld>
             <a:endParaRPr lang="en-US"/>
           </a:p>
@@ -1809,10 +1800,9 @@
           </a:lstStyle>
           <a:p>
             <a:r>
-              <a:rPr lang="en-US" smtClean="0"/>
+              <a:rPr lang="en-US"/>
               <a:t>Click to edit Master title style</a:t>
             </a:r>
-            <a:endParaRPr lang="en-US"/>
           </a:p>
         </p:txBody>
       </p:sp>
@@ -1875,7 +1865,7 @@
           <a:p>
             <a:pPr lvl="0"/>
             <a:r>
-              <a:rPr lang="en-US" smtClean="0"/>
+              <a:rPr lang="en-US"/>
               <a:t>Click to edit Master text styles</a:t>
             </a:r>
           </a:p>
@@ -1931,38 +1921,37 @@
           <a:p>
             <a:pPr lvl="0"/>
             <a:r>
-              <a:rPr lang="en-US" smtClean="0"/>
+              <a:rPr lang="en-US"/>
               <a:t>Click to edit Master text styles</a:t>
             </a:r>
           </a:p>
           <a:p>
             <a:pPr lvl="1"/>
             <a:r>
-              <a:rPr lang="en-US" smtClean="0"/>
+              <a:rPr lang="en-US"/>
               <a:t>Second level</a:t>
             </a:r>
           </a:p>
           <a:p>
             <a:pPr lvl="2"/>
             <a:r>
-              <a:rPr lang="en-US" smtClean="0"/>
+              <a:rPr lang="en-US"/>
               <a:t>Third level</a:t>
             </a:r>
           </a:p>
           <a:p>
             <a:pPr lvl="3"/>
             <a:r>
-              <a:rPr lang="en-US" smtClean="0"/>
+              <a:rPr lang="en-US"/>
               <a:t>Fourth level</a:t>
             </a:r>
           </a:p>
           <a:p>
             <a:pPr lvl="4"/>
             <a:r>
-              <a:rPr lang="en-US" smtClean="0"/>
+              <a:rPr lang="en-US"/>
               <a:t>Fifth level</a:t>
             </a:r>
-            <a:endParaRPr lang="en-US"/>
           </a:p>
         </p:txBody>
       </p:sp>
@@ -2025,7 +2014,7 @@
           <a:p>
             <a:pPr lvl="0"/>
             <a:r>
-              <a:rPr lang="en-US" smtClean="0"/>
+              <a:rPr lang="en-US"/>
               <a:t>Click to edit Master text styles</a:t>
             </a:r>
           </a:p>
@@ -2081,38 +2070,37 @@
           <a:p>
             <a:pPr lvl="0"/>
             <a:r>
-              <a:rPr lang="en-US" smtClean="0"/>
+              <a:rPr lang="en-US"/>
               <a:t>Click to edit Master text styles</a:t>
             </a:r>
           </a:p>
           <a:p>
             <a:pPr lvl="1"/>
             <a:r>
-              <a:rPr lang="en-US" smtClean="0"/>
+              <a:rPr lang="en-US"/>
               <a:t>Second level</a:t>
             </a:r>
           </a:p>
           <a:p>
             <a:pPr lvl="2"/>
             <a:r>
-              <a:rPr lang="en-US" smtClean="0"/>
+              <a:rPr lang="en-US"/>
               <a:t>Third level</a:t>
             </a:r>
           </a:p>
           <a:p>
             <a:pPr lvl="3"/>
             <a:r>
-              <a:rPr lang="en-US" smtClean="0"/>
+              <a:rPr lang="en-US"/>
               <a:t>Fourth level</a:t>
             </a:r>
           </a:p>
           <a:p>
             <a:pPr lvl="4"/>
             <a:r>
-              <a:rPr lang="en-US" smtClean="0"/>
+              <a:rPr lang="en-US"/>
               <a:t>Fifth level</a:t>
             </a:r>
-            <a:endParaRPr lang="en-US"/>
           </a:p>
         </p:txBody>
       </p:sp>
@@ -2133,7 +2121,7 @@
           <a:p>
             <a:fld id="{78C97017-6FC3-485B-9764-EAC9E56C1D49}" type="datetimeFigureOut">
               <a:rPr lang="en-US" smtClean="0"/>
-              <a:t>2/6/2017</a:t>
+              <a:t>7/11/2017</a:t>
             </a:fld>
             <a:endParaRPr lang="en-US"/>
           </a:p>
@@ -2227,10 +2215,9 @@
           <a:lstStyle/>
           <a:p>
             <a:r>
-              <a:rPr lang="en-US" smtClean="0"/>
+              <a:rPr lang="en-US"/>
               <a:t>Click to edit Master title style</a:t>
             </a:r>
-            <a:endParaRPr lang="en-US"/>
           </a:p>
         </p:txBody>
       </p:sp>
@@ -2251,7 +2238,7 @@
           <a:p>
             <a:fld id="{78C97017-6FC3-485B-9764-EAC9E56C1D49}" type="datetimeFigureOut">
               <a:rPr lang="en-US" smtClean="0"/>
-              <a:t>2/6/2017</a:t>
+              <a:t>7/11/2017</a:t>
             </a:fld>
             <a:endParaRPr lang="en-US"/>
           </a:p>
@@ -2346,7 +2333,7 @@
           <a:p>
             <a:fld id="{78C97017-6FC3-485B-9764-EAC9E56C1D49}" type="datetimeFigureOut">
               <a:rPr lang="en-US" smtClean="0"/>
-              <a:t>2/6/2017</a:t>
+              <a:t>7/11/2017</a:t>
             </a:fld>
             <a:endParaRPr lang="en-US"/>
           </a:p>
@@ -2449,10 +2436,9 @@
           </a:lstStyle>
           <a:p>
             <a:r>
-              <a:rPr lang="en-US" smtClean="0"/>
+              <a:rPr lang="en-US"/>
               <a:t>Click to edit Master title style</a:t>
             </a:r>
-            <a:endParaRPr lang="en-US"/>
           </a:p>
         </p:txBody>
       </p:sp>
@@ -2506,38 +2492,37 @@
           <a:p>
             <a:pPr lvl="0"/>
             <a:r>
-              <a:rPr lang="en-US" smtClean="0"/>
+              <a:rPr lang="en-US"/>
               <a:t>Click to edit Master text styles</a:t>
             </a:r>
           </a:p>
           <a:p>
             <a:pPr lvl="1"/>
             <a:r>
-              <a:rPr lang="en-US" smtClean="0"/>
+              <a:rPr lang="en-US"/>
               <a:t>Second level</a:t>
             </a:r>
           </a:p>
           <a:p>
             <a:pPr lvl="2"/>
             <a:r>
-              <a:rPr lang="en-US" smtClean="0"/>
+              <a:rPr lang="en-US"/>
               <a:t>Third level</a:t>
             </a:r>
           </a:p>
           <a:p>
             <a:pPr lvl="3"/>
             <a:r>
-              <a:rPr lang="en-US" smtClean="0"/>
+              <a:rPr lang="en-US"/>
               <a:t>Fourth level</a:t>
             </a:r>
           </a:p>
           <a:p>
             <a:pPr lvl="4"/>
             <a:r>
-              <a:rPr lang="en-US" smtClean="0"/>
+              <a:rPr lang="en-US"/>
               <a:t>Fifth level</a:t>
             </a:r>
-            <a:endParaRPr lang="en-US"/>
           </a:p>
         </p:txBody>
       </p:sp>
@@ -2600,7 +2585,7 @@
           <a:p>
             <a:pPr lvl="0"/>
             <a:r>
-              <a:rPr lang="en-US" smtClean="0"/>
+              <a:rPr lang="en-US"/>
               <a:t>Click to edit Master text styles</a:t>
             </a:r>
           </a:p>
@@ -2623,7 +2608,7 @@
           <a:p>
             <a:fld id="{78C97017-6FC3-485B-9764-EAC9E56C1D49}" type="datetimeFigureOut">
               <a:rPr lang="en-US" smtClean="0"/>
-              <a:t>2/6/2017</a:t>
+              <a:t>7/11/2017</a:t>
             </a:fld>
             <a:endParaRPr lang="en-US"/>
           </a:p>
@@ -2726,10 +2711,9 @@
           </a:lstStyle>
           <a:p>
             <a:r>
-              <a:rPr lang="en-US" smtClean="0"/>
+              <a:rPr lang="en-US"/>
               <a:t>Click to edit Master title style</a:t>
             </a:r>
-            <a:endParaRPr lang="en-US"/>
           </a:p>
         </p:txBody>
       </p:sp>
@@ -2853,7 +2837,7 @@
           <a:p>
             <a:pPr lvl="0"/>
             <a:r>
-              <a:rPr lang="en-US" smtClean="0"/>
+              <a:rPr lang="en-US"/>
               <a:t>Click to edit Master text styles</a:t>
             </a:r>
           </a:p>
@@ -2876,7 +2860,7 @@
           <a:p>
             <a:fld id="{78C97017-6FC3-485B-9764-EAC9E56C1D49}" type="datetimeFigureOut">
               <a:rPr lang="en-US" smtClean="0"/>
-              <a:t>2/6/2017</a:t>
+              <a:t>7/11/2017</a:t>
             </a:fld>
             <a:endParaRPr lang="en-US"/>
           </a:p>
@@ -2985,10 +2969,9 @@
           <a:lstStyle/>
           <a:p>
             <a:r>
-              <a:rPr lang="en-US" smtClean="0"/>
+              <a:rPr lang="en-US"/>
               <a:t>Click to edit Master title style</a:t>
             </a:r>
-            <a:endParaRPr lang="en-US"/>
           </a:p>
         </p:txBody>
       </p:sp>
@@ -3019,38 +3002,37 @@
           <a:p>
             <a:pPr lvl="0"/>
             <a:r>
-              <a:rPr lang="en-US" smtClean="0"/>
+              <a:rPr lang="en-US"/>
               <a:t>Click to edit Master text styles</a:t>
             </a:r>
           </a:p>
           <a:p>
             <a:pPr lvl="1"/>
             <a:r>
-              <a:rPr lang="en-US" smtClean="0"/>
+              <a:rPr lang="en-US"/>
               <a:t>Second level</a:t>
             </a:r>
           </a:p>
           <a:p>
             <a:pPr lvl="2"/>
             <a:r>
-              <a:rPr lang="en-US" smtClean="0"/>
+              <a:rPr lang="en-US"/>
               <a:t>Third level</a:t>
             </a:r>
           </a:p>
           <a:p>
             <a:pPr lvl="3"/>
             <a:r>
-              <a:rPr lang="en-US" smtClean="0"/>
+              <a:rPr lang="en-US"/>
               <a:t>Fourth level</a:t>
             </a:r>
           </a:p>
           <a:p>
             <a:pPr lvl="4"/>
             <a:r>
-              <a:rPr lang="en-US" smtClean="0"/>
+              <a:rPr lang="en-US"/>
               <a:t>Fifth level</a:t>
             </a:r>
-            <a:endParaRPr lang="en-US"/>
           </a:p>
         </p:txBody>
       </p:sp>
@@ -3089,7 +3071,7 @@
           <a:p>
             <a:fld id="{78C97017-6FC3-485B-9764-EAC9E56C1D49}" type="datetimeFigureOut">
               <a:rPr lang="en-US" smtClean="0"/>
-              <a:t>2/6/2017</a:t>
+              <a:t>7/11/2017</a:t>
             </a:fld>
             <a:endParaRPr lang="en-US"/>
           </a:p>
@@ -3510,7 +3492,7 @@
           <a:lstStyle/>
           <a:p>
             <a:r>
-              <a:rPr lang="en-US" sz="1200" b="1" dirty="0" smtClean="0">
+              <a:rPr lang="en-US" sz="1200" b="1" dirty="0">
                 <a:solidFill>
                   <a:srgbClr val="0070C0"/>
                 </a:solidFill>
@@ -3684,8 +3666,8 @@
         </p:nvSpPr>
         <p:spPr>
           <a:xfrm>
-            <a:off x="2809782" y="2300233"/>
-            <a:ext cx="1093635" cy="346760"/>
+            <a:off x="2743200" y="2179309"/>
+            <a:ext cx="1219200" cy="467684"/>
           </a:xfrm>
           <a:prstGeom prst="rect">
             <a:avLst/>
@@ -3720,12 +3702,23 @@
           <a:p>
             <a:pPr algn="ctr"/>
             <a:r>
-              <a:rPr lang="en-US" sz="1600" dirty="0" smtClean="0">
+              <a:rPr lang="en-US" sz="1600" dirty="0">
                 <a:solidFill>
                   <a:schemeClr val="bg1"/>
                 </a:solidFill>
               </a:rPr>
-              <a:t>:Parser</a:t>
+              <a:t>:Address</a:t>
+            </a:r>
+          </a:p>
+          <a:p>
+            <a:pPr algn="ctr"/>
+            <a:r>
+              <a:rPr lang="en-US" sz="1600" dirty="0" err="1">
+                <a:solidFill>
+                  <a:schemeClr val="bg1"/>
+                </a:solidFill>
+              </a:rPr>
+              <a:t>BookParser</a:t>
             </a:r>
             <a:endParaRPr lang="en-SG" sz="1600" dirty="0">
               <a:solidFill>
@@ -3867,20 +3860,12 @@
           <a:p>
             <a:pPr algn="ctr"/>
             <a:r>
-              <a:rPr lang="en-US" sz="1600" dirty="0" smtClean="0">
+              <a:rPr lang="en-US" sz="1600" dirty="0">
                 <a:solidFill>
                   <a:schemeClr val="bg1"/>
                 </a:solidFill>
               </a:rPr>
               <a:t>d:Delete</a:t>
-            </a:r>
-            <a:r>
-              <a:rPr lang="en-US" sz="1600" dirty="0">
-                <a:solidFill>
-                  <a:schemeClr val="bg1"/>
-                </a:solidFill>
-              </a:rPr>
-              <a:t/>
             </a:r>
             <a:br>
               <a:rPr lang="en-US" sz="1600" dirty="0">
@@ -4087,18 +4072,13 @@
           <a:p>
             <a:pPr algn="r"/>
             <a:r>
-              <a:rPr lang="en-US" sz="1400" dirty="0" smtClean="0">
+              <a:rPr lang="en-US" sz="1400" dirty="0">
                 <a:solidFill>
                   <a:srgbClr val="0070C0"/>
                 </a:solidFill>
               </a:rPr>
               <a:t>execute(“delete 1”)</a:t>
             </a:r>
-            <a:endParaRPr lang="en-US" sz="1400" dirty="0">
-              <a:solidFill>
-                <a:srgbClr val="0070C0"/>
-              </a:solidFill>
-            </a:endParaRPr>
           </a:p>
         </p:txBody>
       </p:sp>
@@ -4686,7 +4666,7 @@
           </a:lstStyle>
           <a:p>
             <a:r>
-              <a:rPr lang="en-US" dirty="0" err="1" smtClean="0">
+              <a:rPr lang="en-US" dirty="0" err="1">
                 <a:solidFill>
                   <a:srgbClr val="7030A0"/>
                 </a:solidFill>
@@ -4694,18 +4674,13 @@
               <a:t>deletePerson</a:t>
             </a:r>
             <a:r>
-              <a:rPr lang="en-US" dirty="0" smtClean="0">
+              <a:rPr lang="en-US" dirty="0">
                 <a:solidFill>
                   <a:srgbClr val="7030A0"/>
                 </a:solidFill>
               </a:rPr>
               <a:t>(p)</a:t>
             </a:r>
-            <a:endParaRPr lang="en-US" dirty="0">
-              <a:solidFill>
-                <a:srgbClr val="7030A0"/>
-              </a:solidFill>
-            </a:endParaRPr>
           </a:p>
         </p:txBody>
       </p:sp>
@@ -4744,13 +4719,8 @@
           <a:p>
             <a:r>
               <a:rPr lang="en-US" sz="1200" dirty="0"/>
-              <a:t>p</a:t>
-            </a:r>
-            <a:r>
-              <a:rPr lang="en-US" sz="1200" dirty="0" smtClean="0"/>
-              <a:t>arse(“1”)</a:t>
-            </a:r>
-            <a:endParaRPr lang="en-US" sz="1200" dirty="0"/>
+              <a:t>parse(“1”)</a:t>
+            </a:r>
           </a:p>
         </p:txBody>
       </p:sp>
@@ -4788,10 +4758,9 @@
           </a:lstStyle>
           <a:p>
             <a:r>
-              <a:rPr lang="en-US" dirty="0" smtClean="0"/>
+              <a:rPr lang="en-US" dirty="0"/>
               <a:t>parse(“delete 1”)</a:t>
             </a:r>
-            <a:endParaRPr lang="en-US" dirty="0"/>
           </a:p>
         </p:txBody>
       </p:sp>
@@ -4829,10 +4798,9 @@
           </a:lstStyle>
           <a:p>
             <a:r>
-              <a:rPr lang="en-US" dirty="0" smtClean="0"/>
+              <a:rPr lang="en-US" dirty="0"/>
               <a:t>result</a:t>
             </a:r>
-            <a:endParaRPr lang="en-US" dirty="0"/>
           </a:p>
         </p:txBody>
       </p:sp>
@@ -4870,10 +4838,9 @@
           </a:lstStyle>
           <a:p>
             <a:r>
-              <a:rPr lang="en-US" dirty="0" smtClean="0"/>
+              <a:rPr lang="en-US" dirty="0"/>
               <a:t>result</a:t>
             </a:r>
-            <a:endParaRPr lang="en-US" dirty="0"/>
           </a:p>
         </p:txBody>
       </p:sp>
@@ -4921,7 +4888,7 @@
           <a:p>
             <a:pPr algn="ctr"/>
             <a:r>
-              <a:rPr lang="en-US" sz="1600" dirty="0" err="1" smtClean="0">
+              <a:rPr lang="en-US" sz="1600" dirty="0" err="1">
                 <a:solidFill>
                   <a:schemeClr val="bg1"/>
                 </a:solidFill>
@@ -4929,7 +4896,7 @@
               <a:t>result:Command</a:t>
             </a:r>
             <a:r>
-              <a:rPr lang="en-US" sz="1600" dirty="0" smtClean="0">
+              <a:rPr lang="en-US" sz="1600" dirty="0">
                 <a:solidFill>
                   <a:schemeClr val="bg1"/>
                 </a:solidFill>
@@ -5063,10 +5030,9 @@
           </a:lstStyle>
           <a:p>
             <a:r>
-              <a:rPr lang="en-US" dirty="0" smtClean="0"/>
+              <a:rPr lang="en-US" dirty="0"/>
               <a:t>d</a:t>
             </a:r>
-            <a:endParaRPr lang="en-US" dirty="0"/>
           </a:p>
         </p:txBody>
       </p:sp>
@@ -5114,7 +5080,7 @@
           <a:p>
             <a:pPr algn="ctr"/>
             <a:r>
-              <a:rPr lang="en-US" sz="1600" dirty="0" smtClean="0">
+              <a:rPr lang="en-US" sz="1600" dirty="0">
                 <a:solidFill>
                   <a:schemeClr val="bg1"/>
                 </a:solidFill>
@@ -5122,14 +5088,14 @@
               <a:t>:</a:t>
             </a:r>
             <a:r>
-              <a:rPr lang="en-US" sz="1600" dirty="0" err="1" smtClean="0">
+              <a:rPr lang="en-US" sz="1600" dirty="0" err="1">
                 <a:solidFill>
                   <a:schemeClr val="bg1"/>
                 </a:solidFill>
               </a:rPr>
               <a:t>DeleteCommand</a:t>
             </a:r>
-            <a:endParaRPr lang="en-US" sz="1600" dirty="0" smtClean="0">
+            <a:endParaRPr lang="en-US" sz="1600" dirty="0">
               <a:solidFill>
                 <a:schemeClr val="bg1"/>
               </a:solidFill>
@@ -5138,7 +5104,7 @@
           <a:p>
             <a:pPr algn="ctr"/>
             <a:r>
-              <a:rPr lang="en-US" sz="1600" dirty="0" smtClean="0">
+              <a:rPr lang="en-US" sz="1600" dirty="0">
                 <a:solidFill>
                   <a:schemeClr val="bg1"/>
                 </a:solidFill>
@@ -5489,18 +5455,13 @@
           <a:lstStyle/>
           <a:p>
             <a:r>
-              <a:rPr lang="en-SG" sz="1100" dirty="0" smtClean="0">
+              <a:rPr lang="en-SG" sz="1100" dirty="0">
                 <a:solidFill>
                   <a:srgbClr val="002060"/>
                 </a:solidFill>
               </a:rPr>
               <a:t>X</a:t>
             </a:r>
-            <a:endParaRPr lang="en-SG" sz="1100" dirty="0">
-              <a:solidFill>
-                <a:srgbClr val="002060"/>
-              </a:solidFill>
-            </a:endParaRPr>
           </a:p>
         </p:txBody>
       </p:sp>

--- a/docs/diagrams/LogicComponentSequenceDiagram.pptx
+++ b/docs/diagrams/LogicComponentSequenceDiagram.pptx
@@ -126,10 +126,6 @@
 </p:presentation>
 </file>
 
-<file path=ppt/revisionInfo.xml><?xml version="1.0" encoding="utf-8"?>
-<p1510:revInfo xmlns:a="http://schemas.openxmlformats.org/drawingml/2006/main" xmlns:r="http://schemas.openxmlformats.org/officeDocument/2006/relationships" xmlns:p1510="http://schemas.microsoft.com/office/powerpoint/2015/10/main"/>
-</file>
-
 <file path=ppt/notesMasters/notesMaster1.xml><?xml version="1.0" encoding="utf-8"?>
 <p:notesMaster xmlns:a="http://schemas.openxmlformats.org/drawingml/2006/main" xmlns:r="http://schemas.openxmlformats.org/officeDocument/2006/relationships" xmlns:p="http://schemas.openxmlformats.org/presentationml/2006/main">
   <p:cSld>
@@ -212,7 +208,7 @@
           <a:p>
             <a:fld id="{F5CC4B3F-88C1-4FFA-B1B6-F41C21DC6924}" type="datetimeFigureOut">
               <a:rPr lang="en-US" smtClean="0"/>
-              <a:t>7/11/2017</a:t>
+              <a:t>9/21/2018</a:t>
             </a:fld>
             <a:endParaRPr lang="en-US"/>
           </a:p>
@@ -658,7 +654,7 @@
           <a:p>
             <a:fld id="{78C97017-6FC3-485B-9764-EAC9E56C1D49}" type="datetimeFigureOut">
               <a:rPr lang="en-US" smtClean="0"/>
-              <a:t>7/11/2017</a:t>
+              <a:t>9/21/2018</a:t>
             </a:fld>
             <a:endParaRPr lang="en-US"/>
           </a:p>
@@ -826,7 +822,7 @@
           <a:p>
             <a:fld id="{78C97017-6FC3-485B-9764-EAC9E56C1D49}" type="datetimeFigureOut">
               <a:rPr lang="en-US" smtClean="0"/>
-              <a:t>7/11/2017</a:t>
+              <a:t>9/21/2018</a:t>
             </a:fld>
             <a:endParaRPr lang="en-US"/>
           </a:p>
@@ -1004,7 +1000,7 @@
           <a:p>
             <a:fld id="{78C97017-6FC3-485B-9764-EAC9E56C1D49}" type="datetimeFigureOut">
               <a:rPr lang="en-US" smtClean="0"/>
-              <a:t>7/11/2017</a:t>
+              <a:t>9/21/2018</a:t>
             </a:fld>
             <a:endParaRPr lang="en-US"/>
           </a:p>
@@ -1172,7 +1168,7 @@
           <a:p>
             <a:fld id="{78C97017-6FC3-485B-9764-EAC9E56C1D49}" type="datetimeFigureOut">
               <a:rPr lang="en-US" smtClean="0"/>
-              <a:t>7/11/2017</a:t>
+              <a:t>9/21/2018</a:t>
             </a:fld>
             <a:endParaRPr lang="en-US"/>
           </a:p>
@@ -1417,7 +1413,7 @@
           <a:p>
             <a:fld id="{78C97017-6FC3-485B-9764-EAC9E56C1D49}" type="datetimeFigureOut">
               <a:rPr lang="en-US" smtClean="0"/>
-              <a:t>7/11/2017</a:t>
+              <a:t>9/21/2018</a:t>
             </a:fld>
             <a:endParaRPr lang="en-US"/>
           </a:p>
@@ -1702,7 +1698,7 @@
           <a:p>
             <a:fld id="{78C97017-6FC3-485B-9764-EAC9E56C1D49}" type="datetimeFigureOut">
               <a:rPr lang="en-US" smtClean="0"/>
-              <a:t>7/11/2017</a:t>
+              <a:t>9/21/2018</a:t>
             </a:fld>
             <a:endParaRPr lang="en-US"/>
           </a:p>
@@ -2121,7 +2117,7 @@
           <a:p>
             <a:fld id="{78C97017-6FC3-485B-9764-EAC9E56C1D49}" type="datetimeFigureOut">
               <a:rPr lang="en-US" smtClean="0"/>
-              <a:t>7/11/2017</a:t>
+              <a:t>9/21/2018</a:t>
             </a:fld>
             <a:endParaRPr lang="en-US"/>
           </a:p>
@@ -2238,7 +2234,7 @@
           <a:p>
             <a:fld id="{78C97017-6FC3-485B-9764-EAC9E56C1D49}" type="datetimeFigureOut">
               <a:rPr lang="en-US" smtClean="0"/>
-              <a:t>7/11/2017</a:t>
+              <a:t>9/21/2018</a:t>
             </a:fld>
             <a:endParaRPr lang="en-US"/>
           </a:p>
@@ -2333,7 +2329,7 @@
           <a:p>
             <a:fld id="{78C97017-6FC3-485B-9764-EAC9E56C1D49}" type="datetimeFigureOut">
               <a:rPr lang="en-US" smtClean="0"/>
-              <a:t>7/11/2017</a:t>
+              <a:t>9/21/2018</a:t>
             </a:fld>
             <a:endParaRPr lang="en-US"/>
           </a:p>
@@ -2608,7 +2604,7 @@
           <a:p>
             <a:fld id="{78C97017-6FC3-485B-9764-EAC9E56C1D49}" type="datetimeFigureOut">
               <a:rPr lang="en-US" smtClean="0"/>
-              <a:t>7/11/2017</a:t>
+              <a:t>9/21/2018</a:t>
             </a:fld>
             <a:endParaRPr lang="en-US"/>
           </a:p>
@@ -2860,7 +2856,7 @@
           <a:p>
             <a:fld id="{78C97017-6FC3-485B-9764-EAC9E56C1D49}" type="datetimeFigureOut">
               <a:rPr lang="en-US" smtClean="0"/>
-              <a:t>7/11/2017</a:t>
+              <a:t>9/21/2018</a:t>
             </a:fld>
             <a:endParaRPr lang="en-US"/>
           </a:p>
@@ -3071,7 +3067,7 @@
           <a:p>
             <a:fld id="{78C97017-6FC3-485B-9764-EAC9E56C1D49}" type="datetimeFigureOut">
               <a:rPr lang="en-US" smtClean="0"/>
-              <a:t>7/11/2017</a:t>
+              <a:t>9/21/2018</a:t>
             </a:fld>
             <a:endParaRPr lang="en-US"/>
           </a:p>
@@ -3454,8 +3450,8 @@
         </p:nvSpPr>
         <p:spPr>
           <a:xfrm>
-            <a:off x="685800" y="1981200"/>
-            <a:ext cx="7252956" cy="4000286"/>
+            <a:off x="599983" y="1506318"/>
+            <a:ext cx="7338773" cy="4475168"/>
           </a:xfrm>
           <a:prstGeom prst="roundRect">
             <a:avLst>
@@ -3515,7 +3511,7 @@
         </p:nvSpPr>
         <p:spPr>
           <a:xfrm>
-            <a:off x="845045" y="2296546"/>
+            <a:off x="862935" y="2176159"/>
             <a:ext cx="1455629" cy="346760"/>
           </a:xfrm>
           <a:prstGeom prst="rect">
@@ -3577,13 +3573,16 @@
       <p:cxnSp>
         <p:nvCxnSpPr>
           <p:cNvPr id="5" name="Straight Connector 4"/>
-          <p:cNvCxnSpPr/>
+          <p:cNvCxnSpPr>
+            <a:cxnSpLocks/>
+            <a:stCxn id="2" idx="2"/>
+          </p:cNvCxnSpPr>
           <p:nvPr/>
         </p:nvCxnSpPr>
         <p:spPr>
-          <a:xfrm>
-            <a:off x="1572859" y="2660217"/>
-            <a:ext cx="0" cy="2597583"/>
+          <a:xfrm flipH="1">
+            <a:off x="1581370" y="2522919"/>
+            <a:ext cx="9380" cy="2657457"/>
           </a:xfrm>
           <a:prstGeom prst="line">
             <a:avLst/>
@@ -3666,8 +3665,8 @@
         </p:nvSpPr>
         <p:spPr>
           <a:xfrm>
-            <a:off x="2743200" y="2179309"/>
-            <a:ext cx="1219200" cy="467684"/>
+            <a:off x="2743199" y="2179309"/>
+            <a:ext cx="1295391" cy="467684"/>
           </a:xfrm>
           <a:prstGeom prst="rect">
             <a:avLst/>
@@ -3707,18 +3706,15 @@
                   <a:schemeClr val="bg1"/>
                 </a:solidFill>
               </a:rPr>
-              <a:t>:Address</a:t>
-            </a:r>
-          </a:p>
-          <a:p>
-            <a:pPr algn="ctr"/>
+              <a:t>:</a:t>
+            </a:r>
             <a:r>
               <a:rPr lang="en-US" sz="1600" dirty="0" err="1">
                 <a:solidFill>
                   <a:schemeClr val="bg1"/>
                 </a:solidFill>
               </a:rPr>
-              <a:t>BookParser</a:t>
+              <a:t>EriumParser</a:t>
             </a:r>
             <a:endParaRPr lang="en-SG" sz="1600" dirty="0">
               <a:solidFill>
@@ -3825,7 +3821,7 @@
         <p:spPr>
           <a:xfrm>
             <a:off x="6221565" y="3312740"/>
-            <a:ext cx="1093635" cy="461538"/>
+            <a:ext cx="1603054" cy="461538"/>
           </a:xfrm>
           <a:prstGeom prst="rect">
             <a:avLst/>
@@ -3865,7 +3861,7 @@
                   <a:schemeClr val="bg1"/>
                 </a:solidFill>
               </a:rPr>
-              <a:t>d:Delete</a:t>
+              <a:t>d:DeleteFriend</a:t>
             </a:r>
             <a:br>
               <a:rPr lang="en-US" sz="1600" dirty="0">
@@ -4056,8 +4052,8 @@
         </p:nvSpPr>
         <p:spPr>
           <a:xfrm>
-            <a:off x="0" y="2743200"/>
-            <a:ext cx="1424846" cy="215444"/>
+            <a:off x="97450" y="2560187"/>
+            <a:ext cx="1226294" cy="430887"/>
           </a:xfrm>
           <a:prstGeom prst="rect">
             <a:avLst/>
@@ -4077,7 +4073,23 @@
                   <a:srgbClr val="0070C0"/>
                 </a:solidFill>
               </a:rPr>
-              <a:t>execute(“delete 1”)</a:t>
+              <a:t>execute(“</a:t>
+            </a:r>
+            <a:r>
+              <a:rPr lang="en-US" sz="1400" dirty="0" err="1">
+                <a:solidFill>
+                  <a:srgbClr val="0070C0"/>
+                </a:solidFill>
+              </a:rPr>
+              <a:t>delete_friend</a:t>
+            </a:r>
+            <a:r>
+              <a:rPr lang="en-US" sz="1400" dirty="0">
+                <a:solidFill>
+                  <a:srgbClr val="0070C0"/>
+                </a:solidFill>
+              </a:rPr>
+              <a:t> 1”)</a:t>
             </a:r>
           </a:p>
         </p:txBody>
@@ -4732,8 +4744,8 @@
         </p:nvSpPr>
         <p:spPr>
           <a:xfrm>
-            <a:off x="1742982" y="2850922"/>
-            <a:ext cx="1424846" cy="215444"/>
+            <a:off x="1872840" y="3155424"/>
+            <a:ext cx="984792" cy="430887"/>
           </a:xfrm>
           <a:prstGeom prst="rect">
             <a:avLst/>
@@ -4759,7 +4771,15 @@
           <a:p>
             <a:r>
               <a:rPr lang="en-US" dirty="0"/>
-              <a:t>parse(“delete 1”)</a:t>
+              <a:t>parse(“</a:t>
+            </a:r>
+            <a:r>
+              <a:rPr lang="en-US" dirty="0" err="1"/>
+              <a:t>delete_friend</a:t>
+            </a:r>
+            <a:r>
+              <a:rPr lang="en-US" dirty="0"/>
+              <a:t> 1”)</a:t>
             </a:r>
           </a:p>
         </p:txBody>
@@ -5044,8 +5064,8 @@
         </p:nvSpPr>
         <p:spPr>
           <a:xfrm>
-            <a:off x="4231981" y="2929839"/>
-            <a:ext cx="1778201" cy="432035"/>
+            <a:off x="4242105" y="2638250"/>
+            <a:ext cx="1853882" cy="749656"/>
           </a:xfrm>
           <a:prstGeom prst="rect">
             <a:avLst/>
@@ -5093,7 +5113,7 @@
                   <a:schemeClr val="bg1"/>
                 </a:solidFill>
               </a:rPr>
-              <a:t>DeleteCommand</a:t>
+              <a:t>DeleteFriendCommand</a:t>
             </a:r>
             <a:endParaRPr lang="en-US" sz="1600" dirty="0">
               <a:solidFill>

--- a/docs/diagrams/LogicComponentSequenceDiagram.pptx
+++ b/docs/diagrams/LogicComponentSequenceDiagram.pptx
@@ -126,10 +126,6 @@
 </p:presentation>
 </file>
 
-<file path=ppt/revisionInfo.xml><?xml version="1.0" encoding="utf-8"?>
-<p1510:revInfo xmlns:a="http://schemas.openxmlformats.org/drawingml/2006/main" xmlns:r="http://schemas.openxmlformats.org/officeDocument/2006/relationships" xmlns:p1510="http://schemas.microsoft.com/office/powerpoint/2015/10/main"/>
-</file>
-
 <file path=ppt/notesMasters/notesMaster1.xml><?xml version="1.0" encoding="utf-8"?>
 <p:notesMaster xmlns:a="http://schemas.openxmlformats.org/drawingml/2006/main" xmlns:r="http://schemas.openxmlformats.org/officeDocument/2006/relationships" xmlns:p="http://schemas.openxmlformats.org/presentationml/2006/main">
   <p:cSld>
@@ -212,7 +208,7 @@
           <a:p>
             <a:fld id="{F5CC4B3F-88C1-4FFA-B1B6-F41C21DC6924}" type="datetimeFigureOut">
               <a:rPr lang="en-US" smtClean="0"/>
-              <a:t>7/11/2017</a:t>
+              <a:t>4/11/2019</a:t>
             </a:fld>
             <a:endParaRPr lang="en-US"/>
           </a:p>
@@ -658,7 +654,7 @@
           <a:p>
             <a:fld id="{78C97017-6FC3-485B-9764-EAC9E56C1D49}" type="datetimeFigureOut">
               <a:rPr lang="en-US" smtClean="0"/>
-              <a:t>7/11/2017</a:t>
+              <a:t>4/11/2019</a:t>
             </a:fld>
             <a:endParaRPr lang="en-US"/>
           </a:p>
@@ -826,7 +822,7 @@
           <a:p>
             <a:fld id="{78C97017-6FC3-485B-9764-EAC9E56C1D49}" type="datetimeFigureOut">
               <a:rPr lang="en-US" smtClean="0"/>
-              <a:t>7/11/2017</a:t>
+              <a:t>4/11/2019</a:t>
             </a:fld>
             <a:endParaRPr lang="en-US"/>
           </a:p>
@@ -1004,7 +1000,7 @@
           <a:p>
             <a:fld id="{78C97017-6FC3-485B-9764-EAC9E56C1D49}" type="datetimeFigureOut">
               <a:rPr lang="en-US" smtClean="0"/>
-              <a:t>7/11/2017</a:t>
+              <a:t>4/11/2019</a:t>
             </a:fld>
             <a:endParaRPr lang="en-US"/>
           </a:p>
@@ -1172,7 +1168,7 @@
           <a:p>
             <a:fld id="{78C97017-6FC3-485B-9764-EAC9E56C1D49}" type="datetimeFigureOut">
               <a:rPr lang="en-US" smtClean="0"/>
-              <a:t>7/11/2017</a:t>
+              <a:t>4/11/2019</a:t>
             </a:fld>
             <a:endParaRPr lang="en-US"/>
           </a:p>
@@ -1417,7 +1413,7 @@
           <a:p>
             <a:fld id="{78C97017-6FC3-485B-9764-EAC9E56C1D49}" type="datetimeFigureOut">
               <a:rPr lang="en-US" smtClean="0"/>
-              <a:t>7/11/2017</a:t>
+              <a:t>4/11/2019</a:t>
             </a:fld>
             <a:endParaRPr lang="en-US"/>
           </a:p>
@@ -1702,7 +1698,7 @@
           <a:p>
             <a:fld id="{78C97017-6FC3-485B-9764-EAC9E56C1D49}" type="datetimeFigureOut">
               <a:rPr lang="en-US" smtClean="0"/>
-              <a:t>7/11/2017</a:t>
+              <a:t>4/11/2019</a:t>
             </a:fld>
             <a:endParaRPr lang="en-US"/>
           </a:p>
@@ -2121,7 +2117,7 @@
           <a:p>
             <a:fld id="{78C97017-6FC3-485B-9764-EAC9E56C1D49}" type="datetimeFigureOut">
               <a:rPr lang="en-US" smtClean="0"/>
-              <a:t>7/11/2017</a:t>
+              <a:t>4/11/2019</a:t>
             </a:fld>
             <a:endParaRPr lang="en-US"/>
           </a:p>
@@ -2238,7 +2234,7 @@
           <a:p>
             <a:fld id="{78C97017-6FC3-485B-9764-EAC9E56C1D49}" type="datetimeFigureOut">
               <a:rPr lang="en-US" smtClean="0"/>
-              <a:t>7/11/2017</a:t>
+              <a:t>4/11/2019</a:t>
             </a:fld>
             <a:endParaRPr lang="en-US"/>
           </a:p>
@@ -2333,7 +2329,7 @@
           <a:p>
             <a:fld id="{78C97017-6FC3-485B-9764-EAC9E56C1D49}" type="datetimeFigureOut">
               <a:rPr lang="en-US" smtClean="0"/>
-              <a:t>7/11/2017</a:t>
+              <a:t>4/11/2019</a:t>
             </a:fld>
             <a:endParaRPr lang="en-US"/>
           </a:p>
@@ -2608,7 +2604,7 @@
           <a:p>
             <a:fld id="{78C97017-6FC3-485B-9764-EAC9E56C1D49}" type="datetimeFigureOut">
               <a:rPr lang="en-US" smtClean="0"/>
-              <a:t>7/11/2017</a:t>
+              <a:t>4/11/2019</a:t>
             </a:fld>
             <a:endParaRPr lang="en-US"/>
           </a:p>
@@ -2860,7 +2856,7 @@
           <a:p>
             <a:fld id="{78C97017-6FC3-485B-9764-EAC9E56C1D49}" type="datetimeFigureOut">
               <a:rPr lang="en-US" smtClean="0"/>
-              <a:t>7/11/2017</a:t>
+              <a:t>4/11/2019</a:t>
             </a:fld>
             <a:endParaRPr lang="en-US"/>
           </a:p>
@@ -3071,7 +3067,7 @@
           <a:p>
             <a:fld id="{78C97017-6FC3-485B-9764-EAC9E56C1D49}" type="datetimeFigureOut">
               <a:rPr lang="en-US" smtClean="0"/>
-              <a:t>7/11/2017</a:t>
+              <a:t>4/11/2019</a:t>
             </a:fld>
             <a:endParaRPr lang="en-US"/>
           </a:p>
@@ -3707,18 +3703,15 @@
                   <a:schemeClr val="bg1"/>
                 </a:solidFill>
               </a:rPr>
-              <a:t>:Address</a:t>
-            </a:r>
-          </a:p>
-          <a:p>
-            <a:pPr algn="ctr"/>
+              <a:t>:</a:t>
+            </a:r>
             <a:r>
               <a:rPr lang="en-US" sz="1600" dirty="0" err="1">
                 <a:solidFill>
                   <a:schemeClr val="bg1"/>
                 </a:solidFill>
               </a:rPr>
-              <a:t>BookParser</a:t>
+              <a:t>LifeParser</a:t>
             </a:r>
             <a:endParaRPr lang="en-SG" sz="1600" dirty="0">
               <a:solidFill>
